--- a/GitHub_Steve.pptx
+++ b/GitHub_Steve.pptx
@@ -5,13 +5,22 @@
     <p:sldMasterId id="2147483648" r:id="rId1"/>
   </p:sldMasterIdLst>
   <p:notesMasterIdLst>
-    <p:notesMasterId r:id="rId6"/>
+    <p:notesMasterId r:id="rId15"/>
   </p:notesMasterIdLst>
   <p:sldIdLst>
     <p:sldId id="256" r:id="rId2"/>
     <p:sldId id="259" r:id="rId3"/>
     <p:sldId id="257" r:id="rId4"/>
     <p:sldId id="260" r:id="rId5"/>
+    <p:sldId id="262" r:id="rId6"/>
+    <p:sldId id="263" r:id="rId7"/>
+    <p:sldId id="264" r:id="rId8"/>
+    <p:sldId id="265" r:id="rId9"/>
+    <p:sldId id="266" r:id="rId10"/>
+    <p:sldId id="267" r:id="rId11"/>
+    <p:sldId id="268" r:id="rId12"/>
+    <p:sldId id="269" r:id="rId13"/>
+    <p:sldId id="261" r:id="rId14"/>
   </p:sldIdLst>
   <p:sldSz cx="9144000" cy="6858000" type="screen4x3"/>
   <p:notesSz cx="6858000" cy="9144000"/>
@@ -479,6 +488,558 @@
     </a:lvl9pPr>
   </p:notesStyle>
 </p:notesMaster>
+</file>
+
+<file path=ppt/notesSlides/notesSlide1.xml><?xml version="1.0" encoding="utf-8"?>
+<p:notes xmlns:a="http://schemas.openxmlformats.org/drawingml/2006/main" xmlns:r="http://schemas.openxmlformats.org/officeDocument/2006/relationships" xmlns:p="http://schemas.openxmlformats.org/presentationml/2006/main">
+  <p:cSld>
+    <p:spTree>
+      <p:nvGrpSpPr>
+        <p:cNvPr id="1" name=""/>
+        <p:cNvGrpSpPr/>
+        <p:nvPr/>
+      </p:nvGrpSpPr>
+      <p:grpSpPr>
+        <a:xfrm>
+          <a:off x="0" y="0"/>
+          <a:ext cx="0" cy="0"/>
+          <a:chOff x="0" y="0"/>
+          <a:chExt cx="0" cy="0"/>
+        </a:xfrm>
+      </p:grpSpPr>
+      <p:sp>
+        <p:nvSpPr>
+          <p:cNvPr id="2" name="Slide Image Placeholder 1"/>
+          <p:cNvSpPr>
+            <a:spLocks noGrp="1" noRot="1" noChangeAspect="1"/>
+          </p:cNvSpPr>
+          <p:nvPr>
+            <p:ph type="sldImg"/>
+          </p:nvPr>
+        </p:nvSpPr>
+        <p:spPr/>
+      </p:sp>
+      <p:sp>
+        <p:nvSpPr>
+          <p:cNvPr id="3" name="Notes Placeholder 2"/>
+          <p:cNvSpPr>
+            <a:spLocks noGrp="1"/>
+          </p:cNvSpPr>
+          <p:nvPr>
+            <p:ph type="body" idx="1"/>
+          </p:nvPr>
+        </p:nvSpPr>
+        <p:spPr/>
+        <p:txBody>
+          <a:bodyPr/>
+          <a:lstStyle/>
+          <a:p>
+            <a:r>
+              <a:rPr lang="en-US" dirty="0" smtClean="0"/>
+              <a:t>Using Git</a:t>
+            </a:r>
+            <a:r>
+              <a:rPr lang="en-US" baseline="0" dirty="0" smtClean="0"/>
+              <a:t>Hub Desktop. Could also use command line.</a:t>
+            </a:r>
+            <a:endParaRPr lang="en-US" dirty="0"/>
+          </a:p>
+        </p:txBody>
+      </p:sp>
+      <p:sp>
+        <p:nvSpPr>
+          <p:cNvPr id="4" name="Slide Number Placeholder 3"/>
+          <p:cNvSpPr>
+            <a:spLocks noGrp="1"/>
+          </p:cNvSpPr>
+          <p:nvPr>
+            <p:ph type="sldNum" sz="quarter" idx="10"/>
+          </p:nvPr>
+        </p:nvSpPr>
+        <p:spPr/>
+        <p:txBody>
+          <a:bodyPr/>
+          <a:lstStyle/>
+          <a:p>
+            <a:fld id="{330637A4-5A62-4226-AE0F-A6A737EE5607}" type="slidenum">
+              <a:rPr lang="en-US" smtClean="0"/>
+              <a:t>7</a:t>
+            </a:fld>
+            <a:endParaRPr lang="en-US"/>
+          </a:p>
+        </p:txBody>
+      </p:sp>
+    </p:spTree>
+    <p:extLst>
+      <p:ext uri="{BB962C8B-B14F-4D97-AF65-F5344CB8AC3E}">
+        <p14:creationId xmlns:p14="http://schemas.microsoft.com/office/powerpoint/2010/main" val="1669373434"/>
+      </p:ext>
+    </p:extLst>
+  </p:cSld>
+  <p:clrMapOvr>
+    <a:masterClrMapping/>
+  </p:clrMapOvr>
+</p:notes>
+</file>
+
+<file path=ppt/notesSlides/notesSlide2.xml><?xml version="1.0" encoding="utf-8"?>
+<p:notes xmlns:a="http://schemas.openxmlformats.org/drawingml/2006/main" xmlns:r="http://schemas.openxmlformats.org/officeDocument/2006/relationships" xmlns:p="http://schemas.openxmlformats.org/presentationml/2006/main">
+  <p:cSld>
+    <p:spTree>
+      <p:nvGrpSpPr>
+        <p:cNvPr id="1" name=""/>
+        <p:cNvGrpSpPr/>
+        <p:nvPr/>
+      </p:nvGrpSpPr>
+      <p:grpSpPr>
+        <a:xfrm>
+          <a:off x="0" y="0"/>
+          <a:ext cx="0" cy="0"/>
+          <a:chOff x="0" y="0"/>
+          <a:chExt cx="0" cy="0"/>
+        </a:xfrm>
+      </p:grpSpPr>
+      <p:sp>
+        <p:nvSpPr>
+          <p:cNvPr id="2" name="Slide Image Placeholder 1"/>
+          <p:cNvSpPr>
+            <a:spLocks noGrp="1" noRot="1" noChangeAspect="1"/>
+          </p:cNvSpPr>
+          <p:nvPr>
+            <p:ph type="sldImg"/>
+          </p:nvPr>
+        </p:nvSpPr>
+        <p:spPr/>
+      </p:sp>
+      <p:sp>
+        <p:nvSpPr>
+          <p:cNvPr id="3" name="Notes Placeholder 2"/>
+          <p:cNvSpPr>
+            <a:spLocks noGrp="1"/>
+          </p:cNvSpPr>
+          <p:nvPr>
+            <p:ph type="body" idx="1"/>
+          </p:nvPr>
+        </p:nvSpPr>
+        <p:spPr/>
+        <p:txBody>
+          <a:bodyPr/>
+          <a:lstStyle/>
+          <a:p>
+            <a:r>
+              <a:rPr lang="en-US" dirty="0" smtClean="0"/>
+              <a:t>Using Git</a:t>
+            </a:r>
+            <a:r>
+              <a:rPr lang="en-US" baseline="0" dirty="0" smtClean="0"/>
+              <a:t>Hub Desktop. Could also use command line.</a:t>
+            </a:r>
+            <a:endParaRPr lang="en-US" dirty="0"/>
+          </a:p>
+        </p:txBody>
+      </p:sp>
+      <p:sp>
+        <p:nvSpPr>
+          <p:cNvPr id="4" name="Slide Number Placeholder 3"/>
+          <p:cNvSpPr>
+            <a:spLocks noGrp="1"/>
+          </p:cNvSpPr>
+          <p:nvPr>
+            <p:ph type="sldNum" sz="quarter" idx="10"/>
+          </p:nvPr>
+        </p:nvSpPr>
+        <p:spPr/>
+        <p:txBody>
+          <a:bodyPr/>
+          <a:lstStyle/>
+          <a:p>
+            <a:fld id="{330637A4-5A62-4226-AE0F-A6A737EE5607}" type="slidenum">
+              <a:rPr lang="en-US" smtClean="0"/>
+              <a:t>8</a:t>
+            </a:fld>
+            <a:endParaRPr lang="en-US"/>
+          </a:p>
+        </p:txBody>
+      </p:sp>
+    </p:spTree>
+    <p:extLst>
+      <p:ext uri="{BB962C8B-B14F-4D97-AF65-F5344CB8AC3E}">
+        <p14:creationId xmlns:p14="http://schemas.microsoft.com/office/powerpoint/2010/main" val="3669850550"/>
+      </p:ext>
+    </p:extLst>
+  </p:cSld>
+  <p:clrMapOvr>
+    <a:masterClrMapping/>
+  </p:clrMapOvr>
+</p:notes>
+</file>
+
+<file path=ppt/notesSlides/notesSlide3.xml><?xml version="1.0" encoding="utf-8"?>
+<p:notes xmlns:a="http://schemas.openxmlformats.org/drawingml/2006/main" xmlns:r="http://schemas.openxmlformats.org/officeDocument/2006/relationships" xmlns:p="http://schemas.openxmlformats.org/presentationml/2006/main">
+  <p:cSld>
+    <p:spTree>
+      <p:nvGrpSpPr>
+        <p:cNvPr id="1" name=""/>
+        <p:cNvGrpSpPr/>
+        <p:nvPr/>
+      </p:nvGrpSpPr>
+      <p:grpSpPr>
+        <a:xfrm>
+          <a:off x="0" y="0"/>
+          <a:ext cx="0" cy="0"/>
+          <a:chOff x="0" y="0"/>
+          <a:chExt cx="0" cy="0"/>
+        </a:xfrm>
+      </p:grpSpPr>
+      <p:sp>
+        <p:nvSpPr>
+          <p:cNvPr id="2" name="Slide Image Placeholder 1"/>
+          <p:cNvSpPr>
+            <a:spLocks noGrp="1" noRot="1" noChangeAspect="1"/>
+          </p:cNvSpPr>
+          <p:nvPr>
+            <p:ph type="sldImg"/>
+          </p:nvPr>
+        </p:nvSpPr>
+        <p:spPr/>
+      </p:sp>
+      <p:sp>
+        <p:nvSpPr>
+          <p:cNvPr id="3" name="Notes Placeholder 2"/>
+          <p:cNvSpPr>
+            <a:spLocks noGrp="1"/>
+          </p:cNvSpPr>
+          <p:nvPr>
+            <p:ph type="body" idx="1"/>
+          </p:nvPr>
+        </p:nvSpPr>
+        <p:spPr/>
+        <p:txBody>
+          <a:bodyPr/>
+          <a:lstStyle/>
+          <a:p>
+            <a:r>
+              <a:rPr lang="en-US" dirty="0" smtClean="0"/>
+              <a:t>Using Git</a:t>
+            </a:r>
+            <a:r>
+              <a:rPr lang="en-US" baseline="0" dirty="0" smtClean="0"/>
+              <a:t>Hub Desktop. Could also use command line.</a:t>
+            </a:r>
+            <a:endParaRPr lang="en-US" dirty="0"/>
+          </a:p>
+        </p:txBody>
+      </p:sp>
+      <p:sp>
+        <p:nvSpPr>
+          <p:cNvPr id="4" name="Slide Number Placeholder 3"/>
+          <p:cNvSpPr>
+            <a:spLocks noGrp="1"/>
+          </p:cNvSpPr>
+          <p:nvPr>
+            <p:ph type="sldNum" sz="quarter" idx="10"/>
+          </p:nvPr>
+        </p:nvSpPr>
+        <p:spPr/>
+        <p:txBody>
+          <a:bodyPr/>
+          <a:lstStyle/>
+          <a:p>
+            <a:fld id="{330637A4-5A62-4226-AE0F-A6A737EE5607}" type="slidenum">
+              <a:rPr lang="en-US" smtClean="0"/>
+              <a:t>9</a:t>
+            </a:fld>
+            <a:endParaRPr lang="en-US"/>
+          </a:p>
+        </p:txBody>
+      </p:sp>
+    </p:spTree>
+    <p:extLst>
+      <p:ext uri="{BB962C8B-B14F-4D97-AF65-F5344CB8AC3E}">
+        <p14:creationId xmlns:p14="http://schemas.microsoft.com/office/powerpoint/2010/main" val="2330499340"/>
+      </p:ext>
+    </p:extLst>
+  </p:cSld>
+  <p:clrMapOvr>
+    <a:masterClrMapping/>
+  </p:clrMapOvr>
+</p:notes>
+</file>
+
+<file path=ppt/notesSlides/notesSlide4.xml><?xml version="1.0" encoding="utf-8"?>
+<p:notes xmlns:a="http://schemas.openxmlformats.org/drawingml/2006/main" xmlns:r="http://schemas.openxmlformats.org/officeDocument/2006/relationships" xmlns:p="http://schemas.openxmlformats.org/presentationml/2006/main">
+  <p:cSld>
+    <p:spTree>
+      <p:nvGrpSpPr>
+        <p:cNvPr id="1" name=""/>
+        <p:cNvGrpSpPr/>
+        <p:nvPr/>
+      </p:nvGrpSpPr>
+      <p:grpSpPr>
+        <a:xfrm>
+          <a:off x="0" y="0"/>
+          <a:ext cx="0" cy="0"/>
+          <a:chOff x="0" y="0"/>
+          <a:chExt cx="0" cy="0"/>
+        </a:xfrm>
+      </p:grpSpPr>
+      <p:sp>
+        <p:nvSpPr>
+          <p:cNvPr id="2" name="Slide Image Placeholder 1"/>
+          <p:cNvSpPr>
+            <a:spLocks noGrp="1" noRot="1" noChangeAspect="1"/>
+          </p:cNvSpPr>
+          <p:nvPr>
+            <p:ph type="sldImg"/>
+          </p:nvPr>
+        </p:nvSpPr>
+        <p:spPr/>
+      </p:sp>
+      <p:sp>
+        <p:nvSpPr>
+          <p:cNvPr id="3" name="Notes Placeholder 2"/>
+          <p:cNvSpPr>
+            <a:spLocks noGrp="1"/>
+          </p:cNvSpPr>
+          <p:nvPr>
+            <p:ph type="body" idx="1"/>
+          </p:nvPr>
+        </p:nvSpPr>
+        <p:spPr/>
+        <p:txBody>
+          <a:bodyPr/>
+          <a:lstStyle/>
+          <a:p>
+            <a:r>
+              <a:rPr lang="en-US" dirty="0" smtClean="0"/>
+              <a:t>Using Git</a:t>
+            </a:r>
+            <a:r>
+              <a:rPr lang="en-US" baseline="0" dirty="0" smtClean="0"/>
+              <a:t>Hub Desktop. Could also use command line.</a:t>
+            </a:r>
+            <a:endParaRPr lang="en-US" dirty="0"/>
+          </a:p>
+        </p:txBody>
+      </p:sp>
+      <p:sp>
+        <p:nvSpPr>
+          <p:cNvPr id="4" name="Slide Number Placeholder 3"/>
+          <p:cNvSpPr>
+            <a:spLocks noGrp="1"/>
+          </p:cNvSpPr>
+          <p:nvPr>
+            <p:ph type="sldNum" sz="quarter" idx="10"/>
+          </p:nvPr>
+        </p:nvSpPr>
+        <p:spPr/>
+        <p:txBody>
+          <a:bodyPr/>
+          <a:lstStyle/>
+          <a:p>
+            <a:fld id="{330637A4-5A62-4226-AE0F-A6A737EE5607}" type="slidenum">
+              <a:rPr lang="en-US" smtClean="0"/>
+              <a:t>10</a:t>
+            </a:fld>
+            <a:endParaRPr lang="en-US"/>
+          </a:p>
+        </p:txBody>
+      </p:sp>
+    </p:spTree>
+    <p:extLst>
+      <p:ext uri="{BB962C8B-B14F-4D97-AF65-F5344CB8AC3E}">
+        <p14:creationId xmlns:p14="http://schemas.microsoft.com/office/powerpoint/2010/main" val="2306756248"/>
+      </p:ext>
+    </p:extLst>
+  </p:cSld>
+  <p:clrMapOvr>
+    <a:masterClrMapping/>
+  </p:clrMapOvr>
+</p:notes>
+</file>
+
+<file path=ppt/notesSlides/notesSlide5.xml><?xml version="1.0" encoding="utf-8"?>
+<p:notes xmlns:a="http://schemas.openxmlformats.org/drawingml/2006/main" xmlns:r="http://schemas.openxmlformats.org/officeDocument/2006/relationships" xmlns:p="http://schemas.openxmlformats.org/presentationml/2006/main">
+  <p:cSld>
+    <p:spTree>
+      <p:nvGrpSpPr>
+        <p:cNvPr id="1" name=""/>
+        <p:cNvGrpSpPr/>
+        <p:nvPr/>
+      </p:nvGrpSpPr>
+      <p:grpSpPr>
+        <a:xfrm>
+          <a:off x="0" y="0"/>
+          <a:ext cx="0" cy="0"/>
+          <a:chOff x="0" y="0"/>
+          <a:chExt cx="0" cy="0"/>
+        </a:xfrm>
+      </p:grpSpPr>
+      <p:sp>
+        <p:nvSpPr>
+          <p:cNvPr id="2" name="Slide Image Placeholder 1"/>
+          <p:cNvSpPr>
+            <a:spLocks noGrp="1" noRot="1" noChangeAspect="1"/>
+          </p:cNvSpPr>
+          <p:nvPr>
+            <p:ph type="sldImg"/>
+          </p:nvPr>
+        </p:nvSpPr>
+        <p:spPr/>
+      </p:sp>
+      <p:sp>
+        <p:nvSpPr>
+          <p:cNvPr id="3" name="Notes Placeholder 2"/>
+          <p:cNvSpPr>
+            <a:spLocks noGrp="1"/>
+          </p:cNvSpPr>
+          <p:nvPr>
+            <p:ph type="body" idx="1"/>
+          </p:nvPr>
+        </p:nvSpPr>
+        <p:spPr/>
+        <p:txBody>
+          <a:bodyPr/>
+          <a:lstStyle/>
+          <a:p>
+            <a:r>
+              <a:rPr lang="en-US" dirty="0" smtClean="0"/>
+              <a:t>Using Git</a:t>
+            </a:r>
+            <a:r>
+              <a:rPr lang="en-US" baseline="0" dirty="0" smtClean="0"/>
+              <a:t>Hub Desktop. Could also use command line.</a:t>
+            </a:r>
+            <a:endParaRPr lang="en-US" dirty="0"/>
+          </a:p>
+        </p:txBody>
+      </p:sp>
+      <p:sp>
+        <p:nvSpPr>
+          <p:cNvPr id="4" name="Slide Number Placeholder 3"/>
+          <p:cNvSpPr>
+            <a:spLocks noGrp="1"/>
+          </p:cNvSpPr>
+          <p:nvPr>
+            <p:ph type="sldNum" sz="quarter" idx="10"/>
+          </p:nvPr>
+        </p:nvSpPr>
+        <p:spPr/>
+        <p:txBody>
+          <a:bodyPr/>
+          <a:lstStyle/>
+          <a:p>
+            <a:fld id="{330637A4-5A62-4226-AE0F-A6A737EE5607}" type="slidenum">
+              <a:rPr lang="en-US" smtClean="0"/>
+              <a:t>11</a:t>
+            </a:fld>
+            <a:endParaRPr lang="en-US"/>
+          </a:p>
+        </p:txBody>
+      </p:sp>
+    </p:spTree>
+    <p:extLst>
+      <p:ext uri="{BB962C8B-B14F-4D97-AF65-F5344CB8AC3E}">
+        <p14:creationId xmlns:p14="http://schemas.microsoft.com/office/powerpoint/2010/main" val="4289323771"/>
+      </p:ext>
+    </p:extLst>
+  </p:cSld>
+  <p:clrMapOvr>
+    <a:masterClrMapping/>
+  </p:clrMapOvr>
+</p:notes>
+</file>
+
+<file path=ppt/notesSlides/notesSlide6.xml><?xml version="1.0" encoding="utf-8"?>
+<p:notes xmlns:a="http://schemas.openxmlformats.org/drawingml/2006/main" xmlns:r="http://schemas.openxmlformats.org/officeDocument/2006/relationships" xmlns:p="http://schemas.openxmlformats.org/presentationml/2006/main">
+  <p:cSld>
+    <p:spTree>
+      <p:nvGrpSpPr>
+        <p:cNvPr id="1" name=""/>
+        <p:cNvGrpSpPr/>
+        <p:nvPr/>
+      </p:nvGrpSpPr>
+      <p:grpSpPr>
+        <a:xfrm>
+          <a:off x="0" y="0"/>
+          <a:ext cx="0" cy="0"/>
+          <a:chOff x="0" y="0"/>
+          <a:chExt cx="0" cy="0"/>
+        </a:xfrm>
+      </p:grpSpPr>
+      <p:sp>
+        <p:nvSpPr>
+          <p:cNvPr id="2" name="Slide Image Placeholder 1"/>
+          <p:cNvSpPr>
+            <a:spLocks noGrp="1" noRot="1" noChangeAspect="1"/>
+          </p:cNvSpPr>
+          <p:nvPr>
+            <p:ph type="sldImg"/>
+          </p:nvPr>
+        </p:nvSpPr>
+        <p:spPr/>
+      </p:sp>
+      <p:sp>
+        <p:nvSpPr>
+          <p:cNvPr id="3" name="Notes Placeholder 2"/>
+          <p:cNvSpPr>
+            <a:spLocks noGrp="1"/>
+          </p:cNvSpPr>
+          <p:nvPr>
+            <p:ph type="body" idx="1"/>
+          </p:nvPr>
+        </p:nvSpPr>
+        <p:spPr/>
+        <p:txBody>
+          <a:bodyPr/>
+          <a:lstStyle/>
+          <a:p>
+            <a:r>
+              <a:rPr lang="en-US" dirty="0" smtClean="0"/>
+              <a:t>Using Git</a:t>
+            </a:r>
+            <a:r>
+              <a:rPr lang="en-US" baseline="0" dirty="0" smtClean="0"/>
+              <a:t>Hub Desktop. Could also use command line.</a:t>
+            </a:r>
+            <a:endParaRPr lang="en-US" dirty="0"/>
+          </a:p>
+        </p:txBody>
+      </p:sp>
+      <p:sp>
+        <p:nvSpPr>
+          <p:cNvPr id="4" name="Slide Number Placeholder 3"/>
+          <p:cNvSpPr>
+            <a:spLocks noGrp="1"/>
+          </p:cNvSpPr>
+          <p:nvPr>
+            <p:ph type="sldNum" sz="quarter" idx="10"/>
+          </p:nvPr>
+        </p:nvSpPr>
+        <p:spPr/>
+        <p:txBody>
+          <a:bodyPr/>
+          <a:lstStyle/>
+          <a:p>
+            <a:fld id="{330637A4-5A62-4226-AE0F-A6A737EE5607}" type="slidenum">
+              <a:rPr lang="en-US" smtClean="0"/>
+              <a:t>12</a:t>
+            </a:fld>
+            <a:endParaRPr lang="en-US"/>
+          </a:p>
+        </p:txBody>
+      </p:sp>
+    </p:spTree>
+    <p:extLst>
+      <p:ext uri="{BB962C8B-B14F-4D97-AF65-F5344CB8AC3E}">
+        <p14:creationId xmlns:p14="http://schemas.microsoft.com/office/powerpoint/2010/main" val="2609215321"/>
+      </p:ext>
+    </p:extLst>
+  </p:cSld>
+  <p:clrMapOvr>
+    <a:masterClrMapping/>
+  </p:clrMapOvr>
+</p:notes>
 </file>
 
 <file path=ppt/slideLayouts/slideLayout1.xml><?xml version="1.0" encoding="utf-8"?>
@@ -3524,70 +4085,24 @@
                   </a:schemeClr>
                 </a:solidFill>
               </a:rPr>
-              <a:t>Title Here – Blank Template</a:t>
+              <a:t>Interacting with </a:t>
+            </a:r>
+            <a:r>
+              <a:rPr lang="en-US" dirty="0" err="1" smtClean="0">
+                <a:solidFill>
+                  <a:schemeClr val="accent3">
+                    <a:lumMod val="60000"/>
+                    <a:lumOff val="40000"/>
+                  </a:schemeClr>
+                </a:solidFill>
+              </a:rPr>
+              <a:t>Git</a:t>
             </a:r>
             <a:endParaRPr lang="en-US" dirty="0">
               <a:solidFill>
                 <a:schemeClr val="accent3">
                   <a:lumMod val="60000"/>
                   <a:lumOff val="40000"/>
-                </a:schemeClr>
-              </a:solidFill>
-            </a:endParaRPr>
-          </a:p>
-        </p:txBody>
-      </p:sp>
-      <p:sp>
-        <p:nvSpPr>
-          <p:cNvPr id="3" name="Subtitle 2"/>
-          <p:cNvSpPr>
-            <a:spLocks noGrp="1"/>
-          </p:cNvSpPr>
-          <p:nvPr>
-            <p:ph type="subTitle" idx="1"/>
-          </p:nvPr>
-        </p:nvSpPr>
-        <p:spPr>
-          <a:xfrm>
-            <a:off x="1371600" y="3657600"/>
-            <a:ext cx="6400800" cy="1752600"/>
-          </a:xfrm>
-        </p:spPr>
-        <p:txBody>
-          <a:bodyPr/>
-          <a:lstStyle/>
-          <a:p>
-            <a:pPr algn="l"/>
-            <a:r>
-              <a:rPr lang="en-US" dirty="0" smtClean="0">
-                <a:solidFill>
-                  <a:schemeClr val="accent5">
-                    <a:lumMod val="40000"/>
-                    <a:lumOff val="60000"/>
-                  </a:schemeClr>
-                </a:solidFill>
-              </a:rPr>
-              <a:t>Author1 and Author 2</a:t>
-            </a:r>
-          </a:p>
-          <a:p>
-            <a:pPr algn="l"/>
-            <a:r>
-              <a:rPr lang="en-US" dirty="0" smtClean="0">
-                <a:solidFill>
-                  <a:schemeClr val="accent5">
-                    <a:lumMod val="40000"/>
-                    <a:lumOff val="60000"/>
-                  </a:schemeClr>
-                </a:solidFill>
-              </a:rPr>
-              <a:t>Date</a:t>
-            </a:r>
-            <a:endParaRPr lang="en-US" dirty="0">
-              <a:solidFill>
-                <a:schemeClr val="accent5">
-                  <a:lumMod val="40000"/>
-                  <a:lumOff val="60000"/>
                 </a:schemeClr>
               </a:solidFill>
             </a:endParaRPr>
@@ -3620,6 +4135,25 @@
           <a:noFill/>
         </p:spPr>
       </p:pic>
+      <p:sp>
+        <p:nvSpPr>
+          <p:cNvPr id="4" name="Subtitle 3"/>
+          <p:cNvSpPr>
+            <a:spLocks noGrp="1"/>
+          </p:cNvSpPr>
+          <p:nvPr>
+            <p:ph type="subTitle" idx="1"/>
+          </p:nvPr>
+        </p:nvSpPr>
+        <p:spPr/>
+        <p:txBody>
+          <a:bodyPr/>
+          <a:lstStyle/>
+          <a:p>
+            <a:endParaRPr lang="en-US"/>
+          </a:p>
+        </p:txBody>
+      </p:sp>
     </p:spTree>
   </p:cSld>
   <p:clrMapOvr>
@@ -3632,6 +4166,1598 @@
       </p:par>
     </p:tnLst>
   </p:timing>
+</p:sld>
+</file>
+
+<file path=ppt/slides/slide10.xml><?xml version="1.0" encoding="utf-8"?>
+<p:sld xmlns:a="http://schemas.openxmlformats.org/drawingml/2006/main" xmlns:r="http://schemas.openxmlformats.org/officeDocument/2006/relationships" xmlns:p="http://schemas.openxmlformats.org/presentationml/2006/main">
+  <p:cSld>
+    <p:bg>
+      <p:bgPr>
+        <a:solidFill>
+          <a:schemeClr val="bg1">
+            <a:lumMod val="65000"/>
+          </a:schemeClr>
+        </a:solidFill>
+        <a:effectLst/>
+      </p:bgPr>
+    </p:bg>
+    <p:spTree>
+      <p:nvGrpSpPr>
+        <p:cNvPr id="1" name=""/>
+        <p:cNvGrpSpPr/>
+        <p:nvPr/>
+      </p:nvGrpSpPr>
+      <p:grpSpPr>
+        <a:xfrm>
+          <a:off x="0" y="0"/>
+          <a:ext cx="0" cy="0"/>
+          <a:chOff x="0" y="0"/>
+          <a:chExt cx="0" cy="0"/>
+        </a:xfrm>
+      </p:grpSpPr>
+      <p:sp>
+        <p:nvSpPr>
+          <p:cNvPr id="5" name="Rectangle 4"/>
+          <p:cNvSpPr/>
+          <p:nvPr/>
+        </p:nvSpPr>
+        <p:spPr>
+          <a:xfrm>
+            <a:off x="0" y="6172200"/>
+            <a:ext cx="9144000" cy="685800"/>
+          </a:xfrm>
+          <a:prstGeom prst="rect">
+            <a:avLst/>
+          </a:prstGeom>
+          <a:gradFill>
+            <a:gsLst>
+              <a:gs pos="0">
+                <a:schemeClr val="bg1"/>
+              </a:gs>
+              <a:gs pos="100000">
+                <a:schemeClr val="bg1">
+                  <a:alpha val="0"/>
+                </a:schemeClr>
+              </a:gs>
+            </a:gsLst>
+            <a:lin ang="10800000" scaled="0"/>
+          </a:gradFill>
+          <a:ln>
+            <a:noFill/>
+          </a:ln>
+        </p:spPr>
+        <p:style>
+          <a:lnRef idx="2">
+            <a:schemeClr val="accent1">
+              <a:shade val="50000"/>
+            </a:schemeClr>
+          </a:lnRef>
+          <a:fillRef idx="1">
+            <a:schemeClr val="accent1"/>
+          </a:fillRef>
+          <a:effectRef idx="0">
+            <a:schemeClr val="accent1"/>
+          </a:effectRef>
+          <a:fontRef idx="minor">
+            <a:schemeClr val="lt1"/>
+          </a:fontRef>
+        </p:style>
+        <p:txBody>
+          <a:bodyPr rtlCol="0" anchor="ctr"/>
+          <a:lstStyle/>
+          <a:p>
+            <a:pPr algn="ctr"/>
+            <a:endParaRPr lang="en-US"/>
+          </a:p>
+        </p:txBody>
+      </p:sp>
+      <p:sp>
+        <p:nvSpPr>
+          <p:cNvPr id="2" name="Title 1"/>
+          <p:cNvSpPr>
+            <a:spLocks noGrp="1"/>
+          </p:cNvSpPr>
+          <p:nvPr>
+            <p:ph type="title"/>
+          </p:nvPr>
+        </p:nvSpPr>
+        <p:spPr/>
+        <p:txBody>
+          <a:bodyPr/>
+          <a:lstStyle/>
+          <a:p>
+            <a:pPr algn="l"/>
+            <a:r>
+              <a:rPr lang="en-US" dirty="0" smtClean="0">
+                <a:solidFill>
+                  <a:schemeClr val="accent1">
+                    <a:lumMod val="50000"/>
+                  </a:schemeClr>
+                </a:solidFill>
+              </a:rPr>
+              <a:t>[Branch Demo]</a:t>
+            </a:r>
+            <a:endParaRPr lang="en-US" dirty="0">
+              <a:solidFill>
+                <a:schemeClr val="accent1">
+                  <a:lumMod val="50000"/>
+                </a:schemeClr>
+              </a:solidFill>
+            </a:endParaRPr>
+          </a:p>
+        </p:txBody>
+      </p:sp>
+      <p:sp>
+        <p:nvSpPr>
+          <p:cNvPr id="3" name="Content Placeholder 2"/>
+          <p:cNvSpPr>
+            <a:spLocks noGrp="1"/>
+          </p:cNvSpPr>
+          <p:nvPr>
+            <p:ph idx="1"/>
+          </p:nvPr>
+        </p:nvSpPr>
+        <p:spPr/>
+        <p:txBody>
+          <a:bodyPr/>
+          <a:lstStyle/>
+          <a:p>
+            <a:r>
+              <a:rPr lang="en-US" dirty="0" smtClean="0"/>
+              <a:t>Click branch icon</a:t>
+            </a:r>
+          </a:p>
+          <a:p>
+            <a:r>
+              <a:rPr lang="en-US" dirty="0" smtClean="0"/>
+              <a:t>Type in name of new branch</a:t>
+            </a:r>
+          </a:p>
+          <a:p>
+            <a:r>
+              <a:rPr lang="en-US" dirty="0" smtClean="0"/>
+              <a:t>Branch from Master</a:t>
+            </a:r>
+          </a:p>
+          <a:p>
+            <a:r>
+              <a:rPr lang="en-US" dirty="0" smtClean="0"/>
+              <a:t>Click OK</a:t>
+            </a:r>
+            <a:endParaRPr lang="en-US" dirty="0"/>
+          </a:p>
+        </p:txBody>
+      </p:sp>
+      <p:pic>
+        <p:nvPicPr>
+          <p:cNvPr id="2050" name="Picture 2" descr="D:\data\market\3_logo\LTIlogo_object.png"/>
+          <p:cNvPicPr>
+            <a:picLocks noChangeAspect="1" noChangeArrowheads="1"/>
+          </p:cNvPicPr>
+          <p:nvPr/>
+        </p:nvPicPr>
+        <p:blipFill>
+          <a:blip r:embed="rId3" cstate="print"/>
+          <a:srcRect l="28571" t="23077" r="27473" b="23077"/>
+          <a:stretch>
+            <a:fillRect/>
+          </a:stretch>
+        </p:blipFill>
+        <p:spPr bwMode="auto">
+          <a:xfrm>
+            <a:off x="8077200" y="5943600"/>
+            <a:ext cx="990600" cy="866775"/>
+          </a:xfrm>
+          <a:prstGeom prst="rect">
+            <a:avLst/>
+          </a:prstGeom>
+          <a:noFill/>
+          <a:effectLst>
+            <a:outerShdw blurRad="50800" dist="38100" dir="2700000" algn="tl" rotWithShape="0">
+              <a:prstClr val="black">
+                <a:alpha val="40000"/>
+              </a:prstClr>
+            </a:outerShdw>
+          </a:effectLst>
+        </p:spPr>
+      </p:pic>
+      <p:sp>
+        <p:nvSpPr>
+          <p:cNvPr id="8" name="Slide Number Placeholder 7"/>
+          <p:cNvSpPr txBox="1">
+            <a:spLocks/>
+          </p:cNvSpPr>
+          <p:nvPr/>
+        </p:nvSpPr>
+        <p:spPr>
+          <a:xfrm>
+            <a:off x="5791200" y="6324600"/>
+            <a:ext cx="2133600" cy="365125"/>
+          </a:xfrm>
+          <a:prstGeom prst="rect">
+            <a:avLst/>
+          </a:prstGeom>
+        </p:spPr>
+        <p:txBody>
+          <a:bodyPr vert="horz" lIns="91440" tIns="45720" rIns="91440" bIns="45720" rtlCol="0" anchor="ctr"/>
+          <a:lstStyle/>
+          <a:p>
+            <a:pPr marL="0" marR="0" lvl="0" indent="0" algn="r" defTabSz="914400" rtl="0" eaLnBrk="1" fontAlgn="auto" latinLnBrk="0" hangingPunct="1">
+              <a:lnSpc>
+                <a:spcPct val="100000"/>
+              </a:lnSpc>
+              <a:spcBef>
+                <a:spcPts val="0"/>
+              </a:spcBef>
+              <a:spcAft>
+                <a:spcPts val="0"/>
+              </a:spcAft>
+              <a:buClrTx/>
+              <a:buSzTx/>
+              <a:buFontTx/>
+              <a:buNone/>
+              <a:tabLst/>
+              <a:defRPr/>
+            </a:pPr>
+            <a:r>
+              <a:rPr kumimoji="0" lang="en-US" sz="1400" b="0" i="0" u="none" strike="noStrike" kern="1200" cap="none" spc="0" normalizeH="0" baseline="0" noProof="0" dirty="0" smtClean="0">
+                <a:ln>
+                  <a:noFill/>
+                </a:ln>
+                <a:solidFill>
+                  <a:schemeClr val="accent3">
+                    <a:lumMod val="50000"/>
+                  </a:schemeClr>
+                </a:solidFill>
+                <a:effectLst/>
+                <a:uLnTx/>
+                <a:uFillTx/>
+                <a:latin typeface="+mn-lt"/>
+                <a:ea typeface="+mn-ea"/>
+                <a:cs typeface="+mn-cs"/>
+              </a:rPr>
+              <a:t>SLIDE </a:t>
+            </a:r>
+            <a:fld id="{C04375EB-5169-4238-8270-5D5536267021}" type="slidenum">
+              <a:rPr kumimoji="0" lang="en-US" sz="1400" b="0" i="0" u="none" strike="noStrike" kern="1200" cap="none" spc="0" normalizeH="0" baseline="0" noProof="0" smtClean="0">
+                <a:ln>
+                  <a:noFill/>
+                </a:ln>
+                <a:solidFill>
+                  <a:schemeClr val="accent3">
+                    <a:lumMod val="50000"/>
+                  </a:schemeClr>
+                </a:solidFill>
+                <a:effectLst/>
+                <a:uLnTx/>
+                <a:uFillTx/>
+                <a:latin typeface="+mn-lt"/>
+                <a:ea typeface="+mn-ea"/>
+                <a:cs typeface="+mn-cs"/>
+              </a:rPr>
+              <a:pPr marL="0" marR="0" lvl="0" indent="0" algn="r" defTabSz="914400" rtl="0" eaLnBrk="1" fontAlgn="auto" latinLnBrk="0" hangingPunct="1">
+                <a:lnSpc>
+                  <a:spcPct val="100000"/>
+                </a:lnSpc>
+                <a:spcBef>
+                  <a:spcPts val="0"/>
+                </a:spcBef>
+                <a:spcAft>
+                  <a:spcPts val="0"/>
+                </a:spcAft>
+                <a:buClrTx/>
+                <a:buSzTx/>
+                <a:buFontTx/>
+                <a:buNone/>
+                <a:tabLst/>
+                <a:defRPr/>
+              </a:pPr>
+              <a:t>10</a:t>
+            </a:fld>
+            <a:endParaRPr kumimoji="0" lang="en-US" sz="1400" b="0" i="0" u="none" strike="noStrike" kern="1200" cap="none" spc="0" normalizeH="0" baseline="0" noProof="0" dirty="0">
+              <a:ln>
+                <a:noFill/>
+              </a:ln>
+              <a:solidFill>
+                <a:schemeClr val="accent3">
+                  <a:lumMod val="50000"/>
+                </a:schemeClr>
+              </a:solidFill>
+              <a:effectLst/>
+              <a:uLnTx/>
+              <a:uFillTx/>
+              <a:latin typeface="+mn-lt"/>
+              <a:ea typeface="+mn-ea"/>
+              <a:cs typeface="+mn-cs"/>
+            </a:endParaRPr>
+          </a:p>
+        </p:txBody>
+      </p:sp>
+    </p:spTree>
+    <p:extLst>
+      <p:ext uri="{BB962C8B-B14F-4D97-AF65-F5344CB8AC3E}">
+        <p14:creationId xmlns:p14="http://schemas.microsoft.com/office/powerpoint/2010/main" val="556958731"/>
+      </p:ext>
+    </p:extLst>
+  </p:cSld>
+  <p:clrMapOvr>
+    <a:masterClrMapping/>
+  </p:clrMapOvr>
+  <p:timing>
+    <p:tnLst>
+      <p:par>
+        <p:cTn id="1" dur="indefinite" restart="never" nodeType="tmRoot"/>
+      </p:par>
+    </p:tnLst>
+  </p:timing>
+</p:sld>
+</file>
+
+<file path=ppt/slides/slide11.xml><?xml version="1.0" encoding="utf-8"?>
+<p:sld xmlns:a="http://schemas.openxmlformats.org/drawingml/2006/main" xmlns:r="http://schemas.openxmlformats.org/officeDocument/2006/relationships" xmlns:p="http://schemas.openxmlformats.org/presentationml/2006/main">
+  <p:cSld>
+    <p:bg>
+      <p:bgPr>
+        <a:solidFill>
+          <a:schemeClr val="bg1">
+            <a:lumMod val="65000"/>
+          </a:schemeClr>
+        </a:solidFill>
+        <a:effectLst/>
+      </p:bgPr>
+    </p:bg>
+    <p:spTree>
+      <p:nvGrpSpPr>
+        <p:cNvPr id="1" name=""/>
+        <p:cNvGrpSpPr/>
+        <p:nvPr/>
+      </p:nvGrpSpPr>
+      <p:grpSpPr>
+        <a:xfrm>
+          <a:off x="0" y="0"/>
+          <a:ext cx="0" cy="0"/>
+          <a:chOff x="0" y="0"/>
+          <a:chExt cx="0" cy="0"/>
+        </a:xfrm>
+      </p:grpSpPr>
+      <p:sp>
+        <p:nvSpPr>
+          <p:cNvPr id="5" name="Rectangle 4"/>
+          <p:cNvSpPr/>
+          <p:nvPr/>
+        </p:nvSpPr>
+        <p:spPr>
+          <a:xfrm>
+            <a:off x="0" y="6172200"/>
+            <a:ext cx="9144000" cy="685800"/>
+          </a:xfrm>
+          <a:prstGeom prst="rect">
+            <a:avLst/>
+          </a:prstGeom>
+          <a:gradFill>
+            <a:gsLst>
+              <a:gs pos="0">
+                <a:schemeClr val="bg1"/>
+              </a:gs>
+              <a:gs pos="100000">
+                <a:schemeClr val="bg1">
+                  <a:alpha val="0"/>
+                </a:schemeClr>
+              </a:gs>
+            </a:gsLst>
+            <a:lin ang="10800000" scaled="0"/>
+          </a:gradFill>
+          <a:ln>
+            <a:noFill/>
+          </a:ln>
+        </p:spPr>
+        <p:style>
+          <a:lnRef idx="2">
+            <a:schemeClr val="accent1">
+              <a:shade val="50000"/>
+            </a:schemeClr>
+          </a:lnRef>
+          <a:fillRef idx="1">
+            <a:schemeClr val="accent1"/>
+          </a:fillRef>
+          <a:effectRef idx="0">
+            <a:schemeClr val="accent1"/>
+          </a:effectRef>
+          <a:fontRef idx="minor">
+            <a:schemeClr val="lt1"/>
+          </a:fontRef>
+        </p:style>
+        <p:txBody>
+          <a:bodyPr rtlCol="0" anchor="ctr"/>
+          <a:lstStyle/>
+          <a:p>
+            <a:pPr algn="ctr"/>
+            <a:endParaRPr lang="en-US"/>
+          </a:p>
+        </p:txBody>
+      </p:sp>
+      <p:sp>
+        <p:nvSpPr>
+          <p:cNvPr id="2" name="Title 1"/>
+          <p:cNvSpPr>
+            <a:spLocks noGrp="1"/>
+          </p:cNvSpPr>
+          <p:nvPr>
+            <p:ph type="title"/>
+          </p:nvPr>
+        </p:nvSpPr>
+        <p:spPr/>
+        <p:txBody>
+          <a:bodyPr/>
+          <a:lstStyle/>
+          <a:p>
+            <a:pPr algn="l"/>
+            <a:r>
+              <a:rPr lang="en-US" dirty="0" smtClean="0">
+                <a:solidFill>
+                  <a:schemeClr val="accent1">
+                    <a:lumMod val="50000"/>
+                  </a:schemeClr>
+                </a:solidFill>
+              </a:rPr>
+              <a:t>Do actual work!</a:t>
+            </a:r>
+            <a:endParaRPr lang="en-US" dirty="0">
+              <a:solidFill>
+                <a:schemeClr val="accent1">
+                  <a:lumMod val="50000"/>
+                </a:schemeClr>
+              </a:solidFill>
+            </a:endParaRPr>
+          </a:p>
+        </p:txBody>
+      </p:sp>
+      <p:pic>
+        <p:nvPicPr>
+          <p:cNvPr id="2050" name="Picture 2" descr="D:\data\market\3_logo\LTIlogo_object.png"/>
+          <p:cNvPicPr>
+            <a:picLocks noChangeAspect="1" noChangeArrowheads="1"/>
+          </p:cNvPicPr>
+          <p:nvPr/>
+        </p:nvPicPr>
+        <p:blipFill>
+          <a:blip r:embed="rId3" cstate="print"/>
+          <a:srcRect l="28571" t="23077" r="27473" b="23077"/>
+          <a:stretch>
+            <a:fillRect/>
+          </a:stretch>
+        </p:blipFill>
+        <p:spPr bwMode="auto">
+          <a:xfrm>
+            <a:off x="8077200" y="5943600"/>
+            <a:ext cx="990600" cy="866775"/>
+          </a:xfrm>
+          <a:prstGeom prst="rect">
+            <a:avLst/>
+          </a:prstGeom>
+          <a:noFill/>
+          <a:effectLst>
+            <a:outerShdw blurRad="50800" dist="38100" dir="2700000" algn="tl" rotWithShape="0">
+              <a:prstClr val="black">
+                <a:alpha val="40000"/>
+              </a:prstClr>
+            </a:outerShdw>
+          </a:effectLst>
+        </p:spPr>
+      </p:pic>
+      <p:sp>
+        <p:nvSpPr>
+          <p:cNvPr id="8" name="Slide Number Placeholder 7"/>
+          <p:cNvSpPr txBox="1">
+            <a:spLocks/>
+          </p:cNvSpPr>
+          <p:nvPr/>
+        </p:nvSpPr>
+        <p:spPr>
+          <a:xfrm>
+            <a:off x="5791200" y="6324600"/>
+            <a:ext cx="2133600" cy="365125"/>
+          </a:xfrm>
+          <a:prstGeom prst="rect">
+            <a:avLst/>
+          </a:prstGeom>
+        </p:spPr>
+        <p:txBody>
+          <a:bodyPr vert="horz" lIns="91440" tIns="45720" rIns="91440" bIns="45720" rtlCol="0" anchor="ctr"/>
+          <a:lstStyle/>
+          <a:p>
+            <a:pPr marL="0" marR="0" lvl="0" indent="0" algn="r" defTabSz="914400" rtl="0" eaLnBrk="1" fontAlgn="auto" latinLnBrk="0" hangingPunct="1">
+              <a:lnSpc>
+                <a:spcPct val="100000"/>
+              </a:lnSpc>
+              <a:spcBef>
+                <a:spcPts val="0"/>
+              </a:spcBef>
+              <a:spcAft>
+                <a:spcPts val="0"/>
+              </a:spcAft>
+              <a:buClrTx/>
+              <a:buSzTx/>
+              <a:buFontTx/>
+              <a:buNone/>
+              <a:tabLst/>
+              <a:defRPr/>
+            </a:pPr>
+            <a:r>
+              <a:rPr kumimoji="0" lang="en-US" sz="1400" b="0" i="0" u="none" strike="noStrike" kern="1200" cap="none" spc="0" normalizeH="0" baseline="0" noProof="0" dirty="0" smtClean="0">
+                <a:ln>
+                  <a:noFill/>
+                </a:ln>
+                <a:solidFill>
+                  <a:schemeClr val="accent3">
+                    <a:lumMod val="50000"/>
+                  </a:schemeClr>
+                </a:solidFill>
+                <a:effectLst/>
+                <a:uLnTx/>
+                <a:uFillTx/>
+                <a:latin typeface="+mn-lt"/>
+                <a:ea typeface="+mn-ea"/>
+                <a:cs typeface="+mn-cs"/>
+              </a:rPr>
+              <a:t>SLIDE </a:t>
+            </a:r>
+            <a:fld id="{C04375EB-5169-4238-8270-5D5536267021}" type="slidenum">
+              <a:rPr kumimoji="0" lang="en-US" sz="1400" b="0" i="0" u="none" strike="noStrike" kern="1200" cap="none" spc="0" normalizeH="0" baseline="0" noProof="0" smtClean="0">
+                <a:ln>
+                  <a:noFill/>
+                </a:ln>
+                <a:solidFill>
+                  <a:schemeClr val="accent3">
+                    <a:lumMod val="50000"/>
+                  </a:schemeClr>
+                </a:solidFill>
+                <a:effectLst/>
+                <a:uLnTx/>
+                <a:uFillTx/>
+                <a:latin typeface="+mn-lt"/>
+                <a:ea typeface="+mn-ea"/>
+                <a:cs typeface="+mn-cs"/>
+              </a:rPr>
+              <a:pPr marL="0" marR="0" lvl="0" indent="0" algn="r" defTabSz="914400" rtl="0" eaLnBrk="1" fontAlgn="auto" latinLnBrk="0" hangingPunct="1">
+                <a:lnSpc>
+                  <a:spcPct val="100000"/>
+                </a:lnSpc>
+                <a:spcBef>
+                  <a:spcPts val="0"/>
+                </a:spcBef>
+                <a:spcAft>
+                  <a:spcPts val="0"/>
+                </a:spcAft>
+                <a:buClrTx/>
+                <a:buSzTx/>
+                <a:buFontTx/>
+                <a:buNone/>
+                <a:tabLst/>
+                <a:defRPr/>
+              </a:pPr>
+              <a:t>11</a:t>
+            </a:fld>
+            <a:endParaRPr kumimoji="0" lang="en-US" sz="1400" b="0" i="0" u="none" strike="noStrike" kern="1200" cap="none" spc="0" normalizeH="0" baseline="0" noProof="0" dirty="0">
+              <a:ln>
+                <a:noFill/>
+              </a:ln>
+              <a:solidFill>
+                <a:schemeClr val="accent3">
+                  <a:lumMod val="50000"/>
+                </a:schemeClr>
+              </a:solidFill>
+              <a:effectLst/>
+              <a:uLnTx/>
+              <a:uFillTx/>
+              <a:latin typeface="+mn-lt"/>
+              <a:ea typeface="+mn-ea"/>
+              <a:cs typeface="+mn-cs"/>
+            </a:endParaRPr>
+          </a:p>
+        </p:txBody>
+      </p:sp>
+      <p:pic>
+        <p:nvPicPr>
+          <p:cNvPr id="6" name="Picture 5"/>
+          <p:cNvPicPr>
+            <a:picLocks noChangeAspect="1"/>
+          </p:cNvPicPr>
+          <p:nvPr/>
+        </p:nvPicPr>
+        <p:blipFill>
+          <a:blip r:embed="rId4"/>
+          <a:stretch>
+            <a:fillRect/>
+          </a:stretch>
+        </p:blipFill>
+        <p:spPr>
+          <a:xfrm>
+            <a:off x="1524000" y="1615721"/>
+            <a:ext cx="2324100" cy="1581150"/>
+          </a:xfrm>
+          <a:prstGeom prst="rect">
+            <a:avLst/>
+          </a:prstGeom>
+        </p:spPr>
+      </p:pic>
+      <p:pic>
+        <p:nvPicPr>
+          <p:cNvPr id="7" name="Picture 6"/>
+          <p:cNvPicPr>
+            <a:picLocks noChangeAspect="1"/>
+          </p:cNvPicPr>
+          <p:nvPr/>
+        </p:nvPicPr>
+        <p:blipFill>
+          <a:blip r:embed="rId5"/>
+          <a:stretch>
+            <a:fillRect/>
+          </a:stretch>
+        </p:blipFill>
+        <p:spPr>
+          <a:xfrm>
+            <a:off x="5105400" y="1909762"/>
+            <a:ext cx="2324100" cy="2686050"/>
+          </a:xfrm>
+          <a:prstGeom prst="rect">
+            <a:avLst/>
+          </a:prstGeom>
+        </p:spPr>
+      </p:pic>
+      <p:pic>
+        <p:nvPicPr>
+          <p:cNvPr id="9" name="Picture 8"/>
+          <p:cNvPicPr>
+            <a:picLocks noChangeAspect="1"/>
+          </p:cNvPicPr>
+          <p:nvPr/>
+        </p:nvPicPr>
+        <p:blipFill>
+          <a:blip r:embed="rId6"/>
+          <a:stretch>
+            <a:fillRect/>
+          </a:stretch>
+        </p:blipFill>
+        <p:spPr>
+          <a:xfrm>
+            <a:off x="1524000" y="3809999"/>
+            <a:ext cx="2314575" cy="1571625"/>
+          </a:xfrm>
+          <a:prstGeom prst="rect">
+            <a:avLst/>
+          </a:prstGeom>
+        </p:spPr>
+      </p:pic>
+    </p:spTree>
+    <p:extLst>
+      <p:ext uri="{BB962C8B-B14F-4D97-AF65-F5344CB8AC3E}">
+        <p14:creationId xmlns:p14="http://schemas.microsoft.com/office/powerpoint/2010/main" val="1346323533"/>
+      </p:ext>
+    </p:extLst>
+  </p:cSld>
+  <p:clrMapOvr>
+    <a:masterClrMapping/>
+  </p:clrMapOvr>
+  <p:timing>
+    <p:tnLst>
+      <p:par>
+        <p:cTn id="1" dur="indefinite" restart="never" nodeType="tmRoot"/>
+      </p:par>
+    </p:tnLst>
+  </p:timing>
+</p:sld>
+</file>
+
+<file path=ppt/slides/slide12.xml><?xml version="1.0" encoding="utf-8"?>
+<p:sld xmlns:a="http://schemas.openxmlformats.org/drawingml/2006/main" xmlns:r="http://schemas.openxmlformats.org/officeDocument/2006/relationships" xmlns:p="http://schemas.openxmlformats.org/presentationml/2006/main">
+  <p:cSld>
+    <p:bg>
+      <p:bgPr>
+        <a:solidFill>
+          <a:schemeClr val="bg1">
+            <a:lumMod val="65000"/>
+          </a:schemeClr>
+        </a:solidFill>
+        <a:effectLst/>
+      </p:bgPr>
+    </p:bg>
+    <p:spTree>
+      <p:nvGrpSpPr>
+        <p:cNvPr id="1" name=""/>
+        <p:cNvGrpSpPr/>
+        <p:nvPr/>
+      </p:nvGrpSpPr>
+      <p:grpSpPr>
+        <a:xfrm>
+          <a:off x="0" y="0"/>
+          <a:ext cx="0" cy="0"/>
+          <a:chOff x="0" y="0"/>
+          <a:chExt cx="0" cy="0"/>
+        </a:xfrm>
+      </p:grpSpPr>
+      <p:cxnSp>
+        <p:nvCxnSpPr>
+          <p:cNvPr id="15" name="Straight Arrow Connector 14"/>
+          <p:cNvCxnSpPr>
+            <a:stCxn id="13" idx="4"/>
+          </p:cNvCxnSpPr>
+          <p:nvPr/>
+        </p:nvCxnSpPr>
+        <p:spPr>
+          <a:xfrm>
+            <a:off x="5173832" y="3639401"/>
+            <a:ext cx="1028700" cy="767835"/>
+          </a:xfrm>
+          <a:prstGeom prst="straightConnector1">
+            <a:avLst/>
+          </a:prstGeom>
+          <a:ln w="76200">
+            <a:headEnd type="none" w="med" len="med"/>
+            <a:tailEnd type="none" w="med" len="med"/>
+          </a:ln>
+        </p:spPr>
+        <p:style>
+          <a:lnRef idx="1">
+            <a:schemeClr val="accent6"/>
+          </a:lnRef>
+          <a:fillRef idx="0">
+            <a:schemeClr val="accent6"/>
+          </a:fillRef>
+          <a:effectRef idx="0">
+            <a:schemeClr val="accent6"/>
+          </a:effectRef>
+          <a:fontRef idx="minor">
+            <a:schemeClr val="tx1"/>
+          </a:fontRef>
+        </p:style>
+      </p:cxnSp>
+      <p:cxnSp>
+        <p:nvCxnSpPr>
+          <p:cNvPr id="20" name="Straight Arrow Connector 19"/>
+          <p:cNvCxnSpPr>
+            <a:endCxn id="19" idx="6"/>
+          </p:cNvCxnSpPr>
+          <p:nvPr/>
+        </p:nvCxnSpPr>
+        <p:spPr>
+          <a:xfrm>
+            <a:off x="6149119" y="4305308"/>
+            <a:ext cx="913750" cy="16975"/>
+          </a:xfrm>
+          <a:prstGeom prst="straightConnector1">
+            <a:avLst/>
+          </a:prstGeom>
+          <a:ln w="76200">
+            <a:headEnd type="none" w="med" len="med"/>
+            <a:tailEnd type="none" w="med" len="med"/>
+          </a:ln>
+        </p:spPr>
+        <p:style>
+          <a:lnRef idx="1">
+            <a:schemeClr val="accent6"/>
+          </a:lnRef>
+          <a:fillRef idx="0">
+            <a:schemeClr val="accent6"/>
+          </a:fillRef>
+          <a:effectRef idx="0">
+            <a:schemeClr val="accent6"/>
+          </a:effectRef>
+          <a:fontRef idx="minor">
+            <a:schemeClr val="tx1"/>
+          </a:fontRef>
+        </p:style>
+      </p:cxnSp>
+      <p:sp>
+        <p:nvSpPr>
+          <p:cNvPr id="5" name="Rectangle 4"/>
+          <p:cNvSpPr/>
+          <p:nvPr/>
+        </p:nvSpPr>
+        <p:spPr>
+          <a:xfrm>
+            <a:off x="0" y="6172200"/>
+            <a:ext cx="9144000" cy="685800"/>
+          </a:xfrm>
+          <a:prstGeom prst="rect">
+            <a:avLst/>
+          </a:prstGeom>
+          <a:gradFill>
+            <a:gsLst>
+              <a:gs pos="0">
+                <a:schemeClr val="bg1"/>
+              </a:gs>
+              <a:gs pos="100000">
+                <a:schemeClr val="bg1">
+                  <a:alpha val="0"/>
+                </a:schemeClr>
+              </a:gs>
+            </a:gsLst>
+            <a:lin ang="10800000" scaled="0"/>
+          </a:gradFill>
+          <a:ln>
+            <a:noFill/>
+          </a:ln>
+        </p:spPr>
+        <p:style>
+          <a:lnRef idx="2">
+            <a:schemeClr val="accent1">
+              <a:shade val="50000"/>
+            </a:schemeClr>
+          </a:lnRef>
+          <a:fillRef idx="1">
+            <a:schemeClr val="accent1"/>
+          </a:fillRef>
+          <a:effectRef idx="0">
+            <a:schemeClr val="accent1"/>
+          </a:effectRef>
+          <a:fontRef idx="minor">
+            <a:schemeClr val="lt1"/>
+          </a:fontRef>
+        </p:style>
+        <p:txBody>
+          <a:bodyPr rtlCol="0" anchor="ctr"/>
+          <a:lstStyle/>
+          <a:p>
+            <a:pPr algn="ctr"/>
+            <a:endParaRPr lang="en-US"/>
+          </a:p>
+        </p:txBody>
+      </p:sp>
+      <p:sp>
+        <p:nvSpPr>
+          <p:cNvPr id="2" name="Title 1"/>
+          <p:cNvSpPr>
+            <a:spLocks noGrp="1"/>
+          </p:cNvSpPr>
+          <p:nvPr>
+            <p:ph type="title"/>
+          </p:nvPr>
+        </p:nvSpPr>
+        <p:spPr/>
+        <p:txBody>
+          <a:bodyPr/>
+          <a:lstStyle/>
+          <a:p>
+            <a:pPr algn="l"/>
+            <a:r>
+              <a:rPr lang="en-US" dirty="0" smtClean="0">
+                <a:solidFill>
+                  <a:schemeClr val="accent1">
+                    <a:lumMod val="50000"/>
+                  </a:schemeClr>
+                </a:solidFill>
+              </a:rPr>
+              <a:t>Commit changes</a:t>
+            </a:r>
+            <a:endParaRPr lang="en-US" dirty="0">
+              <a:solidFill>
+                <a:schemeClr val="accent1">
+                  <a:lumMod val="50000"/>
+                </a:schemeClr>
+              </a:solidFill>
+            </a:endParaRPr>
+          </a:p>
+        </p:txBody>
+      </p:sp>
+      <p:pic>
+        <p:nvPicPr>
+          <p:cNvPr id="2050" name="Picture 2" descr="D:\data\market\3_logo\LTIlogo_object.png"/>
+          <p:cNvPicPr>
+            <a:picLocks noChangeAspect="1" noChangeArrowheads="1"/>
+          </p:cNvPicPr>
+          <p:nvPr/>
+        </p:nvPicPr>
+        <p:blipFill>
+          <a:blip r:embed="rId3" cstate="print"/>
+          <a:srcRect l="28571" t="23077" r="27473" b="23077"/>
+          <a:stretch>
+            <a:fillRect/>
+          </a:stretch>
+        </p:blipFill>
+        <p:spPr bwMode="auto">
+          <a:xfrm>
+            <a:off x="8077200" y="5943600"/>
+            <a:ext cx="990600" cy="866775"/>
+          </a:xfrm>
+          <a:prstGeom prst="rect">
+            <a:avLst/>
+          </a:prstGeom>
+          <a:noFill/>
+          <a:effectLst>
+            <a:outerShdw blurRad="50800" dist="38100" dir="2700000" algn="tl" rotWithShape="0">
+              <a:prstClr val="black">
+                <a:alpha val="40000"/>
+              </a:prstClr>
+            </a:outerShdw>
+          </a:effectLst>
+        </p:spPr>
+      </p:pic>
+      <p:sp>
+        <p:nvSpPr>
+          <p:cNvPr id="8" name="Slide Number Placeholder 7"/>
+          <p:cNvSpPr txBox="1">
+            <a:spLocks/>
+          </p:cNvSpPr>
+          <p:nvPr/>
+        </p:nvSpPr>
+        <p:spPr>
+          <a:xfrm>
+            <a:off x="5791200" y="6324600"/>
+            <a:ext cx="2133600" cy="365125"/>
+          </a:xfrm>
+          <a:prstGeom prst="rect">
+            <a:avLst/>
+          </a:prstGeom>
+        </p:spPr>
+        <p:txBody>
+          <a:bodyPr vert="horz" lIns="91440" tIns="45720" rIns="91440" bIns="45720" rtlCol="0" anchor="ctr"/>
+          <a:lstStyle/>
+          <a:p>
+            <a:pPr marL="0" marR="0" lvl="0" indent="0" algn="r" defTabSz="914400" rtl="0" eaLnBrk="1" fontAlgn="auto" latinLnBrk="0" hangingPunct="1">
+              <a:lnSpc>
+                <a:spcPct val="100000"/>
+              </a:lnSpc>
+              <a:spcBef>
+                <a:spcPts val="0"/>
+              </a:spcBef>
+              <a:spcAft>
+                <a:spcPts val="0"/>
+              </a:spcAft>
+              <a:buClrTx/>
+              <a:buSzTx/>
+              <a:buFontTx/>
+              <a:buNone/>
+              <a:tabLst/>
+              <a:defRPr/>
+            </a:pPr>
+            <a:r>
+              <a:rPr kumimoji="0" lang="en-US" sz="1400" b="0" i="0" u="none" strike="noStrike" kern="1200" cap="none" spc="0" normalizeH="0" baseline="0" noProof="0" dirty="0" smtClean="0">
+                <a:ln>
+                  <a:noFill/>
+                </a:ln>
+                <a:solidFill>
+                  <a:schemeClr val="accent3">
+                    <a:lumMod val="50000"/>
+                  </a:schemeClr>
+                </a:solidFill>
+                <a:effectLst/>
+                <a:uLnTx/>
+                <a:uFillTx/>
+                <a:latin typeface="+mn-lt"/>
+                <a:ea typeface="+mn-ea"/>
+                <a:cs typeface="+mn-cs"/>
+              </a:rPr>
+              <a:t>SLIDE </a:t>
+            </a:r>
+            <a:fld id="{C04375EB-5169-4238-8270-5D5536267021}" type="slidenum">
+              <a:rPr kumimoji="0" lang="en-US" sz="1400" b="0" i="0" u="none" strike="noStrike" kern="1200" cap="none" spc="0" normalizeH="0" baseline="0" noProof="0" smtClean="0">
+                <a:ln>
+                  <a:noFill/>
+                </a:ln>
+                <a:solidFill>
+                  <a:schemeClr val="accent3">
+                    <a:lumMod val="50000"/>
+                  </a:schemeClr>
+                </a:solidFill>
+                <a:effectLst/>
+                <a:uLnTx/>
+                <a:uFillTx/>
+                <a:latin typeface="+mn-lt"/>
+                <a:ea typeface="+mn-ea"/>
+                <a:cs typeface="+mn-cs"/>
+              </a:rPr>
+              <a:pPr marL="0" marR="0" lvl="0" indent="0" algn="r" defTabSz="914400" rtl="0" eaLnBrk="1" fontAlgn="auto" latinLnBrk="0" hangingPunct="1">
+                <a:lnSpc>
+                  <a:spcPct val="100000"/>
+                </a:lnSpc>
+                <a:spcBef>
+                  <a:spcPts val="0"/>
+                </a:spcBef>
+                <a:spcAft>
+                  <a:spcPts val="0"/>
+                </a:spcAft>
+                <a:buClrTx/>
+                <a:buSzTx/>
+                <a:buFontTx/>
+                <a:buNone/>
+                <a:tabLst/>
+                <a:defRPr/>
+              </a:pPr>
+              <a:t>12</a:t>
+            </a:fld>
+            <a:endParaRPr kumimoji="0" lang="en-US" sz="1400" b="0" i="0" u="none" strike="noStrike" kern="1200" cap="none" spc="0" normalizeH="0" baseline="0" noProof="0" dirty="0">
+              <a:ln>
+                <a:noFill/>
+              </a:ln>
+              <a:solidFill>
+                <a:schemeClr val="accent3">
+                  <a:lumMod val="50000"/>
+                </a:schemeClr>
+              </a:solidFill>
+              <a:effectLst/>
+              <a:uLnTx/>
+              <a:uFillTx/>
+              <a:latin typeface="+mn-lt"/>
+              <a:ea typeface="+mn-ea"/>
+              <a:cs typeface="+mn-cs"/>
+            </a:endParaRPr>
+          </a:p>
+        </p:txBody>
+      </p:sp>
+      <p:sp>
+        <p:nvSpPr>
+          <p:cNvPr id="4" name="TextBox 3"/>
+          <p:cNvSpPr txBox="1"/>
+          <p:nvPr/>
+        </p:nvSpPr>
+        <p:spPr>
+          <a:xfrm>
+            <a:off x="304800" y="1461572"/>
+            <a:ext cx="8338501" cy="369332"/>
+          </a:xfrm>
+          <a:prstGeom prst="rect">
+            <a:avLst/>
+          </a:prstGeom>
+          <a:noFill/>
+        </p:spPr>
+        <p:txBody>
+          <a:bodyPr wrap="none" rtlCol="0">
+            <a:spAutoFit/>
+          </a:bodyPr>
+          <a:lstStyle/>
+          <a:p>
+            <a:r>
+              <a:rPr lang="en-US" b="1" dirty="0" smtClean="0"/>
+              <a:t>Commit: </a:t>
+            </a:r>
+            <a:r>
+              <a:rPr lang="en-US" dirty="0" smtClean="0"/>
+              <a:t>Save the latest snapshot of your project to the repository. Always leave a note!</a:t>
+            </a:r>
+            <a:endParaRPr lang="en-US" b="1" dirty="0"/>
+          </a:p>
+        </p:txBody>
+      </p:sp>
+      <p:cxnSp>
+        <p:nvCxnSpPr>
+          <p:cNvPr id="9" name="Straight Arrow Connector 8"/>
+          <p:cNvCxnSpPr/>
+          <p:nvPr/>
+        </p:nvCxnSpPr>
+        <p:spPr>
+          <a:xfrm>
+            <a:off x="563732" y="3525101"/>
+            <a:ext cx="5791200" cy="0"/>
+          </a:xfrm>
+          <a:prstGeom prst="straightConnector1">
+            <a:avLst/>
+          </a:prstGeom>
+          <a:ln w="57150">
+            <a:tailEnd type="triangle"/>
+          </a:ln>
+        </p:spPr>
+        <p:style>
+          <a:lnRef idx="1">
+            <a:schemeClr val="accent1"/>
+          </a:lnRef>
+          <a:fillRef idx="0">
+            <a:schemeClr val="accent1"/>
+          </a:fillRef>
+          <a:effectRef idx="0">
+            <a:schemeClr val="accent1"/>
+          </a:effectRef>
+          <a:fontRef idx="minor">
+            <a:schemeClr val="tx1"/>
+          </a:fontRef>
+        </p:style>
+      </p:cxnSp>
+      <p:sp>
+        <p:nvSpPr>
+          <p:cNvPr id="10" name="Oval 9"/>
+          <p:cNvSpPr/>
+          <p:nvPr/>
+        </p:nvSpPr>
+        <p:spPr>
+          <a:xfrm>
+            <a:off x="868532" y="3385039"/>
+            <a:ext cx="228600" cy="228600"/>
+          </a:xfrm>
+          <a:prstGeom prst="ellipse">
+            <a:avLst/>
+          </a:prstGeom>
+        </p:spPr>
+        <p:style>
+          <a:lnRef idx="2">
+            <a:schemeClr val="accent1">
+              <a:shade val="50000"/>
+            </a:schemeClr>
+          </a:lnRef>
+          <a:fillRef idx="1">
+            <a:schemeClr val="accent1"/>
+          </a:fillRef>
+          <a:effectRef idx="0">
+            <a:schemeClr val="accent1"/>
+          </a:effectRef>
+          <a:fontRef idx="minor">
+            <a:schemeClr val="lt1"/>
+          </a:fontRef>
+        </p:style>
+        <p:txBody>
+          <a:bodyPr rtlCol="0" anchor="ctr"/>
+          <a:lstStyle/>
+          <a:p>
+            <a:pPr algn="ctr"/>
+            <a:endParaRPr lang="en-US"/>
+          </a:p>
+        </p:txBody>
+      </p:sp>
+      <p:sp>
+        <p:nvSpPr>
+          <p:cNvPr id="11" name="Oval 10"/>
+          <p:cNvSpPr/>
+          <p:nvPr/>
+        </p:nvSpPr>
+        <p:spPr>
+          <a:xfrm>
+            <a:off x="2303883" y="3385039"/>
+            <a:ext cx="228600" cy="228600"/>
+          </a:xfrm>
+          <a:prstGeom prst="ellipse">
+            <a:avLst/>
+          </a:prstGeom>
+        </p:spPr>
+        <p:style>
+          <a:lnRef idx="2">
+            <a:schemeClr val="accent1">
+              <a:shade val="50000"/>
+            </a:schemeClr>
+          </a:lnRef>
+          <a:fillRef idx="1">
+            <a:schemeClr val="accent1"/>
+          </a:fillRef>
+          <a:effectRef idx="0">
+            <a:schemeClr val="accent1"/>
+          </a:effectRef>
+          <a:fontRef idx="minor">
+            <a:schemeClr val="lt1"/>
+          </a:fontRef>
+        </p:style>
+        <p:txBody>
+          <a:bodyPr rtlCol="0" anchor="ctr"/>
+          <a:lstStyle/>
+          <a:p>
+            <a:pPr algn="ctr"/>
+            <a:endParaRPr lang="en-US"/>
+          </a:p>
+        </p:txBody>
+      </p:sp>
+      <p:sp>
+        <p:nvSpPr>
+          <p:cNvPr id="12" name="Oval 11"/>
+          <p:cNvSpPr/>
+          <p:nvPr/>
+        </p:nvSpPr>
+        <p:spPr>
+          <a:xfrm>
+            <a:off x="3649832" y="3385039"/>
+            <a:ext cx="228600" cy="228600"/>
+          </a:xfrm>
+          <a:prstGeom prst="ellipse">
+            <a:avLst/>
+          </a:prstGeom>
+        </p:spPr>
+        <p:style>
+          <a:lnRef idx="2">
+            <a:schemeClr val="accent1">
+              <a:shade val="50000"/>
+            </a:schemeClr>
+          </a:lnRef>
+          <a:fillRef idx="1">
+            <a:schemeClr val="accent1"/>
+          </a:fillRef>
+          <a:effectRef idx="0">
+            <a:schemeClr val="accent1"/>
+          </a:effectRef>
+          <a:fontRef idx="minor">
+            <a:schemeClr val="lt1"/>
+          </a:fontRef>
+        </p:style>
+        <p:txBody>
+          <a:bodyPr rtlCol="0" anchor="ctr"/>
+          <a:lstStyle/>
+          <a:p>
+            <a:pPr algn="ctr"/>
+            <a:endParaRPr lang="en-US"/>
+          </a:p>
+        </p:txBody>
+      </p:sp>
+      <p:sp>
+        <p:nvSpPr>
+          <p:cNvPr id="13" name="Oval 12"/>
+          <p:cNvSpPr/>
+          <p:nvPr/>
+        </p:nvSpPr>
+        <p:spPr>
+          <a:xfrm>
+            <a:off x="5059532" y="3410801"/>
+            <a:ext cx="228600" cy="228600"/>
+          </a:xfrm>
+          <a:prstGeom prst="ellipse">
+            <a:avLst/>
+          </a:prstGeom>
+        </p:spPr>
+        <p:style>
+          <a:lnRef idx="2">
+            <a:schemeClr val="accent1">
+              <a:shade val="50000"/>
+            </a:schemeClr>
+          </a:lnRef>
+          <a:fillRef idx="1">
+            <a:schemeClr val="accent1"/>
+          </a:fillRef>
+          <a:effectRef idx="0">
+            <a:schemeClr val="accent1"/>
+          </a:effectRef>
+          <a:fontRef idx="minor">
+            <a:schemeClr val="lt1"/>
+          </a:fontRef>
+        </p:style>
+        <p:txBody>
+          <a:bodyPr rtlCol="0" anchor="ctr"/>
+          <a:lstStyle/>
+          <a:p>
+            <a:pPr algn="ctr"/>
+            <a:endParaRPr lang="en-US"/>
+          </a:p>
+        </p:txBody>
+      </p:sp>
+      <p:sp>
+        <p:nvSpPr>
+          <p:cNvPr id="14" name="TextBox 13"/>
+          <p:cNvSpPr txBox="1"/>
+          <p:nvPr/>
+        </p:nvSpPr>
+        <p:spPr>
+          <a:xfrm>
+            <a:off x="6354178" y="3340435"/>
+            <a:ext cx="849656" cy="369332"/>
+          </a:xfrm>
+          <a:prstGeom prst="rect">
+            <a:avLst/>
+          </a:prstGeom>
+          <a:noFill/>
+        </p:spPr>
+        <p:txBody>
+          <a:bodyPr wrap="none" rtlCol="0">
+            <a:spAutoFit/>
+          </a:bodyPr>
+          <a:lstStyle/>
+          <a:p>
+            <a:r>
+              <a:rPr lang="en-US" dirty="0" smtClean="0"/>
+              <a:t>Master</a:t>
+            </a:r>
+            <a:endParaRPr lang="en-US" dirty="0"/>
+          </a:p>
+        </p:txBody>
+      </p:sp>
+      <p:cxnSp>
+        <p:nvCxnSpPr>
+          <p:cNvPr id="16" name="Straight Arrow Connector 15"/>
+          <p:cNvCxnSpPr/>
+          <p:nvPr/>
+        </p:nvCxnSpPr>
+        <p:spPr>
+          <a:xfrm>
+            <a:off x="7010400" y="4322283"/>
+            <a:ext cx="914400" cy="0"/>
+          </a:xfrm>
+          <a:prstGeom prst="straightConnector1">
+            <a:avLst/>
+          </a:prstGeom>
+          <a:ln w="76200">
+            <a:tailEnd type="triangle"/>
+          </a:ln>
+        </p:spPr>
+        <p:style>
+          <a:lnRef idx="1">
+            <a:schemeClr val="accent6"/>
+          </a:lnRef>
+          <a:fillRef idx="0">
+            <a:schemeClr val="accent6"/>
+          </a:fillRef>
+          <a:effectRef idx="0">
+            <a:schemeClr val="accent6"/>
+          </a:effectRef>
+          <a:fontRef idx="minor">
+            <a:schemeClr val="tx1"/>
+          </a:fontRef>
+        </p:style>
+      </p:cxnSp>
+      <p:sp>
+        <p:nvSpPr>
+          <p:cNvPr id="17" name="Oval 16"/>
+          <p:cNvSpPr/>
+          <p:nvPr/>
+        </p:nvSpPr>
+        <p:spPr>
+          <a:xfrm>
+            <a:off x="6028630" y="4207983"/>
+            <a:ext cx="228600" cy="228600"/>
+          </a:xfrm>
+          <a:prstGeom prst="ellipse">
+            <a:avLst/>
+          </a:prstGeom>
+        </p:spPr>
+        <p:style>
+          <a:lnRef idx="2">
+            <a:schemeClr val="accent6">
+              <a:shade val="50000"/>
+            </a:schemeClr>
+          </a:lnRef>
+          <a:fillRef idx="1">
+            <a:schemeClr val="accent6"/>
+          </a:fillRef>
+          <a:effectRef idx="0">
+            <a:schemeClr val="accent6"/>
+          </a:effectRef>
+          <a:fontRef idx="minor">
+            <a:schemeClr val="lt1"/>
+          </a:fontRef>
+        </p:style>
+        <p:txBody>
+          <a:bodyPr rtlCol="0" anchor="ctr"/>
+          <a:lstStyle/>
+          <a:p>
+            <a:pPr algn="ctr"/>
+            <a:endParaRPr lang="en-US"/>
+          </a:p>
+        </p:txBody>
+      </p:sp>
+      <p:sp>
+        <p:nvSpPr>
+          <p:cNvPr id="18" name="TextBox 17"/>
+          <p:cNvSpPr txBox="1"/>
+          <p:nvPr/>
+        </p:nvSpPr>
+        <p:spPr>
+          <a:xfrm>
+            <a:off x="7868509" y="4137617"/>
+            <a:ext cx="837152" cy="369332"/>
+          </a:xfrm>
+          <a:prstGeom prst="rect">
+            <a:avLst/>
+          </a:prstGeom>
+          <a:noFill/>
+        </p:spPr>
+        <p:txBody>
+          <a:bodyPr wrap="none" rtlCol="0">
+            <a:spAutoFit/>
+          </a:bodyPr>
+          <a:lstStyle/>
+          <a:p>
+            <a:r>
+              <a:rPr lang="en-US" dirty="0" smtClean="0"/>
+              <a:t>Branch</a:t>
+            </a:r>
+            <a:endParaRPr lang="en-US" dirty="0"/>
+          </a:p>
+        </p:txBody>
+      </p:sp>
+      <p:sp>
+        <p:nvSpPr>
+          <p:cNvPr id="19" name="Oval 18"/>
+          <p:cNvSpPr/>
+          <p:nvPr/>
+        </p:nvSpPr>
+        <p:spPr>
+          <a:xfrm>
+            <a:off x="6834269" y="4207983"/>
+            <a:ext cx="228600" cy="228600"/>
+          </a:xfrm>
+          <a:prstGeom prst="ellipse">
+            <a:avLst/>
+          </a:prstGeom>
+        </p:spPr>
+        <p:style>
+          <a:lnRef idx="2">
+            <a:schemeClr val="accent6">
+              <a:shade val="50000"/>
+            </a:schemeClr>
+          </a:lnRef>
+          <a:fillRef idx="1">
+            <a:schemeClr val="accent6"/>
+          </a:fillRef>
+          <a:effectRef idx="0">
+            <a:schemeClr val="accent6"/>
+          </a:effectRef>
+          <a:fontRef idx="minor">
+            <a:schemeClr val="lt1"/>
+          </a:fontRef>
+        </p:style>
+        <p:txBody>
+          <a:bodyPr rtlCol="0" anchor="ctr"/>
+          <a:lstStyle/>
+          <a:p>
+            <a:pPr algn="ctr"/>
+            <a:endParaRPr lang="en-US"/>
+          </a:p>
+        </p:txBody>
+      </p:sp>
+      <p:cxnSp>
+        <p:nvCxnSpPr>
+          <p:cNvPr id="22" name="Straight Arrow Connector 21"/>
+          <p:cNvCxnSpPr/>
+          <p:nvPr/>
+        </p:nvCxnSpPr>
+        <p:spPr>
+          <a:xfrm flipV="1">
+            <a:off x="6948569" y="4506949"/>
+            <a:ext cx="0" cy="522251"/>
+          </a:xfrm>
+          <a:prstGeom prst="straightConnector1">
+            <a:avLst/>
+          </a:prstGeom>
+          <a:ln w="38100">
+            <a:tailEnd type="triangle"/>
+          </a:ln>
+        </p:spPr>
+        <p:style>
+          <a:lnRef idx="1">
+            <a:schemeClr val="dk1"/>
+          </a:lnRef>
+          <a:fillRef idx="0">
+            <a:schemeClr val="dk1"/>
+          </a:fillRef>
+          <a:effectRef idx="0">
+            <a:schemeClr val="dk1"/>
+          </a:effectRef>
+          <a:fontRef idx="minor">
+            <a:schemeClr val="tx1"/>
+          </a:fontRef>
+        </p:style>
+      </p:cxnSp>
+      <p:sp>
+        <p:nvSpPr>
+          <p:cNvPr id="23" name="TextBox 22"/>
+          <p:cNvSpPr txBox="1"/>
+          <p:nvPr/>
+        </p:nvSpPr>
+        <p:spPr>
+          <a:xfrm>
+            <a:off x="6257450" y="5034632"/>
+            <a:ext cx="1382238" cy="369332"/>
+          </a:xfrm>
+          <a:prstGeom prst="rect">
+            <a:avLst/>
+          </a:prstGeom>
+          <a:noFill/>
+        </p:spPr>
+        <p:txBody>
+          <a:bodyPr wrap="none" rtlCol="0">
+            <a:spAutoFit/>
+          </a:bodyPr>
+          <a:lstStyle/>
+          <a:p>
+            <a:r>
+              <a:rPr lang="en-US" dirty="0" smtClean="0"/>
+              <a:t>New commit</a:t>
+            </a:r>
+            <a:endParaRPr lang="en-US" dirty="0"/>
+          </a:p>
+        </p:txBody>
+      </p:sp>
+    </p:spTree>
+    <p:extLst>
+      <p:ext uri="{BB962C8B-B14F-4D97-AF65-F5344CB8AC3E}">
+        <p14:creationId xmlns:p14="http://schemas.microsoft.com/office/powerpoint/2010/main" val="3021564529"/>
+      </p:ext>
+    </p:extLst>
+  </p:cSld>
+  <p:clrMapOvr>
+    <a:masterClrMapping/>
+  </p:clrMapOvr>
+  <p:timing>
+    <p:tnLst>
+      <p:par>
+        <p:cTn id="1" dur="indefinite" restart="never" nodeType="tmRoot"/>
+      </p:par>
+    </p:tnLst>
+  </p:timing>
+</p:sld>
+</file>
+
+<file path=ppt/slides/slide13.xml><?xml version="1.0" encoding="utf-8"?>
+<p:sld xmlns:a="http://schemas.openxmlformats.org/drawingml/2006/main" xmlns:r="http://schemas.openxmlformats.org/officeDocument/2006/relationships" xmlns:p="http://schemas.openxmlformats.org/presentationml/2006/main">
+  <p:cSld>
+    <p:spTree>
+      <p:nvGrpSpPr>
+        <p:cNvPr id="1" name=""/>
+        <p:cNvGrpSpPr/>
+        <p:nvPr/>
+      </p:nvGrpSpPr>
+      <p:grpSpPr>
+        <a:xfrm>
+          <a:off x="0" y="0"/>
+          <a:ext cx="0" cy="0"/>
+          <a:chOff x="0" y="0"/>
+          <a:chExt cx="0" cy="0"/>
+        </a:xfrm>
+      </p:grpSpPr>
+      <p:sp>
+        <p:nvSpPr>
+          <p:cNvPr id="2" name="Title 1"/>
+          <p:cNvSpPr>
+            <a:spLocks noGrp="1"/>
+          </p:cNvSpPr>
+          <p:nvPr>
+            <p:ph type="title"/>
+          </p:nvPr>
+        </p:nvSpPr>
+        <p:spPr/>
+        <p:txBody>
+          <a:bodyPr/>
+          <a:lstStyle/>
+          <a:p>
+            <a:endParaRPr lang="en-US"/>
+          </a:p>
+        </p:txBody>
+      </p:sp>
+      <p:sp>
+        <p:nvSpPr>
+          <p:cNvPr id="3" name="Content Placeholder 2"/>
+          <p:cNvSpPr>
+            <a:spLocks noGrp="1"/>
+          </p:cNvSpPr>
+          <p:nvPr>
+            <p:ph idx="1"/>
+          </p:nvPr>
+        </p:nvSpPr>
+        <p:spPr/>
+        <p:txBody>
+          <a:bodyPr/>
+          <a:lstStyle/>
+          <a:p>
+            <a:endParaRPr lang="en-US"/>
+          </a:p>
+        </p:txBody>
+      </p:sp>
+      <p:sp>
+        <p:nvSpPr>
+          <p:cNvPr id="4" name="Slide Number Placeholder 3"/>
+          <p:cNvSpPr>
+            <a:spLocks noGrp="1"/>
+          </p:cNvSpPr>
+          <p:nvPr>
+            <p:ph type="sldNum" sz="quarter" idx="12"/>
+          </p:nvPr>
+        </p:nvSpPr>
+        <p:spPr/>
+        <p:txBody>
+          <a:bodyPr/>
+          <a:lstStyle/>
+          <a:p>
+            <a:fld id="{C04375EB-5169-4238-8270-5D5536267021}" type="slidenum">
+              <a:rPr lang="en-US" smtClean="0"/>
+              <a:pPr/>
+              <a:t>13</a:t>
+            </a:fld>
+            <a:endParaRPr lang="en-US"/>
+          </a:p>
+        </p:txBody>
+      </p:sp>
+    </p:spTree>
+    <p:extLst>
+      <p:ext uri="{BB962C8B-B14F-4D97-AF65-F5344CB8AC3E}">
+        <p14:creationId xmlns:p14="http://schemas.microsoft.com/office/powerpoint/2010/main" val="281262270"/>
+      </p:ext>
+    </p:extLst>
+  </p:cSld>
+  <p:clrMapOvr>
+    <a:masterClrMapping/>
+  </p:clrMapOvr>
 </p:sld>
 </file>
 
@@ -3730,7 +5856,9 @@
         </p:nvSpPr>
         <p:spPr/>
         <p:txBody>
-          <a:bodyPr/>
+          <a:bodyPr>
+            <a:normAutofit/>
+          </a:bodyPr>
           <a:lstStyle/>
           <a:p>
             <a:pPr algn="l"/>
@@ -3742,58 +5870,11 @@
                   </a:schemeClr>
                 </a:solidFill>
               </a:rPr>
-              <a:t>Title Text</a:t>
+              <a:t>A new language for tracking files</a:t>
             </a:r>
             <a:endParaRPr lang="en-US" dirty="0">
               <a:solidFill>
                 <a:schemeClr val="accent1">
-                  <a:lumMod val="50000"/>
-                </a:schemeClr>
-              </a:solidFill>
-            </a:endParaRPr>
-          </a:p>
-        </p:txBody>
-      </p:sp>
-      <p:sp>
-        <p:nvSpPr>
-          <p:cNvPr id="3" name="Content Placeholder 2"/>
-          <p:cNvSpPr>
-            <a:spLocks noGrp="1"/>
-          </p:cNvSpPr>
-          <p:nvPr>
-            <p:ph idx="1"/>
-          </p:nvPr>
-        </p:nvSpPr>
-        <p:spPr/>
-        <p:txBody>
-          <a:bodyPr/>
-          <a:lstStyle/>
-          <a:p>
-            <a:r>
-              <a:rPr lang="en-US" dirty="0" smtClean="0">
-                <a:solidFill>
-                  <a:schemeClr val="accent5">
-                    <a:lumMod val="50000"/>
-                  </a:schemeClr>
-                </a:solidFill>
-              </a:rPr>
-              <a:t>Bullet 1</a:t>
-            </a:r>
-          </a:p>
-          <a:p>
-            <a:r>
-              <a:rPr lang="en-US" dirty="0" smtClean="0">
-                <a:solidFill>
-                  <a:schemeClr val="accent5">
-                    <a:lumMod val="50000"/>
-                  </a:schemeClr>
-                </a:solidFill>
-              </a:rPr>
-              <a:t>Bullet 2</a:t>
-            </a:r>
-            <a:endParaRPr lang="en-US" dirty="0">
-              <a:solidFill>
-                <a:schemeClr val="accent5">
                   <a:lumMod val="50000"/>
                 </a:schemeClr>
               </a:solidFill>
@@ -3867,16 +5948,6 @@
               <a:pPr algn="l"/>
               <a:t>2</a:t>
             </a:fld>
-            <a:r>
-              <a:rPr lang="en-US" sz="1400" dirty="0" smtClean="0">
-                <a:solidFill>
-                  <a:schemeClr val="accent3">
-                    <a:lumMod val="50000"/>
-                  </a:schemeClr>
-                </a:solidFill>
-              </a:rPr>
-              <a:t> OF 4</a:t>
-            </a:r>
             <a:endParaRPr lang="en-US" sz="1400" dirty="0">
               <a:solidFill>
                 <a:schemeClr val="accent3">
@@ -3887,6 +5958,381 @@
           </a:p>
         </p:txBody>
       </p:sp>
+      <p:sp>
+        <p:nvSpPr>
+          <p:cNvPr id="6" name="Content Placeholder 5"/>
+          <p:cNvSpPr>
+            <a:spLocks noGrp="1"/>
+          </p:cNvSpPr>
+          <p:nvPr>
+            <p:ph idx="1"/>
+          </p:nvPr>
+        </p:nvSpPr>
+        <p:spPr>
+          <a:xfrm>
+            <a:off x="463990" y="2979738"/>
+            <a:ext cx="3643643" cy="3268662"/>
+          </a:xfrm>
+        </p:spPr>
+        <p:txBody>
+          <a:bodyPr>
+            <a:normAutofit lnSpcReduction="10000"/>
+          </a:bodyPr>
+          <a:lstStyle/>
+          <a:p>
+            <a:pPr marL="0" indent="0" algn="ctr">
+              <a:buNone/>
+            </a:pPr>
+            <a:r>
+              <a:rPr lang="en-US" dirty="0" smtClean="0"/>
+              <a:t>Copy</a:t>
+            </a:r>
+          </a:p>
+          <a:p>
+            <a:pPr marL="0" indent="0" algn="ctr">
+              <a:buNone/>
+            </a:pPr>
+            <a:r>
+              <a:rPr lang="en-US" dirty="0" smtClean="0"/>
+              <a:t>Paste</a:t>
+            </a:r>
+          </a:p>
+          <a:p>
+            <a:pPr marL="0" indent="0" algn="ctr">
+              <a:buNone/>
+            </a:pPr>
+            <a:r>
+              <a:rPr lang="en-US" dirty="0" smtClean="0"/>
+              <a:t>Save</a:t>
+            </a:r>
+          </a:p>
+          <a:p>
+            <a:pPr marL="0" indent="0" algn="ctr">
+              <a:buNone/>
+            </a:pPr>
+            <a:r>
+              <a:rPr lang="en-US" dirty="0" smtClean="0"/>
+              <a:t>Save As </a:t>
+            </a:r>
+          </a:p>
+          <a:p>
+            <a:pPr marL="0" indent="0" algn="ctr">
+              <a:buNone/>
+            </a:pPr>
+            <a:r>
+              <a:rPr lang="en-US" dirty="0" smtClean="0"/>
+              <a:t>Open</a:t>
+            </a:r>
+          </a:p>
+          <a:p>
+            <a:pPr marL="0" indent="0" algn="ctr">
+              <a:buNone/>
+            </a:pPr>
+            <a:r>
+              <a:rPr lang="en-US" dirty="0" smtClean="0"/>
+              <a:t>Undo</a:t>
+            </a:r>
+            <a:endParaRPr lang="en-US" dirty="0"/>
+          </a:p>
+        </p:txBody>
+      </p:sp>
+      <p:sp>
+        <p:nvSpPr>
+          <p:cNvPr id="10" name="Content Placeholder 5"/>
+          <p:cNvSpPr txBox="1">
+            <a:spLocks/>
+          </p:cNvSpPr>
+          <p:nvPr/>
+        </p:nvSpPr>
+        <p:spPr>
+          <a:xfrm>
+            <a:off x="4545972" y="2979739"/>
+            <a:ext cx="4038600" cy="3268662"/>
+          </a:xfrm>
+          <a:prstGeom prst="rect">
+            <a:avLst/>
+          </a:prstGeom>
+        </p:spPr>
+        <p:txBody>
+          <a:bodyPr vert="horz" lIns="91440" tIns="45720" rIns="91440" bIns="45720" rtlCol="0">
+            <a:normAutofit fontScale="92500" lnSpcReduction="10000"/>
+          </a:bodyPr>
+          <a:lstStyle>
+            <a:lvl1pPr marL="342900" indent="-342900" algn="l" defTabSz="914400" rtl="0" eaLnBrk="1" latinLnBrk="0" hangingPunct="1">
+              <a:spcBef>
+                <a:spcPct val="20000"/>
+              </a:spcBef>
+              <a:buFont typeface="Arial" pitchFamily="34" charset="0"/>
+              <a:buChar char="•"/>
+              <a:defRPr sz="3200" kern="1200">
+                <a:solidFill>
+                  <a:schemeClr val="tx1"/>
+                </a:solidFill>
+                <a:latin typeface="+mn-lt"/>
+                <a:ea typeface="+mn-ea"/>
+                <a:cs typeface="+mn-cs"/>
+              </a:defRPr>
+            </a:lvl1pPr>
+            <a:lvl2pPr marL="742950" indent="-285750" algn="l" defTabSz="914400" rtl="0" eaLnBrk="1" latinLnBrk="0" hangingPunct="1">
+              <a:spcBef>
+                <a:spcPct val="20000"/>
+              </a:spcBef>
+              <a:buFont typeface="Arial" pitchFamily="34" charset="0"/>
+              <a:buChar char="–"/>
+              <a:defRPr sz="2800" kern="1200">
+                <a:solidFill>
+                  <a:schemeClr val="tx1"/>
+                </a:solidFill>
+                <a:latin typeface="+mn-lt"/>
+                <a:ea typeface="+mn-ea"/>
+                <a:cs typeface="+mn-cs"/>
+              </a:defRPr>
+            </a:lvl2pPr>
+            <a:lvl3pPr marL="1143000" indent="-228600" algn="l" defTabSz="914400" rtl="0" eaLnBrk="1" latinLnBrk="0" hangingPunct="1">
+              <a:spcBef>
+                <a:spcPct val="20000"/>
+              </a:spcBef>
+              <a:buFont typeface="Arial" pitchFamily="34" charset="0"/>
+              <a:buChar char="•"/>
+              <a:defRPr sz="2400" kern="1200">
+                <a:solidFill>
+                  <a:schemeClr val="tx1"/>
+                </a:solidFill>
+                <a:latin typeface="+mn-lt"/>
+                <a:ea typeface="+mn-ea"/>
+                <a:cs typeface="+mn-cs"/>
+              </a:defRPr>
+            </a:lvl3pPr>
+            <a:lvl4pPr marL="1600200" indent="-228600" algn="l" defTabSz="914400" rtl="0" eaLnBrk="1" latinLnBrk="0" hangingPunct="1">
+              <a:spcBef>
+                <a:spcPct val="20000"/>
+              </a:spcBef>
+              <a:buFont typeface="Arial" pitchFamily="34" charset="0"/>
+              <a:buChar char="–"/>
+              <a:defRPr sz="2000" kern="1200">
+                <a:solidFill>
+                  <a:schemeClr val="tx1"/>
+                </a:solidFill>
+                <a:latin typeface="+mn-lt"/>
+                <a:ea typeface="+mn-ea"/>
+                <a:cs typeface="+mn-cs"/>
+              </a:defRPr>
+            </a:lvl4pPr>
+            <a:lvl5pPr marL="2057400" indent="-228600" algn="l" defTabSz="914400" rtl="0" eaLnBrk="1" latinLnBrk="0" hangingPunct="1">
+              <a:spcBef>
+                <a:spcPct val="20000"/>
+              </a:spcBef>
+              <a:buFont typeface="Arial" pitchFamily="34" charset="0"/>
+              <a:buChar char="»"/>
+              <a:defRPr sz="2000" kern="1200">
+                <a:solidFill>
+                  <a:schemeClr val="tx1"/>
+                </a:solidFill>
+                <a:latin typeface="+mn-lt"/>
+                <a:ea typeface="+mn-ea"/>
+                <a:cs typeface="+mn-cs"/>
+              </a:defRPr>
+            </a:lvl5pPr>
+            <a:lvl6pPr marL="2514600" indent="-228600" algn="l" defTabSz="914400" rtl="0" eaLnBrk="1" latinLnBrk="0" hangingPunct="1">
+              <a:spcBef>
+                <a:spcPct val="20000"/>
+              </a:spcBef>
+              <a:buFont typeface="Arial" pitchFamily="34" charset="0"/>
+              <a:buChar char="•"/>
+              <a:defRPr sz="2000" kern="1200">
+                <a:solidFill>
+                  <a:schemeClr val="tx1"/>
+                </a:solidFill>
+                <a:latin typeface="+mn-lt"/>
+                <a:ea typeface="+mn-ea"/>
+                <a:cs typeface="+mn-cs"/>
+              </a:defRPr>
+            </a:lvl6pPr>
+            <a:lvl7pPr marL="2971800" indent="-228600" algn="l" defTabSz="914400" rtl="0" eaLnBrk="1" latinLnBrk="0" hangingPunct="1">
+              <a:spcBef>
+                <a:spcPct val="20000"/>
+              </a:spcBef>
+              <a:buFont typeface="Arial" pitchFamily="34" charset="0"/>
+              <a:buChar char="•"/>
+              <a:defRPr sz="2000" kern="1200">
+                <a:solidFill>
+                  <a:schemeClr val="tx1"/>
+                </a:solidFill>
+                <a:latin typeface="+mn-lt"/>
+                <a:ea typeface="+mn-ea"/>
+                <a:cs typeface="+mn-cs"/>
+              </a:defRPr>
+            </a:lvl7pPr>
+            <a:lvl8pPr marL="3429000" indent="-228600" algn="l" defTabSz="914400" rtl="0" eaLnBrk="1" latinLnBrk="0" hangingPunct="1">
+              <a:spcBef>
+                <a:spcPct val="20000"/>
+              </a:spcBef>
+              <a:buFont typeface="Arial" pitchFamily="34" charset="0"/>
+              <a:buChar char="•"/>
+              <a:defRPr sz="2000" kern="1200">
+                <a:solidFill>
+                  <a:schemeClr val="tx1"/>
+                </a:solidFill>
+                <a:latin typeface="+mn-lt"/>
+                <a:ea typeface="+mn-ea"/>
+                <a:cs typeface="+mn-cs"/>
+              </a:defRPr>
+            </a:lvl8pPr>
+            <a:lvl9pPr marL="3886200" indent="-228600" algn="l" defTabSz="914400" rtl="0" eaLnBrk="1" latinLnBrk="0" hangingPunct="1">
+              <a:spcBef>
+                <a:spcPct val="20000"/>
+              </a:spcBef>
+              <a:buFont typeface="Arial" pitchFamily="34" charset="0"/>
+              <a:buChar char="•"/>
+              <a:defRPr sz="2000" kern="1200">
+                <a:solidFill>
+                  <a:schemeClr val="tx1"/>
+                </a:solidFill>
+                <a:latin typeface="+mn-lt"/>
+                <a:ea typeface="+mn-ea"/>
+                <a:cs typeface="+mn-cs"/>
+              </a:defRPr>
+            </a:lvl9pPr>
+          </a:lstStyle>
+          <a:p>
+            <a:pPr marL="0" indent="0" algn="ctr">
+              <a:buNone/>
+            </a:pPr>
+            <a:r>
+              <a:rPr lang="en-US" dirty="0" smtClean="0"/>
+              <a:t>Clone</a:t>
+            </a:r>
+          </a:p>
+          <a:p>
+            <a:pPr marL="0" indent="0" algn="ctr">
+              <a:buNone/>
+            </a:pPr>
+            <a:r>
+              <a:rPr lang="en-US" dirty="0" smtClean="0"/>
+              <a:t>Pull request</a:t>
+            </a:r>
+          </a:p>
+          <a:p>
+            <a:pPr marL="0" indent="0" algn="ctr">
+              <a:buNone/>
+            </a:pPr>
+            <a:r>
+              <a:rPr lang="en-US" dirty="0" smtClean="0"/>
+              <a:t>Sync</a:t>
+            </a:r>
+          </a:p>
+          <a:p>
+            <a:pPr marL="0" indent="0" algn="ctr">
+              <a:buNone/>
+            </a:pPr>
+            <a:r>
+              <a:rPr lang="en-US" dirty="0" smtClean="0"/>
+              <a:t>Branch</a:t>
+            </a:r>
+          </a:p>
+          <a:p>
+            <a:pPr marL="0" indent="0" algn="ctr">
+              <a:buNone/>
+            </a:pPr>
+            <a:r>
+              <a:rPr lang="en-US" dirty="0" smtClean="0"/>
+              <a:t>Commit</a:t>
+            </a:r>
+          </a:p>
+          <a:p>
+            <a:pPr marL="0" indent="0" algn="ctr">
+              <a:buNone/>
+            </a:pPr>
+            <a:r>
+              <a:rPr lang="en-US" dirty="0" smtClean="0"/>
+              <a:t>Publish</a:t>
+            </a:r>
+            <a:endParaRPr lang="en-US" dirty="0"/>
+          </a:p>
+        </p:txBody>
+      </p:sp>
+      <p:pic>
+        <p:nvPicPr>
+          <p:cNvPr id="11" name="Picture 2" descr="Image result for windows logo"/>
+          <p:cNvPicPr>
+            <a:picLocks noChangeAspect="1" noChangeArrowheads="1"/>
+          </p:cNvPicPr>
+          <p:nvPr/>
+        </p:nvPicPr>
+        <p:blipFill>
+          <a:blip r:embed="rId3" cstate="print">
+            <a:extLst>
+              <a:ext uri="{28A0092B-C50C-407E-A947-70E740481C1C}">
+                <a14:useLocalDpi xmlns:a14="http://schemas.microsoft.com/office/drawing/2010/main" val="0"/>
+              </a:ext>
+            </a:extLst>
+          </a:blip>
+          <a:srcRect/>
+          <a:stretch>
+            <a:fillRect/>
+          </a:stretch>
+        </p:blipFill>
+        <p:spPr bwMode="auto">
+          <a:xfrm>
+            <a:off x="1211467" y="967162"/>
+            <a:ext cx="2133600" cy="2133600"/>
+          </a:xfrm>
+          <a:prstGeom prst="rect">
+            <a:avLst/>
+          </a:prstGeom>
+          <a:noFill/>
+          <a:extLst>
+            <a:ext uri="{909E8E84-426E-40DD-AFC4-6F175D3DCCD1}">
+              <a14:hiddenFill xmlns:a14="http://schemas.microsoft.com/office/drawing/2010/main">
+                <a:solidFill>
+                  <a:srgbClr val="FFFFFF"/>
+                </a:solidFill>
+              </a14:hiddenFill>
+            </a:ext>
+          </a:extLst>
+        </p:spPr>
+      </p:pic>
+      <p:pic>
+        <p:nvPicPr>
+          <p:cNvPr id="1028" name="Picture 4" descr="https://assets-cdn.github.com/images/modules/logos_page/Octocat.png"/>
+          <p:cNvPicPr>
+            <a:picLocks noChangeAspect="1" noChangeArrowheads="1"/>
+          </p:cNvPicPr>
+          <p:nvPr/>
+        </p:nvPicPr>
+        <p:blipFill>
+          <a:blip r:embed="rId4" cstate="print">
+            <a:extLst>
+              <a:ext uri="{28A0092B-C50C-407E-A947-70E740481C1C}">
+                <a14:useLocalDpi xmlns:a14="http://schemas.microsoft.com/office/drawing/2010/main" val="0"/>
+              </a:ext>
+            </a:extLst>
+          </a:blip>
+          <a:srcRect/>
+          <a:stretch>
+            <a:fillRect/>
+          </a:stretch>
+        </p:blipFill>
+        <p:spPr bwMode="auto">
+          <a:xfrm>
+            <a:off x="5638800" y="1295400"/>
+            <a:ext cx="1823302" cy="1515620"/>
+          </a:xfrm>
+          <a:prstGeom prst="rect">
+            <a:avLst/>
+          </a:prstGeom>
+          <a:noFill/>
+          <a:extLst>
+            <a:ext uri="{909E8E84-426E-40DD-AFC4-6F175D3DCCD1}">
+              <a14:hiddenFill xmlns:a14="http://schemas.microsoft.com/office/drawing/2010/main">
+                <a:solidFill>
+                  <a:srgbClr val="FFFFFF"/>
+                </a:solidFill>
+              </a14:hiddenFill>
+            </a:ext>
+          </a:extLst>
+        </p:spPr>
+      </p:pic>
     </p:spTree>
   </p:cSld>
   <p:clrMapOvr>
@@ -4002,6 +6448,26 @@
           <a:p>
             <a:pPr algn="l"/>
             <a:r>
+              <a:rPr lang="en-US" dirty="0" err="1" smtClean="0">
+                <a:solidFill>
+                  <a:schemeClr val="accent1">
+                    <a:lumMod val="50000"/>
+                  </a:schemeClr>
+                </a:solidFill>
+              </a:rPr>
+              <a:t>Git</a:t>
+            </a:r>
+            <a:r>
+              <a:rPr lang="en-US" dirty="0">
+                <a:solidFill>
+                  <a:schemeClr val="accent1">
+                    <a:lumMod val="50000"/>
+                  </a:schemeClr>
+                </a:solidFill>
+              </a:rPr>
+              <a:t> </a:t>
+            </a:r>
+            <a:r>
               <a:rPr lang="en-US" dirty="0" smtClean="0">
                 <a:solidFill>
                   <a:schemeClr val="accent1">
@@ -4009,58 +6475,11 @@
                   </a:schemeClr>
                 </a:solidFill>
               </a:rPr>
-              <a:t>Title Text</a:t>
+              <a:t>Framework</a:t>
             </a:r>
             <a:endParaRPr lang="en-US" dirty="0">
               <a:solidFill>
                 <a:schemeClr val="accent1">
-                  <a:lumMod val="50000"/>
-                </a:schemeClr>
-              </a:solidFill>
-            </a:endParaRPr>
-          </a:p>
-        </p:txBody>
-      </p:sp>
-      <p:sp>
-        <p:nvSpPr>
-          <p:cNvPr id="3" name="Content Placeholder 2"/>
-          <p:cNvSpPr>
-            <a:spLocks noGrp="1"/>
-          </p:cNvSpPr>
-          <p:nvPr>
-            <p:ph idx="1"/>
-          </p:nvPr>
-        </p:nvSpPr>
-        <p:spPr/>
-        <p:txBody>
-          <a:bodyPr/>
-          <a:lstStyle/>
-          <a:p>
-            <a:r>
-              <a:rPr lang="en-US" dirty="0" smtClean="0">
-                <a:solidFill>
-                  <a:schemeClr val="accent5">
-                    <a:lumMod val="50000"/>
-                  </a:schemeClr>
-                </a:solidFill>
-              </a:rPr>
-              <a:t>Bullet 1</a:t>
-            </a:r>
-          </a:p>
-          <a:p>
-            <a:r>
-              <a:rPr lang="en-US" dirty="0" smtClean="0">
-                <a:solidFill>
-                  <a:schemeClr val="accent5">
-                    <a:lumMod val="50000"/>
-                  </a:schemeClr>
-                </a:solidFill>
-              </a:rPr>
-              <a:t>Bullet 2</a:t>
-            </a:r>
-            <a:endParaRPr lang="en-US" dirty="0">
-              <a:solidFill>
-                <a:schemeClr val="accent5">
                   <a:lumMod val="50000"/>
                 </a:schemeClr>
               </a:solidFill>
@@ -4194,25 +6613,6 @@
               </a:pPr>
               <a:t>3</a:t>
             </a:fld>
-            <a:r>
-              <a:rPr kumimoji="0" lang="en-US" sz="1400" b="0" i="0" u="none" strike="noStrike" kern="1200" cap="none" spc="0" normalizeH="0" baseline="0" noProof="0" dirty="0" smtClean="0">
-                <a:ln>
-                  <a:noFill/>
-                </a:ln>
-                <a:solidFill>
-                  <a:schemeClr val="accent3">
-                    <a:lumMod val="50000"/>
-                  </a:schemeClr>
-                </a:solidFill>
-                <a:effectLst/>
-                <a:uLnTx/>
-                <a:uFillTx/>
-                <a:latin typeface="+mn-lt"/>
-                <a:ea typeface="+mn-ea"/>
-                <a:cs typeface="+mn-cs"/>
-              </a:rPr>
-              <a:t> OF 4</a:t>
-            </a:r>
             <a:endParaRPr kumimoji="0" lang="en-US" sz="1400" b="0" i="0" u="none" strike="noStrike" kern="1200" cap="none" spc="0" normalizeH="0" baseline="0" noProof="0" dirty="0">
               <a:ln>
                 <a:noFill/>
@@ -4229,6 +6629,58 @@
               <a:ea typeface="+mn-ea"/>
               <a:cs typeface="+mn-cs"/>
             </a:endParaRPr>
+          </a:p>
+        </p:txBody>
+      </p:sp>
+      <p:sp>
+        <p:nvSpPr>
+          <p:cNvPr id="4" name="Content Placeholder 3"/>
+          <p:cNvSpPr>
+            <a:spLocks noGrp="1"/>
+          </p:cNvSpPr>
+          <p:nvPr>
+            <p:ph idx="1"/>
+          </p:nvPr>
+        </p:nvSpPr>
+        <p:spPr>
+          <a:xfrm>
+            <a:off x="457200" y="2514600"/>
+            <a:ext cx="8229600" cy="1752600"/>
+          </a:xfrm>
+        </p:spPr>
+        <p:txBody>
+          <a:bodyPr>
+            <a:normAutofit fontScale="92500" lnSpcReduction="20000"/>
+          </a:bodyPr>
+          <a:lstStyle/>
+          <a:p>
+            <a:r>
+              <a:rPr lang="en-US" dirty="0" err="1" smtClean="0"/>
+              <a:t>Git</a:t>
+            </a:r>
+            <a:r>
+              <a:rPr lang="en-US" dirty="0" smtClean="0"/>
+              <a:t> is a framework for tracking incremental changes to files (especially text), and ensuring that those changes don’t conflict.</a:t>
+            </a:r>
+          </a:p>
+          <a:p>
+            <a:r>
+              <a:rPr lang="en-US" dirty="0" err="1" smtClean="0"/>
+              <a:t>Git</a:t>
+            </a:r>
+            <a:r>
+              <a:rPr lang="en-US" dirty="0" smtClean="0"/>
+              <a:t> is also </a:t>
+            </a:r>
+            <a:r>
+              <a:rPr lang="en-US" b="1" dirty="0" smtClean="0"/>
+              <a:t>many</a:t>
+            </a:r>
+            <a:r>
+              <a:rPr lang="en-US" dirty="0" smtClean="0"/>
+              <a:t> other things.</a:t>
+            </a:r>
+            <a:endParaRPr lang="en-US" dirty="0"/>
           </a:p>
         </p:txBody>
       </p:sp>
@@ -4347,6 +6799,16 @@
           <a:p>
             <a:pPr algn="l"/>
             <a:r>
+              <a:rPr lang="en-US" dirty="0" err="1" smtClean="0">
+                <a:solidFill>
+                  <a:schemeClr val="accent1">
+                    <a:lumMod val="50000"/>
+                  </a:schemeClr>
+                </a:solidFill>
+              </a:rPr>
+              <a:t>Git</a:t>
+            </a:r>
+            <a:r>
               <a:rPr lang="en-US" dirty="0" smtClean="0">
                 <a:solidFill>
                   <a:schemeClr val="accent1">
@@ -4354,58 +6816,11 @@
                   </a:schemeClr>
                 </a:solidFill>
               </a:rPr>
-              <a:t>Title Text</a:t>
+              <a:t> Framework</a:t>
             </a:r>
             <a:endParaRPr lang="en-US" dirty="0">
               <a:solidFill>
                 <a:schemeClr val="accent1">
-                  <a:lumMod val="50000"/>
-                </a:schemeClr>
-              </a:solidFill>
-            </a:endParaRPr>
-          </a:p>
-        </p:txBody>
-      </p:sp>
-      <p:sp>
-        <p:nvSpPr>
-          <p:cNvPr id="3" name="Content Placeholder 2"/>
-          <p:cNvSpPr>
-            <a:spLocks noGrp="1"/>
-          </p:cNvSpPr>
-          <p:nvPr>
-            <p:ph idx="1"/>
-          </p:nvPr>
-        </p:nvSpPr>
-        <p:spPr/>
-        <p:txBody>
-          <a:bodyPr/>
-          <a:lstStyle/>
-          <a:p>
-            <a:r>
-              <a:rPr lang="en-US" dirty="0" smtClean="0">
-                <a:solidFill>
-                  <a:schemeClr val="accent5">
-                    <a:lumMod val="50000"/>
-                  </a:schemeClr>
-                </a:solidFill>
-              </a:rPr>
-              <a:t>Bullet 1</a:t>
-            </a:r>
-          </a:p>
-          <a:p>
-            <a:r>
-              <a:rPr lang="en-US" dirty="0" smtClean="0">
-                <a:solidFill>
-                  <a:schemeClr val="accent5">
-                    <a:lumMod val="50000"/>
-                  </a:schemeClr>
-                </a:solidFill>
-              </a:rPr>
-              <a:t>Bullet 2</a:t>
-            </a:r>
-            <a:endParaRPr lang="en-US" dirty="0">
-              <a:solidFill>
-                <a:schemeClr val="accent5">
                   <a:lumMod val="50000"/>
                 </a:schemeClr>
               </a:solidFill>
@@ -4539,6 +6954,410 @@
               </a:pPr>
               <a:t>4</a:t>
             </a:fld>
+            <a:endParaRPr kumimoji="0" lang="en-US" sz="1400" b="0" i="0" u="none" strike="noStrike" kern="1200" cap="none" spc="0" normalizeH="0" baseline="0" noProof="0" dirty="0">
+              <a:ln>
+                <a:noFill/>
+              </a:ln>
+              <a:solidFill>
+                <a:schemeClr val="accent3">
+                  <a:lumMod val="50000"/>
+                </a:schemeClr>
+              </a:solidFill>
+              <a:effectLst/>
+              <a:uLnTx/>
+              <a:uFillTx/>
+              <a:latin typeface="+mn-lt"/>
+              <a:ea typeface="+mn-ea"/>
+              <a:cs typeface="+mn-cs"/>
+            </a:endParaRPr>
+          </a:p>
+        </p:txBody>
+      </p:sp>
+      <p:sp>
+        <p:nvSpPr>
+          <p:cNvPr id="6" name="TextBox 5"/>
+          <p:cNvSpPr txBox="1"/>
+          <p:nvPr/>
+        </p:nvSpPr>
+        <p:spPr>
+          <a:xfrm>
+            <a:off x="126489" y="1817222"/>
+            <a:ext cx="8788912" cy="646331"/>
+          </a:xfrm>
+          <a:prstGeom prst="rect">
+            <a:avLst/>
+          </a:prstGeom>
+          <a:noFill/>
+        </p:spPr>
+        <p:txBody>
+          <a:bodyPr wrap="square" rtlCol="0">
+            <a:spAutoFit/>
+          </a:bodyPr>
+          <a:lstStyle/>
+          <a:p>
+            <a:r>
+              <a:rPr lang="en-US" b="1" dirty="0" smtClean="0"/>
+              <a:t>Repository:</a:t>
+            </a:r>
+            <a:r>
+              <a:rPr lang="en-US" dirty="0" smtClean="0"/>
+              <a:t> A collection of files used for a single project in </a:t>
+            </a:r>
+            <a:r>
+              <a:rPr lang="en-US" dirty="0" err="1" smtClean="0"/>
+              <a:t>Git</a:t>
+            </a:r>
+            <a:r>
+              <a:rPr lang="en-US" dirty="0" smtClean="0"/>
+              <a:t>. A Windows folder that uses </a:t>
+            </a:r>
+            <a:r>
+              <a:rPr lang="en-US" dirty="0" err="1" smtClean="0"/>
+              <a:t>Git</a:t>
+            </a:r>
+            <a:r>
+              <a:rPr lang="en-US" dirty="0" smtClean="0"/>
+              <a:t> is a repository. A repository contains </a:t>
+            </a:r>
+            <a:r>
+              <a:rPr lang="en-US" b="1" dirty="0" smtClean="0"/>
+              <a:t>all past versions of a folder.</a:t>
+            </a:r>
+            <a:endParaRPr lang="en-US" b="1" dirty="0"/>
+          </a:p>
+        </p:txBody>
+      </p:sp>
+      <p:pic>
+        <p:nvPicPr>
+          <p:cNvPr id="7" name="Picture 6"/>
+          <p:cNvPicPr>
+            <a:picLocks noChangeAspect="1"/>
+          </p:cNvPicPr>
+          <p:nvPr/>
+        </p:nvPicPr>
+        <p:blipFill>
+          <a:blip r:embed="rId3"/>
+          <a:stretch>
+            <a:fillRect/>
+          </a:stretch>
+        </p:blipFill>
+        <p:spPr>
+          <a:xfrm>
+            <a:off x="457200" y="2831636"/>
+            <a:ext cx="3433762" cy="3226264"/>
+          </a:xfrm>
+          <a:prstGeom prst="rect">
+            <a:avLst/>
+          </a:prstGeom>
+        </p:spPr>
+      </p:pic>
+      <p:pic>
+        <p:nvPicPr>
+          <p:cNvPr id="9" name="Picture 8"/>
+          <p:cNvPicPr>
+            <a:picLocks noChangeAspect="1"/>
+          </p:cNvPicPr>
+          <p:nvPr/>
+        </p:nvPicPr>
+        <p:blipFill>
+          <a:blip r:embed="rId4"/>
+          <a:stretch>
+            <a:fillRect/>
+          </a:stretch>
+        </p:blipFill>
+        <p:spPr>
+          <a:xfrm>
+            <a:off x="5281467" y="2875865"/>
+            <a:ext cx="3405333" cy="3194149"/>
+          </a:xfrm>
+          <a:prstGeom prst="rect">
+            <a:avLst/>
+          </a:prstGeom>
+        </p:spPr>
+      </p:pic>
+      <p:sp>
+        <p:nvSpPr>
+          <p:cNvPr id="10" name="TextBox 9"/>
+          <p:cNvSpPr txBox="1"/>
+          <p:nvPr/>
+        </p:nvSpPr>
+        <p:spPr>
+          <a:xfrm>
+            <a:off x="1086732" y="2538264"/>
+            <a:ext cx="2174698" cy="307777"/>
+          </a:xfrm>
+          <a:prstGeom prst="rect">
+            <a:avLst/>
+          </a:prstGeom>
+          <a:noFill/>
+        </p:spPr>
+        <p:txBody>
+          <a:bodyPr wrap="none" rtlCol="0">
+            <a:spAutoFit/>
+          </a:bodyPr>
+          <a:lstStyle/>
+          <a:p>
+            <a:r>
+              <a:rPr lang="en-US" sz="1400" dirty="0" smtClean="0"/>
+              <a:t>Boring, old Windows folder</a:t>
+            </a:r>
+            <a:endParaRPr lang="en-US" sz="1400" dirty="0"/>
+          </a:p>
+        </p:txBody>
+      </p:sp>
+      <p:sp>
+        <p:nvSpPr>
+          <p:cNvPr id="12" name="TextBox 11"/>
+          <p:cNvSpPr txBox="1"/>
+          <p:nvPr/>
+        </p:nvSpPr>
+        <p:spPr>
+          <a:xfrm>
+            <a:off x="5896784" y="2538263"/>
+            <a:ext cx="1850956" cy="307777"/>
+          </a:xfrm>
+          <a:prstGeom prst="rect">
+            <a:avLst/>
+          </a:prstGeom>
+          <a:noFill/>
+        </p:spPr>
+        <p:txBody>
+          <a:bodyPr wrap="none" rtlCol="0">
+            <a:spAutoFit/>
+          </a:bodyPr>
+          <a:lstStyle/>
+          <a:p>
+            <a:r>
+              <a:rPr lang="en-US" sz="1400" dirty="0" smtClean="0"/>
+              <a:t>Exciting </a:t>
+            </a:r>
+            <a:r>
+              <a:rPr lang="en-US" sz="1400" dirty="0" err="1" smtClean="0"/>
+              <a:t>Git</a:t>
+            </a:r>
+            <a:r>
+              <a:rPr lang="en-US" sz="1400" dirty="0" smtClean="0"/>
+              <a:t> repository!</a:t>
+            </a:r>
+            <a:endParaRPr lang="en-US" sz="1400" dirty="0"/>
+          </a:p>
+        </p:txBody>
+      </p:sp>
+    </p:spTree>
+  </p:cSld>
+  <p:clrMapOvr>
+    <a:masterClrMapping/>
+  </p:clrMapOvr>
+  <p:timing>
+    <p:tnLst>
+      <p:par>
+        <p:cTn id="1" dur="indefinite" restart="never" nodeType="tmRoot"/>
+      </p:par>
+    </p:tnLst>
+  </p:timing>
+</p:sld>
+</file>
+
+<file path=ppt/slides/slide5.xml><?xml version="1.0" encoding="utf-8"?>
+<p:sld xmlns:a="http://schemas.openxmlformats.org/drawingml/2006/main" xmlns:r="http://schemas.openxmlformats.org/officeDocument/2006/relationships" xmlns:p="http://schemas.openxmlformats.org/presentationml/2006/main">
+  <p:cSld>
+    <p:bg>
+      <p:bgPr>
+        <a:solidFill>
+          <a:schemeClr val="bg1">
+            <a:lumMod val="65000"/>
+          </a:schemeClr>
+        </a:solidFill>
+        <a:effectLst/>
+      </p:bgPr>
+    </p:bg>
+    <p:spTree>
+      <p:nvGrpSpPr>
+        <p:cNvPr id="1" name=""/>
+        <p:cNvGrpSpPr/>
+        <p:nvPr/>
+      </p:nvGrpSpPr>
+      <p:grpSpPr>
+        <a:xfrm>
+          <a:off x="0" y="0"/>
+          <a:ext cx="0" cy="0"/>
+          <a:chOff x="0" y="0"/>
+          <a:chExt cx="0" cy="0"/>
+        </a:xfrm>
+      </p:grpSpPr>
+      <p:sp>
+        <p:nvSpPr>
+          <p:cNvPr id="5" name="Rectangle 4"/>
+          <p:cNvSpPr/>
+          <p:nvPr/>
+        </p:nvSpPr>
+        <p:spPr>
+          <a:xfrm>
+            <a:off x="0" y="6172200"/>
+            <a:ext cx="9144000" cy="685800"/>
+          </a:xfrm>
+          <a:prstGeom prst="rect">
+            <a:avLst/>
+          </a:prstGeom>
+          <a:gradFill>
+            <a:gsLst>
+              <a:gs pos="0">
+                <a:schemeClr val="bg1"/>
+              </a:gs>
+              <a:gs pos="100000">
+                <a:schemeClr val="bg1">
+                  <a:alpha val="0"/>
+                </a:schemeClr>
+              </a:gs>
+            </a:gsLst>
+            <a:lin ang="10800000" scaled="0"/>
+          </a:gradFill>
+          <a:ln>
+            <a:noFill/>
+          </a:ln>
+        </p:spPr>
+        <p:style>
+          <a:lnRef idx="2">
+            <a:schemeClr val="accent1">
+              <a:shade val="50000"/>
+            </a:schemeClr>
+          </a:lnRef>
+          <a:fillRef idx="1">
+            <a:schemeClr val="accent1"/>
+          </a:fillRef>
+          <a:effectRef idx="0">
+            <a:schemeClr val="accent1"/>
+          </a:effectRef>
+          <a:fontRef idx="minor">
+            <a:schemeClr val="lt1"/>
+          </a:fontRef>
+        </p:style>
+        <p:txBody>
+          <a:bodyPr rtlCol="0" anchor="ctr"/>
+          <a:lstStyle/>
+          <a:p>
+            <a:pPr algn="ctr"/>
+            <a:endParaRPr lang="en-US"/>
+          </a:p>
+        </p:txBody>
+      </p:sp>
+      <p:sp>
+        <p:nvSpPr>
+          <p:cNvPr id="2" name="Title 1"/>
+          <p:cNvSpPr>
+            <a:spLocks noGrp="1"/>
+          </p:cNvSpPr>
+          <p:nvPr>
+            <p:ph type="title"/>
+          </p:nvPr>
+        </p:nvSpPr>
+        <p:spPr/>
+        <p:txBody>
+          <a:bodyPr/>
+          <a:lstStyle/>
+          <a:p>
+            <a:pPr algn="l"/>
+            <a:r>
+              <a:rPr lang="en-US" dirty="0" err="1" smtClean="0">
+                <a:solidFill>
+                  <a:schemeClr val="accent1">
+                    <a:lumMod val="50000"/>
+                  </a:schemeClr>
+                </a:solidFill>
+              </a:rPr>
+              <a:t>Git</a:t>
+            </a:r>
+            <a:r>
+              <a:rPr lang="en-US" dirty="0" smtClean="0">
+                <a:solidFill>
+                  <a:schemeClr val="accent1">
+                    <a:lumMod val="50000"/>
+                  </a:schemeClr>
+                </a:solidFill>
+              </a:rPr>
+              <a:t> Framework</a:t>
+            </a:r>
+            <a:endParaRPr lang="en-US" dirty="0">
+              <a:solidFill>
+                <a:schemeClr val="accent1">
+                  <a:lumMod val="50000"/>
+                </a:schemeClr>
+              </a:solidFill>
+            </a:endParaRPr>
+          </a:p>
+        </p:txBody>
+      </p:sp>
+      <p:pic>
+        <p:nvPicPr>
+          <p:cNvPr id="2050" name="Picture 2" descr="D:\data\market\3_logo\LTIlogo_object.png"/>
+          <p:cNvPicPr>
+            <a:picLocks noChangeAspect="1" noChangeArrowheads="1"/>
+          </p:cNvPicPr>
+          <p:nvPr/>
+        </p:nvPicPr>
+        <p:blipFill>
+          <a:blip r:embed="rId2" cstate="print"/>
+          <a:srcRect l="28571" t="23077" r="27473" b="23077"/>
+          <a:stretch>
+            <a:fillRect/>
+          </a:stretch>
+        </p:blipFill>
+        <p:spPr bwMode="auto">
+          <a:xfrm>
+            <a:off x="8077200" y="5943600"/>
+            <a:ext cx="990600" cy="866775"/>
+          </a:xfrm>
+          <a:prstGeom prst="rect">
+            <a:avLst/>
+          </a:prstGeom>
+          <a:noFill/>
+          <a:effectLst>
+            <a:outerShdw blurRad="50800" dist="38100" dir="2700000" algn="tl" rotWithShape="0">
+              <a:prstClr val="black">
+                <a:alpha val="40000"/>
+              </a:prstClr>
+            </a:outerShdw>
+          </a:effectLst>
+        </p:spPr>
+      </p:pic>
+      <p:sp>
+        <p:nvSpPr>
+          <p:cNvPr id="8" name="Slide Number Placeholder 7"/>
+          <p:cNvSpPr txBox="1">
+            <a:spLocks/>
+          </p:cNvSpPr>
+          <p:nvPr/>
+        </p:nvSpPr>
+        <p:spPr>
+          <a:xfrm>
+            <a:off x="5791200" y="6324600"/>
+            <a:ext cx="2133600" cy="365125"/>
+          </a:xfrm>
+          <a:prstGeom prst="rect">
+            <a:avLst/>
+          </a:prstGeom>
+        </p:spPr>
+        <p:txBody>
+          <a:bodyPr vert="horz" lIns="91440" tIns="45720" rIns="91440" bIns="45720" rtlCol="0" anchor="ctr"/>
+          <a:lstStyle/>
+          <a:p>
+            <a:pPr marL="0" marR="0" lvl="0" indent="0" algn="r" defTabSz="914400" rtl="0" eaLnBrk="1" fontAlgn="auto" latinLnBrk="0" hangingPunct="1">
+              <a:lnSpc>
+                <a:spcPct val="100000"/>
+              </a:lnSpc>
+              <a:spcBef>
+                <a:spcPts val="0"/>
+              </a:spcBef>
+              <a:spcAft>
+                <a:spcPts val="0"/>
+              </a:spcAft>
+              <a:buClrTx/>
+              <a:buSzTx/>
+              <a:buFontTx/>
+              <a:buNone/>
+              <a:tabLst/>
+              <a:defRPr/>
+            </a:pPr>
             <a:r>
               <a:rPr kumimoji="0" lang="en-US" sz="1400" b="0" i="0" u="none" strike="noStrike" kern="1200" cap="none" spc="0" normalizeH="0" baseline="0" noProof="0" dirty="0" smtClean="0">
                 <a:ln>
@@ -4556,8 +7375,44 @@
                 <a:ea typeface="+mn-ea"/>
                 <a:cs typeface="+mn-cs"/>
               </a:rPr>
-              <a:t> OF 4</a:t>
-            </a:r>
+              <a:t>SLIDE </a:t>
+            </a:r>
+            <a:fld id="{C04375EB-5169-4238-8270-5D5536267021}" type="slidenum">
+              <a:rPr kumimoji="0" lang="en-US" sz="1400" b="0" i="0" u="none" strike="noStrike" kern="1200" cap="none" spc="0" normalizeH="0" baseline="0" noProof="0" smtClean="0">
+                <a:ln>
+                  <a:noFill/>
+                </a:ln>
+                <a:solidFill>
+                  <a:schemeClr val="accent3">
+                    <a:lumMod val="50000"/>
+                  </a:schemeClr>
+                </a:solidFill>
+                <a:effectLst/>
+                <a:uLnTx/>
+                <a:uFillTx/>
+                <a:latin typeface="+mn-lt"/>
+                <a:ea typeface="+mn-ea"/>
+                <a:cs typeface="+mn-cs"/>
+              </a:rPr>
+              <a:pPr marL="0" marR="0" lvl="0" indent="0" algn="r" defTabSz="914400" rtl="0" eaLnBrk="1" fontAlgn="auto" latinLnBrk="0" hangingPunct="1">
+                <a:lnSpc>
+                  <a:spcPct val="100000"/>
+                </a:lnSpc>
+                <a:spcBef>
+                  <a:spcPts val="0"/>
+                </a:spcBef>
+                <a:spcAft>
+                  <a:spcPts val="0"/>
+                </a:spcAft>
+                <a:buClrTx/>
+                <a:buSzTx/>
+                <a:buFontTx/>
+                <a:buNone/>
+                <a:tabLst/>
+                <a:defRPr/>
+              </a:pPr>
+              <a:t>5</a:t>
+            </a:fld>
             <a:endParaRPr kumimoji="0" lang="en-US" sz="1400" b="0" i="0" u="none" strike="noStrike" kern="1200" cap="none" spc="0" normalizeH="0" baseline="0" noProof="0" dirty="0">
               <a:ln>
                 <a:noFill/>
@@ -4577,7 +7432,2453 @@
           </a:p>
         </p:txBody>
       </p:sp>
+      <p:sp>
+        <p:nvSpPr>
+          <p:cNvPr id="6" name="TextBox 5"/>
+          <p:cNvSpPr txBox="1"/>
+          <p:nvPr/>
+        </p:nvSpPr>
+        <p:spPr>
+          <a:xfrm>
+            <a:off x="177544" y="1247885"/>
+            <a:ext cx="8788912" cy="646331"/>
+          </a:xfrm>
+          <a:prstGeom prst="rect">
+            <a:avLst/>
+          </a:prstGeom>
+          <a:noFill/>
+        </p:spPr>
+        <p:txBody>
+          <a:bodyPr wrap="square" rtlCol="0">
+            <a:spAutoFit/>
+          </a:bodyPr>
+          <a:lstStyle/>
+          <a:p>
+            <a:r>
+              <a:rPr lang="en-US" b="1" dirty="0" smtClean="0"/>
+              <a:t>Local Repository: </a:t>
+            </a:r>
+            <a:r>
+              <a:rPr lang="en-US" dirty="0" smtClean="0"/>
+              <a:t>The repository saved on your computer. </a:t>
+            </a:r>
+          </a:p>
+          <a:p>
+            <a:r>
+              <a:rPr lang="en-US" b="1" dirty="0" smtClean="0"/>
+              <a:t>Remote Repository: </a:t>
+            </a:r>
+            <a:r>
+              <a:rPr lang="en-US" dirty="0" smtClean="0"/>
+              <a:t>The shared repository saved on a server somewhere (like GitHub). </a:t>
+            </a:r>
+            <a:endParaRPr lang="en-US" b="1" dirty="0"/>
+          </a:p>
+        </p:txBody>
+      </p:sp>
+      <p:pic>
+        <p:nvPicPr>
+          <p:cNvPr id="9" name="Picture 8"/>
+          <p:cNvPicPr>
+            <a:picLocks noChangeAspect="1"/>
+          </p:cNvPicPr>
+          <p:nvPr/>
+        </p:nvPicPr>
+        <p:blipFill>
+          <a:blip r:embed="rId3"/>
+          <a:stretch>
+            <a:fillRect/>
+          </a:stretch>
+        </p:blipFill>
+        <p:spPr>
+          <a:xfrm>
+            <a:off x="202441" y="2222410"/>
+            <a:ext cx="3136356" cy="2941853"/>
+          </a:xfrm>
+          <a:prstGeom prst="rect">
+            <a:avLst/>
+          </a:prstGeom>
+        </p:spPr>
+      </p:pic>
+      <p:sp>
+        <p:nvSpPr>
+          <p:cNvPr id="12" name="TextBox 11"/>
+          <p:cNvSpPr txBox="1"/>
+          <p:nvPr/>
+        </p:nvSpPr>
+        <p:spPr>
+          <a:xfrm>
+            <a:off x="1049630" y="1931970"/>
+            <a:ext cx="1661160" cy="307777"/>
+          </a:xfrm>
+          <a:prstGeom prst="rect">
+            <a:avLst/>
+          </a:prstGeom>
+          <a:noFill/>
+        </p:spPr>
+        <p:txBody>
+          <a:bodyPr wrap="none" rtlCol="0">
+            <a:spAutoFit/>
+          </a:bodyPr>
+          <a:lstStyle/>
+          <a:p>
+            <a:r>
+              <a:rPr lang="en-US" sz="1400" dirty="0" smtClean="0"/>
+              <a:t>Local </a:t>
+            </a:r>
+            <a:r>
+              <a:rPr lang="en-US" sz="1400" dirty="0" err="1" smtClean="0"/>
+              <a:t>Git</a:t>
+            </a:r>
+            <a:r>
+              <a:rPr lang="en-US" sz="1400" dirty="0" smtClean="0"/>
+              <a:t> repository</a:t>
+            </a:r>
+            <a:endParaRPr lang="en-US" sz="1400" dirty="0"/>
+          </a:p>
+        </p:txBody>
+      </p:sp>
+      <p:pic>
+        <p:nvPicPr>
+          <p:cNvPr id="3" name="Picture 2"/>
+          <p:cNvPicPr>
+            <a:picLocks noChangeAspect="1"/>
+          </p:cNvPicPr>
+          <p:nvPr/>
+        </p:nvPicPr>
+        <p:blipFill>
+          <a:blip r:embed="rId4"/>
+          <a:stretch>
+            <a:fillRect/>
+          </a:stretch>
+        </p:blipFill>
+        <p:spPr>
+          <a:xfrm>
+            <a:off x="3548063" y="3130563"/>
+            <a:ext cx="5519737" cy="2644762"/>
+          </a:xfrm>
+          <a:prstGeom prst="rect">
+            <a:avLst/>
+          </a:prstGeom>
+        </p:spPr>
+      </p:pic>
+      <p:sp>
+        <p:nvSpPr>
+          <p:cNvPr id="13" name="TextBox 12"/>
+          <p:cNvSpPr txBox="1"/>
+          <p:nvPr/>
+        </p:nvSpPr>
+        <p:spPr>
+          <a:xfrm>
+            <a:off x="5486400" y="2822786"/>
+            <a:ext cx="1801840" cy="307777"/>
+          </a:xfrm>
+          <a:prstGeom prst="rect">
+            <a:avLst/>
+          </a:prstGeom>
+          <a:noFill/>
+        </p:spPr>
+        <p:txBody>
+          <a:bodyPr wrap="none" rtlCol="0">
+            <a:spAutoFit/>
+          </a:bodyPr>
+          <a:lstStyle/>
+          <a:p>
+            <a:r>
+              <a:rPr lang="en-US" sz="1400" dirty="0" smtClean="0"/>
+              <a:t>Remote </a:t>
+            </a:r>
+            <a:r>
+              <a:rPr lang="en-US" sz="1400" dirty="0" err="1" smtClean="0"/>
+              <a:t>Git</a:t>
+            </a:r>
+            <a:r>
+              <a:rPr lang="en-US" sz="1400" dirty="0" smtClean="0"/>
+              <a:t> repository</a:t>
+            </a:r>
+            <a:endParaRPr lang="en-US" sz="1400" dirty="0"/>
+          </a:p>
+        </p:txBody>
+      </p:sp>
     </p:spTree>
+    <p:extLst>
+      <p:ext uri="{BB962C8B-B14F-4D97-AF65-F5344CB8AC3E}">
+        <p14:creationId xmlns:p14="http://schemas.microsoft.com/office/powerpoint/2010/main" val="1339076882"/>
+      </p:ext>
+    </p:extLst>
+  </p:cSld>
+  <p:clrMapOvr>
+    <a:masterClrMapping/>
+  </p:clrMapOvr>
+  <p:timing>
+    <p:tnLst>
+      <p:par>
+        <p:cTn id="1" dur="indefinite" restart="never" nodeType="tmRoot"/>
+      </p:par>
+    </p:tnLst>
+  </p:timing>
+</p:sld>
+</file>
+
+<file path=ppt/slides/slide6.xml><?xml version="1.0" encoding="utf-8"?>
+<p:sld xmlns:a="http://schemas.openxmlformats.org/drawingml/2006/main" xmlns:r="http://schemas.openxmlformats.org/officeDocument/2006/relationships" xmlns:p="http://schemas.openxmlformats.org/presentationml/2006/main">
+  <p:cSld>
+    <p:bg>
+      <p:bgPr>
+        <a:solidFill>
+          <a:schemeClr val="bg1">
+            <a:lumMod val="65000"/>
+          </a:schemeClr>
+        </a:solidFill>
+        <a:effectLst/>
+      </p:bgPr>
+    </p:bg>
+    <p:spTree>
+      <p:nvGrpSpPr>
+        <p:cNvPr id="1" name=""/>
+        <p:cNvGrpSpPr/>
+        <p:nvPr/>
+      </p:nvGrpSpPr>
+      <p:grpSpPr>
+        <a:xfrm>
+          <a:off x="0" y="0"/>
+          <a:ext cx="0" cy="0"/>
+          <a:chOff x="0" y="0"/>
+          <a:chExt cx="0" cy="0"/>
+        </a:xfrm>
+      </p:grpSpPr>
+      <p:sp>
+        <p:nvSpPr>
+          <p:cNvPr id="5" name="Rectangle 4"/>
+          <p:cNvSpPr/>
+          <p:nvPr/>
+        </p:nvSpPr>
+        <p:spPr>
+          <a:xfrm>
+            <a:off x="0" y="6172200"/>
+            <a:ext cx="9144000" cy="685800"/>
+          </a:xfrm>
+          <a:prstGeom prst="rect">
+            <a:avLst/>
+          </a:prstGeom>
+          <a:gradFill>
+            <a:gsLst>
+              <a:gs pos="0">
+                <a:schemeClr val="bg1"/>
+              </a:gs>
+              <a:gs pos="100000">
+                <a:schemeClr val="bg1">
+                  <a:alpha val="0"/>
+                </a:schemeClr>
+              </a:gs>
+            </a:gsLst>
+            <a:lin ang="10800000" scaled="0"/>
+          </a:gradFill>
+          <a:ln>
+            <a:noFill/>
+          </a:ln>
+        </p:spPr>
+        <p:style>
+          <a:lnRef idx="2">
+            <a:schemeClr val="accent1">
+              <a:shade val="50000"/>
+            </a:schemeClr>
+          </a:lnRef>
+          <a:fillRef idx="1">
+            <a:schemeClr val="accent1"/>
+          </a:fillRef>
+          <a:effectRef idx="0">
+            <a:schemeClr val="accent1"/>
+          </a:effectRef>
+          <a:fontRef idx="minor">
+            <a:schemeClr val="lt1"/>
+          </a:fontRef>
+        </p:style>
+        <p:txBody>
+          <a:bodyPr rtlCol="0" anchor="ctr"/>
+          <a:lstStyle/>
+          <a:p>
+            <a:pPr algn="ctr"/>
+            <a:endParaRPr lang="en-US"/>
+          </a:p>
+        </p:txBody>
+      </p:sp>
+      <p:sp>
+        <p:nvSpPr>
+          <p:cNvPr id="2" name="Title 1"/>
+          <p:cNvSpPr>
+            <a:spLocks noGrp="1"/>
+          </p:cNvSpPr>
+          <p:nvPr>
+            <p:ph type="title"/>
+          </p:nvPr>
+        </p:nvSpPr>
+        <p:spPr/>
+        <p:txBody>
+          <a:bodyPr/>
+          <a:lstStyle/>
+          <a:p>
+            <a:pPr algn="l"/>
+            <a:r>
+              <a:rPr lang="en-US" dirty="0" err="1" smtClean="0">
+                <a:solidFill>
+                  <a:schemeClr val="accent1">
+                    <a:lumMod val="50000"/>
+                  </a:schemeClr>
+                </a:solidFill>
+              </a:rPr>
+              <a:t>Git</a:t>
+            </a:r>
+            <a:r>
+              <a:rPr lang="en-US" dirty="0" smtClean="0">
+                <a:solidFill>
+                  <a:schemeClr val="accent1">
+                    <a:lumMod val="50000"/>
+                  </a:schemeClr>
+                </a:solidFill>
+              </a:rPr>
+              <a:t> Framework</a:t>
+            </a:r>
+            <a:endParaRPr lang="en-US" dirty="0">
+              <a:solidFill>
+                <a:schemeClr val="accent1">
+                  <a:lumMod val="50000"/>
+                </a:schemeClr>
+              </a:solidFill>
+            </a:endParaRPr>
+          </a:p>
+        </p:txBody>
+      </p:sp>
+      <p:pic>
+        <p:nvPicPr>
+          <p:cNvPr id="2050" name="Picture 2" descr="D:\data\market\3_logo\LTIlogo_object.png"/>
+          <p:cNvPicPr>
+            <a:picLocks noChangeAspect="1" noChangeArrowheads="1"/>
+          </p:cNvPicPr>
+          <p:nvPr/>
+        </p:nvPicPr>
+        <p:blipFill>
+          <a:blip r:embed="rId2" cstate="print"/>
+          <a:srcRect l="28571" t="23077" r="27473" b="23077"/>
+          <a:stretch>
+            <a:fillRect/>
+          </a:stretch>
+        </p:blipFill>
+        <p:spPr bwMode="auto">
+          <a:xfrm>
+            <a:off x="8077200" y="5943600"/>
+            <a:ext cx="990600" cy="866775"/>
+          </a:xfrm>
+          <a:prstGeom prst="rect">
+            <a:avLst/>
+          </a:prstGeom>
+          <a:noFill/>
+          <a:effectLst>
+            <a:outerShdw blurRad="50800" dist="38100" dir="2700000" algn="tl" rotWithShape="0">
+              <a:prstClr val="black">
+                <a:alpha val="40000"/>
+              </a:prstClr>
+            </a:outerShdw>
+          </a:effectLst>
+        </p:spPr>
+      </p:pic>
+      <p:sp>
+        <p:nvSpPr>
+          <p:cNvPr id="8" name="Slide Number Placeholder 7"/>
+          <p:cNvSpPr txBox="1">
+            <a:spLocks/>
+          </p:cNvSpPr>
+          <p:nvPr/>
+        </p:nvSpPr>
+        <p:spPr>
+          <a:xfrm>
+            <a:off x="5791200" y="6324600"/>
+            <a:ext cx="2133600" cy="365125"/>
+          </a:xfrm>
+          <a:prstGeom prst="rect">
+            <a:avLst/>
+          </a:prstGeom>
+        </p:spPr>
+        <p:txBody>
+          <a:bodyPr vert="horz" lIns="91440" tIns="45720" rIns="91440" bIns="45720" rtlCol="0" anchor="ctr"/>
+          <a:lstStyle/>
+          <a:p>
+            <a:pPr marL="0" marR="0" lvl="0" indent="0" algn="r" defTabSz="914400" rtl="0" eaLnBrk="1" fontAlgn="auto" latinLnBrk="0" hangingPunct="1">
+              <a:lnSpc>
+                <a:spcPct val="100000"/>
+              </a:lnSpc>
+              <a:spcBef>
+                <a:spcPts val="0"/>
+              </a:spcBef>
+              <a:spcAft>
+                <a:spcPts val="0"/>
+              </a:spcAft>
+              <a:buClrTx/>
+              <a:buSzTx/>
+              <a:buFontTx/>
+              <a:buNone/>
+              <a:tabLst/>
+              <a:defRPr/>
+            </a:pPr>
+            <a:r>
+              <a:rPr kumimoji="0" lang="en-US" sz="1400" b="0" i="0" u="none" strike="noStrike" kern="1200" cap="none" spc="0" normalizeH="0" baseline="0" noProof="0" dirty="0" smtClean="0">
+                <a:ln>
+                  <a:noFill/>
+                </a:ln>
+                <a:solidFill>
+                  <a:schemeClr val="accent3">
+                    <a:lumMod val="50000"/>
+                  </a:schemeClr>
+                </a:solidFill>
+                <a:effectLst/>
+                <a:uLnTx/>
+                <a:uFillTx/>
+                <a:latin typeface="+mn-lt"/>
+                <a:ea typeface="+mn-ea"/>
+                <a:cs typeface="+mn-cs"/>
+              </a:rPr>
+              <a:t>SLIDE </a:t>
+            </a:r>
+            <a:fld id="{C04375EB-5169-4238-8270-5D5536267021}" type="slidenum">
+              <a:rPr kumimoji="0" lang="en-US" sz="1400" b="0" i="0" u="none" strike="noStrike" kern="1200" cap="none" spc="0" normalizeH="0" baseline="0" noProof="0" smtClean="0">
+                <a:ln>
+                  <a:noFill/>
+                </a:ln>
+                <a:solidFill>
+                  <a:schemeClr val="accent3">
+                    <a:lumMod val="50000"/>
+                  </a:schemeClr>
+                </a:solidFill>
+                <a:effectLst/>
+                <a:uLnTx/>
+                <a:uFillTx/>
+                <a:latin typeface="+mn-lt"/>
+                <a:ea typeface="+mn-ea"/>
+                <a:cs typeface="+mn-cs"/>
+              </a:rPr>
+              <a:pPr marL="0" marR="0" lvl="0" indent="0" algn="r" defTabSz="914400" rtl="0" eaLnBrk="1" fontAlgn="auto" latinLnBrk="0" hangingPunct="1">
+                <a:lnSpc>
+                  <a:spcPct val="100000"/>
+                </a:lnSpc>
+                <a:spcBef>
+                  <a:spcPts val="0"/>
+                </a:spcBef>
+                <a:spcAft>
+                  <a:spcPts val="0"/>
+                </a:spcAft>
+                <a:buClrTx/>
+                <a:buSzTx/>
+                <a:buFontTx/>
+                <a:buNone/>
+                <a:tabLst/>
+                <a:defRPr/>
+              </a:pPr>
+              <a:t>6</a:t>
+            </a:fld>
+            <a:endParaRPr kumimoji="0" lang="en-US" sz="1400" b="0" i="0" u="none" strike="noStrike" kern="1200" cap="none" spc="0" normalizeH="0" baseline="0" noProof="0" dirty="0">
+              <a:ln>
+                <a:noFill/>
+              </a:ln>
+              <a:solidFill>
+                <a:schemeClr val="accent3">
+                  <a:lumMod val="50000"/>
+                </a:schemeClr>
+              </a:solidFill>
+              <a:effectLst/>
+              <a:uLnTx/>
+              <a:uFillTx/>
+              <a:latin typeface="+mn-lt"/>
+              <a:ea typeface="+mn-ea"/>
+              <a:cs typeface="+mn-cs"/>
+            </a:endParaRPr>
+          </a:p>
+        </p:txBody>
+      </p:sp>
+      <p:sp>
+        <p:nvSpPr>
+          <p:cNvPr id="6" name="TextBox 5"/>
+          <p:cNvSpPr txBox="1"/>
+          <p:nvPr/>
+        </p:nvSpPr>
+        <p:spPr>
+          <a:xfrm>
+            <a:off x="164718" y="1124248"/>
+            <a:ext cx="8788912" cy="923330"/>
+          </a:xfrm>
+          <a:prstGeom prst="rect">
+            <a:avLst/>
+          </a:prstGeom>
+          <a:noFill/>
+        </p:spPr>
+        <p:txBody>
+          <a:bodyPr wrap="square" rtlCol="0">
+            <a:spAutoFit/>
+          </a:bodyPr>
+          <a:lstStyle/>
+          <a:p>
+            <a:r>
+              <a:rPr lang="en-US" b="1" dirty="0" smtClean="0"/>
+              <a:t>Local Repository: </a:t>
+            </a:r>
+            <a:r>
+              <a:rPr lang="en-US" dirty="0" smtClean="0"/>
+              <a:t>The repository saved on your computer. </a:t>
+            </a:r>
+          </a:p>
+          <a:p>
+            <a:r>
+              <a:rPr lang="en-US" b="1" dirty="0" smtClean="0"/>
+              <a:t>Remote Repository: </a:t>
+            </a:r>
+            <a:r>
+              <a:rPr lang="en-US" dirty="0" smtClean="0"/>
+              <a:t>The shared repository saved on a server somewhere. GitHub or others (</a:t>
+            </a:r>
+            <a:r>
+              <a:rPr lang="en-US" dirty="0" err="1" smtClean="0"/>
+              <a:t>BitBucket</a:t>
+            </a:r>
+            <a:r>
+              <a:rPr lang="en-US" dirty="0" smtClean="0"/>
+              <a:t>, somewhere on a </a:t>
+            </a:r>
+            <a:r>
+              <a:rPr lang="en-US" dirty="0" err="1" smtClean="0"/>
+              <a:t>LimnoTech</a:t>
+            </a:r>
+            <a:r>
+              <a:rPr lang="en-US" dirty="0" smtClean="0"/>
+              <a:t> server) </a:t>
+            </a:r>
+            <a:endParaRPr lang="en-US" b="1" dirty="0"/>
+          </a:p>
+        </p:txBody>
+      </p:sp>
+      <p:pic>
+        <p:nvPicPr>
+          <p:cNvPr id="9" name="Picture 8"/>
+          <p:cNvPicPr>
+            <a:picLocks noChangeAspect="1"/>
+          </p:cNvPicPr>
+          <p:nvPr/>
+        </p:nvPicPr>
+        <p:blipFill>
+          <a:blip r:embed="rId3"/>
+          <a:stretch>
+            <a:fillRect/>
+          </a:stretch>
+        </p:blipFill>
+        <p:spPr>
+          <a:xfrm>
+            <a:off x="202441" y="2222410"/>
+            <a:ext cx="3136356" cy="2941853"/>
+          </a:xfrm>
+          <a:prstGeom prst="rect">
+            <a:avLst/>
+          </a:prstGeom>
+        </p:spPr>
+      </p:pic>
+      <p:sp>
+        <p:nvSpPr>
+          <p:cNvPr id="12" name="TextBox 11"/>
+          <p:cNvSpPr txBox="1"/>
+          <p:nvPr/>
+        </p:nvSpPr>
+        <p:spPr>
+          <a:xfrm>
+            <a:off x="1049630" y="1931970"/>
+            <a:ext cx="1661160" cy="307777"/>
+          </a:xfrm>
+          <a:prstGeom prst="rect">
+            <a:avLst/>
+          </a:prstGeom>
+          <a:noFill/>
+        </p:spPr>
+        <p:txBody>
+          <a:bodyPr wrap="none" rtlCol="0">
+            <a:spAutoFit/>
+          </a:bodyPr>
+          <a:lstStyle/>
+          <a:p>
+            <a:r>
+              <a:rPr lang="en-US" sz="1400" dirty="0" smtClean="0"/>
+              <a:t>Local </a:t>
+            </a:r>
+            <a:r>
+              <a:rPr lang="en-US" sz="1400" dirty="0" err="1" smtClean="0"/>
+              <a:t>Git</a:t>
+            </a:r>
+            <a:r>
+              <a:rPr lang="en-US" sz="1400" dirty="0" smtClean="0"/>
+              <a:t> repository</a:t>
+            </a:r>
+            <a:endParaRPr lang="en-US" sz="1400" dirty="0"/>
+          </a:p>
+        </p:txBody>
+      </p:sp>
+      <p:pic>
+        <p:nvPicPr>
+          <p:cNvPr id="3" name="Picture 2"/>
+          <p:cNvPicPr>
+            <a:picLocks noChangeAspect="1"/>
+          </p:cNvPicPr>
+          <p:nvPr/>
+        </p:nvPicPr>
+        <p:blipFill>
+          <a:blip r:embed="rId4"/>
+          <a:stretch>
+            <a:fillRect/>
+          </a:stretch>
+        </p:blipFill>
+        <p:spPr>
+          <a:xfrm>
+            <a:off x="3548063" y="3130563"/>
+            <a:ext cx="5519737" cy="2644762"/>
+          </a:xfrm>
+          <a:prstGeom prst="rect">
+            <a:avLst/>
+          </a:prstGeom>
+        </p:spPr>
+      </p:pic>
+      <p:sp>
+        <p:nvSpPr>
+          <p:cNvPr id="13" name="TextBox 12"/>
+          <p:cNvSpPr txBox="1"/>
+          <p:nvPr/>
+        </p:nvSpPr>
+        <p:spPr>
+          <a:xfrm>
+            <a:off x="5486400" y="2822786"/>
+            <a:ext cx="1801840" cy="307777"/>
+          </a:xfrm>
+          <a:prstGeom prst="rect">
+            <a:avLst/>
+          </a:prstGeom>
+          <a:noFill/>
+        </p:spPr>
+        <p:txBody>
+          <a:bodyPr wrap="none" rtlCol="0">
+            <a:spAutoFit/>
+          </a:bodyPr>
+          <a:lstStyle/>
+          <a:p>
+            <a:r>
+              <a:rPr lang="en-US" sz="1400" dirty="0" smtClean="0"/>
+              <a:t>Remote </a:t>
+            </a:r>
+            <a:r>
+              <a:rPr lang="en-US" sz="1400" dirty="0" err="1" smtClean="0"/>
+              <a:t>Git</a:t>
+            </a:r>
+            <a:r>
+              <a:rPr lang="en-US" sz="1400" dirty="0" smtClean="0"/>
+              <a:t> repository</a:t>
+            </a:r>
+            <a:endParaRPr lang="en-US" sz="1400" dirty="0"/>
+          </a:p>
+        </p:txBody>
+      </p:sp>
+    </p:spTree>
+    <p:extLst>
+      <p:ext uri="{BB962C8B-B14F-4D97-AF65-F5344CB8AC3E}">
+        <p14:creationId xmlns:p14="http://schemas.microsoft.com/office/powerpoint/2010/main" val="418290676"/>
+      </p:ext>
+    </p:extLst>
+  </p:cSld>
+  <p:clrMapOvr>
+    <a:masterClrMapping/>
+  </p:clrMapOvr>
+  <p:timing>
+    <p:tnLst>
+      <p:par>
+        <p:cTn id="1" dur="indefinite" restart="never" nodeType="tmRoot"/>
+      </p:par>
+    </p:tnLst>
+  </p:timing>
+</p:sld>
+</file>
+
+<file path=ppt/slides/slide7.xml><?xml version="1.0" encoding="utf-8"?>
+<p:sld xmlns:a="http://schemas.openxmlformats.org/drawingml/2006/main" xmlns:r="http://schemas.openxmlformats.org/officeDocument/2006/relationships" xmlns:p="http://schemas.openxmlformats.org/presentationml/2006/main">
+  <p:cSld>
+    <p:bg>
+      <p:bgPr>
+        <a:solidFill>
+          <a:schemeClr val="bg1">
+            <a:lumMod val="65000"/>
+          </a:schemeClr>
+        </a:solidFill>
+        <a:effectLst/>
+      </p:bgPr>
+    </p:bg>
+    <p:spTree>
+      <p:nvGrpSpPr>
+        <p:cNvPr id="1" name=""/>
+        <p:cNvGrpSpPr/>
+        <p:nvPr/>
+      </p:nvGrpSpPr>
+      <p:grpSpPr>
+        <a:xfrm>
+          <a:off x="0" y="0"/>
+          <a:ext cx="0" cy="0"/>
+          <a:chOff x="0" y="0"/>
+          <a:chExt cx="0" cy="0"/>
+        </a:xfrm>
+      </p:grpSpPr>
+      <p:sp>
+        <p:nvSpPr>
+          <p:cNvPr id="5" name="Rectangle 4"/>
+          <p:cNvSpPr/>
+          <p:nvPr/>
+        </p:nvSpPr>
+        <p:spPr>
+          <a:xfrm>
+            <a:off x="0" y="6172200"/>
+            <a:ext cx="9144000" cy="685800"/>
+          </a:xfrm>
+          <a:prstGeom prst="rect">
+            <a:avLst/>
+          </a:prstGeom>
+          <a:gradFill>
+            <a:gsLst>
+              <a:gs pos="0">
+                <a:schemeClr val="bg1"/>
+              </a:gs>
+              <a:gs pos="100000">
+                <a:schemeClr val="bg1">
+                  <a:alpha val="0"/>
+                </a:schemeClr>
+              </a:gs>
+            </a:gsLst>
+            <a:lin ang="10800000" scaled="0"/>
+          </a:gradFill>
+          <a:ln>
+            <a:noFill/>
+          </a:ln>
+        </p:spPr>
+        <p:style>
+          <a:lnRef idx="2">
+            <a:schemeClr val="accent1">
+              <a:shade val="50000"/>
+            </a:schemeClr>
+          </a:lnRef>
+          <a:fillRef idx="1">
+            <a:schemeClr val="accent1"/>
+          </a:fillRef>
+          <a:effectRef idx="0">
+            <a:schemeClr val="accent1"/>
+          </a:effectRef>
+          <a:fontRef idx="minor">
+            <a:schemeClr val="lt1"/>
+          </a:fontRef>
+        </p:style>
+        <p:txBody>
+          <a:bodyPr rtlCol="0" anchor="ctr"/>
+          <a:lstStyle/>
+          <a:p>
+            <a:pPr algn="ctr"/>
+            <a:endParaRPr lang="en-US"/>
+          </a:p>
+        </p:txBody>
+      </p:sp>
+      <p:sp>
+        <p:nvSpPr>
+          <p:cNvPr id="2" name="Title 1"/>
+          <p:cNvSpPr>
+            <a:spLocks noGrp="1"/>
+          </p:cNvSpPr>
+          <p:nvPr>
+            <p:ph type="title"/>
+          </p:nvPr>
+        </p:nvSpPr>
+        <p:spPr/>
+        <p:txBody>
+          <a:bodyPr/>
+          <a:lstStyle/>
+          <a:p>
+            <a:pPr algn="l"/>
+            <a:r>
+              <a:rPr lang="en-US" dirty="0" smtClean="0">
+                <a:solidFill>
+                  <a:schemeClr val="accent1">
+                    <a:lumMod val="50000"/>
+                  </a:schemeClr>
+                </a:solidFill>
+              </a:rPr>
+              <a:t>Clone a Repository</a:t>
+            </a:r>
+            <a:endParaRPr lang="en-US" dirty="0">
+              <a:solidFill>
+                <a:schemeClr val="accent1">
+                  <a:lumMod val="50000"/>
+                </a:schemeClr>
+              </a:solidFill>
+            </a:endParaRPr>
+          </a:p>
+        </p:txBody>
+      </p:sp>
+      <p:pic>
+        <p:nvPicPr>
+          <p:cNvPr id="2050" name="Picture 2" descr="D:\data\market\3_logo\LTIlogo_object.png"/>
+          <p:cNvPicPr>
+            <a:picLocks noChangeAspect="1" noChangeArrowheads="1"/>
+          </p:cNvPicPr>
+          <p:nvPr/>
+        </p:nvPicPr>
+        <p:blipFill>
+          <a:blip r:embed="rId3" cstate="print"/>
+          <a:srcRect l="28571" t="23077" r="27473" b="23077"/>
+          <a:stretch>
+            <a:fillRect/>
+          </a:stretch>
+        </p:blipFill>
+        <p:spPr bwMode="auto">
+          <a:xfrm>
+            <a:off x="8077200" y="5943600"/>
+            <a:ext cx="990600" cy="866775"/>
+          </a:xfrm>
+          <a:prstGeom prst="rect">
+            <a:avLst/>
+          </a:prstGeom>
+          <a:noFill/>
+          <a:effectLst>
+            <a:outerShdw blurRad="50800" dist="38100" dir="2700000" algn="tl" rotWithShape="0">
+              <a:prstClr val="black">
+                <a:alpha val="40000"/>
+              </a:prstClr>
+            </a:outerShdw>
+          </a:effectLst>
+        </p:spPr>
+      </p:pic>
+      <p:sp>
+        <p:nvSpPr>
+          <p:cNvPr id="8" name="Slide Number Placeholder 7"/>
+          <p:cNvSpPr txBox="1">
+            <a:spLocks/>
+          </p:cNvSpPr>
+          <p:nvPr/>
+        </p:nvSpPr>
+        <p:spPr>
+          <a:xfrm>
+            <a:off x="5791200" y="6324600"/>
+            <a:ext cx="2133600" cy="365125"/>
+          </a:xfrm>
+          <a:prstGeom prst="rect">
+            <a:avLst/>
+          </a:prstGeom>
+        </p:spPr>
+        <p:txBody>
+          <a:bodyPr vert="horz" lIns="91440" tIns="45720" rIns="91440" bIns="45720" rtlCol="0" anchor="ctr"/>
+          <a:lstStyle/>
+          <a:p>
+            <a:pPr marL="0" marR="0" lvl="0" indent="0" algn="r" defTabSz="914400" rtl="0" eaLnBrk="1" fontAlgn="auto" latinLnBrk="0" hangingPunct="1">
+              <a:lnSpc>
+                <a:spcPct val="100000"/>
+              </a:lnSpc>
+              <a:spcBef>
+                <a:spcPts val="0"/>
+              </a:spcBef>
+              <a:spcAft>
+                <a:spcPts val="0"/>
+              </a:spcAft>
+              <a:buClrTx/>
+              <a:buSzTx/>
+              <a:buFontTx/>
+              <a:buNone/>
+              <a:tabLst/>
+              <a:defRPr/>
+            </a:pPr>
+            <a:r>
+              <a:rPr kumimoji="0" lang="en-US" sz="1400" b="0" i="0" u="none" strike="noStrike" kern="1200" cap="none" spc="0" normalizeH="0" baseline="0" noProof="0" dirty="0" smtClean="0">
+                <a:ln>
+                  <a:noFill/>
+                </a:ln>
+                <a:solidFill>
+                  <a:schemeClr val="accent3">
+                    <a:lumMod val="50000"/>
+                  </a:schemeClr>
+                </a:solidFill>
+                <a:effectLst/>
+                <a:uLnTx/>
+                <a:uFillTx/>
+                <a:latin typeface="+mn-lt"/>
+                <a:ea typeface="+mn-ea"/>
+                <a:cs typeface="+mn-cs"/>
+              </a:rPr>
+              <a:t>SLIDE </a:t>
+            </a:r>
+            <a:fld id="{C04375EB-5169-4238-8270-5D5536267021}" type="slidenum">
+              <a:rPr kumimoji="0" lang="en-US" sz="1400" b="0" i="0" u="none" strike="noStrike" kern="1200" cap="none" spc="0" normalizeH="0" baseline="0" noProof="0" smtClean="0">
+                <a:ln>
+                  <a:noFill/>
+                </a:ln>
+                <a:solidFill>
+                  <a:schemeClr val="accent3">
+                    <a:lumMod val="50000"/>
+                  </a:schemeClr>
+                </a:solidFill>
+                <a:effectLst/>
+                <a:uLnTx/>
+                <a:uFillTx/>
+                <a:latin typeface="+mn-lt"/>
+                <a:ea typeface="+mn-ea"/>
+                <a:cs typeface="+mn-cs"/>
+              </a:rPr>
+              <a:pPr marL="0" marR="0" lvl="0" indent="0" algn="r" defTabSz="914400" rtl="0" eaLnBrk="1" fontAlgn="auto" latinLnBrk="0" hangingPunct="1">
+                <a:lnSpc>
+                  <a:spcPct val="100000"/>
+                </a:lnSpc>
+                <a:spcBef>
+                  <a:spcPts val="0"/>
+                </a:spcBef>
+                <a:spcAft>
+                  <a:spcPts val="0"/>
+                </a:spcAft>
+                <a:buClrTx/>
+                <a:buSzTx/>
+                <a:buFontTx/>
+                <a:buNone/>
+                <a:tabLst/>
+                <a:defRPr/>
+              </a:pPr>
+              <a:t>7</a:t>
+            </a:fld>
+            <a:endParaRPr kumimoji="0" lang="en-US" sz="1400" b="0" i="0" u="none" strike="noStrike" kern="1200" cap="none" spc="0" normalizeH="0" baseline="0" noProof="0" dirty="0">
+              <a:ln>
+                <a:noFill/>
+              </a:ln>
+              <a:solidFill>
+                <a:schemeClr val="accent3">
+                  <a:lumMod val="50000"/>
+                </a:schemeClr>
+              </a:solidFill>
+              <a:effectLst/>
+              <a:uLnTx/>
+              <a:uFillTx/>
+              <a:latin typeface="+mn-lt"/>
+              <a:ea typeface="+mn-ea"/>
+              <a:cs typeface="+mn-cs"/>
+            </a:endParaRPr>
+          </a:p>
+        </p:txBody>
+      </p:sp>
+      <p:sp>
+        <p:nvSpPr>
+          <p:cNvPr id="4" name="TextBox 3"/>
+          <p:cNvSpPr txBox="1"/>
+          <p:nvPr/>
+        </p:nvSpPr>
+        <p:spPr>
+          <a:xfrm>
+            <a:off x="304800" y="1461572"/>
+            <a:ext cx="8610600" cy="646331"/>
+          </a:xfrm>
+          <a:prstGeom prst="rect">
+            <a:avLst/>
+          </a:prstGeom>
+          <a:noFill/>
+        </p:spPr>
+        <p:txBody>
+          <a:bodyPr wrap="square" rtlCol="0">
+            <a:spAutoFit/>
+          </a:bodyPr>
+          <a:lstStyle/>
+          <a:p>
+            <a:r>
+              <a:rPr lang="en-US" b="1" dirty="0" smtClean="0"/>
+              <a:t>Clone:</a:t>
+            </a:r>
+            <a:r>
+              <a:rPr lang="en-US" dirty="0" smtClean="0"/>
+              <a:t> Copy a </a:t>
+            </a:r>
+            <a:r>
+              <a:rPr lang="en-US" dirty="0" err="1" smtClean="0"/>
+              <a:t>Git</a:t>
+            </a:r>
+            <a:r>
+              <a:rPr lang="en-US" dirty="0" smtClean="0"/>
+              <a:t> repository from remote to local. You get the whole history of all of the files in the repository. Each snapshot in history is a </a:t>
+            </a:r>
+            <a:r>
+              <a:rPr lang="en-US" b="1" dirty="0" smtClean="0"/>
+              <a:t>commit.</a:t>
+            </a:r>
+          </a:p>
+        </p:txBody>
+      </p:sp>
+      <p:sp>
+        <p:nvSpPr>
+          <p:cNvPr id="7" name="Flowchart: Magnetic Disk 6"/>
+          <p:cNvSpPr/>
+          <p:nvPr/>
+        </p:nvSpPr>
+        <p:spPr>
+          <a:xfrm>
+            <a:off x="1981200" y="3168690"/>
+            <a:ext cx="1752600" cy="1676400"/>
+          </a:xfrm>
+          <a:prstGeom prst="flowChartMagneticDisk">
+            <a:avLst/>
+          </a:prstGeom>
+        </p:spPr>
+        <p:style>
+          <a:lnRef idx="2">
+            <a:schemeClr val="accent1">
+              <a:shade val="50000"/>
+            </a:schemeClr>
+          </a:lnRef>
+          <a:fillRef idx="1">
+            <a:schemeClr val="accent1"/>
+          </a:fillRef>
+          <a:effectRef idx="0">
+            <a:schemeClr val="accent1"/>
+          </a:effectRef>
+          <a:fontRef idx="minor">
+            <a:schemeClr val="lt1"/>
+          </a:fontRef>
+        </p:style>
+        <p:txBody>
+          <a:bodyPr rtlCol="0" anchor="ctr"/>
+          <a:lstStyle/>
+          <a:p>
+            <a:pPr algn="ctr"/>
+            <a:endParaRPr lang="en-US"/>
+          </a:p>
+        </p:txBody>
+      </p:sp>
+      <p:sp>
+        <p:nvSpPr>
+          <p:cNvPr id="14" name="Flowchart: Magnetic Disk 13"/>
+          <p:cNvSpPr/>
+          <p:nvPr/>
+        </p:nvSpPr>
+        <p:spPr>
+          <a:xfrm>
+            <a:off x="4876800" y="3168690"/>
+            <a:ext cx="1752600" cy="1676400"/>
+          </a:xfrm>
+          <a:prstGeom prst="flowChartMagneticDisk">
+            <a:avLst/>
+          </a:prstGeom>
+        </p:spPr>
+        <p:style>
+          <a:lnRef idx="2">
+            <a:schemeClr val="accent1">
+              <a:shade val="50000"/>
+            </a:schemeClr>
+          </a:lnRef>
+          <a:fillRef idx="1">
+            <a:schemeClr val="accent1"/>
+          </a:fillRef>
+          <a:effectRef idx="0">
+            <a:schemeClr val="accent1"/>
+          </a:effectRef>
+          <a:fontRef idx="minor">
+            <a:schemeClr val="lt1"/>
+          </a:fontRef>
+        </p:style>
+        <p:txBody>
+          <a:bodyPr rtlCol="0" anchor="ctr"/>
+          <a:lstStyle/>
+          <a:p>
+            <a:pPr algn="ctr"/>
+            <a:endParaRPr lang="en-US"/>
+          </a:p>
+        </p:txBody>
+      </p:sp>
+      <p:cxnSp>
+        <p:nvCxnSpPr>
+          <p:cNvPr id="11" name="Straight Arrow Connector 10"/>
+          <p:cNvCxnSpPr/>
+          <p:nvPr/>
+        </p:nvCxnSpPr>
+        <p:spPr>
+          <a:xfrm>
+            <a:off x="4038600" y="4012148"/>
+            <a:ext cx="685800" cy="0"/>
+          </a:xfrm>
+          <a:prstGeom prst="straightConnector1">
+            <a:avLst/>
+          </a:prstGeom>
+          <a:ln w="76200">
+            <a:solidFill>
+              <a:schemeClr val="tx1"/>
+            </a:solidFill>
+            <a:tailEnd type="triangle"/>
+          </a:ln>
+        </p:spPr>
+        <p:style>
+          <a:lnRef idx="1">
+            <a:schemeClr val="accent1"/>
+          </a:lnRef>
+          <a:fillRef idx="0">
+            <a:schemeClr val="accent1"/>
+          </a:fillRef>
+          <a:effectRef idx="0">
+            <a:schemeClr val="accent1"/>
+          </a:effectRef>
+          <a:fontRef idx="minor">
+            <a:schemeClr val="tx1"/>
+          </a:fontRef>
+        </p:style>
+      </p:cxnSp>
+      <p:sp>
+        <p:nvSpPr>
+          <p:cNvPr id="15" name="TextBox 14"/>
+          <p:cNvSpPr txBox="1"/>
+          <p:nvPr/>
+        </p:nvSpPr>
+        <p:spPr>
+          <a:xfrm>
+            <a:off x="2398944" y="4845090"/>
+            <a:ext cx="917111" cy="369332"/>
+          </a:xfrm>
+          <a:prstGeom prst="rect">
+            <a:avLst/>
+          </a:prstGeom>
+          <a:noFill/>
+        </p:spPr>
+        <p:txBody>
+          <a:bodyPr wrap="none" rtlCol="0">
+            <a:spAutoFit/>
+          </a:bodyPr>
+          <a:lstStyle/>
+          <a:p>
+            <a:r>
+              <a:rPr lang="en-US" dirty="0" smtClean="0"/>
+              <a:t>Remote</a:t>
+            </a:r>
+            <a:endParaRPr lang="en-US" dirty="0"/>
+          </a:p>
+        </p:txBody>
+      </p:sp>
+      <p:sp>
+        <p:nvSpPr>
+          <p:cNvPr id="17" name="TextBox 16"/>
+          <p:cNvSpPr txBox="1"/>
+          <p:nvPr/>
+        </p:nvSpPr>
+        <p:spPr>
+          <a:xfrm>
+            <a:off x="5421278" y="4845090"/>
+            <a:ext cx="663643" cy="369332"/>
+          </a:xfrm>
+          <a:prstGeom prst="rect">
+            <a:avLst/>
+          </a:prstGeom>
+          <a:noFill/>
+        </p:spPr>
+        <p:txBody>
+          <a:bodyPr wrap="none" rtlCol="0">
+            <a:spAutoFit/>
+          </a:bodyPr>
+          <a:lstStyle/>
+          <a:p>
+            <a:r>
+              <a:rPr lang="en-US" dirty="0" smtClean="0"/>
+              <a:t>Local</a:t>
+            </a:r>
+            <a:endParaRPr lang="en-US" dirty="0"/>
+          </a:p>
+        </p:txBody>
+      </p:sp>
+      <p:sp>
+        <p:nvSpPr>
+          <p:cNvPr id="18" name="TextBox 17"/>
+          <p:cNvSpPr txBox="1"/>
+          <p:nvPr/>
+        </p:nvSpPr>
+        <p:spPr>
+          <a:xfrm>
+            <a:off x="228600" y="5411569"/>
+            <a:ext cx="8610600" cy="646331"/>
+          </a:xfrm>
+          <a:prstGeom prst="rect">
+            <a:avLst/>
+          </a:prstGeom>
+          <a:noFill/>
+        </p:spPr>
+        <p:txBody>
+          <a:bodyPr wrap="square" rtlCol="0">
+            <a:spAutoFit/>
+          </a:bodyPr>
+          <a:lstStyle/>
+          <a:p>
+            <a:r>
+              <a:rPr lang="en-US" dirty="0" smtClean="0"/>
+              <a:t>You can make changes to your local repository without affecting the remote repository. You’ll sync them later.</a:t>
+            </a:r>
+          </a:p>
+        </p:txBody>
+      </p:sp>
+      <p:sp>
+        <p:nvSpPr>
+          <p:cNvPr id="16" name="TextBox 15"/>
+          <p:cNvSpPr txBox="1"/>
+          <p:nvPr/>
+        </p:nvSpPr>
+        <p:spPr>
+          <a:xfrm>
+            <a:off x="2318986" y="3730853"/>
+            <a:ext cx="1077025" cy="1015663"/>
+          </a:xfrm>
+          <a:prstGeom prst="rect">
+            <a:avLst/>
+          </a:prstGeom>
+          <a:noFill/>
+        </p:spPr>
+        <p:txBody>
+          <a:bodyPr wrap="none" rtlCol="0">
+            <a:spAutoFit/>
+          </a:bodyPr>
+          <a:lstStyle/>
+          <a:p>
+            <a:pPr algn="ctr"/>
+            <a:r>
+              <a:rPr lang="en-US" sz="1200" dirty="0" smtClean="0"/>
+              <a:t>Commit 1</a:t>
+            </a:r>
+          </a:p>
+          <a:p>
+            <a:pPr algn="ctr"/>
+            <a:r>
+              <a:rPr lang="en-US" sz="1200" dirty="0" smtClean="0"/>
+              <a:t>Commit 2</a:t>
+            </a:r>
+          </a:p>
+          <a:p>
+            <a:pPr algn="ctr"/>
+            <a:r>
+              <a:rPr lang="en-US" sz="1200" dirty="0" smtClean="0"/>
+              <a:t>Commit 3</a:t>
+            </a:r>
+          </a:p>
+          <a:p>
+            <a:pPr algn="ctr"/>
+            <a:r>
+              <a:rPr lang="en-US" sz="1200" dirty="0" smtClean="0"/>
+              <a:t>Commit 4 </a:t>
+            </a:r>
+          </a:p>
+          <a:p>
+            <a:pPr algn="ctr"/>
+            <a:r>
+              <a:rPr lang="en-US" sz="1200" dirty="0" smtClean="0"/>
+              <a:t>(current state)</a:t>
+            </a:r>
+            <a:endParaRPr lang="en-US" sz="1200" dirty="0"/>
+          </a:p>
+        </p:txBody>
+      </p:sp>
+      <p:sp>
+        <p:nvSpPr>
+          <p:cNvPr id="20" name="TextBox 19"/>
+          <p:cNvSpPr txBox="1"/>
+          <p:nvPr/>
+        </p:nvSpPr>
+        <p:spPr>
+          <a:xfrm>
+            <a:off x="5214586" y="3715127"/>
+            <a:ext cx="1077025" cy="1015663"/>
+          </a:xfrm>
+          <a:prstGeom prst="rect">
+            <a:avLst/>
+          </a:prstGeom>
+          <a:noFill/>
+        </p:spPr>
+        <p:txBody>
+          <a:bodyPr wrap="none" rtlCol="0">
+            <a:spAutoFit/>
+          </a:bodyPr>
+          <a:lstStyle/>
+          <a:p>
+            <a:pPr algn="ctr"/>
+            <a:r>
+              <a:rPr lang="en-US" sz="1200" dirty="0" smtClean="0"/>
+              <a:t>Commit 1</a:t>
+            </a:r>
+          </a:p>
+          <a:p>
+            <a:pPr algn="ctr"/>
+            <a:r>
+              <a:rPr lang="en-US" sz="1200" dirty="0" smtClean="0"/>
+              <a:t>Commit 2</a:t>
+            </a:r>
+          </a:p>
+          <a:p>
+            <a:pPr algn="ctr"/>
+            <a:r>
+              <a:rPr lang="en-US" sz="1200" dirty="0" smtClean="0"/>
+              <a:t>Commit 3</a:t>
+            </a:r>
+          </a:p>
+          <a:p>
+            <a:pPr algn="ctr"/>
+            <a:r>
+              <a:rPr lang="en-US" sz="1200" dirty="0" smtClean="0"/>
+              <a:t>Commit 4 </a:t>
+            </a:r>
+          </a:p>
+          <a:p>
+            <a:pPr algn="ctr"/>
+            <a:r>
+              <a:rPr lang="en-US" sz="1200" dirty="0" smtClean="0"/>
+              <a:t>(current state)</a:t>
+            </a:r>
+            <a:endParaRPr lang="en-US" sz="1200" dirty="0"/>
+          </a:p>
+        </p:txBody>
+      </p:sp>
+      <p:sp>
+        <p:nvSpPr>
+          <p:cNvPr id="19" name="Rectangle 18"/>
+          <p:cNvSpPr/>
+          <p:nvPr/>
+        </p:nvSpPr>
+        <p:spPr>
+          <a:xfrm>
+            <a:off x="2318985" y="4333914"/>
+            <a:ext cx="1077025" cy="387390"/>
+          </a:xfrm>
+          <a:prstGeom prst="rect">
+            <a:avLst/>
+          </a:prstGeom>
+          <a:noFill/>
+        </p:spPr>
+        <p:style>
+          <a:lnRef idx="2">
+            <a:schemeClr val="accent3"/>
+          </a:lnRef>
+          <a:fillRef idx="1">
+            <a:schemeClr val="lt1"/>
+          </a:fillRef>
+          <a:effectRef idx="0">
+            <a:schemeClr val="accent3"/>
+          </a:effectRef>
+          <a:fontRef idx="minor">
+            <a:schemeClr val="dk1"/>
+          </a:fontRef>
+        </p:style>
+        <p:txBody>
+          <a:bodyPr rtlCol="0" anchor="ctr"/>
+          <a:lstStyle/>
+          <a:p>
+            <a:pPr algn="ctr"/>
+            <a:endParaRPr lang="en-US"/>
+          </a:p>
+        </p:txBody>
+      </p:sp>
+      <p:sp>
+        <p:nvSpPr>
+          <p:cNvPr id="22" name="Rectangle 21"/>
+          <p:cNvSpPr/>
+          <p:nvPr/>
+        </p:nvSpPr>
+        <p:spPr>
+          <a:xfrm>
+            <a:off x="5214585" y="4289425"/>
+            <a:ext cx="1077025" cy="387390"/>
+          </a:xfrm>
+          <a:prstGeom prst="rect">
+            <a:avLst/>
+          </a:prstGeom>
+          <a:noFill/>
+        </p:spPr>
+        <p:style>
+          <a:lnRef idx="2">
+            <a:schemeClr val="accent3"/>
+          </a:lnRef>
+          <a:fillRef idx="1">
+            <a:schemeClr val="lt1"/>
+          </a:fillRef>
+          <a:effectRef idx="0">
+            <a:schemeClr val="accent3"/>
+          </a:effectRef>
+          <a:fontRef idx="minor">
+            <a:schemeClr val="dk1"/>
+          </a:fontRef>
+        </p:style>
+        <p:txBody>
+          <a:bodyPr rtlCol="0" anchor="ctr"/>
+          <a:lstStyle/>
+          <a:p>
+            <a:pPr algn="ctr"/>
+            <a:endParaRPr lang="en-US"/>
+          </a:p>
+        </p:txBody>
+      </p:sp>
+    </p:spTree>
+    <p:extLst>
+      <p:ext uri="{BB962C8B-B14F-4D97-AF65-F5344CB8AC3E}">
+        <p14:creationId xmlns:p14="http://schemas.microsoft.com/office/powerpoint/2010/main" val="3041373075"/>
+      </p:ext>
+    </p:extLst>
+  </p:cSld>
+  <p:clrMapOvr>
+    <a:masterClrMapping/>
+  </p:clrMapOvr>
+  <p:timing>
+    <p:tnLst>
+      <p:par>
+        <p:cTn id="1" dur="indefinite" restart="never" nodeType="tmRoot"/>
+      </p:par>
+    </p:tnLst>
+  </p:timing>
+</p:sld>
+</file>
+
+<file path=ppt/slides/slide8.xml><?xml version="1.0" encoding="utf-8"?>
+<p:sld xmlns:a="http://schemas.openxmlformats.org/drawingml/2006/main" xmlns:r="http://schemas.openxmlformats.org/officeDocument/2006/relationships" xmlns:p="http://schemas.openxmlformats.org/presentationml/2006/main">
+  <p:cSld>
+    <p:bg>
+      <p:bgPr>
+        <a:solidFill>
+          <a:schemeClr val="bg1">
+            <a:lumMod val="65000"/>
+          </a:schemeClr>
+        </a:solidFill>
+        <a:effectLst/>
+      </p:bgPr>
+    </p:bg>
+    <p:spTree>
+      <p:nvGrpSpPr>
+        <p:cNvPr id="1" name=""/>
+        <p:cNvGrpSpPr/>
+        <p:nvPr/>
+      </p:nvGrpSpPr>
+      <p:grpSpPr>
+        <a:xfrm>
+          <a:off x="0" y="0"/>
+          <a:ext cx="0" cy="0"/>
+          <a:chOff x="0" y="0"/>
+          <a:chExt cx="0" cy="0"/>
+        </a:xfrm>
+      </p:grpSpPr>
+      <p:sp>
+        <p:nvSpPr>
+          <p:cNvPr id="5" name="Rectangle 4"/>
+          <p:cNvSpPr/>
+          <p:nvPr/>
+        </p:nvSpPr>
+        <p:spPr>
+          <a:xfrm>
+            <a:off x="0" y="6172200"/>
+            <a:ext cx="9144000" cy="685800"/>
+          </a:xfrm>
+          <a:prstGeom prst="rect">
+            <a:avLst/>
+          </a:prstGeom>
+          <a:gradFill>
+            <a:gsLst>
+              <a:gs pos="0">
+                <a:schemeClr val="bg1"/>
+              </a:gs>
+              <a:gs pos="100000">
+                <a:schemeClr val="bg1">
+                  <a:alpha val="0"/>
+                </a:schemeClr>
+              </a:gs>
+            </a:gsLst>
+            <a:lin ang="10800000" scaled="0"/>
+          </a:gradFill>
+          <a:ln>
+            <a:noFill/>
+          </a:ln>
+        </p:spPr>
+        <p:style>
+          <a:lnRef idx="2">
+            <a:schemeClr val="accent1">
+              <a:shade val="50000"/>
+            </a:schemeClr>
+          </a:lnRef>
+          <a:fillRef idx="1">
+            <a:schemeClr val="accent1"/>
+          </a:fillRef>
+          <a:effectRef idx="0">
+            <a:schemeClr val="accent1"/>
+          </a:effectRef>
+          <a:fontRef idx="minor">
+            <a:schemeClr val="lt1"/>
+          </a:fontRef>
+        </p:style>
+        <p:txBody>
+          <a:bodyPr rtlCol="0" anchor="ctr"/>
+          <a:lstStyle/>
+          <a:p>
+            <a:pPr algn="ctr"/>
+            <a:endParaRPr lang="en-US"/>
+          </a:p>
+        </p:txBody>
+      </p:sp>
+      <p:sp>
+        <p:nvSpPr>
+          <p:cNvPr id="2" name="Title 1"/>
+          <p:cNvSpPr>
+            <a:spLocks noGrp="1"/>
+          </p:cNvSpPr>
+          <p:nvPr>
+            <p:ph type="title"/>
+          </p:nvPr>
+        </p:nvSpPr>
+        <p:spPr/>
+        <p:txBody>
+          <a:bodyPr/>
+          <a:lstStyle/>
+          <a:p>
+            <a:pPr algn="l"/>
+            <a:r>
+              <a:rPr lang="en-US" dirty="0" smtClean="0">
+                <a:solidFill>
+                  <a:schemeClr val="accent1">
+                    <a:lumMod val="50000"/>
+                  </a:schemeClr>
+                </a:solidFill>
+              </a:rPr>
+              <a:t>[Clone Demo]</a:t>
+            </a:r>
+            <a:endParaRPr lang="en-US" dirty="0">
+              <a:solidFill>
+                <a:schemeClr val="accent1">
+                  <a:lumMod val="50000"/>
+                </a:schemeClr>
+              </a:solidFill>
+            </a:endParaRPr>
+          </a:p>
+        </p:txBody>
+      </p:sp>
+      <p:sp>
+        <p:nvSpPr>
+          <p:cNvPr id="3" name="Content Placeholder 2"/>
+          <p:cNvSpPr>
+            <a:spLocks noGrp="1"/>
+          </p:cNvSpPr>
+          <p:nvPr>
+            <p:ph idx="1"/>
+          </p:nvPr>
+        </p:nvSpPr>
+        <p:spPr/>
+        <p:txBody>
+          <a:bodyPr>
+            <a:normAutofit fontScale="85000" lnSpcReduction="10000"/>
+          </a:bodyPr>
+          <a:lstStyle/>
+          <a:p>
+            <a:r>
+              <a:rPr lang="en-US" dirty="0" smtClean="0"/>
+              <a:t>Open GitHub Desktop and login if you haven’t already</a:t>
+            </a:r>
+          </a:p>
+          <a:p>
+            <a:r>
+              <a:rPr lang="en-US" dirty="0" smtClean="0"/>
+              <a:t>Go to github.com</a:t>
+            </a:r>
+          </a:p>
+          <a:p>
+            <a:r>
+              <a:rPr lang="en-US" dirty="0" smtClean="0"/>
+              <a:t>Login</a:t>
+            </a:r>
+          </a:p>
+          <a:p>
+            <a:r>
+              <a:rPr lang="en-US" dirty="0" smtClean="0"/>
+              <a:t>Search for </a:t>
+            </a:r>
+            <a:r>
+              <a:rPr lang="en-US" dirty="0" err="1" smtClean="0"/>
+              <a:t>LimnoTech</a:t>
+            </a:r>
+            <a:endParaRPr lang="en-US" dirty="0" smtClean="0"/>
+          </a:p>
+          <a:p>
+            <a:r>
+              <a:rPr lang="en-US" dirty="0" smtClean="0"/>
+              <a:t>Click on </a:t>
+            </a:r>
+            <a:r>
+              <a:rPr lang="en-US" dirty="0" err="1" smtClean="0"/>
+              <a:t>LimnoTech</a:t>
+            </a:r>
+            <a:r>
+              <a:rPr lang="en-US" dirty="0" smtClean="0"/>
+              <a:t>/</a:t>
+            </a:r>
+            <a:r>
+              <a:rPr lang="en-US" dirty="0" err="1" smtClean="0"/>
+              <a:t>SuperAwesomeProject</a:t>
+            </a:r>
+            <a:endParaRPr lang="en-US" dirty="0" smtClean="0"/>
+          </a:p>
+          <a:p>
+            <a:r>
+              <a:rPr lang="en-US" dirty="0" smtClean="0"/>
+              <a:t>Click Clone &gt; Open in Desktop</a:t>
+            </a:r>
+          </a:p>
+          <a:p>
+            <a:r>
+              <a:rPr lang="en-US" dirty="0" smtClean="0"/>
+              <a:t>Appears on the left</a:t>
+            </a:r>
+          </a:p>
+          <a:p>
+            <a:r>
+              <a:rPr lang="en-US" dirty="0" smtClean="0"/>
+              <a:t>Right click and go to Explorer View. </a:t>
+            </a:r>
+          </a:p>
+          <a:p>
+            <a:r>
+              <a:rPr lang="en-US" dirty="0" smtClean="0"/>
+              <a:t>Show how you can see everything that’s happened in the past. Show that explorer just shows latest.</a:t>
+            </a:r>
+          </a:p>
+          <a:p>
+            <a:endParaRPr lang="en-US" dirty="0"/>
+          </a:p>
+        </p:txBody>
+      </p:sp>
+      <p:pic>
+        <p:nvPicPr>
+          <p:cNvPr id="2050" name="Picture 2" descr="D:\data\market\3_logo\LTIlogo_object.png"/>
+          <p:cNvPicPr>
+            <a:picLocks noChangeAspect="1" noChangeArrowheads="1"/>
+          </p:cNvPicPr>
+          <p:nvPr/>
+        </p:nvPicPr>
+        <p:blipFill>
+          <a:blip r:embed="rId3" cstate="print"/>
+          <a:srcRect l="28571" t="23077" r="27473" b="23077"/>
+          <a:stretch>
+            <a:fillRect/>
+          </a:stretch>
+        </p:blipFill>
+        <p:spPr bwMode="auto">
+          <a:xfrm>
+            <a:off x="8077200" y="5943600"/>
+            <a:ext cx="990600" cy="866775"/>
+          </a:xfrm>
+          <a:prstGeom prst="rect">
+            <a:avLst/>
+          </a:prstGeom>
+          <a:noFill/>
+          <a:effectLst>
+            <a:outerShdw blurRad="50800" dist="38100" dir="2700000" algn="tl" rotWithShape="0">
+              <a:prstClr val="black">
+                <a:alpha val="40000"/>
+              </a:prstClr>
+            </a:outerShdw>
+          </a:effectLst>
+        </p:spPr>
+      </p:pic>
+      <p:sp>
+        <p:nvSpPr>
+          <p:cNvPr id="8" name="Slide Number Placeholder 7"/>
+          <p:cNvSpPr txBox="1">
+            <a:spLocks/>
+          </p:cNvSpPr>
+          <p:nvPr/>
+        </p:nvSpPr>
+        <p:spPr>
+          <a:xfrm>
+            <a:off x="5791200" y="6324600"/>
+            <a:ext cx="2133600" cy="365125"/>
+          </a:xfrm>
+          <a:prstGeom prst="rect">
+            <a:avLst/>
+          </a:prstGeom>
+        </p:spPr>
+        <p:txBody>
+          <a:bodyPr vert="horz" lIns="91440" tIns="45720" rIns="91440" bIns="45720" rtlCol="0" anchor="ctr"/>
+          <a:lstStyle/>
+          <a:p>
+            <a:pPr marL="0" marR="0" lvl="0" indent="0" algn="r" defTabSz="914400" rtl="0" eaLnBrk="1" fontAlgn="auto" latinLnBrk="0" hangingPunct="1">
+              <a:lnSpc>
+                <a:spcPct val="100000"/>
+              </a:lnSpc>
+              <a:spcBef>
+                <a:spcPts val="0"/>
+              </a:spcBef>
+              <a:spcAft>
+                <a:spcPts val="0"/>
+              </a:spcAft>
+              <a:buClrTx/>
+              <a:buSzTx/>
+              <a:buFontTx/>
+              <a:buNone/>
+              <a:tabLst/>
+              <a:defRPr/>
+            </a:pPr>
+            <a:r>
+              <a:rPr kumimoji="0" lang="en-US" sz="1400" b="0" i="0" u="none" strike="noStrike" kern="1200" cap="none" spc="0" normalizeH="0" baseline="0" noProof="0" dirty="0" smtClean="0">
+                <a:ln>
+                  <a:noFill/>
+                </a:ln>
+                <a:solidFill>
+                  <a:schemeClr val="accent3">
+                    <a:lumMod val="50000"/>
+                  </a:schemeClr>
+                </a:solidFill>
+                <a:effectLst/>
+                <a:uLnTx/>
+                <a:uFillTx/>
+                <a:latin typeface="+mn-lt"/>
+                <a:ea typeface="+mn-ea"/>
+                <a:cs typeface="+mn-cs"/>
+              </a:rPr>
+              <a:t>SLIDE </a:t>
+            </a:r>
+            <a:fld id="{C04375EB-5169-4238-8270-5D5536267021}" type="slidenum">
+              <a:rPr kumimoji="0" lang="en-US" sz="1400" b="0" i="0" u="none" strike="noStrike" kern="1200" cap="none" spc="0" normalizeH="0" baseline="0" noProof="0" smtClean="0">
+                <a:ln>
+                  <a:noFill/>
+                </a:ln>
+                <a:solidFill>
+                  <a:schemeClr val="accent3">
+                    <a:lumMod val="50000"/>
+                  </a:schemeClr>
+                </a:solidFill>
+                <a:effectLst/>
+                <a:uLnTx/>
+                <a:uFillTx/>
+                <a:latin typeface="+mn-lt"/>
+                <a:ea typeface="+mn-ea"/>
+                <a:cs typeface="+mn-cs"/>
+              </a:rPr>
+              <a:pPr marL="0" marR="0" lvl="0" indent="0" algn="r" defTabSz="914400" rtl="0" eaLnBrk="1" fontAlgn="auto" latinLnBrk="0" hangingPunct="1">
+                <a:lnSpc>
+                  <a:spcPct val="100000"/>
+                </a:lnSpc>
+                <a:spcBef>
+                  <a:spcPts val="0"/>
+                </a:spcBef>
+                <a:spcAft>
+                  <a:spcPts val="0"/>
+                </a:spcAft>
+                <a:buClrTx/>
+                <a:buSzTx/>
+                <a:buFontTx/>
+                <a:buNone/>
+                <a:tabLst/>
+                <a:defRPr/>
+              </a:pPr>
+              <a:t>8</a:t>
+            </a:fld>
+            <a:endParaRPr kumimoji="0" lang="en-US" sz="1400" b="0" i="0" u="none" strike="noStrike" kern="1200" cap="none" spc="0" normalizeH="0" baseline="0" noProof="0" dirty="0">
+              <a:ln>
+                <a:noFill/>
+              </a:ln>
+              <a:solidFill>
+                <a:schemeClr val="accent3">
+                  <a:lumMod val="50000"/>
+                </a:schemeClr>
+              </a:solidFill>
+              <a:effectLst/>
+              <a:uLnTx/>
+              <a:uFillTx/>
+              <a:latin typeface="+mn-lt"/>
+              <a:ea typeface="+mn-ea"/>
+              <a:cs typeface="+mn-cs"/>
+            </a:endParaRPr>
+          </a:p>
+        </p:txBody>
+      </p:sp>
+    </p:spTree>
+    <p:extLst>
+      <p:ext uri="{BB962C8B-B14F-4D97-AF65-F5344CB8AC3E}">
+        <p14:creationId xmlns:p14="http://schemas.microsoft.com/office/powerpoint/2010/main" val="1912529747"/>
+      </p:ext>
+    </p:extLst>
+  </p:cSld>
+  <p:clrMapOvr>
+    <a:masterClrMapping/>
+  </p:clrMapOvr>
+  <p:timing>
+    <p:tnLst>
+      <p:par>
+        <p:cTn id="1" dur="indefinite" restart="never" nodeType="tmRoot"/>
+      </p:par>
+    </p:tnLst>
+  </p:timing>
+</p:sld>
+</file>
+
+<file path=ppt/slides/slide9.xml><?xml version="1.0" encoding="utf-8"?>
+<p:sld xmlns:a="http://schemas.openxmlformats.org/drawingml/2006/main" xmlns:r="http://schemas.openxmlformats.org/officeDocument/2006/relationships" xmlns:p="http://schemas.openxmlformats.org/presentationml/2006/main">
+  <p:cSld>
+    <p:bg>
+      <p:bgPr>
+        <a:solidFill>
+          <a:schemeClr val="bg1">
+            <a:lumMod val="65000"/>
+          </a:schemeClr>
+        </a:solidFill>
+        <a:effectLst/>
+      </p:bgPr>
+    </p:bg>
+    <p:spTree>
+      <p:nvGrpSpPr>
+        <p:cNvPr id="1" name=""/>
+        <p:cNvGrpSpPr/>
+        <p:nvPr/>
+      </p:nvGrpSpPr>
+      <p:grpSpPr>
+        <a:xfrm>
+          <a:off x="0" y="0"/>
+          <a:ext cx="0" cy="0"/>
+          <a:chOff x="0" y="0"/>
+          <a:chExt cx="0" cy="0"/>
+        </a:xfrm>
+      </p:grpSpPr>
+      <p:sp>
+        <p:nvSpPr>
+          <p:cNvPr id="5" name="Rectangle 4"/>
+          <p:cNvSpPr/>
+          <p:nvPr/>
+        </p:nvSpPr>
+        <p:spPr>
+          <a:xfrm>
+            <a:off x="0" y="6172200"/>
+            <a:ext cx="9144000" cy="685800"/>
+          </a:xfrm>
+          <a:prstGeom prst="rect">
+            <a:avLst/>
+          </a:prstGeom>
+          <a:gradFill>
+            <a:gsLst>
+              <a:gs pos="0">
+                <a:schemeClr val="bg1"/>
+              </a:gs>
+              <a:gs pos="100000">
+                <a:schemeClr val="bg1">
+                  <a:alpha val="0"/>
+                </a:schemeClr>
+              </a:gs>
+            </a:gsLst>
+            <a:lin ang="10800000" scaled="0"/>
+          </a:gradFill>
+          <a:ln>
+            <a:noFill/>
+          </a:ln>
+        </p:spPr>
+        <p:style>
+          <a:lnRef idx="2">
+            <a:schemeClr val="accent1">
+              <a:shade val="50000"/>
+            </a:schemeClr>
+          </a:lnRef>
+          <a:fillRef idx="1">
+            <a:schemeClr val="accent1"/>
+          </a:fillRef>
+          <a:effectRef idx="0">
+            <a:schemeClr val="accent1"/>
+          </a:effectRef>
+          <a:fontRef idx="minor">
+            <a:schemeClr val="lt1"/>
+          </a:fontRef>
+        </p:style>
+        <p:txBody>
+          <a:bodyPr rtlCol="0" anchor="ctr"/>
+          <a:lstStyle/>
+          <a:p>
+            <a:pPr algn="ctr"/>
+            <a:endParaRPr lang="en-US"/>
+          </a:p>
+        </p:txBody>
+      </p:sp>
+      <p:sp>
+        <p:nvSpPr>
+          <p:cNvPr id="2" name="Title 1"/>
+          <p:cNvSpPr>
+            <a:spLocks noGrp="1"/>
+          </p:cNvSpPr>
+          <p:nvPr>
+            <p:ph type="title"/>
+          </p:nvPr>
+        </p:nvSpPr>
+        <p:spPr/>
+        <p:txBody>
+          <a:bodyPr/>
+          <a:lstStyle/>
+          <a:p>
+            <a:pPr algn="l"/>
+            <a:r>
+              <a:rPr lang="en-US" dirty="0" smtClean="0">
+                <a:solidFill>
+                  <a:schemeClr val="accent1">
+                    <a:lumMod val="50000"/>
+                  </a:schemeClr>
+                </a:solidFill>
+              </a:rPr>
+              <a:t>Branch</a:t>
+            </a:r>
+            <a:endParaRPr lang="en-US" dirty="0">
+              <a:solidFill>
+                <a:schemeClr val="accent1">
+                  <a:lumMod val="50000"/>
+                </a:schemeClr>
+              </a:solidFill>
+            </a:endParaRPr>
+          </a:p>
+        </p:txBody>
+      </p:sp>
+      <p:pic>
+        <p:nvPicPr>
+          <p:cNvPr id="2050" name="Picture 2" descr="D:\data\market\3_logo\LTIlogo_object.png"/>
+          <p:cNvPicPr>
+            <a:picLocks noChangeAspect="1" noChangeArrowheads="1"/>
+          </p:cNvPicPr>
+          <p:nvPr/>
+        </p:nvPicPr>
+        <p:blipFill>
+          <a:blip r:embed="rId3" cstate="print"/>
+          <a:srcRect l="28571" t="23077" r="27473" b="23077"/>
+          <a:stretch>
+            <a:fillRect/>
+          </a:stretch>
+        </p:blipFill>
+        <p:spPr bwMode="auto">
+          <a:xfrm>
+            <a:off x="8077200" y="5943600"/>
+            <a:ext cx="990600" cy="866775"/>
+          </a:xfrm>
+          <a:prstGeom prst="rect">
+            <a:avLst/>
+          </a:prstGeom>
+          <a:noFill/>
+          <a:effectLst>
+            <a:outerShdw blurRad="50800" dist="38100" dir="2700000" algn="tl" rotWithShape="0">
+              <a:prstClr val="black">
+                <a:alpha val="40000"/>
+              </a:prstClr>
+            </a:outerShdw>
+          </a:effectLst>
+        </p:spPr>
+      </p:pic>
+      <p:sp>
+        <p:nvSpPr>
+          <p:cNvPr id="8" name="Slide Number Placeholder 7"/>
+          <p:cNvSpPr txBox="1">
+            <a:spLocks/>
+          </p:cNvSpPr>
+          <p:nvPr/>
+        </p:nvSpPr>
+        <p:spPr>
+          <a:xfrm>
+            <a:off x="5791200" y="6324600"/>
+            <a:ext cx="2133600" cy="365125"/>
+          </a:xfrm>
+          <a:prstGeom prst="rect">
+            <a:avLst/>
+          </a:prstGeom>
+        </p:spPr>
+        <p:txBody>
+          <a:bodyPr vert="horz" lIns="91440" tIns="45720" rIns="91440" bIns="45720" rtlCol="0" anchor="ctr"/>
+          <a:lstStyle/>
+          <a:p>
+            <a:pPr marL="0" marR="0" lvl="0" indent="0" algn="r" defTabSz="914400" rtl="0" eaLnBrk="1" fontAlgn="auto" latinLnBrk="0" hangingPunct="1">
+              <a:lnSpc>
+                <a:spcPct val="100000"/>
+              </a:lnSpc>
+              <a:spcBef>
+                <a:spcPts val="0"/>
+              </a:spcBef>
+              <a:spcAft>
+                <a:spcPts val="0"/>
+              </a:spcAft>
+              <a:buClrTx/>
+              <a:buSzTx/>
+              <a:buFontTx/>
+              <a:buNone/>
+              <a:tabLst/>
+              <a:defRPr/>
+            </a:pPr>
+            <a:r>
+              <a:rPr kumimoji="0" lang="en-US" sz="1400" b="0" i="0" u="none" strike="noStrike" kern="1200" cap="none" spc="0" normalizeH="0" baseline="0" noProof="0" dirty="0" smtClean="0">
+                <a:ln>
+                  <a:noFill/>
+                </a:ln>
+                <a:solidFill>
+                  <a:schemeClr val="accent3">
+                    <a:lumMod val="50000"/>
+                  </a:schemeClr>
+                </a:solidFill>
+                <a:effectLst/>
+                <a:uLnTx/>
+                <a:uFillTx/>
+                <a:latin typeface="+mn-lt"/>
+                <a:ea typeface="+mn-ea"/>
+                <a:cs typeface="+mn-cs"/>
+              </a:rPr>
+              <a:t>SLIDE </a:t>
+            </a:r>
+            <a:fld id="{C04375EB-5169-4238-8270-5D5536267021}" type="slidenum">
+              <a:rPr kumimoji="0" lang="en-US" sz="1400" b="0" i="0" u="none" strike="noStrike" kern="1200" cap="none" spc="0" normalizeH="0" baseline="0" noProof="0" smtClean="0">
+                <a:ln>
+                  <a:noFill/>
+                </a:ln>
+                <a:solidFill>
+                  <a:schemeClr val="accent3">
+                    <a:lumMod val="50000"/>
+                  </a:schemeClr>
+                </a:solidFill>
+                <a:effectLst/>
+                <a:uLnTx/>
+                <a:uFillTx/>
+                <a:latin typeface="+mn-lt"/>
+                <a:ea typeface="+mn-ea"/>
+                <a:cs typeface="+mn-cs"/>
+              </a:rPr>
+              <a:pPr marL="0" marR="0" lvl="0" indent="0" algn="r" defTabSz="914400" rtl="0" eaLnBrk="1" fontAlgn="auto" latinLnBrk="0" hangingPunct="1">
+                <a:lnSpc>
+                  <a:spcPct val="100000"/>
+                </a:lnSpc>
+                <a:spcBef>
+                  <a:spcPts val="0"/>
+                </a:spcBef>
+                <a:spcAft>
+                  <a:spcPts val="0"/>
+                </a:spcAft>
+                <a:buClrTx/>
+                <a:buSzTx/>
+                <a:buFontTx/>
+                <a:buNone/>
+                <a:tabLst/>
+                <a:defRPr/>
+              </a:pPr>
+              <a:t>9</a:t>
+            </a:fld>
+            <a:endParaRPr kumimoji="0" lang="en-US" sz="1400" b="0" i="0" u="none" strike="noStrike" kern="1200" cap="none" spc="0" normalizeH="0" baseline="0" noProof="0" dirty="0">
+              <a:ln>
+                <a:noFill/>
+              </a:ln>
+              <a:solidFill>
+                <a:schemeClr val="accent3">
+                  <a:lumMod val="50000"/>
+                </a:schemeClr>
+              </a:solidFill>
+              <a:effectLst/>
+              <a:uLnTx/>
+              <a:uFillTx/>
+              <a:latin typeface="+mn-lt"/>
+              <a:ea typeface="+mn-ea"/>
+              <a:cs typeface="+mn-cs"/>
+            </a:endParaRPr>
+          </a:p>
+        </p:txBody>
+      </p:sp>
+      <p:sp>
+        <p:nvSpPr>
+          <p:cNvPr id="4" name="TextBox 3"/>
+          <p:cNvSpPr txBox="1"/>
+          <p:nvPr/>
+        </p:nvSpPr>
+        <p:spPr>
+          <a:xfrm>
+            <a:off x="304800" y="1664345"/>
+            <a:ext cx="8305800" cy="646331"/>
+          </a:xfrm>
+          <a:prstGeom prst="rect">
+            <a:avLst/>
+          </a:prstGeom>
+          <a:noFill/>
+        </p:spPr>
+        <p:txBody>
+          <a:bodyPr wrap="square" rtlCol="0">
+            <a:spAutoFit/>
+          </a:bodyPr>
+          <a:lstStyle/>
+          <a:p>
+            <a:r>
+              <a:rPr lang="en-US" b="1" dirty="0" smtClean="0"/>
+              <a:t>Branch: </a:t>
+            </a:r>
+            <a:r>
+              <a:rPr lang="en-US" dirty="0" smtClean="0"/>
+              <a:t>Create a new environment where you can try out new things without affecting the </a:t>
+            </a:r>
+            <a:r>
+              <a:rPr lang="en-US" b="1" dirty="0" smtClean="0"/>
+              <a:t>master </a:t>
+            </a:r>
+            <a:r>
+              <a:rPr lang="en-US" dirty="0" smtClean="0"/>
+              <a:t>branch.</a:t>
+            </a:r>
+            <a:endParaRPr lang="en-US" b="1" dirty="0"/>
+          </a:p>
+        </p:txBody>
+      </p:sp>
+      <p:cxnSp>
+        <p:nvCxnSpPr>
+          <p:cNvPr id="9" name="Straight Arrow Connector 8"/>
+          <p:cNvCxnSpPr/>
+          <p:nvPr/>
+        </p:nvCxnSpPr>
+        <p:spPr>
+          <a:xfrm>
+            <a:off x="1371600" y="4038600"/>
+            <a:ext cx="5791200" cy="0"/>
+          </a:xfrm>
+          <a:prstGeom prst="straightConnector1">
+            <a:avLst/>
+          </a:prstGeom>
+          <a:ln w="57150">
+            <a:tailEnd type="triangle"/>
+          </a:ln>
+        </p:spPr>
+        <p:style>
+          <a:lnRef idx="1">
+            <a:schemeClr val="accent1"/>
+          </a:lnRef>
+          <a:fillRef idx="0">
+            <a:schemeClr val="accent1"/>
+          </a:fillRef>
+          <a:effectRef idx="0">
+            <a:schemeClr val="accent1"/>
+          </a:effectRef>
+          <a:fontRef idx="minor">
+            <a:schemeClr val="tx1"/>
+          </a:fontRef>
+        </p:style>
+      </p:cxnSp>
+      <p:sp>
+        <p:nvSpPr>
+          <p:cNvPr id="10" name="Oval 9"/>
+          <p:cNvSpPr/>
+          <p:nvPr/>
+        </p:nvSpPr>
+        <p:spPr>
+          <a:xfrm>
+            <a:off x="1676400" y="3898538"/>
+            <a:ext cx="228600" cy="228600"/>
+          </a:xfrm>
+          <a:prstGeom prst="ellipse">
+            <a:avLst/>
+          </a:prstGeom>
+        </p:spPr>
+        <p:style>
+          <a:lnRef idx="2">
+            <a:schemeClr val="accent1">
+              <a:shade val="50000"/>
+            </a:schemeClr>
+          </a:lnRef>
+          <a:fillRef idx="1">
+            <a:schemeClr val="accent1"/>
+          </a:fillRef>
+          <a:effectRef idx="0">
+            <a:schemeClr val="accent1"/>
+          </a:effectRef>
+          <a:fontRef idx="minor">
+            <a:schemeClr val="lt1"/>
+          </a:fontRef>
+        </p:style>
+        <p:txBody>
+          <a:bodyPr rtlCol="0" anchor="ctr"/>
+          <a:lstStyle/>
+          <a:p>
+            <a:pPr algn="ctr"/>
+            <a:endParaRPr lang="en-US"/>
+          </a:p>
+        </p:txBody>
+      </p:sp>
+      <p:sp>
+        <p:nvSpPr>
+          <p:cNvPr id="12" name="Oval 11"/>
+          <p:cNvSpPr/>
+          <p:nvPr/>
+        </p:nvSpPr>
+        <p:spPr>
+          <a:xfrm>
+            <a:off x="3111751" y="3898538"/>
+            <a:ext cx="228600" cy="228600"/>
+          </a:xfrm>
+          <a:prstGeom prst="ellipse">
+            <a:avLst/>
+          </a:prstGeom>
+        </p:spPr>
+        <p:style>
+          <a:lnRef idx="2">
+            <a:schemeClr val="accent1">
+              <a:shade val="50000"/>
+            </a:schemeClr>
+          </a:lnRef>
+          <a:fillRef idx="1">
+            <a:schemeClr val="accent1"/>
+          </a:fillRef>
+          <a:effectRef idx="0">
+            <a:schemeClr val="accent1"/>
+          </a:effectRef>
+          <a:fontRef idx="minor">
+            <a:schemeClr val="lt1"/>
+          </a:fontRef>
+        </p:style>
+        <p:txBody>
+          <a:bodyPr rtlCol="0" anchor="ctr"/>
+          <a:lstStyle/>
+          <a:p>
+            <a:pPr algn="ctr"/>
+            <a:endParaRPr lang="en-US"/>
+          </a:p>
+        </p:txBody>
+      </p:sp>
+      <p:sp>
+        <p:nvSpPr>
+          <p:cNvPr id="13" name="Oval 12"/>
+          <p:cNvSpPr/>
+          <p:nvPr/>
+        </p:nvSpPr>
+        <p:spPr>
+          <a:xfrm>
+            <a:off x="4457700" y="3898538"/>
+            <a:ext cx="228600" cy="228600"/>
+          </a:xfrm>
+          <a:prstGeom prst="ellipse">
+            <a:avLst/>
+          </a:prstGeom>
+        </p:spPr>
+        <p:style>
+          <a:lnRef idx="2">
+            <a:schemeClr val="accent1">
+              <a:shade val="50000"/>
+            </a:schemeClr>
+          </a:lnRef>
+          <a:fillRef idx="1">
+            <a:schemeClr val="accent1"/>
+          </a:fillRef>
+          <a:effectRef idx="0">
+            <a:schemeClr val="accent1"/>
+          </a:effectRef>
+          <a:fontRef idx="minor">
+            <a:schemeClr val="lt1"/>
+          </a:fontRef>
+        </p:style>
+        <p:txBody>
+          <a:bodyPr rtlCol="0" anchor="ctr"/>
+          <a:lstStyle/>
+          <a:p>
+            <a:pPr algn="ctr"/>
+            <a:endParaRPr lang="en-US"/>
+          </a:p>
+        </p:txBody>
+      </p:sp>
+      <p:sp>
+        <p:nvSpPr>
+          <p:cNvPr id="14" name="Oval 13"/>
+          <p:cNvSpPr/>
+          <p:nvPr/>
+        </p:nvSpPr>
+        <p:spPr>
+          <a:xfrm>
+            <a:off x="5867400" y="3924300"/>
+            <a:ext cx="228600" cy="228600"/>
+          </a:xfrm>
+          <a:prstGeom prst="ellipse">
+            <a:avLst/>
+          </a:prstGeom>
+        </p:spPr>
+        <p:style>
+          <a:lnRef idx="2">
+            <a:schemeClr val="accent1">
+              <a:shade val="50000"/>
+            </a:schemeClr>
+          </a:lnRef>
+          <a:fillRef idx="1">
+            <a:schemeClr val="accent1"/>
+          </a:fillRef>
+          <a:effectRef idx="0">
+            <a:schemeClr val="accent1"/>
+          </a:effectRef>
+          <a:fontRef idx="minor">
+            <a:schemeClr val="lt1"/>
+          </a:fontRef>
+        </p:style>
+        <p:txBody>
+          <a:bodyPr rtlCol="0" anchor="ctr"/>
+          <a:lstStyle/>
+          <a:p>
+            <a:pPr algn="ctr"/>
+            <a:endParaRPr lang="en-US"/>
+          </a:p>
+        </p:txBody>
+      </p:sp>
+      <p:sp>
+        <p:nvSpPr>
+          <p:cNvPr id="11" name="TextBox 10"/>
+          <p:cNvSpPr txBox="1"/>
+          <p:nvPr/>
+        </p:nvSpPr>
+        <p:spPr>
+          <a:xfrm>
+            <a:off x="7162046" y="3853934"/>
+            <a:ext cx="849656" cy="369332"/>
+          </a:xfrm>
+          <a:prstGeom prst="rect">
+            <a:avLst/>
+          </a:prstGeom>
+          <a:noFill/>
+        </p:spPr>
+        <p:txBody>
+          <a:bodyPr wrap="none" rtlCol="0">
+            <a:spAutoFit/>
+          </a:bodyPr>
+          <a:lstStyle/>
+          <a:p>
+            <a:r>
+              <a:rPr lang="en-US" dirty="0" smtClean="0"/>
+              <a:t>Master</a:t>
+            </a:r>
+            <a:endParaRPr lang="en-US" dirty="0"/>
+          </a:p>
+        </p:txBody>
+      </p:sp>
+      <p:cxnSp>
+        <p:nvCxnSpPr>
+          <p:cNvPr id="16" name="Straight Arrow Connector 15"/>
+          <p:cNvCxnSpPr>
+            <a:stCxn id="14" idx="4"/>
+          </p:cNvCxnSpPr>
+          <p:nvPr/>
+        </p:nvCxnSpPr>
+        <p:spPr>
+          <a:xfrm>
+            <a:off x="5981700" y="4152900"/>
+            <a:ext cx="1028700" cy="767835"/>
+          </a:xfrm>
+          <a:prstGeom prst="straightConnector1">
+            <a:avLst/>
+          </a:prstGeom>
+          <a:ln w="76200">
+            <a:headEnd type="none" w="med" len="med"/>
+            <a:tailEnd type="none" w="med" len="med"/>
+          </a:ln>
+        </p:spPr>
+        <p:style>
+          <a:lnRef idx="1">
+            <a:schemeClr val="accent6"/>
+          </a:lnRef>
+          <a:fillRef idx="0">
+            <a:schemeClr val="accent6"/>
+          </a:fillRef>
+          <a:effectRef idx="0">
+            <a:schemeClr val="accent6"/>
+          </a:effectRef>
+          <a:fontRef idx="minor">
+            <a:schemeClr val="tx1"/>
+          </a:fontRef>
+        </p:style>
+      </p:cxnSp>
+      <p:cxnSp>
+        <p:nvCxnSpPr>
+          <p:cNvPr id="18" name="Straight Arrow Connector 17"/>
+          <p:cNvCxnSpPr/>
+          <p:nvPr/>
+        </p:nvCxnSpPr>
+        <p:spPr>
+          <a:xfrm>
+            <a:off x="7010400" y="4835782"/>
+            <a:ext cx="914400" cy="0"/>
+          </a:xfrm>
+          <a:prstGeom prst="straightConnector1">
+            <a:avLst/>
+          </a:prstGeom>
+          <a:ln w="76200">
+            <a:tailEnd type="triangle"/>
+          </a:ln>
+        </p:spPr>
+        <p:style>
+          <a:lnRef idx="1">
+            <a:schemeClr val="accent6"/>
+          </a:lnRef>
+          <a:fillRef idx="0">
+            <a:schemeClr val="accent6"/>
+          </a:fillRef>
+          <a:effectRef idx="0">
+            <a:schemeClr val="accent6"/>
+          </a:effectRef>
+          <a:fontRef idx="minor">
+            <a:schemeClr val="tx1"/>
+          </a:fontRef>
+        </p:style>
+      </p:cxnSp>
+      <p:sp>
+        <p:nvSpPr>
+          <p:cNvPr id="20" name="Oval 19"/>
+          <p:cNvSpPr/>
+          <p:nvPr/>
+        </p:nvSpPr>
+        <p:spPr>
+          <a:xfrm>
+            <a:off x="6836498" y="4721482"/>
+            <a:ext cx="228600" cy="228600"/>
+          </a:xfrm>
+          <a:prstGeom prst="ellipse">
+            <a:avLst/>
+          </a:prstGeom>
+        </p:spPr>
+        <p:style>
+          <a:lnRef idx="2">
+            <a:schemeClr val="accent6">
+              <a:shade val="50000"/>
+            </a:schemeClr>
+          </a:lnRef>
+          <a:fillRef idx="1">
+            <a:schemeClr val="accent6"/>
+          </a:fillRef>
+          <a:effectRef idx="0">
+            <a:schemeClr val="accent6"/>
+          </a:effectRef>
+          <a:fontRef idx="minor">
+            <a:schemeClr val="lt1"/>
+          </a:fontRef>
+        </p:style>
+        <p:txBody>
+          <a:bodyPr rtlCol="0" anchor="ctr"/>
+          <a:lstStyle/>
+          <a:p>
+            <a:pPr algn="ctr"/>
+            <a:endParaRPr lang="en-US"/>
+          </a:p>
+        </p:txBody>
+      </p:sp>
+      <p:sp>
+        <p:nvSpPr>
+          <p:cNvPr id="21" name="TextBox 20"/>
+          <p:cNvSpPr txBox="1"/>
+          <p:nvPr/>
+        </p:nvSpPr>
+        <p:spPr>
+          <a:xfrm>
+            <a:off x="7882690" y="4634065"/>
+            <a:ext cx="837152" cy="369332"/>
+          </a:xfrm>
+          <a:prstGeom prst="rect">
+            <a:avLst/>
+          </a:prstGeom>
+          <a:noFill/>
+        </p:spPr>
+        <p:txBody>
+          <a:bodyPr wrap="none" rtlCol="0">
+            <a:spAutoFit/>
+          </a:bodyPr>
+          <a:lstStyle/>
+          <a:p>
+            <a:r>
+              <a:rPr lang="en-US" dirty="0" smtClean="0"/>
+              <a:t>Branch</a:t>
+            </a:r>
+            <a:endParaRPr lang="en-US" dirty="0"/>
+          </a:p>
+        </p:txBody>
+      </p:sp>
+    </p:spTree>
+    <p:extLst>
+      <p:ext uri="{BB962C8B-B14F-4D97-AF65-F5344CB8AC3E}">
+        <p14:creationId xmlns:p14="http://schemas.microsoft.com/office/powerpoint/2010/main" val="3311386746"/>
+      </p:ext>
+    </p:extLst>
   </p:cSld>
   <p:clrMapOvr>
     <a:masterClrMapping/>

--- a/GitHub_Steve.pptx
+++ b/GitHub_Steve.pptx
@@ -5,7 +5,7 @@
     <p:sldMasterId id="2147483648" r:id="rId1"/>
   </p:sldMasterIdLst>
   <p:notesMasterIdLst>
-    <p:notesMasterId r:id="rId15"/>
+    <p:notesMasterId r:id="rId19"/>
   </p:notesMasterIdLst>
   <p:sldIdLst>
     <p:sldId id="256" r:id="rId2"/>
@@ -20,7 +20,11 @@
     <p:sldId id="267" r:id="rId11"/>
     <p:sldId id="268" r:id="rId12"/>
     <p:sldId id="269" r:id="rId13"/>
-    <p:sldId id="261" r:id="rId14"/>
+    <p:sldId id="271" r:id="rId14"/>
+    <p:sldId id="272" r:id="rId15"/>
+    <p:sldId id="273" r:id="rId16"/>
+    <p:sldId id="270" r:id="rId17"/>
+    <p:sldId id="261" r:id="rId18"/>
   </p:sldIdLst>
   <p:sldSz cx="9144000" cy="6858000" type="screen4x3"/>
   <p:notesSz cx="6858000" cy="9144000"/>
@@ -1033,6 +1037,282 @@
     <p:extLst>
       <p:ext uri="{BB962C8B-B14F-4D97-AF65-F5344CB8AC3E}">
         <p14:creationId xmlns:p14="http://schemas.microsoft.com/office/powerpoint/2010/main" val="2609215321"/>
+      </p:ext>
+    </p:extLst>
+  </p:cSld>
+  <p:clrMapOvr>
+    <a:masterClrMapping/>
+  </p:clrMapOvr>
+</p:notes>
+</file>
+
+<file path=ppt/notesSlides/notesSlide7.xml><?xml version="1.0" encoding="utf-8"?>
+<p:notes xmlns:a="http://schemas.openxmlformats.org/drawingml/2006/main" xmlns:r="http://schemas.openxmlformats.org/officeDocument/2006/relationships" xmlns:p="http://schemas.openxmlformats.org/presentationml/2006/main">
+  <p:cSld>
+    <p:spTree>
+      <p:nvGrpSpPr>
+        <p:cNvPr id="1" name=""/>
+        <p:cNvGrpSpPr/>
+        <p:nvPr/>
+      </p:nvGrpSpPr>
+      <p:grpSpPr>
+        <a:xfrm>
+          <a:off x="0" y="0"/>
+          <a:ext cx="0" cy="0"/>
+          <a:chOff x="0" y="0"/>
+          <a:chExt cx="0" cy="0"/>
+        </a:xfrm>
+      </p:grpSpPr>
+      <p:sp>
+        <p:nvSpPr>
+          <p:cNvPr id="2" name="Slide Image Placeholder 1"/>
+          <p:cNvSpPr>
+            <a:spLocks noGrp="1" noRot="1" noChangeAspect="1"/>
+          </p:cNvSpPr>
+          <p:nvPr>
+            <p:ph type="sldImg"/>
+          </p:nvPr>
+        </p:nvSpPr>
+        <p:spPr/>
+      </p:sp>
+      <p:sp>
+        <p:nvSpPr>
+          <p:cNvPr id="3" name="Notes Placeholder 2"/>
+          <p:cNvSpPr>
+            <a:spLocks noGrp="1"/>
+          </p:cNvSpPr>
+          <p:nvPr>
+            <p:ph type="body" idx="1"/>
+          </p:nvPr>
+        </p:nvSpPr>
+        <p:spPr/>
+        <p:txBody>
+          <a:bodyPr/>
+          <a:lstStyle/>
+          <a:p>
+            <a:r>
+              <a:rPr lang="en-US" dirty="0" smtClean="0"/>
+              <a:t>Using Git</a:t>
+            </a:r>
+            <a:r>
+              <a:rPr lang="en-US" baseline="0" dirty="0" smtClean="0"/>
+              <a:t>Hub Desktop. Could also use command line.</a:t>
+            </a:r>
+            <a:endParaRPr lang="en-US" dirty="0"/>
+          </a:p>
+        </p:txBody>
+      </p:sp>
+      <p:sp>
+        <p:nvSpPr>
+          <p:cNvPr id="4" name="Slide Number Placeholder 3"/>
+          <p:cNvSpPr>
+            <a:spLocks noGrp="1"/>
+          </p:cNvSpPr>
+          <p:nvPr>
+            <p:ph type="sldNum" sz="quarter" idx="10"/>
+          </p:nvPr>
+        </p:nvSpPr>
+        <p:spPr/>
+        <p:txBody>
+          <a:bodyPr/>
+          <a:lstStyle/>
+          <a:p>
+            <a:fld id="{330637A4-5A62-4226-AE0F-A6A737EE5607}" type="slidenum">
+              <a:rPr lang="en-US" smtClean="0"/>
+              <a:t>13</a:t>
+            </a:fld>
+            <a:endParaRPr lang="en-US"/>
+          </a:p>
+        </p:txBody>
+      </p:sp>
+    </p:spTree>
+    <p:extLst>
+      <p:ext uri="{BB962C8B-B14F-4D97-AF65-F5344CB8AC3E}">
+        <p14:creationId xmlns:p14="http://schemas.microsoft.com/office/powerpoint/2010/main" val="3159450228"/>
+      </p:ext>
+    </p:extLst>
+  </p:cSld>
+  <p:clrMapOvr>
+    <a:masterClrMapping/>
+  </p:clrMapOvr>
+</p:notes>
+</file>
+
+<file path=ppt/notesSlides/notesSlide8.xml><?xml version="1.0" encoding="utf-8"?>
+<p:notes xmlns:a="http://schemas.openxmlformats.org/drawingml/2006/main" xmlns:r="http://schemas.openxmlformats.org/officeDocument/2006/relationships" xmlns:p="http://schemas.openxmlformats.org/presentationml/2006/main">
+  <p:cSld>
+    <p:spTree>
+      <p:nvGrpSpPr>
+        <p:cNvPr id="1" name=""/>
+        <p:cNvGrpSpPr/>
+        <p:nvPr/>
+      </p:nvGrpSpPr>
+      <p:grpSpPr>
+        <a:xfrm>
+          <a:off x="0" y="0"/>
+          <a:ext cx="0" cy="0"/>
+          <a:chOff x="0" y="0"/>
+          <a:chExt cx="0" cy="0"/>
+        </a:xfrm>
+      </p:grpSpPr>
+      <p:sp>
+        <p:nvSpPr>
+          <p:cNvPr id="2" name="Slide Image Placeholder 1"/>
+          <p:cNvSpPr>
+            <a:spLocks noGrp="1" noRot="1" noChangeAspect="1"/>
+          </p:cNvSpPr>
+          <p:nvPr>
+            <p:ph type="sldImg"/>
+          </p:nvPr>
+        </p:nvSpPr>
+        <p:spPr/>
+      </p:sp>
+      <p:sp>
+        <p:nvSpPr>
+          <p:cNvPr id="3" name="Notes Placeholder 2"/>
+          <p:cNvSpPr>
+            <a:spLocks noGrp="1"/>
+          </p:cNvSpPr>
+          <p:nvPr>
+            <p:ph type="body" idx="1"/>
+          </p:nvPr>
+        </p:nvSpPr>
+        <p:spPr/>
+        <p:txBody>
+          <a:bodyPr/>
+          <a:lstStyle/>
+          <a:p>
+            <a:r>
+              <a:rPr lang="en-US" dirty="0" smtClean="0"/>
+              <a:t>Using Git</a:t>
+            </a:r>
+            <a:r>
+              <a:rPr lang="en-US" baseline="0" dirty="0" smtClean="0"/>
+              <a:t>Hub Desktop. Could also use command line.</a:t>
+            </a:r>
+            <a:endParaRPr lang="en-US" dirty="0"/>
+          </a:p>
+        </p:txBody>
+      </p:sp>
+      <p:sp>
+        <p:nvSpPr>
+          <p:cNvPr id="4" name="Slide Number Placeholder 3"/>
+          <p:cNvSpPr>
+            <a:spLocks noGrp="1"/>
+          </p:cNvSpPr>
+          <p:nvPr>
+            <p:ph type="sldNum" sz="quarter" idx="10"/>
+          </p:nvPr>
+        </p:nvSpPr>
+        <p:spPr/>
+        <p:txBody>
+          <a:bodyPr/>
+          <a:lstStyle/>
+          <a:p>
+            <a:fld id="{330637A4-5A62-4226-AE0F-A6A737EE5607}" type="slidenum">
+              <a:rPr lang="en-US" smtClean="0"/>
+              <a:t>14</a:t>
+            </a:fld>
+            <a:endParaRPr lang="en-US"/>
+          </a:p>
+        </p:txBody>
+      </p:sp>
+    </p:spTree>
+    <p:extLst>
+      <p:ext uri="{BB962C8B-B14F-4D97-AF65-F5344CB8AC3E}">
+        <p14:creationId xmlns:p14="http://schemas.microsoft.com/office/powerpoint/2010/main" val="953683251"/>
+      </p:ext>
+    </p:extLst>
+  </p:cSld>
+  <p:clrMapOvr>
+    <a:masterClrMapping/>
+  </p:clrMapOvr>
+</p:notes>
+</file>
+
+<file path=ppt/notesSlides/notesSlide9.xml><?xml version="1.0" encoding="utf-8"?>
+<p:notes xmlns:a="http://schemas.openxmlformats.org/drawingml/2006/main" xmlns:r="http://schemas.openxmlformats.org/officeDocument/2006/relationships" xmlns:p="http://schemas.openxmlformats.org/presentationml/2006/main">
+  <p:cSld>
+    <p:spTree>
+      <p:nvGrpSpPr>
+        <p:cNvPr id="1" name=""/>
+        <p:cNvGrpSpPr/>
+        <p:nvPr/>
+      </p:nvGrpSpPr>
+      <p:grpSpPr>
+        <a:xfrm>
+          <a:off x="0" y="0"/>
+          <a:ext cx="0" cy="0"/>
+          <a:chOff x="0" y="0"/>
+          <a:chExt cx="0" cy="0"/>
+        </a:xfrm>
+      </p:grpSpPr>
+      <p:sp>
+        <p:nvSpPr>
+          <p:cNvPr id="2" name="Slide Image Placeholder 1"/>
+          <p:cNvSpPr>
+            <a:spLocks noGrp="1" noRot="1" noChangeAspect="1"/>
+          </p:cNvSpPr>
+          <p:nvPr>
+            <p:ph type="sldImg"/>
+          </p:nvPr>
+        </p:nvSpPr>
+        <p:spPr/>
+      </p:sp>
+      <p:sp>
+        <p:nvSpPr>
+          <p:cNvPr id="3" name="Notes Placeholder 2"/>
+          <p:cNvSpPr>
+            <a:spLocks noGrp="1"/>
+          </p:cNvSpPr>
+          <p:nvPr>
+            <p:ph type="body" idx="1"/>
+          </p:nvPr>
+        </p:nvSpPr>
+        <p:spPr/>
+        <p:txBody>
+          <a:bodyPr/>
+          <a:lstStyle/>
+          <a:p>
+            <a:r>
+              <a:rPr lang="en-US" dirty="0" smtClean="0"/>
+              <a:t>Using Git</a:t>
+            </a:r>
+            <a:r>
+              <a:rPr lang="en-US" baseline="0" dirty="0" smtClean="0"/>
+              <a:t>Hub Desktop. Could also use command line.</a:t>
+            </a:r>
+            <a:endParaRPr lang="en-US" dirty="0"/>
+          </a:p>
+        </p:txBody>
+      </p:sp>
+      <p:sp>
+        <p:nvSpPr>
+          <p:cNvPr id="4" name="Slide Number Placeholder 3"/>
+          <p:cNvSpPr>
+            <a:spLocks noGrp="1"/>
+          </p:cNvSpPr>
+          <p:nvPr>
+            <p:ph type="sldNum" sz="quarter" idx="10"/>
+          </p:nvPr>
+        </p:nvSpPr>
+        <p:spPr/>
+        <p:txBody>
+          <a:bodyPr/>
+          <a:lstStyle/>
+          <a:p>
+            <a:fld id="{330637A4-5A62-4226-AE0F-A6A737EE5607}" type="slidenum">
+              <a:rPr lang="en-US" smtClean="0"/>
+              <a:t>15</a:t>
+            </a:fld>
+            <a:endParaRPr lang="en-US"/>
+          </a:p>
+        </p:txBody>
+      </p:sp>
+    </p:spTree>
+    <p:extLst>
+      <p:ext uri="{BB962C8B-B14F-4D97-AF65-F5344CB8AC3E}">
+        <p14:creationId xmlns:p14="http://schemas.microsoft.com/office/powerpoint/2010/main" val="1372272744"/>
       </p:ext>
     </p:extLst>
   </p:cSld>
@@ -4798,7 +5078,7 @@
         </p:blipFill>
         <p:spPr>
           <a:xfrm>
-            <a:off x="5105400" y="1909762"/>
+            <a:off x="4587089" y="1393495"/>
             <a:ext cx="2324100" cy="2686050"/>
           </a:xfrm>
           <a:prstGeom prst="rect">
@@ -4830,6 +5110,42 @@
           </a:prstGeom>
         </p:spPr>
       </p:pic>
+      <p:sp>
+        <p:nvSpPr>
+          <p:cNvPr id="11" name="TextBox 10"/>
+          <p:cNvSpPr txBox="1"/>
+          <p:nvPr/>
+        </p:nvSpPr>
+        <p:spPr>
+          <a:xfrm>
+            <a:off x="4128395" y="4756540"/>
+            <a:ext cx="4939405" cy="923330"/>
+          </a:xfrm>
+          <a:prstGeom prst="rect">
+            <a:avLst/>
+          </a:prstGeom>
+          <a:noFill/>
+        </p:spPr>
+        <p:txBody>
+          <a:bodyPr wrap="square" rtlCol="0">
+            <a:spAutoFit/>
+          </a:bodyPr>
+          <a:lstStyle/>
+          <a:p>
+            <a:r>
+              <a:rPr lang="en-US" dirty="0" smtClean="0"/>
+              <a:t>Add a file, change something, add something…</a:t>
+            </a:r>
+          </a:p>
+          <a:p>
+            <a:r>
+              <a:rPr lang="en-US" dirty="0" smtClean="0"/>
+              <a:t>For the demo, try adding a new text file to the directory</a:t>
+            </a:r>
+            <a:endParaRPr lang="en-US" dirty="0"/>
+          </a:p>
+        </p:txBody>
+      </p:sp>
     </p:spTree>
     <p:extLst>
       <p:ext uri="{BB962C8B-B14F-4D97-AF65-F5344CB8AC3E}">
@@ -5672,6 +5988,16 @@
 <file path=ppt/slides/slide13.xml><?xml version="1.0" encoding="utf-8"?>
 <p:sld xmlns:a="http://schemas.openxmlformats.org/drawingml/2006/main" xmlns:r="http://schemas.openxmlformats.org/officeDocument/2006/relationships" xmlns:p="http://schemas.openxmlformats.org/presentationml/2006/main">
   <p:cSld>
+    <p:bg>
+      <p:bgPr>
+        <a:solidFill>
+          <a:schemeClr val="bg1">
+            <a:lumMod val="65000"/>
+          </a:schemeClr>
+        </a:solidFill>
+        <a:effectLst/>
+      </p:bgPr>
+    </p:bg>
     <p:spTree>
       <p:nvGrpSpPr>
         <p:cNvPr id="1" name=""/>
@@ -5688,6 +6014,62 @@
       </p:grpSpPr>
       <p:sp>
         <p:nvSpPr>
+          <p:cNvPr id="5" name="Rectangle 4"/>
+          <p:cNvSpPr/>
+          <p:nvPr/>
+        </p:nvSpPr>
+        <p:spPr>
+          <a:xfrm>
+            <a:off x="0" y="6172200"/>
+            <a:ext cx="9144000" cy="685800"/>
+          </a:xfrm>
+          <a:prstGeom prst="rect">
+            <a:avLst/>
+          </a:prstGeom>
+          <a:gradFill>
+            <a:gsLst>
+              <a:gs pos="0">
+                <a:schemeClr val="bg1"/>
+              </a:gs>
+              <a:gs pos="100000">
+                <a:schemeClr val="bg1">
+                  <a:alpha val="0"/>
+                </a:schemeClr>
+              </a:gs>
+            </a:gsLst>
+            <a:lin ang="10800000" scaled="0"/>
+          </a:gradFill>
+          <a:ln>
+            <a:noFill/>
+          </a:ln>
+        </p:spPr>
+        <p:style>
+          <a:lnRef idx="2">
+            <a:schemeClr val="accent1">
+              <a:shade val="50000"/>
+            </a:schemeClr>
+          </a:lnRef>
+          <a:fillRef idx="1">
+            <a:schemeClr val="accent1"/>
+          </a:fillRef>
+          <a:effectRef idx="0">
+            <a:schemeClr val="accent1"/>
+          </a:effectRef>
+          <a:fontRef idx="minor">
+            <a:schemeClr val="lt1"/>
+          </a:fontRef>
+        </p:style>
+        <p:txBody>
+          <a:bodyPr rtlCol="0" anchor="ctr"/>
+          <a:lstStyle/>
+          <a:p>
+            <a:pPr algn="ctr"/>
+            <a:endParaRPr lang="en-US"/>
+          </a:p>
+        </p:txBody>
+      </p:sp>
+      <p:sp>
+        <p:nvSpPr>
           <p:cNvPr id="2" name="Title 1"/>
           <p:cNvSpPr>
             <a:spLocks noGrp="1"/>
@@ -5701,7 +6083,24 @@
           <a:bodyPr/>
           <a:lstStyle/>
           <a:p>
-            <a:endParaRPr lang="en-US"/>
+            <a:pPr algn="l"/>
+            <a:r>
+              <a:rPr lang="en-US" dirty="0" smtClean="0">
+                <a:solidFill>
+                  <a:schemeClr val="accent1">
+                    <a:lumMod val="50000"/>
+                  </a:schemeClr>
+                </a:solidFill>
+              </a:rPr>
+              <a:t>[commit demo]</a:t>
+            </a:r>
+            <a:endParaRPr lang="en-US" dirty="0">
+              <a:solidFill>
+                <a:schemeClr val="accent1">
+                  <a:lumMod val="50000"/>
+                </a:schemeClr>
+              </a:solidFill>
+            </a:endParaRPr>
           </a:p>
         </p:txBody>
       </p:sp>
@@ -5720,6 +6119,1465 @@
           <a:bodyPr/>
           <a:lstStyle/>
           <a:p>
+            <a:r>
+              <a:rPr lang="en-US" dirty="0" smtClean="0"/>
+              <a:t>Click Changes (should have a dot indicating a change)</a:t>
+            </a:r>
+          </a:p>
+          <a:p>
+            <a:r>
+              <a:rPr lang="en-US" dirty="0" smtClean="0"/>
+              <a:t>Changes are listed</a:t>
+            </a:r>
+          </a:p>
+          <a:p>
+            <a:r>
+              <a:rPr lang="en-US" dirty="0" smtClean="0"/>
+              <a:t>Note the changes briefly</a:t>
+            </a:r>
+          </a:p>
+          <a:p>
+            <a:r>
+              <a:rPr lang="en-US" dirty="0" smtClean="0"/>
+              <a:t>Click Commit to [branch name]</a:t>
+            </a:r>
+          </a:p>
+          <a:p>
+            <a:endParaRPr lang="en-US" dirty="0" smtClean="0"/>
+          </a:p>
+        </p:txBody>
+      </p:sp>
+      <p:pic>
+        <p:nvPicPr>
+          <p:cNvPr id="2050" name="Picture 2" descr="D:\data\market\3_logo\LTIlogo_object.png"/>
+          <p:cNvPicPr>
+            <a:picLocks noChangeAspect="1" noChangeArrowheads="1"/>
+          </p:cNvPicPr>
+          <p:nvPr/>
+        </p:nvPicPr>
+        <p:blipFill>
+          <a:blip r:embed="rId3" cstate="print"/>
+          <a:srcRect l="28571" t="23077" r="27473" b="23077"/>
+          <a:stretch>
+            <a:fillRect/>
+          </a:stretch>
+        </p:blipFill>
+        <p:spPr bwMode="auto">
+          <a:xfrm>
+            <a:off x="8077200" y="5943600"/>
+            <a:ext cx="990600" cy="866775"/>
+          </a:xfrm>
+          <a:prstGeom prst="rect">
+            <a:avLst/>
+          </a:prstGeom>
+          <a:noFill/>
+          <a:effectLst>
+            <a:outerShdw blurRad="50800" dist="38100" dir="2700000" algn="tl" rotWithShape="0">
+              <a:prstClr val="black">
+                <a:alpha val="40000"/>
+              </a:prstClr>
+            </a:outerShdw>
+          </a:effectLst>
+        </p:spPr>
+      </p:pic>
+      <p:sp>
+        <p:nvSpPr>
+          <p:cNvPr id="8" name="Slide Number Placeholder 7"/>
+          <p:cNvSpPr txBox="1">
+            <a:spLocks/>
+          </p:cNvSpPr>
+          <p:nvPr/>
+        </p:nvSpPr>
+        <p:spPr>
+          <a:xfrm>
+            <a:off x="5791200" y="6324600"/>
+            <a:ext cx="2133600" cy="365125"/>
+          </a:xfrm>
+          <a:prstGeom prst="rect">
+            <a:avLst/>
+          </a:prstGeom>
+        </p:spPr>
+        <p:txBody>
+          <a:bodyPr vert="horz" lIns="91440" tIns="45720" rIns="91440" bIns="45720" rtlCol="0" anchor="ctr"/>
+          <a:lstStyle/>
+          <a:p>
+            <a:pPr marL="0" marR="0" lvl="0" indent="0" algn="r" defTabSz="914400" rtl="0" eaLnBrk="1" fontAlgn="auto" latinLnBrk="0" hangingPunct="1">
+              <a:lnSpc>
+                <a:spcPct val="100000"/>
+              </a:lnSpc>
+              <a:spcBef>
+                <a:spcPts val="0"/>
+              </a:spcBef>
+              <a:spcAft>
+                <a:spcPts val="0"/>
+              </a:spcAft>
+              <a:buClrTx/>
+              <a:buSzTx/>
+              <a:buFontTx/>
+              <a:buNone/>
+              <a:tabLst/>
+              <a:defRPr/>
+            </a:pPr>
+            <a:r>
+              <a:rPr kumimoji="0" lang="en-US" sz="1400" b="0" i="0" u="none" strike="noStrike" kern="1200" cap="none" spc="0" normalizeH="0" baseline="0" noProof="0" dirty="0" smtClean="0">
+                <a:ln>
+                  <a:noFill/>
+                </a:ln>
+                <a:solidFill>
+                  <a:schemeClr val="accent3">
+                    <a:lumMod val="50000"/>
+                  </a:schemeClr>
+                </a:solidFill>
+                <a:effectLst/>
+                <a:uLnTx/>
+                <a:uFillTx/>
+                <a:latin typeface="+mn-lt"/>
+                <a:ea typeface="+mn-ea"/>
+                <a:cs typeface="+mn-cs"/>
+              </a:rPr>
+              <a:t>SLIDE </a:t>
+            </a:r>
+            <a:fld id="{C04375EB-5169-4238-8270-5D5536267021}" type="slidenum">
+              <a:rPr kumimoji="0" lang="en-US" sz="1400" b="0" i="0" u="none" strike="noStrike" kern="1200" cap="none" spc="0" normalizeH="0" baseline="0" noProof="0" smtClean="0">
+                <a:ln>
+                  <a:noFill/>
+                </a:ln>
+                <a:solidFill>
+                  <a:schemeClr val="accent3">
+                    <a:lumMod val="50000"/>
+                  </a:schemeClr>
+                </a:solidFill>
+                <a:effectLst/>
+                <a:uLnTx/>
+                <a:uFillTx/>
+                <a:latin typeface="+mn-lt"/>
+                <a:ea typeface="+mn-ea"/>
+                <a:cs typeface="+mn-cs"/>
+              </a:rPr>
+              <a:pPr marL="0" marR="0" lvl="0" indent="0" algn="r" defTabSz="914400" rtl="0" eaLnBrk="1" fontAlgn="auto" latinLnBrk="0" hangingPunct="1">
+                <a:lnSpc>
+                  <a:spcPct val="100000"/>
+                </a:lnSpc>
+                <a:spcBef>
+                  <a:spcPts val="0"/>
+                </a:spcBef>
+                <a:spcAft>
+                  <a:spcPts val="0"/>
+                </a:spcAft>
+                <a:buClrTx/>
+                <a:buSzTx/>
+                <a:buFontTx/>
+                <a:buNone/>
+                <a:tabLst/>
+                <a:defRPr/>
+              </a:pPr>
+              <a:t>13</a:t>
+            </a:fld>
+            <a:endParaRPr kumimoji="0" lang="en-US" sz="1400" b="0" i="0" u="none" strike="noStrike" kern="1200" cap="none" spc="0" normalizeH="0" baseline="0" noProof="0" dirty="0">
+              <a:ln>
+                <a:noFill/>
+              </a:ln>
+              <a:solidFill>
+                <a:schemeClr val="accent3">
+                  <a:lumMod val="50000"/>
+                </a:schemeClr>
+              </a:solidFill>
+              <a:effectLst/>
+              <a:uLnTx/>
+              <a:uFillTx/>
+              <a:latin typeface="+mn-lt"/>
+              <a:ea typeface="+mn-ea"/>
+              <a:cs typeface="+mn-cs"/>
+            </a:endParaRPr>
+          </a:p>
+        </p:txBody>
+      </p:sp>
+    </p:spTree>
+    <p:extLst>
+      <p:ext uri="{BB962C8B-B14F-4D97-AF65-F5344CB8AC3E}">
+        <p14:creationId xmlns:p14="http://schemas.microsoft.com/office/powerpoint/2010/main" val="1416649040"/>
+      </p:ext>
+    </p:extLst>
+  </p:cSld>
+  <p:clrMapOvr>
+    <a:masterClrMapping/>
+  </p:clrMapOvr>
+  <p:timing>
+    <p:tnLst>
+      <p:par>
+        <p:cTn id="1" dur="indefinite" restart="never" nodeType="tmRoot"/>
+      </p:par>
+    </p:tnLst>
+  </p:timing>
+</p:sld>
+</file>
+
+<file path=ppt/slides/slide14.xml><?xml version="1.0" encoding="utf-8"?>
+<p:sld xmlns:a="http://schemas.openxmlformats.org/drawingml/2006/main" xmlns:r="http://schemas.openxmlformats.org/officeDocument/2006/relationships" xmlns:p="http://schemas.openxmlformats.org/presentationml/2006/main">
+  <p:cSld>
+    <p:bg>
+      <p:bgPr>
+        <a:solidFill>
+          <a:schemeClr val="bg1">
+            <a:lumMod val="65000"/>
+          </a:schemeClr>
+        </a:solidFill>
+        <a:effectLst/>
+      </p:bgPr>
+    </p:bg>
+    <p:spTree>
+      <p:nvGrpSpPr>
+        <p:cNvPr id="1" name=""/>
+        <p:cNvGrpSpPr/>
+        <p:nvPr/>
+      </p:nvGrpSpPr>
+      <p:grpSpPr>
+        <a:xfrm>
+          <a:off x="0" y="0"/>
+          <a:ext cx="0" cy="0"/>
+          <a:chOff x="0" y="0"/>
+          <a:chExt cx="0" cy="0"/>
+        </a:xfrm>
+      </p:grpSpPr>
+      <p:cxnSp>
+        <p:nvCxnSpPr>
+          <p:cNvPr id="15" name="Straight Arrow Connector 14"/>
+          <p:cNvCxnSpPr/>
+          <p:nvPr/>
+        </p:nvCxnSpPr>
+        <p:spPr>
+          <a:xfrm>
+            <a:off x="2080941" y="3501000"/>
+            <a:ext cx="1028700" cy="767835"/>
+          </a:xfrm>
+          <a:prstGeom prst="straightConnector1">
+            <a:avLst/>
+          </a:prstGeom>
+          <a:ln w="76200">
+            <a:headEnd type="none" w="med" len="med"/>
+            <a:tailEnd type="none" w="med" len="med"/>
+          </a:ln>
+        </p:spPr>
+        <p:style>
+          <a:lnRef idx="1">
+            <a:schemeClr val="accent6"/>
+          </a:lnRef>
+          <a:fillRef idx="0">
+            <a:schemeClr val="accent6"/>
+          </a:fillRef>
+          <a:effectRef idx="0">
+            <a:schemeClr val="accent6"/>
+          </a:effectRef>
+          <a:fontRef idx="minor">
+            <a:schemeClr val="tx1"/>
+          </a:fontRef>
+        </p:style>
+      </p:cxnSp>
+      <p:cxnSp>
+        <p:nvCxnSpPr>
+          <p:cNvPr id="20" name="Straight Arrow Connector 19"/>
+          <p:cNvCxnSpPr>
+            <a:endCxn id="19" idx="6"/>
+          </p:cNvCxnSpPr>
+          <p:nvPr/>
+        </p:nvCxnSpPr>
+        <p:spPr>
+          <a:xfrm>
+            <a:off x="3146987" y="4204114"/>
+            <a:ext cx="913750" cy="16975"/>
+          </a:xfrm>
+          <a:prstGeom prst="straightConnector1">
+            <a:avLst/>
+          </a:prstGeom>
+          <a:ln w="76200">
+            <a:headEnd type="none" w="med" len="med"/>
+            <a:tailEnd type="none" w="med" len="med"/>
+          </a:ln>
+        </p:spPr>
+        <p:style>
+          <a:lnRef idx="1">
+            <a:schemeClr val="accent6"/>
+          </a:lnRef>
+          <a:fillRef idx="0">
+            <a:schemeClr val="accent6"/>
+          </a:fillRef>
+          <a:effectRef idx="0">
+            <a:schemeClr val="accent6"/>
+          </a:effectRef>
+          <a:fontRef idx="minor">
+            <a:schemeClr val="tx1"/>
+          </a:fontRef>
+        </p:style>
+      </p:cxnSp>
+      <p:sp>
+        <p:nvSpPr>
+          <p:cNvPr id="5" name="Rectangle 4"/>
+          <p:cNvSpPr/>
+          <p:nvPr/>
+        </p:nvSpPr>
+        <p:spPr>
+          <a:xfrm>
+            <a:off x="0" y="6172200"/>
+            <a:ext cx="9144000" cy="685800"/>
+          </a:xfrm>
+          <a:prstGeom prst="rect">
+            <a:avLst/>
+          </a:prstGeom>
+          <a:gradFill>
+            <a:gsLst>
+              <a:gs pos="0">
+                <a:schemeClr val="bg1"/>
+              </a:gs>
+              <a:gs pos="100000">
+                <a:schemeClr val="bg1">
+                  <a:alpha val="0"/>
+                </a:schemeClr>
+              </a:gs>
+            </a:gsLst>
+            <a:lin ang="10800000" scaled="0"/>
+          </a:gradFill>
+          <a:ln>
+            <a:noFill/>
+          </a:ln>
+        </p:spPr>
+        <p:style>
+          <a:lnRef idx="2">
+            <a:schemeClr val="accent1">
+              <a:shade val="50000"/>
+            </a:schemeClr>
+          </a:lnRef>
+          <a:fillRef idx="1">
+            <a:schemeClr val="accent1"/>
+          </a:fillRef>
+          <a:effectRef idx="0">
+            <a:schemeClr val="accent1"/>
+          </a:effectRef>
+          <a:fontRef idx="minor">
+            <a:schemeClr val="lt1"/>
+          </a:fontRef>
+        </p:style>
+        <p:txBody>
+          <a:bodyPr rtlCol="0" anchor="ctr"/>
+          <a:lstStyle/>
+          <a:p>
+            <a:pPr algn="ctr"/>
+            <a:endParaRPr lang="en-US"/>
+          </a:p>
+        </p:txBody>
+      </p:sp>
+      <p:sp>
+        <p:nvSpPr>
+          <p:cNvPr id="2" name="Title 1"/>
+          <p:cNvSpPr>
+            <a:spLocks noGrp="1"/>
+          </p:cNvSpPr>
+          <p:nvPr>
+            <p:ph type="title"/>
+          </p:nvPr>
+        </p:nvSpPr>
+        <p:spPr/>
+        <p:txBody>
+          <a:bodyPr/>
+          <a:lstStyle/>
+          <a:p>
+            <a:pPr algn="l"/>
+            <a:r>
+              <a:rPr lang="en-US" dirty="0" smtClean="0">
+                <a:solidFill>
+                  <a:schemeClr val="accent1">
+                    <a:lumMod val="50000"/>
+                  </a:schemeClr>
+                </a:solidFill>
+              </a:rPr>
+              <a:t>Pull Request</a:t>
+            </a:r>
+            <a:endParaRPr lang="en-US" dirty="0">
+              <a:solidFill>
+                <a:schemeClr val="accent1">
+                  <a:lumMod val="50000"/>
+                </a:schemeClr>
+              </a:solidFill>
+            </a:endParaRPr>
+          </a:p>
+        </p:txBody>
+      </p:sp>
+      <p:pic>
+        <p:nvPicPr>
+          <p:cNvPr id="2050" name="Picture 2" descr="D:\data\market\3_logo\LTIlogo_object.png"/>
+          <p:cNvPicPr>
+            <a:picLocks noChangeAspect="1" noChangeArrowheads="1"/>
+          </p:cNvPicPr>
+          <p:nvPr/>
+        </p:nvPicPr>
+        <p:blipFill>
+          <a:blip r:embed="rId3" cstate="print"/>
+          <a:srcRect l="28571" t="23077" r="27473" b="23077"/>
+          <a:stretch>
+            <a:fillRect/>
+          </a:stretch>
+        </p:blipFill>
+        <p:spPr bwMode="auto">
+          <a:xfrm>
+            <a:off x="8077200" y="5943600"/>
+            <a:ext cx="990600" cy="866775"/>
+          </a:xfrm>
+          <a:prstGeom prst="rect">
+            <a:avLst/>
+          </a:prstGeom>
+          <a:noFill/>
+          <a:effectLst>
+            <a:outerShdw blurRad="50800" dist="38100" dir="2700000" algn="tl" rotWithShape="0">
+              <a:prstClr val="black">
+                <a:alpha val="40000"/>
+              </a:prstClr>
+            </a:outerShdw>
+          </a:effectLst>
+        </p:spPr>
+      </p:pic>
+      <p:sp>
+        <p:nvSpPr>
+          <p:cNvPr id="8" name="Slide Number Placeholder 7"/>
+          <p:cNvSpPr txBox="1">
+            <a:spLocks/>
+          </p:cNvSpPr>
+          <p:nvPr/>
+        </p:nvSpPr>
+        <p:spPr>
+          <a:xfrm>
+            <a:off x="5791200" y="6324600"/>
+            <a:ext cx="2133600" cy="365125"/>
+          </a:xfrm>
+          <a:prstGeom prst="rect">
+            <a:avLst/>
+          </a:prstGeom>
+        </p:spPr>
+        <p:txBody>
+          <a:bodyPr vert="horz" lIns="91440" tIns="45720" rIns="91440" bIns="45720" rtlCol="0" anchor="ctr"/>
+          <a:lstStyle/>
+          <a:p>
+            <a:pPr marL="0" marR="0" lvl="0" indent="0" algn="r" defTabSz="914400" rtl="0" eaLnBrk="1" fontAlgn="auto" latinLnBrk="0" hangingPunct="1">
+              <a:lnSpc>
+                <a:spcPct val="100000"/>
+              </a:lnSpc>
+              <a:spcBef>
+                <a:spcPts val="0"/>
+              </a:spcBef>
+              <a:spcAft>
+                <a:spcPts val="0"/>
+              </a:spcAft>
+              <a:buClrTx/>
+              <a:buSzTx/>
+              <a:buFontTx/>
+              <a:buNone/>
+              <a:tabLst/>
+              <a:defRPr/>
+            </a:pPr>
+            <a:r>
+              <a:rPr kumimoji="0" lang="en-US" sz="1400" b="0" i="0" u="none" strike="noStrike" kern="1200" cap="none" spc="0" normalizeH="0" baseline="0" noProof="0" dirty="0" smtClean="0">
+                <a:ln>
+                  <a:noFill/>
+                </a:ln>
+                <a:solidFill>
+                  <a:schemeClr val="accent3">
+                    <a:lumMod val="50000"/>
+                  </a:schemeClr>
+                </a:solidFill>
+                <a:effectLst/>
+                <a:uLnTx/>
+                <a:uFillTx/>
+                <a:latin typeface="+mn-lt"/>
+                <a:ea typeface="+mn-ea"/>
+                <a:cs typeface="+mn-cs"/>
+              </a:rPr>
+              <a:t>SLIDE </a:t>
+            </a:r>
+            <a:fld id="{C04375EB-5169-4238-8270-5D5536267021}" type="slidenum">
+              <a:rPr kumimoji="0" lang="en-US" sz="1400" b="0" i="0" u="none" strike="noStrike" kern="1200" cap="none" spc="0" normalizeH="0" baseline="0" noProof="0" smtClean="0">
+                <a:ln>
+                  <a:noFill/>
+                </a:ln>
+                <a:solidFill>
+                  <a:schemeClr val="accent3">
+                    <a:lumMod val="50000"/>
+                  </a:schemeClr>
+                </a:solidFill>
+                <a:effectLst/>
+                <a:uLnTx/>
+                <a:uFillTx/>
+                <a:latin typeface="+mn-lt"/>
+                <a:ea typeface="+mn-ea"/>
+                <a:cs typeface="+mn-cs"/>
+              </a:rPr>
+              <a:pPr marL="0" marR="0" lvl="0" indent="0" algn="r" defTabSz="914400" rtl="0" eaLnBrk="1" fontAlgn="auto" latinLnBrk="0" hangingPunct="1">
+                <a:lnSpc>
+                  <a:spcPct val="100000"/>
+                </a:lnSpc>
+                <a:spcBef>
+                  <a:spcPts val="0"/>
+                </a:spcBef>
+                <a:spcAft>
+                  <a:spcPts val="0"/>
+                </a:spcAft>
+                <a:buClrTx/>
+                <a:buSzTx/>
+                <a:buFontTx/>
+                <a:buNone/>
+                <a:tabLst/>
+                <a:defRPr/>
+              </a:pPr>
+              <a:t>14</a:t>
+            </a:fld>
+            <a:endParaRPr kumimoji="0" lang="en-US" sz="1400" b="0" i="0" u="none" strike="noStrike" kern="1200" cap="none" spc="0" normalizeH="0" baseline="0" noProof="0" dirty="0">
+              <a:ln>
+                <a:noFill/>
+              </a:ln>
+              <a:solidFill>
+                <a:schemeClr val="accent3">
+                  <a:lumMod val="50000"/>
+                </a:schemeClr>
+              </a:solidFill>
+              <a:effectLst/>
+              <a:uLnTx/>
+              <a:uFillTx/>
+              <a:latin typeface="+mn-lt"/>
+              <a:ea typeface="+mn-ea"/>
+              <a:cs typeface="+mn-cs"/>
+            </a:endParaRPr>
+          </a:p>
+        </p:txBody>
+      </p:sp>
+      <p:sp>
+        <p:nvSpPr>
+          <p:cNvPr id="4" name="TextBox 3"/>
+          <p:cNvSpPr txBox="1"/>
+          <p:nvPr/>
+        </p:nvSpPr>
+        <p:spPr>
+          <a:xfrm>
+            <a:off x="304801" y="1461572"/>
+            <a:ext cx="8610600" cy="923330"/>
+          </a:xfrm>
+          <a:prstGeom prst="rect">
+            <a:avLst/>
+          </a:prstGeom>
+          <a:noFill/>
+        </p:spPr>
+        <p:txBody>
+          <a:bodyPr wrap="square" rtlCol="0">
+            <a:spAutoFit/>
+          </a:bodyPr>
+          <a:lstStyle/>
+          <a:p>
+            <a:r>
+              <a:rPr lang="en-US" b="1" dirty="0" smtClean="0"/>
+              <a:t>Pull Request: </a:t>
+            </a:r>
+            <a:r>
+              <a:rPr lang="en-US" dirty="0" smtClean="0"/>
+              <a:t>Merge the changes from a </a:t>
+            </a:r>
+            <a:r>
+              <a:rPr lang="en-US" b="1" dirty="0" smtClean="0"/>
+              <a:t>branch </a:t>
+            </a:r>
+            <a:r>
+              <a:rPr lang="en-US" dirty="0" smtClean="0"/>
+              <a:t>to the </a:t>
+            </a:r>
+            <a:r>
+              <a:rPr lang="en-US" b="1" dirty="0" smtClean="0"/>
+              <a:t>master</a:t>
+            </a:r>
+            <a:r>
+              <a:rPr lang="en-US" dirty="0" smtClean="0"/>
+              <a:t> and sync it with GitHub. Use a </a:t>
+            </a:r>
+            <a:r>
+              <a:rPr lang="en-US" b="1" dirty="0" smtClean="0"/>
+              <a:t>Pull Request</a:t>
+            </a:r>
+            <a:r>
+              <a:rPr lang="en-US" dirty="0" smtClean="0"/>
+              <a:t> to submit your changes to the project that you want everybody to have access to.</a:t>
+            </a:r>
+            <a:endParaRPr lang="en-US" b="1" dirty="0"/>
+          </a:p>
+        </p:txBody>
+      </p:sp>
+      <p:cxnSp>
+        <p:nvCxnSpPr>
+          <p:cNvPr id="9" name="Straight Arrow Connector 8"/>
+          <p:cNvCxnSpPr/>
+          <p:nvPr/>
+        </p:nvCxnSpPr>
+        <p:spPr>
+          <a:xfrm>
+            <a:off x="251387" y="3485971"/>
+            <a:ext cx="5791200" cy="0"/>
+          </a:xfrm>
+          <a:prstGeom prst="straightConnector1">
+            <a:avLst/>
+          </a:prstGeom>
+          <a:ln w="57150">
+            <a:tailEnd type="triangle"/>
+          </a:ln>
+        </p:spPr>
+        <p:style>
+          <a:lnRef idx="1">
+            <a:schemeClr val="accent1"/>
+          </a:lnRef>
+          <a:fillRef idx="0">
+            <a:schemeClr val="accent1"/>
+          </a:fillRef>
+          <a:effectRef idx="0">
+            <a:schemeClr val="accent1"/>
+          </a:effectRef>
+          <a:fontRef idx="minor">
+            <a:schemeClr val="tx1"/>
+          </a:fontRef>
+        </p:style>
+      </p:cxnSp>
+      <p:sp>
+        <p:nvSpPr>
+          <p:cNvPr id="10" name="Oval 9"/>
+          <p:cNvSpPr/>
+          <p:nvPr/>
+        </p:nvSpPr>
+        <p:spPr>
+          <a:xfrm>
+            <a:off x="556187" y="3345909"/>
+            <a:ext cx="228600" cy="228600"/>
+          </a:xfrm>
+          <a:prstGeom prst="ellipse">
+            <a:avLst/>
+          </a:prstGeom>
+        </p:spPr>
+        <p:style>
+          <a:lnRef idx="2">
+            <a:schemeClr val="accent1">
+              <a:shade val="50000"/>
+            </a:schemeClr>
+          </a:lnRef>
+          <a:fillRef idx="1">
+            <a:schemeClr val="accent1"/>
+          </a:fillRef>
+          <a:effectRef idx="0">
+            <a:schemeClr val="accent1"/>
+          </a:effectRef>
+          <a:fontRef idx="minor">
+            <a:schemeClr val="lt1"/>
+          </a:fontRef>
+        </p:style>
+        <p:txBody>
+          <a:bodyPr rtlCol="0" anchor="ctr"/>
+          <a:lstStyle/>
+          <a:p>
+            <a:pPr algn="ctr"/>
+            <a:endParaRPr lang="en-US"/>
+          </a:p>
+        </p:txBody>
+      </p:sp>
+      <p:sp>
+        <p:nvSpPr>
+          <p:cNvPr id="11" name="Oval 10"/>
+          <p:cNvSpPr/>
+          <p:nvPr/>
+        </p:nvSpPr>
+        <p:spPr>
+          <a:xfrm>
+            <a:off x="1991538" y="3345909"/>
+            <a:ext cx="228600" cy="228600"/>
+          </a:xfrm>
+          <a:prstGeom prst="ellipse">
+            <a:avLst/>
+          </a:prstGeom>
+        </p:spPr>
+        <p:style>
+          <a:lnRef idx="2">
+            <a:schemeClr val="accent1">
+              <a:shade val="50000"/>
+            </a:schemeClr>
+          </a:lnRef>
+          <a:fillRef idx="1">
+            <a:schemeClr val="accent1"/>
+          </a:fillRef>
+          <a:effectRef idx="0">
+            <a:schemeClr val="accent1"/>
+          </a:effectRef>
+          <a:fontRef idx="minor">
+            <a:schemeClr val="lt1"/>
+          </a:fontRef>
+        </p:style>
+        <p:txBody>
+          <a:bodyPr rtlCol="0" anchor="ctr"/>
+          <a:lstStyle/>
+          <a:p>
+            <a:pPr algn="ctr"/>
+            <a:endParaRPr lang="en-US"/>
+          </a:p>
+        </p:txBody>
+      </p:sp>
+      <p:sp>
+        <p:nvSpPr>
+          <p:cNvPr id="12" name="Oval 11"/>
+          <p:cNvSpPr/>
+          <p:nvPr/>
+        </p:nvSpPr>
+        <p:spPr>
+          <a:xfrm>
+            <a:off x="3337487" y="3345909"/>
+            <a:ext cx="228600" cy="228600"/>
+          </a:xfrm>
+          <a:prstGeom prst="ellipse">
+            <a:avLst/>
+          </a:prstGeom>
+        </p:spPr>
+        <p:style>
+          <a:lnRef idx="2">
+            <a:schemeClr val="accent1">
+              <a:shade val="50000"/>
+            </a:schemeClr>
+          </a:lnRef>
+          <a:fillRef idx="1">
+            <a:schemeClr val="accent1"/>
+          </a:fillRef>
+          <a:effectRef idx="0">
+            <a:schemeClr val="accent1"/>
+          </a:effectRef>
+          <a:fontRef idx="minor">
+            <a:schemeClr val="lt1"/>
+          </a:fontRef>
+        </p:style>
+        <p:txBody>
+          <a:bodyPr rtlCol="0" anchor="ctr"/>
+          <a:lstStyle/>
+          <a:p>
+            <a:pPr algn="ctr"/>
+            <a:endParaRPr lang="en-US"/>
+          </a:p>
+        </p:txBody>
+      </p:sp>
+      <p:sp>
+        <p:nvSpPr>
+          <p:cNvPr id="13" name="Oval 12"/>
+          <p:cNvSpPr/>
+          <p:nvPr/>
+        </p:nvSpPr>
+        <p:spPr>
+          <a:xfrm>
+            <a:off x="4747187" y="3371671"/>
+            <a:ext cx="228600" cy="228600"/>
+          </a:xfrm>
+          <a:prstGeom prst="ellipse">
+            <a:avLst/>
+          </a:prstGeom>
+        </p:spPr>
+        <p:style>
+          <a:lnRef idx="2">
+            <a:schemeClr val="accent1">
+              <a:shade val="50000"/>
+            </a:schemeClr>
+          </a:lnRef>
+          <a:fillRef idx="1">
+            <a:schemeClr val="accent1"/>
+          </a:fillRef>
+          <a:effectRef idx="0">
+            <a:schemeClr val="accent1"/>
+          </a:effectRef>
+          <a:fontRef idx="minor">
+            <a:schemeClr val="lt1"/>
+          </a:fontRef>
+        </p:style>
+        <p:txBody>
+          <a:bodyPr rtlCol="0" anchor="ctr"/>
+          <a:lstStyle/>
+          <a:p>
+            <a:pPr algn="ctr"/>
+            <a:endParaRPr lang="en-US"/>
+          </a:p>
+        </p:txBody>
+      </p:sp>
+      <p:sp>
+        <p:nvSpPr>
+          <p:cNvPr id="14" name="TextBox 13"/>
+          <p:cNvSpPr txBox="1"/>
+          <p:nvPr/>
+        </p:nvSpPr>
+        <p:spPr>
+          <a:xfrm>
+            <a:off x="6041833" y="3301305"/>
+            <a:ext cx="849656" cy="369332"/>
+          </a:xfrm>
+          <a:prstGeom prst="rect">
+            <a:avLst/>
+          </a:prstGeom>
+          <a:noFill/>
+        </p:spPr>
+        <p:txBody>
+          <a:bodyPr wrap="none" rtlCol="0">
+            <a:spAutoFit/>
+          </a:bodyPr>
+          <a:lstStyle/>
+          <a:p>
+            <a:r>
+              <a:rPr lang="en-US" dirty="0" smtClean="0"/>
+              <a:t>Master</a:t>
+            </a:r>
+            <a:endParaRPr lang="en-US" dirty="0"/>
+          </a:p>
+        </p:txBody>
+      </p:sp>
+      <p:cxnSp>
+        <p:nvCxnSpPr>
+          <p:cNvPr id="16" name="Straight Arrow Connector 15"/>
+          <p:cNvCxnSpPr>
+            <a:endCxn id="13" idx="3"/>
+          </p:cNvCxnSpPr>
+          <p:nvPr/>
+        </p:nvCxnSpPr>
+        <p:spPr>
+          <a:xfrm flipV="1">
+            <a:off x="4008268" y="3566793"/>
+            <a:ext cx="772397" cy="654296"/>
+          </a:xfrm>
+          <a:prstGeom prst="straightConnector1">
+            <a:avLst/>
+          </a:prstGeom>
+          <a:ln w="76200">
+            <a:tailEnd type="triangle"/>
+          </a:ln>
+        </p:spPr>
+        <p:style>
+          <a:lnRef idx="1">
+            <a:schemeClr val="accent6"/>
+          </a:lnRef>
+          <a:fillRef idx="0">
+            <a:schemeClr val="accent6"/>
+          </a:fillRef>
+          <a:effectRef idx="0">
+            <a:schemeClr val="accent6"/>
+          </a:effectRef>
+          <a:fontRef idx="minor">
+            <a:schemeClr val="tx1"/>
+          </a:fontRef>
+        </p:style>
+      </p:cxnSp>
+      <p:sp>
+        <p:nvSpPr>
+          <p:cNvPr id="17" name="Oval 16"/>
+          <p:cNvSpPr/>
+          <p:nvPr/>
+        </p:nvSpPr>
+        <p:spPr>
+          <a:xfrm>
+            <a:off x="3026498" y="4106789"/>
+            <a:ext cx="228600" cy="228600"/>
+          </a:xfrm>
+          <a:prstGeom prst="ellipse">
+            <a:avLst/>
+          </a:prstGeom>
+        </p:spPr>
+        <p:style>
+          <a:lnRef idx="2">
+            <a:schemeClr val="accent6">
+              <a:shade val="50000"/>
+            </a:schemeClr>
+          </a:lnRef>
+          <a:fillRef idx="1">
+            <a:schemeClr val="accent6"/>
+          </a:fillRef>
+          <a:effectRef idx="0">
+            <a:schemeClr val="accent6"/>
+          </a:effectRef>
+          <a:fontRef idx="minor">
+            <a:schemeClr val="lt1"/>
+          </a:fontRef>
+        </p:style>
+        <p:txBody>
+          <a:bodyPr rtlCol="0" anchor="ctr"/>
+          <a:lstStyle/>
+          <a:p>
+            <a:pPr algn="ctr"/>
+            <a:endParaRPr lang="en-US"/>
+          </a:p>
+        </p:txBody>
+      </p:sp>
+      <p:sp>
+        <p:nvSpPr>
+          <p:cNvPr id="18" name="TextBox 17"/>
+          <p:cNvSpPr txBox="1"/>
+          <p:nvPr/>
+        </p:nvSpPr>
+        <p:spPr>
+          <a:xfrm>
+            <a:off x="5105401" y="4459754"/>
+            <a:ext cx="1343445" cy="369332"/>
+          </a:xfrm>
+          <a:prstGeom prst="rect">
+            <a:avLst/>
+          </a:prstGeom>
+          <a:noFill/>
+        </p:spPr>
+        <p:txBody>
+          <a:bodyPr wrap="none" rtlCol="0">
+            <a:spAutoFit/>
+          </a:bodyPr>
+          <a:lstStyle/>
+          <a:p>
+            <a:r>
+              <a:rPr lang="en-US" dirty="0" smtClean="0"/>
+              <a:t>Pull Request</a:t>
+            </a:r>
+            <a:endParaRPr lang="en-US" dirty="0"/>
+          </a:p>
+        </p:txBody>
+      </p:sp>
+      <p:sp>
+        <p:nvSpPr>
+          <p:cNvPr id="19" name="Oval 18"/>
+          <p:cNvSpPr/>
+          <p:nvPr/>
+        </p:nvSpPr>
+        <p:spPr>
+          <a:xfrm>
+            <a:off x="3832137" y="4106789"/>
+            <a:ext cx="228600" cy="228600"/>
+          </a:xfrm>
+          <a:prstGeom prst="ellipse">
+            <a:avLst/>
+          </a:prstGeom>
+        </p:spPr>
+        <p:style>
+          <a:lnRef idx="2">
+            <a:schemeClr val="accent6">
+              <a:shade val="50000"/>
+            </a:schemeClr>
+          </a:lnRef>
+          <a:fillRef idx="1">
+            <a:schemeClr val="accent6"/>
+          </a:fillRef>
+          <a:effectRef idx="0">
+            <a:schemeClr val="accent6"/>
+          </a:effectRef>
+          <a:fontRef idx="minor">
+            <a:schemeClr val="lt1"/>
+          </a:fontRef>
+        </p:style>
+        <p:txBody>
+          <a:bodyPr rtlCol="0" anchor="ctr"/>
+          <a:lstStyle/>
+          <a:p>
+            <a:pPr algn="ctr"/>
+            <a:endParaRPr lang="en-US"/>
+          </a:p>
+        </p:txBody>
+      </p:sp>
+      <p:cxnSp>
+        <p:nvCxnSpPr>
+          <p:cNvPr id="22" name="Straight Arrow Connector 21"/>
+          <p:cNvCxnSpPr/>
+          <p:nvPr/>
+        </p:nvCxnSpPr>
+        <p:spPr>
+          <a:xfrm flipH="1" flipV="1">
+            <a:off x="4394466" y="3992489"/>
+            <a:ext cx="710935" cy="655711"/>
+          </a:xfrm>
+          <a:prstGeom prst="straightConnector1">
+            <a:avLst/>
+          </a:prstGeom>
+          <a:ln w="38100">
+            <a:tailEnd type="triangle"/>
+          </a:ln>
+        </p:spPr>
+        <p:style>
+          <a:lnRef idx="1">
+            <a:schemeClr val="dk1"/>
+          </a:lnRef>
+          <a:fillRef idx="0">
+            <a:schemeClr val="dk1"/>
+          </a:fillRef>
+          <a:effectRef idx="0">
+            <a:schemeClr val="dk1"/>
+          </a:effectRef>
+          <a:fontRef idx="minor">
+            <a:schemeClr val="tx1"/>
+          </a:fontRef>
+        </p:style>
+      </p:cxnSp>
+      <p:sp>
+        <p:nvSpPr>
+          <p:cNvPr id="23" name="TextBox 22"/>
+          <p:cNvSpPr txBox="1"/>
+          <p:nvPr/>
+        </p:nvSpPr>
+        <p:spPr>
+          <a:xfrm>
+            <a:off x="3079832" y="4299582"/>
+            <a:ext cx="837152" cy="369332"/>
+          </a:xfrm>
+          <a:prstGeom prst="rect">
+            <a:avLst/>
+          </a:prstGeom>
+          <a:noFill/>
+        </p:spPr>
+        <p:txBody>
+          <a:bodyPr wrap="none" rtlCol="0">
+            <a:spAutoFit/>
+          </a:bodyPr>
+          <a:lstStyle/>
+          <a:p>
+            <a:r>
+              <a:rPr lang="en-US" dirty="0" smtClean="0"/>
+              <a:t>Branch</a:t>
+            </a:r>
+            <a:endParaRPr lang="en-US" dirty="0"/>
+          </a:p>
+        </p:txBody>
+      </p:sp>
+      <p:sp>
+        <p:nvSpPr>
+          <p:cNvPr id="3" name="TextBox 2"/>
+          <p:cNvSpPr txBox="1"/>
+          <p:nvPr/>
+        </p:nvSpPr>
+        <p:spPr>
+          <a:xfrm>
+            <a:off x="323662" y="5596147"/>
+            <a:ext cx="8465651" cy="369332"/>
+          </a:xfrm>
+          <a:prstGeom prst="rect">
+            <a:avLst/>
+          </a:prstGeom>
+          <a:noFill/>
+        </p:spPr>
+        <p:txBody>
+          <a:bodyPr wrap="none" rtlCol="0">
+            <a:spAutoFit/>
+          </a:bodyPr>
+          <a:lstStyle/>
+          <a:p>
+            <a:r>
+              <a:rPr lang="en-US" dirty="0" smtClean="0"/>
+              <a:t>Pull Requests can cause conflicts, but GitHub makes it relatively easy to resolve them.  </a:t>
+            </a:r>
+            <a:endParaRPr lang="en-US" dirty="0"/>
+          </a:p>
+        </p:txBody>
+      </p:sp>
+    </p:spTree>
+    <p:extLst>
+      <p:ext uri="{BB962C8B-B14F-4D97-AF65-F5344CB8AC3E}">
+        <p14:creationId xmlns:p14="http://schemas.microsoft.com/office/powerpoint/2010/main" val="3047772038"/>
+      </p:ext>
+    </p:extLst>
+  </p:cSld>
+  <p:clrMapOvr>
+    <a:masterClrMapping/>
+  </p:clrMapOvr>
+  <p:timing>
+    <p:tnLst>
+      <p:par>
+        <p:cTn id="1" dur="indefinite" restart="never" nodeType="tmRoot"/>
+      </p:par>
+    </p:tnLst>
+  </p:timing>
+</p:sld>
+</file>
+
+<file path=ppt/slides/slide15.xml><?xml version="1.0" encoding="utf-8"?>
+<p:sld xmlns:a="http://schemas.openxmlformats.org/drawingml/2006/main" xmlns:r="http://schemas.openxmlformats.org/officeDocument/2006/relationships" xmlns:p="http://schemas.openxmlformats.org/presentationml/2006/main">
+  <p:cSld>
+    <p:bg>
+      <p:bgPr>
+        <a:solidFill>
+          <a:schemeClr val="bg1">
+            <a:lumMod val="65000"/>
+          </a:schemeClr>
+        </a:solidFill>
+        <a:effectLst/>
+      </p:bgPr>
+    </p:bg>
+    <p:spTree>
+      <p:nvGrpSpPr>
+        <p:cNvPr id="1" name=""/>
+        <p:cNvGrpSpPr/>
+        <p:nvPr/>
+      </p:nvGrpSpPr>
+      <p:grpSpPr>
+        <a:xfrm>
+          <a:off x="0" y="0"/>
+          <a:ext cx="0" cy="0"/>
+          <a:chOff x="0" y="0"/>
+          <a:chExt cx="0" cy="0"/>
+        </a:xfrm>
+      </p:grpSpPr>
+      <p:sp>
+        <p:nvSpPr>
+          <p:cNvPr id="5" name="Rectangle 4"/>
+          <p:cNvSpPr/>
+          <p:nvPr/>
+        </p:nvSpPr>
+        <p:spPr>
+          <a:xfrm>
+            <a:off x="0" y="6172200"/>
+            <a:ext cx="9144000" cy="685800"/>
+          </a:xfrm>
+          <a:prstGeom prst="rect">
+            <a:avLst/>
+          </a:prstGeom>
+          <a:gradFill>
+            <a:gsLst>
+              <a:gs pos="0">
+                <a:schemeClr val="bg1"/>
+              </a:gs>
+              <a:gs pos="100000">
+                <a:schemeClr val="bg1">
+                  <a:alpha val="0"/>
+                </a:schemeClr>
+              </a:gs>
+            </a:gsLst>
+            <a:lin ang="10800000" scaled="0"/>
+          </a:gradFill>
+          <a:ln>
+            <a:noFill/>
+          </a:ln>
+        </p:spPr>
+        <p:style>
+          <a:lnRef idx="2">
+            <a:schemeClr val="accent1">
+              <a:shade val="50000"/>
+            </a:schemeClr>
+          </a:lnRef>
+          <a:fillRef idx="1">
+            <a:schemeClr val="accent1"/>
+          </a:fillRef>
+          <a:effectRef idx="0">
+            <a:schemeClr val="accent1"/>
+          </a:effectRef>
+          <a:fontRef idx="minor">
+            <a:schemeClr val="lt1"/>
+          </a:fontRef>
+        </p:style>
+        <p:txBody>
+          <a:bodyPr rtlCol="0" anchor="ctr"/>
+          <a:lstStyle/>
+          <a:p>
+            <a:pPr algn="ctr"/>
+            <a:endParaRPr lang="en-US"/>
+          </a:p>
+        </p:txBody>
+      </p:sp>
+      <p:sp>
+        <p:nvSpPr>
+          <p:cNvPr id="2" name="Title 1"/>
+          <p:cNvSpPr>
+            <a:spLocks noGrp="1"/>
+          </p:cNvSpPr>
+          <p:nvPr>
+            <p:ph type="title"/>
+          </p:nvPr>
+        </p:nvSpPr>
+        <p:spPr/>
+        <p:txBody>
+          <a:bodyPr/>
+          <a:lstStyle/>
+          <a:p>
+            <a:pPr algn="l"/>
+            <a:r>
+              <a:rPr lang="en-US" dirty="0" smtClean="0">
+                <a:solidFill>
+                  <a:schemeClr val="accent1">
+                    <a:lumMod val="50000"/>
+                  </a:schemeClr>
+                </a:solidFill>
+              </a:rPr>
+              <a:t>[pull request demo]</a:t>
+            </a:r>
+            <a:endParaRPr lang="en-US" dirty="0">
+              <a:solidFill>
+                <a:schemeClr val="accent1">
+                  <a:lumMod val="50000"/>
+                </a:schemeClr>
+              </a:solidFill>
+            </a:endParaRPr>
+          </a:p>
+        </p:txBody>
+      </p:sp>
+      <p:sp>
+        <p:nvSpPr>
+          <p:cNvPr id="3" name="Content Placeholder 2"/>
+          <p:cNvSpPr>
+            <a:spLocks noGrp="1"/>
+          </p:cNvSpPr>
+          <p:nvPr>
+            <p:ph idx="1"/>
+          </p:nvPr>
+        </p:nvSpPr>
+        <p:spPr/>
+        <p:txBody>
+          <a:bodyPr/>
+          <a:lstStyle/>
+          <a:p>
+            <a:r>
+              <a:rPr lang="en-US" dirty="0" smtClean="0"/>
+              <a:t>Click Pull Request in Desktop</a:t>
+            </a:r>
+          </a:p>
+          <a:p>
+            <a:r>
+              <a:rPr lang="en-US" dirty="0" smtClean="0"/>
+              <a:t>Make sure you are merging to Master</a:t>
+            </a:r>
+          </a:p>
+          <a:p>
+            <a:r>
+              <a:rPr lang="en-US" dirty="0" smtClean="0"/>
+              <a:t>Leave a note</a:t>
+            </a:r>
+          </a:p>
+          <a:p>
+            <a:r>
+              <a:rPr lang="en-US" dirty="0" smtClean="0"/>
+              <a:t>Check to see if there will be issues. If there will be issues, you’ll need to resolve them later in GitHub. (We won’t have time to go into this).</a:t>
+            </a:r>
+          </a:p>
+          <a:p>
+            <a:r>
+              <a:rPr lang="en-US" dirty="0" smtClean="0"/>
+              <a:t>Click Send Pull Request.</a:t>
+            </a:r>
+          </a:p>
+          <a:p>
+            <a:r>
+              <a:rPr lang="en-US" dirty="0" smtClean="0"/>
+              <a:t>Go into GitHub and see what we’ve done.</a:t>
+            </a:r>
+          </a:p>
+          <a:p>
+            <a:endParaRPr lang="en-US" dirty="0" smtClean="0"/>
+          </a:p>
+          <a:p>
+            <a:endParaRPr lang="en-US" dirty="0" smtClean="0"/>
+          </a:p>
+        </p:txBody>
+      </p:sp>
+      <p:pic>
+        <p:nvPicPr>
+          <p:cNvPr id="2050" name="Picture 2" descr="D:\data\market\3_logo\LTIlogo_object.png"/>
+          <p:cNvPicPr>
+            <a:picLocks noChangeAspect="1" noChangeArrowheads="1"/>
+          </p:cNvPicPr>
+          <p:nvPr/>
+        </p:nvPicPr>
+        <p:blipFill>
+          <a:blip r:embed="rId3" cstate="print"/>
+          <a:srcRect l="28571" t="23077" r="27473" b="23077"/>
+          <a:stretch>
+            <a:fillRect/>
+          </a:stretch>
+        </p:blipFill>
+        <p:spPr bwMode="auto">
+          <a:xfrm>
+            <a:off x="8077200" y="5943600"/>
+            <a:ext cx="990600" cy="866775"/>
+          </a:xfrm>
+          <a:prstGeom prst="rect">
+            <a:avLst/>
+          </a:prstGeom>
+          <a:noFill/>
+          <a:effectLst>
+            <a:outerShdw blurRad="50800" dist="38100" dir="2700000" algn="tl" rotWithShape="0">
+              <a:prstClr val="black">
+                <a:alpha val="40000"/>
+              </a:prstClr>
+            </a:outerShdw>
+          </a:effectLst>
+        </p:spPr>
+      </p:pic>
+      <p:sp>
+        <p:nvSpPr>
+          <p:cNvPr id="8" name="Slide Number Placeholder 7"/>
+          <p:cNvSpPr txBox="1">
+            <a:spLocks/>
+          </p:cNvSpPr>
+          <p:nvPr/>
+        </p:nvSpPr>
+        <p:spPr>
+          <a:xfrm>
+            <a:off x="5791200" y="6324600"/>
+            <a:ext cx="2133600" cy="365125"/>
+          </a:xfrm>
+          <a:prstGeom prst="rect">
+            <a:avLst/>
+          </a:prstGeom>
+        </p:spPr>
+        <p:txBody>
+          <a:bodyPr vert="horz" lIns="91440" tIns="45720" rIns="91440" bIns="45720" rtlCol="0" anchor="ctr"/>
+          <a:lstStyle/>
+          <a:p>
+            <a:pPr marL="0" marR="0" lvl="0" indent="0" algn="r" defTabSz="914400" rtl="0" eaLnBrk="1" fontAlgn="auto" latinLnBrk="0" hangingPunct="1">
+              <a:lnSpc>
+                <a:spcPct val="100000"/>
+              </a:lnSpc>
+              <a:spcBef>
+                <a:spcPts val="0"/>
+              </a:spcBef>
+              <a:spcAft>
+                <a:spcPts val="0"/>
+              </a:spcAft>
+              <a:buClrTx/>
+              <a:buSzTx/>
+              <a:buFontTx/>
+              <a:buNone/>
+              <a:tabLst/>
+              <a:defRPr/>
+            </a:pPr>
+            <a:r>
+              <a:rPr kumimoji="0" lang="en-US" sz="1400" b="0" i="0" u="none" strike="noStrike" kern="1200" cap="none" spc="0" normalizeH="0" baseline="0" noProof="0" dirty="0" smtClean="0">
+                <a:ln>
+                  <a:noFill/>
+                </a:ln>
+                <a:solidFill>
+                  <a:schemeClr val="accent3">
+                    <a:lumMod val="50000"/>
+                  </a:schemeClr>
+                </a:solidFill>
+                <a:effectLst/>
+                <a:uLnTx/>
+                <a:uFillTx/>
+                <a:latin typeface="+mn-lt"/>
+                <a:ea typeface="+mn-ea"/>
+                <a:cs typeface="+mn-cs"/>
+              </a:rPr>
+              <a:t>SLIDE </a:t>
+            </a:r>
+            <a:fld id="{C04375EB-5169-4238-8270-5D5536267021}" type="slidenum">
+              <a:rPr kumimoji="0" lang="en-US" sz="1400" b="0" i="0" u="none" strike="noStrike" kern="1200" cap="none" spc="0" normalizeH="0" baseline="0" noProof="0" smtClean="0">
+                <a:ln>
+                  <a:noFill/>
+                </a:ln>
+                <a:solidFill>
+                  <a:schemeClr val="accent3">
+                    <a:lumMod val="50000"/>
+                  </a:schemeClr>
+                </a:solidFill>
+                <a:effectLst/>
+                <a:uLnTx/>
+                <a:uFillTx/>
+                <a:latin typeface="+mn-lt"/>
+                <a:ea typeface="+mn-ea"/>
+                <a:cs typeface="+mn-cs"/>
+              </a:rPr>
+              <a:pPr marL="0" marR="0" lvl="0" indent="0" algn="r" defTabSz="914400" rtl="0" eaLnBrk="1" fontAlgn="auto" latinLnBrk="0" hangingPunct="1">
+                <a:lnSpc>
+                  <a:spcPct val="100000"/>
+                </a:lnSpc>
+                <a:spcBef>
+                  <a:spcPts val="0"/>
+                </a:spcBef>
+                <a:spcAft>
+                  <a:spcPts val="0"/>
+                </a:spcAft>
+                <a:buClrTx/>
+                <a:buSzTx/>
+                <a:buFontTx/>
+                <a:buNone/>
+                <a:tabLst/>
+                <a:defRPr/>
+              </a:pPr>
+              <a:t>15</a:t>
+            </a:fld>
+            <a:endParaRPr kumimoji="0" lang="en-US" sz="1400" b="0" i="0" u="none" strike="noStrike" kern="1200" cap="none" spc="0" normalizeH="0" baseline="0" noProof="0" dirty="0">
+              <a:ln>
+                <a:noFill/>
+              </a:ln>
+              <a:solidFill>
+                <a:schemeClr val="accent3">
+                  <a:lumMod val="50000"/>
+                </a:schemeClr>
+              </a:solidFill>
+              <a:effectLst/>
+              <a:uLnTx/>
+              <a:uFillTx/>
+              <a:latin typeface="+mn-lt"/>
+              <a:ea typeface="+mn-ea"/>
+              <a:cs typeface="+mn-cs"/>
+            </a:endParaRPr>
+          </a:p>
+        </p:txBody>
+      </p:sp>
+    </p:spTree>
+    <p:extLst>
+      <p:ext uri="{BB962C8B-B14F-4D97-AF65-F5344CB8AC3E}">
+        <p14:creationId xmlns:p14="http://schemas.microsoft.com/office/powerpoint/2010/main" val="698112444"/>
+      </p:ext>
+    </p:extLst>
+  </p:cSld>
+  <p:clrMapOvr>
+    <a:masterClrMapping/>
+  </p:clrMapOvr>
+  <p:timing>
+    <p:tnLst>
+      <p:par>
+        <p:cTn id="1" dur="indefinite" restart="never" nodeType="tmRoot"/>
+      </p:par>
+    </p:tnLst>
+  </p:timing>
+</p:sld>
+</file>
+
+<file path=ppt/slides/slide16.xml><?xml version="1.0" encoding="utf-8"?>
+<p:sld xmlns:a="http://schemas.openxmlformats.org/drawingml/2006/main" xmlns:r="http://schemas.openxmlformats.org/officeDocument/2006/relationships" xmlns:p="http://schemas.openxmlformats.org/presentationml/2006/main">
+  <p:cSld>
+    <p:spTree>
+      <p:nvGrpSpPr>
+        <p:cNvPr id="1" name=""/>
+        <p:cNvGrpSpPr/>
+        <p:nvPr/>
+      </p:nvGrpSpPr>
+      <p:grpSpPr>
+        <a:xfrm>
+          <a:off x="0" y="0"/>
+          <a:ext cx="0" cy="0"/>
+          <a:chOff x="0" y="0"/>
+          <a:chExt cx="0" cy="0"/>
+        </a:xfrm>
+      </p:grpSpPr>
+      <p:sp>
+        <p:nvSpPr>
+          <p:cNvPr id="2" name="Title 1"/>
+          <p:cNvSpPr>
+            <a:spLocks noGrp="1"/>
+          </p:cNvSpPr>
+          <p:nvPr>
+            <p:ph type="title"/>
+          </p:nvPr>
+        </p:nvSpPr>
+        <p:spPr/>
+        <p:txBody>
+          <a:bodyPr/>
+          <a:lstStyle/>
+          <a:p>
+            <a:endParaRPr lang="en-US"/>
+          </a:p>
+        </p:txBody>
+      </p:sp>
+      <p:sp>
+        <p:nvSpPr>
+          <p:cNvPr id="3" name="Content Placeholder 2"/>
+          <p:cNvSpPr>
+            <a:spLocks noGrp="1"/>
+          </p:cNvSpPr>
+          <p:nvPr>
+            <p:ph idx="1"/>
+          </p:nvPr>
+        </p:nvSpPr>
+        <p:spPr/>
+        <p:txBody>
+          <a:bodyPr/>
+          <a:lstStyle/>
+          <a:p>
             <a:endParaRPr lang="en-US"/>
           </a:p>
         </p:txBody>
@@ -5742,7 +7600,99 @@
             <a:fld id="{C04375EB-5169-4238-8270-5D5536267021}" type="slidenum">
               <a:rPr lang="en-US" smtClean="0"/>
               <a:pPr/>
-              <a:t>13</a:t>
+              <a:t>16</a:t>
+            </a:fld>
+            <a:endParaRPr lang="en-US"/>
+          </a:p>
+        </p:txBody>
+      </p:sp>
+    </p:spTree>
+    <p:extLst>
+      <p:ext uri="{BB962C8B-B14F-4D97-AF65-F5344CB8AC3E}">
+        <p14:creationId xmlns:p14="http://schemas.microsoft.com/office/powerpoint/2010/main" val="1153571816"/>
+      </p:ext>
+    </p:extLst>
+  </p:cSld>
+  <p:clrMapOvr>
+    <a:masterClrMapping/>
+  </p:clrMapOvr>
+</p:sld>
+</file>
+
+<file path=ppt/slides/slide17.xml><?xml version="1.0" encoding="utf-8"?>
+<p:sld xmlns:a="http://schemas.openxmlformats.org/drawingml/2006/main" xmlns:r="http://schemas.openxmlformats.org/officeDocument/2006/relationships" xmlns:p="http://schemas.openxmlformats.org/presentationml/2006/main">
+  <p:cSld>
+    <p:spTree>
+      <p:nvGrpSpPr>
+        <p:cNvPr id="1" name=""/>
+        <p:cNvGrpSpPr/>
+        <p:nvPr/>
+      </p:nvGrpSpPr>
+      <p:grpSpPr>
+        <a:xfrm>
+          <a:off x="0" y="0"/>
+          <a:ext cx="0" cy="0"/>
+          <a:chOff x="0" y="0"/>
+          <a:chExt cx="0" cy="0"/>
+        </a:xfrm>
+      </p:grpSpPr>
+      <p:sp>
+        <p:nvSpPr>
+          <p:cNvPr id="2" name="Title 1"/>
+          <p:cNvSpPr>
+            <a:spLocks noGrp="1"/>
+          </p:cNvSpPr>
+          <p:nvPr>
+            <p:ph type="title"/>
+          </p:nvPr>
+        </p:nvSpPr>
+        <p:spPr/>
+        <p:txBody>
+          <a:bodyPr/>
+          <a:lstStyle/>
+          <a:p>
+            <a:endParaRPr lang="en-US"/>
+          </a:p>
+        </p:txBody>
+      </p:sp>
+      <p:sp>
+        <p:nvSpPr>
+          <p:cNvPr id="3" name="Content Placeholder 2"/>
+          <p:cNvSpPr>
+            <a:spLocks noGrp="1"/>
+          </p:cNvSpPr>
+          <p:nvPr>
+            <p:ph idx="1"/>
+          </p:nvPr>
+        </p:nvSpPr>
+        <p:spPr/>
+        <p:txBody>
+          <a:bodyPr/>
+          <a:lstStyle/>
+          <a:p>
+            <a:endParaRPr lang="en-US"/>
+          </a:p>
+        </p:txBody>
+      </p:sp>
+      <p:sp>
+        <p:nvSpPr>
+          <p:cNvPr id="4" name="Slide Number Placeholder 3"/>
+          <p:cNvSpPr>
+            <a:spLocks noGrp="1"/>
+          </p:cNvSpPr>
+          <p:nvPr>
+            <p:ph type="sldNum" sz="quarter" idx="12"/>
+          </p:nvPr>
+        </p:nvSpPr>
+        <p:spPr/>
+        <p:txBody>
+          <a:bodyPr/>
+          <a:lstStyle/>
+          <a:p>
+            <a:fld id="{C04375EB-5169-4238-8270-5D5536267021}" type="slidenum">
+              <a:rPr lang="en-US" smtClean="0"/>
+              <a:pPr/>
+              <a:t>17</a:t>
             </a:fld>
             <a:endParaRPr lang="en-US"/>
           </a:p>
@@ -6055,7 +8005,7 @@
         </p:spPr>
         <p:txBody>
           <a:bodyPr vert="horz" lIns="91440" tIns="45720" rIns="91440" bIns="45720" rtlCol="0">
-            <a:normAutofit fontScale="92500" lnSpcReduction="10000"/>
+            <a:normAutofit/>
           </a:bodyPr>
           <a:lstStyle>
             <a:lvl1pPr marL="342900" indent="-342900" algn="l" defTabSz="914400" rtl="0" eaLnBrk="1" latinLnBrk="0" hangingPunct="1">
@@ -6239,16 +8189,6 @@
               <a:t>Commit</a:t>
             </a:r>
           </a:p>
-          <a:p>
-            <a:pPr marL="0" indent="0" algn="ctr">
-              <a:buNone/>
-            </a:pPr>
-            <a:r>
-              <a:rPr lang="en-US" dirty="0" smtClean="0"/>
-              <a:t>Publish</a:t>
-            </a:r>
-            <a:endParaRPr lang="en-US" dirty="0"/>
-          </a:p>
         </p:txBody>
       </p:sp>
       <p:pic>
@@ -9478,7 +11418,7 @@
         <p:spPr>
           <a:xfrm>
             <a:off x="304800" y="1664345"/>
-            <a:ext cx="8305800" cy="646331"/>
+            <a:ext cx="8305800" cy="1200329"/>
           </a:xfrm>
           <a:prstGeom prst="rect">
             <a:avLst/>
@@ -9505,7 +11445,7 @@
             </a:r>
             <a:r>
               <a:rPr lang="en-US" dirty="0" smtClean="0"/>
-              <a:t>branch.</a:t>
+              <a:t>branch. Other people may continue working on the Master branch. If you screw up, you can always go back to the master. Branches are cheap! Branch early and often.</a:t>
             </a:r>
             <a:endParaRPr lang="en-US" b="1" dirty="0"/>
           </a:p>

--- a/GitHub_Steve.pptx
+++ b/GitHub_Steve.pptx
@@ -5,7 +5,7 @@
     <p:sldMasterId id="2147483648" r:id="rId1"/>
   </p:sldMasterIdLst>
   <p:notesMasterIdLst>
-    <p:notesMasterId r:id="rId19"/>
+    <p:notesMasterId r:id="rId18"/>
   </p:notesMasterIdLst>
   <p:sldIdLst>
     <p:sldId id="256" r:id="rId2"/>
@@ -23,8 +23,7 @@
     <p:sldId id="271" r:id="rId14"/>
     <p:sldId id="272" r:id="rId15"/>
     <p:sldId id="273" r:id="rId16"/>
-    <p:sldId id="270" r:id="rId17"/>
-    <p:sldId id="261" r:id="rId18"/>
+    <p:sldId id="274" r:id="rId17"/>
   </p:sldIdLst>
   <p:sldSz cx="9144000" cy="6858000" type="screen4x3"/>
   <p:notesSz cx="6858000" cy="9144000"/>
@@ -577,6 +576,98 @@
     <p:extLst>
       <p:ext uri="{BB962C8B-B14F-4D97-AF65-F5344CB8AC3E}">
         <p14:creationId xmlns:p14="http://schemas.microsoft.com/office/powerpoint/2010/main" val="1669373434"/>
+      </p:ext>
+    </p:extLst>
+  </p:cSld>
+  <p:clrMapOvr>
+    <a:masterClrMapping/>
+  </p:clrMapOvr>
+</p:notes>
+</file>
+
+<file path=ppt/notesSlides/notesSlide10.xml><?xml version="1.0" encoding="utf-8"?>
+<p:notes xmlns:a="http://schemas.openxmlformats.org/drawingml/2006/main" xmlns:r="http://schemas.openxmlformats.org/officeDocument/2006/relationships" xmlns:p="http://schemas.openxmlformats.org/presentationml/2006/main">
+  <p:cSld>
+    <p:spTree>
+      <p:nvGrpSpPr>
+        <p:cNvPr id="1" name=""/>
+        <p:cNvGrpSpPr/>
+        <p:nvPr/>
+      </p:nvGrpSpPr>
+      <p:grpSpPr>
+        <a:xfrm>
+          <a:off x="0" y="0"/>
+          <a:ext cx="0" cy="0"/>
+          <a:chOff x="0" y="0"/>
+          <a:chExt cx="0" cy="0"/>
+        </a:xfrm>
+      </p:grpSpPr>
+      <p:sp>
+        <p:nvSpPr>
+          <p:cNvPr id="2" name="Slide Image Placeholder 1"/>
+          <p:cNvSpPr>
+            <a:spLocks noGrp="1" noRot="1" noChangeAspect="1"/>
+          </p:cNvSpPr>
+          <p:nvPr>
+            <p:ph type="sldImg"/>
+          </p:nvPr>
+        </p:nvSpPr>
+        <p:spPr/>
+      </p:sp>
+      <p:sp>
+        <p:nvSpPr>
+          <p:cNvPr id="3" name="Notes Placeholder 2"/>
+          <p:cNvSpPr>
+            <a:spLocks noGrp="1"/>
+          </p:cNvSpPr>
+          <p:nvPr>
+            <p:ph type="body" idx="1"/>
+          </p:nvPr>
+        </p:nvSpPr>
+        <p:spPr/>
+        <p:txBody>
+          <a:bodyPr/>
+          <a:lstStyle/>
+          <a:p>
+            <a:r>
+              <a:rPr lang="en-US" dirty="0" smtClean="0"/>
+              <a:t>Using Git</a:t>
+            </a:r>
+            <a:r>
+              <a:rPr lang="en-US" baseline="0" dirty="0" smtClean="0"/>
+              <a:t>Hub Desktop. Could also use command line.</a:t>
+            </a:r>
+            <a:endParaRPr lang="en-US" dirty="0"/>
+          </a:p>
+        </p:txBody>
+      </p:sp>
+      <p:sp>
+        <p:nvSpPr>
+          <p:cNvPr id="4" name="Slide Number Placeholder 3"/>
+          <p:cNvSpPr>
+            <a:spLocks noGrp="1"/>
+          </p:cNvSpPr>
+          <p:nvPr>
+            <p:ph type="sldNum" sz="quarter" idx="10"/>
+          </p:nvPr>
+        </p:nvSpPr>
+        <p:spPr/>
+        <p:txBody>
+          <a:bodyPr/>
+          <a:lstStyle/>
+          <a:p>
+            <a:fld id="{330637A4-5A62-4226-AE0F-A6A737EE5607}" type="slidenum">
+              <a:rPr lang="en-US" smtClean="0"/>
+              <a:t>16</a:t>
+            </a:fld>
+            <a:endParaRPr lang="en-US"/>
+          </a:p>
+        </p:txBody>
+      </p:sp>
+    </p:spTree>
+    <p:extLst>
+      <p:ext uri="{BB962C8B-B14F-4D97-AF65-F5344CB8AC3E}">
+        <p14:creationId xmlns:p14="http://schemas.microsoft.com/office/powerpoint/2010/main" val="3938096975"/>
       </p:ext>
     </p:extLst>
   </p:cSld>
@@ -7530,6 +7621,16 @@
 <file path=ppt/slides/slide16.xml><?xml version="1.0" encoding="utf-8"?>
 <p:sld xmlns:a="http://schemas.openxmlformats.org/drawingml/2006/main" xmlns:r="http://schemas.openxmlformats.org/officeDocument/2006/relationships" xmlns:p="http://schemas.openxmlformats.org/presentationml/2006/main">
   <p:cSld>
+    <p:bg>
+      <p:bgPr>
+        <a:solidFill>
+          <a:schemeClr val="bg1">
+            <a:lumMod val="65000"/>
+          </a:schemeClr>
+        </a:solidFill>
+        <a:effectLst/>
+      </p:bgPr>
+    </p:bg>
     <p:spTree>
       <p:nvGrpSpPr>
         <p:cNvPr id="1" name=""/>
@@ -7546,6 +7647,62 @@
       </p:grpSpPr>
       <p:sp>
         <p:nvSpPr>
+          <p:cNvPr id="5" name="Rectangle 4"/>
+          <p:cNvSpPr/>
+          <p:nvPr/>
+        </p:nvSpPr>
+        <p:spPr>
+          <a:xfrm>
+            <a:off x="0" y="6172200"/>
+            <a:ext cx="9144000" cy="685800"/>
+          </a:xfrm>
+          <a:prstGeom prst="rect">
+            <a:avLst/>
+          </a:prstGeom>
+          <a:gradFill>
+            <a:gsLst>
+              <a:gs pos="0">
+                <a:schemeClr val="bg1"/>
+              </a:gs>
+              <a:gs pos="100000">
+                <a:schemeClr val="bg1">
+                  <a:alpha val="0"/>
+                </a:schemeClr>
+              </a:gs>
+            </a:gsLst>
+            <a:lin ang="10800000" scaled="0"/>
+          </a:gradFill>
+          <a:ln>
+            <a:noFill/>
+          </a:ln>
+        </p:spPr>
+        <p:style>
+          <a:lnRef idx="2">
+            <a:schemeClr val="accent1">
+              <a:shade val="50000"/>
+            </a:schemeClr>
+          </a:lnRef>
+          <a:fillRef idx="1">
+            <a:schemeClr val="accent1"/>
+          </a:fillRef>
+          <a:effectRef idx="0">
+            <a:schemeClr val="accent1"/>
+          </a:effectRef>
+          <a:fontRef idx="minor">
+            <a:schemeClr val="lt1"/>
+          </a:fontRef>
+        </p:style>
+        <p:txBody>
+          <a:bodyPr rtlCol="0" anchor="ctr"/>
+          <a:lstStyle/>
+          <a:p>
+            <a:pPr algn="ctr"/>
+            <a:endParaRPr lang="en-US"/>
+          </a:p>
+        </p:txBody>
+      </p:sp>
+      <p:sp>
+        <p:nvSpPr>
           <p:cNvPr id="2" name="Title 1"/>
           <p:cNvSpPr>
             <a:spLocks noGrp="1"/>
@@ -7559,7 +7716,24 @@
           <a:bodyPr/>
           <a:lstStyle/>
           <a:p>
-            <a:endParaRPr lang="en-US"/>
+            <a:pPr algn="l"/>
+            <a:r>
+              <a:rPr lang="en-US" dirty="0" smtClean="0">
+                <a:solidFill>
+                  <a:schemeClr val="accent1">
+                    <a:lumMod val="50000"/>
+                  </a:schemeClr>
+                </a:solidFill>
+              </a:rPr>
+              <a:t>Other Terms</a:t>
+            </a:r>
+            <a:endParaRPr lang="en-US" dirty="0">
+              <a:solidFill>
+                <a:schemeClr val="accent1">
+                  <a:lumMod val="50000"/>
+                </a:schemeClr>
+              </a:solidFill>
+            </a:endParaRPr>
           </a:p>
         </p:txBody>
       </p:sp>
@@ -7578,136 +7752,248 @@
           <a:bodyPr/>
           <a:lstStyle/>
           <a:p>
-            <a:endParaRPr lang="en-US"/>
-          </a:p>
-        </p:txBody>
-      </p:sp>
-      <p:sp>
-        <p:nvSpPr>
-          <p:cNvPr id="4" name="Slide Number Placeholder 3"/>
-          <p:cNvSpPr>
-            <a:spLocks noGrp="1"/>
-          </p:cNvSpPr>
-          <p:nvPr>
-            <p:ph type="sldNum" sz="quarter" idx="12"/>
-          </p:nvPr>
-        </p:nvSpPr>
-        <p:spPr/>
-        <p:txBody>
-          <a:bodyPr/>
-          <a:lstStyle/>
-          <a:p>
+            <a:r>
+              <a:rPr lang="en-US" b="1" dirty="0" smtClean="0"/>
+              <a:t>.</a:t>
+            </a:r>
+            <a:r>
+              <a:rPr lang="en-US" b="1" dirty="0" err="1" smtClean="0"/>
+              <a:t>gitignore</a:t>
+            </a:r>
+            <a:r>
+              <a:rPr lang="en-US" b="1" dirty="0" smtClean="0"/>
+              <a:t> file</a:t>
+            </a:r>
+            <a:r>
+              <a:rPr lang="en-US" dirty="0" smtClean="0"/>
+              <a:t>: list of files that you do not want </a:t>
+            </a:r>
+            <a:r>
+              <a:rPr lang="en-US" dirty="0" err="1" smtClean="0"/>
+              <a:t>Git</a:t>
+            </a:r>
+            <a:r>
+              <a:rPr lang="en-US" dirty="0" smtClean="0"/>
+              <a:t> to track (model output files, compiled files, other binary files).</a:t>
+            </a:r>
+          </a:p>
+          <a:p>
+            <a:r>
+              <a:rPr lang="en-US" b="1" dirty="0" smtClean="0"/>
+              <a:t>Push/Pull/Checkout:</a:t>
+            </a:r>
+            <a:r>
+              <a:rPr lang="en-US" dirty="0" smtClean="0"/>
+              <a:t> GitHub desktop does these commands under the hood when you </a:t>
+            </a:r>
+            <a:r>
+              <a:rPr lang="en-US" b="1" dirty="0" smtClean="0"/>
+              <a:t>sync, publish</a:t>
+            </a:r>
+            <a:r>
+              <a:rPr lang="en-US" dirty="0" smtClean="0"/>
+              <a:t> or change branches.</a:t>
+            </a:r>
+          </a:p>
+          <a:p>
+            <a:r>
+              <a:rPr lang="en-US" b="1" dirty="0" smtClean="0"/>
+              <a:t>Fork: </a:t>
+            </a:r>
+            <a:r>
+              <a:rPr lang="en-US" dirty="0" smtClean="0"/>
+              <a:t>Very similar to </a:t>
+            </a:r>
+            <a:r>
+              <a:rPr lang="en-US" b="1" dirty="0" smtClean="0"/>
+              <a:t>clone</a:t>
+            </a:r>
+            <a:r>
+              <a:rPr lang="en-US" dirty="0" smtClean="0"/>
+              <a:t>.</a:t>
+            </a:r>
+          </a:p>
+          <a:p>
+            <a:r>
+              <a:rPr lang="en-US" b="1" dirty="0" smtClean="0"/>
+              <a:t>Spoon: </a:t>
+            </a:r>
+            <a:r>
+              <a:rPr lang="en-US" dirty="0" smtClean="0"/>
+              <a:t>Kitchen utensil.</a:t>
+            </a:r>
+            <a:endParaRPr lang="en-US" b="1" dirty="0" smtClean="0"/>
+          </a:p>
+          <a:p>
+            <a:endParaRPr lang="en-US" dirty="0" smtClean="0"/>
+          </a:p>
+          <a:p>
+            <a:endParaRPr lang="en-US" dirty="0" smtClean="0"/>
+          </a:p>
+        </p:txBody>
+      </p:sp>
+      <p:pic>
+        <p:nvPicPr>
+          <p:cNvPr id="2050" name="Picture 2" descr="D:\data\market\3_logo\LTIlogo_object.png"/>
+          <p:cNvPicPr>
+            <a:picLocks noChangeAspect="1" noChangeArrowheads="1"/>
+          </p:cNvPicPr>
+          <p:nvPr/>
+        </p:nvPicPr>
+        <p:blipFill>
+          <a:blip r:embed="rId3" cstate="print"/>
+          <a:srcRect l="28571" t="23077" r="27473" b="23077"/>
+          <a:stretch>
+            <a:fillRect/>
+          </a:stretch>
+        </p:blipFill>
+        <p:spPr bwMode="auto">
+          <a:xfrm>
+            <a:off x="8077200" y="5943600"/>
+            <a:ext cx="990600" cy="866775"/>
+          </a:xfrm>
+          <a:prstGeom prst="rect">
+            <a:avLst/>
+          </a:prstGeom>
+          <a:noFill/>
+          <a:effectLst>
+            <a:outerShdw blurRad="50800" dist="38100" dir="2700000" algn="tl" rotWithShape="0">
+              <a:prstClr val="black">
+                <a:alpha val="40000"/>
+              </a:prstClr>
+            </a:outerShdw>
+          </a:effectLst>
+        </p:spPr>
+      </p:pic>
+      <p:sp>
+        <p:nvSpPr>
+          <p:cNvPr id="8" name="Slide Number Placeholder 7"/>
+          <p:cNvSpPr txBox="1">
+            <a:spLocks/>
+          </p:cNvSpPr>
+          <p:nvPr/>
+        </p:nvSpPr>
+        <p:spPr>
+          <a:xfrm>
+            <a:off x="5791200" y="6324600"/>
+            <a:ext cx="2133600" cy="365125"/>
+          </a:xfrm>
+          <a:prstGeom prst="rect">
+            <a:avLst/>
+          </a:prstGeom>
+        </p:spPr>
+        <p:txBody>
+          <a:bodyPr vert="horz" lIns="91440" tIns="45720" rIns="91440" bIns="45720" rtlCol="0" anchor="ctr"/>
+          <a:lstStyle/>
+          <a:p>
+            <a:pPr marL="0" marR="0" lvl="0" indent="0" algn="r" defTabSz="914400" rtl="0" eaLnBrk="1" fontAlgn="auto" latinLnBrk="0" hangingPunct="1">
+              <a:lnSpc>
+                <a:spcPct val="100000"/>
+              </a:lnSpc>
+              <a:spcBef>
+                <a:spcPts val="0"/>
+              </a:spcBef>
+              <a:spcAft>
+                <a:spcPts val="0"/>
+              </a:spcAft>
+              <a:buClrTx/>
+              <a:buSzTx/>
+              <a:buFontTx/>
+              <a:buNone/>
+              <a:tabLst/>
+              <a:defRPr/>
+            </a:pPr>
+            <a:r>
+              <a:rPr kumimoji="0" lang="en-US" sz="1400" b="0" i="0" u="none" strike="noStrike" kern="1200" cap="none" spc="0" normalizeH="0" baseline="0" noProof="0" dirty="0" smtClean="0">
+                <a:ln>
+                  <a:noFill/>
+                </a:ln>
+                <a:solidFill>
+                  <a:schemeClr val="accent3">
+                    <a:lumMod val="50000"/>
+                  </a:schemeClr>
+                </a:solidFill>
+                <a:effectLst/>
+                <a:uLnTx/>
+                <a:uFillTx/>
+                <a:latin typeface="+mn-lt"/>
+                <a:ea typeface="+mn-ea"/>
+                <a:cs typeface="+mn-cs"/>
+              </a:rPr>
+              <a:t>SLIDE </a:t>
+            </a:r>
             <a:fld id="{C04375EB-5169-4238-8270-5D5536267021}" type="slidenum">
-              <a:rPr lang="en-US" smtClean="0"/>
-              <a:pPr/>
+              <a:rPr kumimoji="0" lang="en-US" sz="1400" b="0" i="0" u="none" strike="noStrike" kern="1200" cap="none" spc="0" normalizeH="0" baseline="0" noProof="0" smtClean="0">
+                <a:ln>
+                  <a:noFill/>
+                </a:ln>
+                <a:solidFill>
+                  <a:schemeClr val="accent3">
+                    <a:lumMod val="50000"/>
+                  </a:schemeClr>
+                </a:solidFill>
+                <a:effectLst/>
+                <a:uLnTx/>
+                <a:uFillTx/>
+                <a:latin typeface="+mn-lt"/>
+                <a:ea typeface="+mn-ea"/>
+                <a:cs typeface="+mn-cs"/>
+              </a:rPr>
+              <a:pPr marL="0" marR="0" lvl="0" indent="0" algn="r" defTabSz="914400" rtl="0" eaLnBrk="1" fontAlgn="auto" latinLnBrk="0" hangingPunct="1">
+                <a:lnSpc>
+                  <a:spcPct val="100000"/>
+                </a:lnSpc>
+                <a:spcBef>
+                  <a:spcPts val="0"/>
+                </a:spcBef>
+                <a:spcAft>
+                  <a:spcPts val="0"/>
+                </a:spcAft>
+                <a:buClrTx/>
+                <a:buSzTx/>
+                <a:buFontTx/>
+                <a:buNone/>
+                <a:tabLst/>
+                <a:defRPr/>
+              </a:pPr>
               <a:t>16</a:t>
             </a:fld>
-            <a:endParaRPr lang="en-US"/>
+            <a:endParaRPr kumimoji="0" lang="en-US" sz="1400" b="0" i="0" u="none" strike="noStrike" kern="1200" cap="none" spc="0" normalizeH="0" baseline="0" noProof="0" dirty="0">
+              <a:ln>
+                <a:noFill/>
+              </a:ln>
+              <a:solidFill>
+                <a:schemeClr val="accent3">
+                  <a:lumMod val="50000"/>
+                </a:schemeClr>
+              </a:solidFill>
+              <a:effectLst/>
+              <a:uLnTx/>
+              <a:uFillTx/>
+              <a:latin typeface="+mn-lt"/>
+              <a:ea typeface="+mn-ea"/>
+              <a:cs typeface="+mn-cs"/>
+            </a:endParaRPr>
           </a:p>
         </p:txBody>
       </p:sp>
     </p:spTree>
     <p:extLst>
       <p:ext uri="{BB962C8B-B14F-4D97-AF65-F5344CB8AC3E}">
-        <p14:creationId xmlns:p14="http://schemas.microsoft.com/office/powerpoint/2010/main" val="1153571816"/>
+        <p14:creationId xmlns:p14="http://schemas.microsoft.com/office/powerpoint/2010/main" val="3219965551"/>
       </p:ext>
     </p:extLst>
   </p:cSld>
   <p:clrMapOvr>
     <a:masterClrMapping/>
   </p:clrMapOvr>
-</p:sld>
-</file>
-
-<file path=ppt/slides/slide17.xml><?xml version="1.0" encoding="utf-8"?>
-<p:sld xmlns:a="http://schemas.openxmlformats.org/drawingml/2006/main" xmlns:r="http://schemas.openxmlformats.org/officeDocument/2006/relationships" xmlns:p="http://schemas.openxmlformats.org/presentationml/2006/main">
-  <p:cSld>
-    <p:spTree>
-      <p:nvGrpSpPr>
-        <p:cNvPr id="1" name=""/>
-        <p:cNvGrpSpPr/>
-        <p:nvPr/>
-      </p:nvGrpSpPr>
-      <p:grpSpPr>
-        <a:xfrm>
-          <a:off x="0" y="0"/>
-          <a:ext cx="0" cy="0"/>
-          <a:chOff x="0" y="0"/>
-          <a:chExt cx="0" cy="0"/>
-        </a:xfrm>
-      </p:grpSpPr>
-      <p:sp>
-        <p:nvSpPr>
-          <p:cNvPr id="2" name="Title 1"/>
-          <p:cNvSpPr>
-            <a:spLocks noGrp="1"/>
-          </p:cNvSpPr>
-          <p:nvPr>
-            <p:ph type="title"/>
-          </p:nvPr>
-        </p:nvSpPr>
-        <p:spPr/>
-        <p:txBody>
-          <a:bodyPr/>
-          <a:lstStyle/>
-          <a:p>
-            <a:endParaRPr lang="en-US"/>
-          </a:p>
-        </p:txBody>
-      </p:sp>
-      <p:sp>
-        <p:nvSpPr>
-          <p:cNvPr id="3" name="Content Placeholder 2"/>
-          <p:cNvSpPr>
-            <a:spLocks noGrp="1"/>
-          </p:cNvSpPr>
-          <p:nvPr>
-            <p:ph idx="1"/>
-          </p:nvPr>
-        </p:nvSpPr>
-        <p:spPr/>
-        <p:txBody>
-          <a:bodyPr/>
-          <a:lstStyle/>
-          <a:p>
-            <a:endParaRPr lang="en-US"/>
-          </a:p>
-        </p:txBody>
-      </p:sp>
-      <p:sp>
-        <p:nvSpPr>
-          <p:cNvPr id="4" name="Slide Number Placeholder 3"/>
-          <p:cNvSpPr>
-            <a:spLocks noGrp="1"/>
-          </p:cNvSpPr>
-          <p:nvPr>
-            <p:ph type="sldNum" sz="quarter" idx="12"/>
-          </p:nvPr>
-        </p:nvSpPr>
-        <p:spPr/>
-        <p:txBody>
-          <a:bodyPr/>
-          <a:lstStyle/>
-          <a:p>
-            <a:fld id="{C04375EB-5169-4238-8270-5D5536267021}" type="slidenum">
-              <a:rPr lang="en-US" smtClean="0"/>
-              <a:pPr/>
-              <a:t>17</a:t>
-            </a:fld>
-            <a:endParaRPr lang="en-US"/>
-          </a:p>
-        </p:txBody>
-      </p:sp>
-    </p:spTree>
-    <p:extLst>
-      <p:ext uri="{BB962C8B-B14F-4D97-AF65-F5344CB8AC3E}">
-        <p14:creationId xmlns:p14="http://schemas.microsoft.com/office/powerpoint/2010/main" val="281262270"/>
-      </p:ext>
-    </p:extLst>
-  </p:cSld>
-  <p:clrMapOvr>
-    <a:masterClrMapping/>
-  </p:clrMapOvr>
+  <p:timing>
+    <p:tnLst>
+      <p:par>
+        <p:cTn id="1" dur="indefinite" restart="never" nodeType="tmRoot"/>
+      </p:par>
+    </p:tnLst>
+  </p:timing>
 </p:sld>
 </file>
 

--- a/GitHub_Steve.pptx
+++ b/GitHub_Steve.pptx
@@ -5,7 +5,7 @@
     <p:sldMasterId id="2147483648" r:id="rId1"/>
   </p:sldMasterIdLst>
   <p:notesMasterIdLst>
-    <p:notesMasterId r:id="rId18"/>
+    <p:notesMasterId r:id="rId19"/>
   </p:notesMasterIdLst>
   <p:sldIdLst>
     <p:sldId id="256" r:id="rId2"/>
@@ -21,9 +21,10 @@
     <p:sldId id="268" r:id="rId12"/>
     <p:sldId id="269" r:id="rId13"/>
     <p:sldId id="271" r:id="rId14"/>
-    <p:sldId id="272" r:id="rId15"/>
-    <p:sldId id="273" r:id="rId16"/>
-    <p:sldId id="274" r:id="rId17"/>
+    <p:sldId id="275" r:id="rId15"/>
+    <p:sldId id="272" r:id="rId16"/>
+    <p:sldId id="273" r:id="rId17"/>
+    <p:sldId id="274" r:id="rId18"/>
   </p:sldIdLst>
   <p:sldSz cx="9144000" cy="6858000" type="screen4x3"/>
   <p:notesSz cx="6858000" cy="9144000"/>
@@ -667,6 +668,98 @@
     </p:spTree>
     <p:extLst>
       <p:ext uri="{BB962C8B-B14F-4D97-AF65-F5344CB8AC3E}">
+        <p14:creationId xmlns:p14="http://schemas.microsoft.com/office/powerpoint/2010/main" val="1372272744"/>
+      </p:ext>
+    </p:extLst>
+  </p:cSld>
+  <p:clrMapOvr>
+    <a:masterClrMapping/>
+  </p:clrMapOvr>
+</p:notes>
+</file>
+
+<file path=ppt/notesSlides/notesSlide11.xml><?xml version="1.0" encoding="utf-8"?>
+<p:notes xmlns:a="http://schemas.openxmlformats.org/drawingml/2006/main" xmlns:r="http://schemas.openxmlformats.org/officeDocument/2006/relationships" xmlns:p="http://schemas.openxmlformats.org/presentationml/2006/main">
+  <p:cSld>
+    <p:spTree>
+      <p:nvGrpSpPr>
+        <p:cNvPr id="1" name=""/>
+        <p:cNvGrpSpPr/>
+        <p:nvPr/>
+      </p:nvGrpSpPr>
+      <p:grpSpPr>
+        <a:xfrm>
+          <a:off x="0" y="0"/>
+          <a:ext cx="0" cy="0"/>
+          <a:chOff x="0" y="0"/>
+          <a:chExt cx="0" cy="0"/>
+        </a:xfrm>
+      </p:grpSpPr>
+      <p:sp>
+        <p:nvSpPr>
+          <p:cNvPr id="2" name="Slide Image Placeholder 1"/>
+          <p:cNvSpPr>
+            <a:spLocks noGrp="1" noRot="1" noChangeAspect="1"/>
+          </p:cNvSpPr>
+          <p:nvPr>
+            <p:ph type="sldImg"/>
+          </p:nvPr>
+        </p:nvSpPr>
+        <p:spPr/>
+      </p:sp>
+      <p:sp>
+        <p:nvSpPr>
+          <p:cNvPr id="3" name="Notes Placeholder 2"/>
+          <p:cNvSpPr>
+            <a:spLocks noGrp="1"/>
+          </p:cNvSpPr>
+          <p:nvPr>
+            <p:ph type="body" idx="1"/>
+          </p:nvPr>
+        </p:nvSpPr>
+        <p:spPr/>
+        <p:txBody>
+          <a:bodyPr/>
+          <a:lstStyle/>
+          <a:p>
+            <a:r>
+              <a:rPr lang="en-US" dirty="0" smtClean="0"/>
+              <a:t>Using Git</a:t>
+            </a:r>
+            <a:r>
+              <a:rPr lang="en-US" baseline="0" dirty="0" smtClean="0"/>
+              <a:t>Hub Desktop. Could also use command line.</a:t>
+            </a:r>
+            <a:endParaRPr lang="en-US" dirty="0"/>
+          </a:p>
+        </p:txBody>
+      </p:sp>
+      <p:sp>
+        <p:nvSpPr>
+          <p:cNvPr id="4" name="Slide Number Placeholder 3"/>
+          <p:cNvSpPr>
+            <a:spLocks noGrp="1"/>
+          </p:cNvSpPr>
+          <p:nvPr>
+            <p:ph type="sldNum" sz="quarter" idx="10"/>
+          </p:nvPr>
+        </p:nvSpPr>
+        <p:spPr/>
+        <p:txBody>
+          <a:bodyPr/>
+          <a:lstStyle/>
+          <a:p>
+            <a:fld id="{330637A4-5A62-4226-AE0F-A6A737EE5607}" type="slidenum">
+              <a:rPr lang="en-US" smtClean="0"/>
+              <a:t>17</a:t>
+            </a:fld>
+            <a:endParaRPr lang="en-US"/>
+          </a:p>
+        </p:txBody>
+      </p:sp>
+    </p:spTree>
+    <p:extLst>
+      <p:ext uri="{BB962C8B-B14F-4D97-AF65-F5344CB8AC3E}">
         <p14:creationId xmlns:p14="http://schemas.microsoft.com/office/powerpoint/2010/main" val="3938096975"/>
       </p:ext>
     </p:extLst>
@@ -1311,7 +1404,7 @@
     </p:spTree>
     <p:extLst>
       <p:ext uri="{BB962C8B-B14F-4D97-AF65-F5344CB8AC3E}">
-        <p14:creationId xmlns:p14="http://schemas.microsoft.com/office/powerpoint/2010/main" val="953683251"/>
+        <p14:creationId xmlns:p14="http://schemas.microsoft.com/office/powerpoint/2010/main" val="3142032250"/>
       </p:ext>
     </p:extLst>
   </p:cSld>
@@ -1403,7 +1496,7 @@
     </p:spTree>
     <p:extLst>
       <p:ext uri="{BB962C8B-B14F-4D97-AF65-F5344CB8AC3E}">
-        <p14:creationId xmlns:p14="http://schemas.microsoft.com/office/powerpoint/2010/main" val="1372272744"/>
+        <p14:creationId xmlns:p14="http://schemas.microsoft.com/office/powerpoint/2010/main" val="953683251"/>
       </p:ext>
     </p:extLst>
   </p:cSld>
@@ -6430,76 +6523,6 @@
           <a:chExt cx="0" cy="0"/>
         </a:xfrm>
       </p:grpSpPr>
-      <p:cxnSp>
-        <p:nvCxnSpPr>
-          <p:cNvPr id="15" name="Straight Arrow Connector 14"/>
-          <p:cNvCxnSpPr/>
-          <p:nvPr/>
-        </p:nvCxnSpPr>
-        <p:spPr>
-          <a:xfrm>
-            <a:off x="2080941" y="3501000"/>
-            <a:ext cx="1028700" cy="767835"/>
-          </a:xfrm>
-          <a:prstGeom prst="straightConnector1">
-            <a:avLst/>
-          </a:prstGeom>
-          <a:ln w="76200">
-            <a:headEnd type="none" w="med" len="med"/>
-            <a:tailEnd type="none" w="med" len="med"/>
-          </a:ln>
-        </p:spPr>
-        <p:style>
-          <a:lnRef idx="1">
-            <a:schemeClr val="accent6"/>
-          </a:lnRef>
-          <a:fillRef idx="0">
-            <a:schemeClr val="accent6"/>
-          </a:fillRef>
-          <a:effectRef idx="0">
-            <a:schemeClr val="accent6"/>
-          </a:effectRef>
-          <a:fontRef idx="minor">
-            <a:schemeClr val="tx1"/>
-          </a:fontRef>
-        </p:style>
-      </p:cxnSp>
-      <p:cxnSp>
-        <p:nvCxnSpPr>
-          <p:cNvPr id="20" name="Straight Arrow Connector 19"/>
-          <p:cNvCxnSpPr>
-            <a:endCxn id="19" idx="6"/>
-          </p:cNvCxnSpPr>
-          <p:nvPr/>
-        </p:nvCxnSpPr>
-        <p:spPr>
-          <a:xfrm>
-            <a:off x="3146987" y="4204114"/>
-            <a:ext cx="913750" cy="16975"/>
-          </a:xfrm>
-          <a:prstGeom prst="straightConnector1">
-            <a:avLst/>
-          </a:prstGeom>
-          <a:ln w="76200">
-            <a:headEnd type="none" w="med" len="med"/>
-            <a:tailEnd type="none" w="med" len="med"/>
-          </a:ln>
-        </p:spPr>
-        <p:style>
-          <a:lnRef idx="1">
-            <a:schemeClr val="accent6"/>
-          </a:lnRef>
-          <a:fillRef idx="0">
-            <a:schemeClr val="accent6"/>
-          </a:fillRef>
-          <a:effectRef idx="0">
-            <a:schemeClr val="accent6"/>
-          </a:effectRef>
-          <a:fontRef idx="minor">
-            <a:schemeClr val="tx1"/>
-          </a:fontRef>
-        </p:style>
-      </p:cxnSp>
       <p:sp>
         <p:nvSpPr>
           <p:cNvPr id="5" name="Rectangle 4"/>
@@ -6580,7 +6603,7 @@
                   </a:schemeClr>
                 </a:solidFill>
               </a:rPr>
-              <a:t>Pull Request</a:t>
+              <a:t>Publish and Sync</a:t>
             </a:r>
             <a:endParaRPr lang="en-US" dirty="0">
               <a:solidFill>
@@ -6589,6 +6612,37 @@
                 </a:schemeClr>
               </a:solidFill>
             </a:endParaRPr>
+          </a:p>
+        </p:txBody>
+      </p:sp>
+      <p:sp>
+        <p:nvSpPr>
+          <p:cNvPr id="3" name="Content Placeholder 2"/>
+          <p:cNvSpPr>
+            <a:spLocks noGrp="1"/>
+          </p:cNvSpPr>
+          <p:nvPr>
+            <p:ph idx="1"/>
+          </p:nvPr>
+        </p:nvSpPr>
+        <p:spPr/>
+        <p:txBody>
+          <a:bodyPr/>
+          <a:lstStyle/>
+          <a:p>
+            <a:r>
+              <a:rPr lang="en-US" dirty="0" smtClean="0"/>
+              <a:t>Sync your changes to GitHub</a:t>
+            </a:r>
+          </a:p>
+          <a:p>
+            <a:r>
+              <a:rPr lang="en-US" dirty="0" smtClean="0"/>
+              <a:t>Publish your branch to GitHub</a:t>
+            </a:r>
+          </a:p>
+          <a:p>
+            <a:endParaRPr lang="en-US" dirty="0" smtClean="0"/>
           </a:p>
         </p:txBody>
       </p:sp>
@@ -6737,529 +6791,10 @@
           </a:p>
         </p:txBody>
       </p:sp>
-      <p:sp>
-        <p:nvSpPr>
-          <p:cNvPr id="4" name="TextBox 3"/>
-          <p:cNvSpPr txBox="1"/>
-          <p:nvPr/>
-        </p:nvSpPr>
-        <p:spPr>
-          <a:xfrm>
-            <a:off x="304801" y="1461572"/>
-            <a:ext cx="8610600" cy="923330"/>
-          </a:xfrm>
-          <a:prstGeom prst="rect">
-            <a:avLst/>
-          </a:prstGeom>
-          <a:noFill/>
-        </p:spPr>
-        <p:txBody>
-          <a:bodyPr wrap="square" rtlCol="0">
-            <a:spAutoFit/>
-          </a:bodyPr>
-          <a:lstStyle/>
-          <a:p>
-            <a:r>
-              <a:rPr lang="en-US" b="1" dirty="0" smtClean="0"/>
-              <a:t>Pull Request: </a:t>
-            </a:r>
-            <a:r>
-              <a:rPr lang="en-US" dirty="0" smtClean="0"/>
-              <a:t>Merge the changes from a </a:t>
-            </a:r>
-            <a:r>
-              <a:rPr lang="en-US" b="1" dirty="0" smtClean="0"/>
-              <a:t>branch </a:t>
-            </a:r>
-            <a:r>
-              <a:rPr lang="en-US" dirty="0" smtClean="0"/>
-              <a:t>to the </a:t>
-            </a:r>
-            <a:r>
-              <a:rPr lang="en-US" b="1" dirty="0" smtClean="0"/>
-              <a:t>master</a:t>
-            </a:r>
-            <a:r>
-              <a:rPr lang="en-US" dirty="0" smtClean="0"/>
-              <a:t> and sync it with GitHub. Use a </a:t>
-            </a:r>
-            <a:r>
-              <a:rPr lang="en-US" b="1" dirty="0" smtClean="0"/>
-              <a:t>Pull Request</a:t>
-            </a:r>
-            <a:r>
-              <a:rPr lang="en-US" dirty="0" smtClean="0"/>
-              <a:t> to submit your changes to the project that you want everybody to have access to.</a:t>
-            </a:r>
-            <a:endParaRPr lang="en-US" b="1" dirty="0"/>
-          </a:p>
-        </p:txBody>
-      </p:sp>
-      <p:cxnSp>
-        <p:nvCxnSpPr>
-          <p:cNvPr id="9" name="Straight Arrow Connector 8"/>
-          <p:cNvCxnSpPr/>
-          <p:nvPr/>
-        </p:nvCxnSpPr>
-        <p:spPr>
-          <a:xfrm>
-            <a:off x="251387" y="3485971"/>
-            <a:ext cx="5791200" cy="0"/>
-          </a:xfrm>
-          <a:prstGeom prst="straightConnector1">
-            <a:avLst/>
-          </a:prstGeom>
-          <a:ln w="57150">
-            <a:tailEnd type="triangle"/>
-          </a:ln>
-        </p:spPr>
-        <p:style>
-          <a:lnRef idx="1">
-            <a:schemeClr val="accent1"/>
-          </a:lnRef>
-          <a:fillRef idx="0">
-            <a:schemeClr val="accent1"/>
-          </a:fillRef>
-          <a:effectRef idx="0">
-            <a:schemeClr val="accent1"/>
-          </a:effectRef>
-          <a:fontRef idx="minor">
-            <a:schemeClr val="tx1"/>
-          </a:fontRef>
-        </p:style>
-      </p:cxnSp>
-      <p:sp>
-        <p:nvSpPr>
-          <p:cNvPr id="10" name="Oval 9"/>
-          <p:cNvSpPr/>
-          <p:nvPr/>
-        </p:nvSpPr>
-        <p:spPr>
-          <a:xfrm>
-            <a:off x="556187" y="3345909"/>
-            <a:ext cx="228600" cy="228600"/>
-          </a:xfrm>
-          <a:prstGeom prst="ellipse">
-            <a:avLst/>
-          </a:prstGeom>
-        </p:spPr>
-        <p:style>
-          <a:lnRef idx="2">
-            <a:schemeClr val="accent1">
-              <a:shade val="50000"/>
-            </a:schemeClr>
-          </a:lnRef>
-          <a:fillRef idx="1">
-            <a:schemeClr val="accent1"/>
-          </a:fillRef>
-          <a:effectRef idx="0">
-            <a:schemeClr val="accent1"/>
-          </a:effectRef>
-          <a:fontRef idx="minor">
-            <a:schemeClr val="lt1"/>
-          </a:fontRef>
-        </p:style>
-        <p:txBody>
-          <a:bodyPr rtlCol="0" anchor="ctr"/>
-          <a:lstStyle/>
-          <a:p>
-            <a:pPr algn="ctr"/>
-            <a:endParaRPr lang="en-US"/>
-          </a:p>
-        </p:txBody>
-      </p:sp>
-      <p:sp>
-        <p:nvSpPr>
-          <p:cNvPr id="11" name="Oval 10"/>
-          <p:cNvSpPr/>
-          <p:nvPr/>
-        </p:nvSpPr>
-        <p:spPr>
-          <a:xfrm>
-            <a:off x="1991538" y="3345909"/>
-            <a:ext cx="228600" cy="228600"/>
-          </a:xfrm>
-          <a:prstGeom prst="ellipse">
-            <a:avLst/>
-          </a:prstGeom>
-        </p:spPr>
-        <p:style>
-          <a:lnRef idx="2">
-            <a:schemeClr val="accent1">
-              <a:shade val="50000"/>
-            </a:schemeClr>
-          </a:lnRef>
-          <a:fillRef idx="1">
-            <a:schemeClr val="accent1"/>
-          </a:fillRef>
-          <a:effectRef idx="0">
-            <a:schemeClr val="accent1"/>
-          </a:effectRef>
-          <a:fontRef idx="minor">
-            <a:schemeClr val="lt1"/>
-          </a:fontRef>
-        </p:style>
-        <p:txBody>
-          <a:bodyPr rtlCol="0" anchor="ctr"/>
-          <a:lstStyle/>
-          <a:p>
-            <a:pPr algn="ctr"/>
-            <a:endParaRPr lang="en-US"/>
-          </a:p>
-        </p:txBody>
-      </p:sp>
-      <p:sp>
-        <p:nvSpPr>
-          <p:cNvPr id="12" name="Oval 11"/>
-          <p:cNvSpPr/>
-          <p:nvPr/>
-        </p:nvSpPr>
-        <p:spPr>
-          <a:xfrm>
-            <a:off x="3337487" y="3345909"/>
-            <a:ext cx="228600" cy="228600"/>
-          </a:xfrm>
-          <a:prstGeom prst="ellipse">
-            <a:avLst/>
-          </a:prstGeom>
-        </p:spPr>
-        <p:style>
-          <a:lnRef idx="2">
-            <a:schemeClr val="accent1">
-              <a:shade val="50000"/>
-            </a:schemeClr>
-          </a:lnRef>
-          <a:fillRef idx="1">
-            <a:schemeClr val="accent1"/>
-          </a:fillRef>
-          <a:effectRef idx="0">
-            <a:schemeClr val="accent1"/>
-          </a:effectRef>
-          <a:fontRef idx="minor">
-            <a:schemeClr val="lt1"/>
-          </a:fontRef>
-        </p:style>
-        <p:txBody>
-          <a:bodyPr rtlCol="0" anchor="ctr"/>
-          <a:lstStyle/>
-          <a:p>
-            <a:pPr algn="ctr"/>
-            <a:endParaRPr lang="en-US"/>
-          </a:p>
-        </p:txBody>
-      </p:sp>
-      <p:sp>
-        <p:nvSpPr>
-          <p:cNvPr id="13" name="Oval 12"/>
-          <p:cNvSpPr/>
-          <p:nvPr/>
-        </p:nvSpPr>
-        <p:spPr>
-          <a:xfrm>
-            <a:off x="4747187" y="3371671"/>
-            <a:ext cx="228600" cy="228600"/>
-          </a:xfrm>
-          <a:prstGeom prst="ellipse">
-            <a:avLst/>
-          </a:prstGeom>
-        </p:spPr>
-        <p:style>
-          <a:lnRef idx="2">
-            <a:schemeClr val="accent1">
-              <a:shade val="50000"/>
-            </a:schemeClr>
-          </a:lnRef>
-          <a:fillRef idx="1">
-            <a:schemeClr val="accent1"/>
-          </a:fillRef>
-          <a:effectRef idx="0">
-            <a:schemeClr val="accent1"/>
-          </a:effectRef>
-          <a:fontRef idx="minor">
-            <a:schemeClr val="lt1"/>
-          </a:fontRef>
-        </p:style>
-        <p:txBody>
-          <a:bodyPr rtlCol="0" anchor="ctr"/>
-          <a:lstStyle/>
-          <a:p>
-            <a:pPr algn="ctr"/>
-            <a:endParaRPr lang="en-US"/>
-          </a:p>
-        </p:txBody>
-      </p:sp>
-      <p:sp>
-        <p:nvSpPr>
-          <p:cNvPr id="14" name="TextBox 13"/>
-          <p:cNvSpPr txBox="1"/>
-          <p:nvPr/>
-        </p:nvSpPr>
-        <p:spPr>
-          <a:xfrm>
-            <a:off x="6041833" y="3301305"/>
-            <a:ext cx="849656" cy="369332"/>
-          </a:xfrm>
-          <a:prstGeom prst="rect">
-            <a:avLst/>
-          </a:prstGeom>
-          <a:noFill/>
-        </p:spPr>
-        <p:txBody>
-          <a:bodyPr wrap="none" rtlCol="0">
-            <a:spAutoFit/>
-          </a:bodyPr>
-          <a:lstStyle/>
-          <a:p>
-            <a:r>
-              <a:rPr lang="en-US" dirty="0" smtClean="0"/>
-              <a:t>Master</a:t>
-            </a:r>
-            <a:endParaRPr lang="en-US" dirty="0"/>
-          </a:p>
-        </p:txBody>
-      </p:sp>
-      <p:cxnSp>
-        <p:nvCxnSpPr>
-          <p:cNvPr id="16" name="Straight Arrow Connector 15"/>
-          <p:cNvCxnSpPr>
-            <a:endCxn id="13" idx="3"/>
-          </p:cNvCxnSpPr>
-          <p:nvPr/>
-        </p:nvCxnSpPr>
-        <p:spPr>
-          <a:xfrm flipV="1">
-            <a:off x="4008268" y="3566793"/>
-            <a:ext cx="772397" cy="654296"/>
-          </a:xfrm>
-          <a:prstGeom prst="straightConnector1">
-            <a:avLst/>
-          </a:prstGeom>
-          <a:ln w="76200">
-            <a:tailEnd type="triangle"/>
-          </a:ln>
-        </p:spPr>
-        <p:style>
-          <a:lnRef idx="1">
-            <a:schemeClr val="accent6"/>
-          </a:lnRef>
-          <a:fillRef idx="0">
-            <a:schemeClr val="accent6"/>
-          </a:fillRef>
-          <a:effectRef idx="0">
-            <a:schemeClr val="accent6"/>
-          </a:effectRef>
-          <a:fontRef idx="minor">
-            <a:schemeClr val="tx1"/>
-          </a:fontRef>
-        </p:style>
-      </p:cxnSp>
-      <p:sp>
-        <p:nvSpPr>
-          <p:cNvPr id="17" name="Oval 16"/>
-          <p:cNvSpPr/>
-          <p:nvPr/>
-        </p:nvSpPr>
-        <p:spPr>
-          <a:xfrm>
-            <a:off x="3026498" y="4106789"/>
-            <a:ext cx="228600" cy="228600"/>
-          </a:xfrm>
-          <a:prstGeom prst="ellipse">
-            <a:avLst/>
-          </a:prstGeom>
-        </p:spPr>
-        <p:style>
-          <a:lnRef idx="2">
-            <a:schemeClr val="accent6">
-              <a:shade val="50000"/>
-            </a:schemeClr>
-          </a:lnRef>
-          <a:fillRef idx="1">
-            <a:schemeClr val="accent6"/>
-          </a:fillRef>
-          <a:effectRef idx="0">
-            <a:schemeClr val="accent6"/>
-          </a:effectRef>
-          <a:fontRef idx="minor">
-            <a:schemeClr val="lt1"/>
-          </a:fontRef>
-        </p:style>
-        <p:txBody>
-          <a:bodyPr rtlCol="0" anchor="ctr"/>
-          <a:lstStyle/>
-          <a:p>
-            <a:pPr algn="ctr"/>
-            <a:endParaRPr lang="en-US"/>
-          </a:p>
-        </p:txBody>
-      </p:sp>
-      <p:sp>
-        <p:nvSpPr>
-          <p:cNvPr id="18" name="TextBox 17"/>
-          <p:cNvSpPr txBox="1"/>
-          <p:nvPr/>
-        </p:nvSpPr>
-        <p:spPr>
-          <a:xfrm>
-            <a:off x="5105401" y="4459754"/>
-            <a:ext cx="1343445" cy="369332"/>
-          </a:xfrm>
-          <a:prstGeom prst="rect">
-            <a:avLst/>
-          </a:prstGeom>
-          <a:noFill/>
-        </p:spPr>
-        <p:txBody>
-          <a:bodyPr wrap="none" rtlCol="0">
-            <a:spAutoFit/>
-          </a:bodyPr>
-          <a:lstStyle/>
-          <a:p>
-            <a:r>
-              <a:rPr lang="en-US" dirty="0" smtClean="0"/>
-              <a:t>Pull Request</a:t>
-            </a:r>
-            <a:endParaRPr lang="en-US" dirty="0"/>
-          </a:p>
-        </p:txBody>
-      </p:sp>
-      <p:sp>
-        <p:nvSpPr>
-          <p:cNvPr id="19" name="Oval 18"/>
-          <p:cNvSpPr/>
-          <p:nvPr/>
-        </p:nvSpPr>
-        <p:spPr>
-          <a:xfrm>
-            <a:off x="3832137" y="4106789"/>
-            <a:ext cx="228600" cy="228600"/>
-          </a:xfrm>
-          <a:prstGeom prst="ellipse">
-            <a:avLst/>
-          </a:prstGeom>
-        </p:spPr>
-        <p:style>
-          <a:lnRef idx="2">
-            <a:schemeClr val="accent6">
-              <a:shade val="50000"/>
-            </a:schemeClr>
-          </a:lnRef>
-          <a:fillRef idx="1">
-            <a:schemeClr val="accent6"/>
-          </a:fillRef>
-          <a:effectRef idx="0">
-            <a:schemeClr val="accent6"/>
-          </a:effectRef>
-          <a:fontRef idx="minor">
-            <a:schemeClr val="lt1"/>
-          </a:fontRef>
-        </p:style>
-        <p:txBody>
-          <a:bodyPr rtlCol="0" anchor="ctr"/>
-          <a:lstStyle/>
-          <a:p>
-            <a:pPr algn="ctr"/>
-            <a:endParaRPr lang="en-US"/>
-          </a:p>
-        </p:txBody>
-      </p:sp>
-      <p:cxnSp>
-        <p:nvCxnSpPr>
-          <p:cNvPr id="22" name="Straight Arrow Connector 21"/>
-          <p:cNvCxnSpPr/>
-          <p:nvPr/>
-        </p:nvCxnSpPr>
-        <p:spPr>
-          <a:xfrm flipH="1" flipV="1">
-            <a:off x="4394466" y="3992489"/>
-            <a:ext cx="710935" cy="655711"/>
-          </a:xfrm>
-          <a:prstGeom prst="straightConnector1">
-            <a:avLst/>
-          </a:prstGeom>
-          <a:ln w="38100">
-            <a:tailEnd type="triangle"/>
-          </a:ln>
-        </p:spPr>
-        <p:style>
-          <a:lnRef idx="1">
-            <a:schemeClr val="dk1"/>
-          </a:lnRef>
-          <a:fillRef idx="0">
-            <a:schemeClr val="dk1"/>
-          </a:fillRef>
-          <a:effectRef idx="0">
-            <a:schemeClr val="dk1"/>
-          </a:effectRef>
-          <a:fontRef idx="minor">
-            <a:schemeClr val="tx1"/>
-          </a:fontRef>
-        </p:style>
-      </p:cxnSp>
-      <p:sp>
-        <p:nvSpPr>
-          <p:cNvPr id="23" name="TextBox 22"/>
-          <p:cNvSpPr txBox="1"/>
-          <p:nvPr/>
-        </p:nvSpPr>
-        <p:spPr>
-          <a:xfrm>
-            <a:off x="3079832" y="4299582"/>
-            <a:ext cx="837152" cy="369332"/>
-          </a:xfrm>
-          <a:prstGeom prst="rect">
-            <a:avLst/>
-          </a:prstGeom>
-          <a:noFill/>
-        </p:spPr>
-        <p:txBody>
-          <a:bodyPr wrap="none" rtlCol="0">
-            <a:spAutoFit/>
-          </a:bodyPr>
-          <a:lstStyle/>
-          <a:p>
-            <a:r>
-              <a:rPr lang="en-US" dirty="0" smtClean="0"/>
-              <a:t>Branch</a:t>
-            </a:r>
-            <a:endParaRPr lang="en-US" dirty="0"/>
-          </a:p>
-        </p:txBody>
-      </p:sp>
-      <p:sp>
-        <p:nvSpPr>
-          <p:cNvPr id="3" name="TextBox 2"/>
-          <p:cNvSpPr txBox="1"/>
-          <p:nvPr/>
-        </p:nvSpPr>
-        <p:spPr>
-          <a:xfrm>
-            <a:off x="323662" y="5596147"/>
-            <a:ext cx="8465651" cy="369332"/>
-          </a:xfrm>
-          <a:prstGeom prst="rect">
-            <a:avLst/>
-          </a:prstGeom>
-          <a:noFill/>
-        </p:spPr>
-        <p:txBody>
-          <a:bodyPr wrap="none" rtlCol="0">
-            <a:spAutoFit/>
-          </a:bodyPr>
-          <a:lstStyle/>
-          <a:p>
-            <a:r>
-              <a:rPr lang="en-US" dirty="0" smtClean="0"/>
-              <a:t>Pull Requests can cause conflicts, but GitHub makes it relatively easy to resolve them.  </a:t>
-            </a:r>
-            <a:endParaRPr lang="en-US" dirty="0"/>
-          </a:p>
-        </p:txBody>
-      </p:sp>
     </p:spTree>
     <p:extLst>
       <p:ext uri="{BB962C8B-B14F-4D97-AF65-F5344CB8AC3E}">
-        <p14:creationId xmlns:p14="http://schemas.microsoft.com/office/powerpoint/2010/main" val="3047772038"/>
+        <p14:creationId xmlns:p14="http://schemas.microsoft.com/office/powerpoint/2010/main" val="1475192412"/>
       </p:ext>
     </p:extLst>
   </p:cSld>
@@ -7303,6 +6838,76 @@
           <a:chExt cx="0" cy="0"/>
         </a:xfrm>
       </p:grpSpPr>
+      <p:cxnSp>
+        <p:nvCxnSpPr>
+          <p:cNvPr id="15" name="Straight Arrow Connector 14"/>
+          <p:cNvCxnSpPr/>
+          <p:nvPr/>
+        </p:nvCxnSpPr>
+        <p:spPr>
+          <a:xfrm>
+            <a:off x="2080941" y="3501000"/>
+            <a:ext cx="1028700" cy="767835"/>
+          </a:xfrm>
+          <a:prstGeom prst="straightConnector1">
+            <a:avLst/>
+          </a:prstGeom>
+          <a:ln w="76200">
+            <a:headEnd type="none" w="med" len="med"/>
+            <a:tailEnd type="none" w="med" len="med"/>
+          </a:ln>
+        </p:spPr>
+        <p:style>
+          <a:lnRef idx="1">
+            <a:schemeClr val="accent6"/>
+          </a:lnRef>
+          <a:fillRef idx="0">
+            <a:schemeClr val="accent6"/>
+          </a:fillRef>
+          <a:effectRef idx="0">
+            <a:schemeClr val="accent6"/>
+          </a:effectRef>
+          <a:fontRef idx="minor">
+            <a:schemeClr val="tx1"/>
+          </a:fontRef>
+        </p:style>
+      </p:cxnSp>
+      <p:cxnSp>
+        <p:nvCxnSpPr>
+          <p:cNvPr id="20" name="Straight Arrow Connector 19"/>
+          <p:cNvCxnSpPr>
+            <a:endCxn id="19" idx="6"/>
+          </p:cNvCxnSpPr>
+          <p:nvPr/>
+        </p:nvCxnSpPr>
+        <p:spPr>
+          <a:xfrm>
+            <a:off x="3146987" y="4204114"/>
+            <a:ext cx="913750" cy="16975"/>
+          </a:xfrm>
+          <a:prstGeom prst="straightConnector1">
+            <a:avLst/>
+          </a:prstGeom>
+          <a:ln w="76200">
+            <a:headEnd type="none" w="med" len="med"/>
+            <a:tailEnd type="none" w="med" len="med"/>
+          </a:ln>
+        </p:spPr>
+        <p:style>
+          <a:lnRef idx="1">
+            <a:schemeClr val="accent6"/>
+          </a:lnRef>
+          <a:fillRef idx="0">
+            <a:schemeClr val="accent6"/>
+          </a:fillRef>
+          <a:effectRef idx="0">
+            <a:schemeClr val="accent6"/>
+          </a:effectRef>
+          <a:fontRef idx="minor">
+            <a:schemeClr val="tx1"/>
+          </a:fontRef>
+        </p:style>
+      </p:cxnSp>
       <p:sp>
         <p:nvSpPr>
           <p:cNvPr id="5" name="Rectangle 4"/>
@@ -7383,7 +6988,7 @@
                   </a:schemeClr>
                 </a:solidFill>
               </a:rPr>
-              <a:t>[pull request demo]</a:t>
+              <a:t>Pull Request</a:t>
             </a:r>
             <a:endParaRPr lang="en-US" dirty="0">
               <a:solidFill>
@@ -7392,64 +6997,6 @@
                 </a:schemeClr>
               </a:solidFill>
             </a:endParaRPr>
-          </a:p>
-        </p:txBody>
-      </p:sp>
-      <p:sp>
-        <p:nvSpPr>
-          <p:cNvPr id="3" name="Content Placeholder 2"/>
-          <p:cNvSpPr>
-            <a:spLocks noGrp="1"/>
-          </p:cNvSpPr>
-          <p:nvPr>
-            <p:ph idx="1"/>
-          </p:nvPr>
-        </p:nvSpPr>
-        <p:spPr/>
-        <p:txBody>
-          <a:bodyPr/>
-          <a:lstStyle/>
-          <a:p>
-            <a:r>
-              <a:rPr lang="en-US" dirty="0" smtClean="0"/>
-              <a:t>Click Pull Request in Desktop</a:t>
-            </a:r>
-          </a:p>
-          <a:p>
-            <a:r>
-              <a:rPr lang="en-US" dirty="0" smtClean="0"/>
-              <a:t>Make sure you are merging to Master</a:t>
-            </a:r>
-          </a:p>
-          <a:p>
-            <a:r>
-              <a:rPr lang="en-US" dirty="0" smtClean="0"/>
-              <a:t>Leave a note</a:t>
-            </a:r>
-          </a:p>
-          <a:p>
-            <a:r>
-              <a:rPr lang="en-US" dirty="0" smtClean="0"/>
-              <a:t>Check to see if there will be issues. If there will be issues, you’ll need to resolve them later in GitHub. (We won’t have time to go into this).</a:t>
-            </a:r>
-          </a:p>
-          <a:p>
-            <a:r>
-              <a:rPr lang="en-US" dirty="0" smtClean="0"/>
-              <a:t>Click Send Pull Request.</a:t>
-            </a:r>
-          </a:p>
-          <a:p>
-            <a:r>
-              <a:rPr lang="en-US" dirty="0" smtClean="0"/>
-              <a:t>Go into GitHub and see what we’ve done.</a:t>
-            </a:r>
-          </a:p>
-          <a:p>
-            <a:endParaRPr lang="en-US" dirty="0" smtClean="0"/>
-          </a:p>
-          <a:p>
-            <a:endParaRPr lang="en-US" dirty="0" smtClean="0"/>
           </a:p>
         </p:txBody>
       </p:sp>
@@ -7598,10 +7145,543 @@
           </a:p>
         </p:txBody>
       </p:sp>
+      <p:sp>
+        <p:nvSpPr>
+          <p:cNvPr id="4" name="TextBox 3"/>
+          <p:cNvSpPr txBox="1"/>
+          <p:nvPr/>
+        </p:nvSpPr>
+        <p:spPr>
+          <a:xfrm>
+            <a:off x="304801" y="1461572"/>
+            <a:ext cx="8610600" cy="923330"/>
+          </a:xfrm>
+          <a:prstGeom prst="rect">
+            <a:avLst/>
+          </a:prstGeom>
+          <a:noFill/>
+        </p:spPr>
+        <p:txBody>
+          <a:bodyPr wrap="square" rtlCol="0">
+            <a:spAutoFit/>
+          </a:bodyPr>
+          <a:lstStyle/>
+          <a:p>
+            <a:r>
+              <a:rPr lang="en-US" b="1" dirty="0" smtClean="0"/>
+              <a:t>Pull Request: </a:t>
+            </a:r>
+            <a:r>
+              <a:rPr lang="en-US" dirty="0" smtClean="0"/>
+              <a:t>Merge the changes from a </a:t>
+            </a:r>
+            <a:r>
+              <a:rPr lang="en-US" b="1" dirty="0" smtClean="0"/>
+              <a:t>branch </a:t>
+            </a:r>
+            <a:r>
+              <a:rPr lang="en-US" dirty="0" smtClean="0"/>
+              <a:t>to the </a:t>
+            </a:r>
+            <a:r>
+              <a:rPr lang="en-US" b="1" dirty="0" smtClean="0"/>
+              <a:t>master</a:t>
+            </a:r>
+            <a:r>
+              <a:rPr lang="en-US" dirty="0" smtClean="0"/>
+              <a:t> and sync it with GitHub. Use a </a:t>
+            </a:r>
+            <a:r>
+              <a:rPr lang="en-US" b="1" dirty="0" smtClean="0"/>
+              <a:t>Pull Request</a:t>
+            </a:r>
+            <a:r>
+              <a:rPr lang="en-US" dirty="0" smtClean="0"/>
+              <a:t> to submit your changes to the project that you want everybody to have access to.</a:t>
+            </a:r>
+            <a:endParaRPr lang="en-US" b="1" dirty="0"/>
+          </a:p>
+        </p:txBody>
+      </p:sp>
+      <p:cxnSp>
+        <p:nvCxnSpPr>
+          <p:cNvPr id="9" name="Straight Arrow Connector 8"/>
+          <p:cNvCxnSpPr/>
+          <p:nvPr/>
+        </p:nvCxnSpPr>
+        <p:spPr>
+          <a:xfrm>
+            <a:off x="251387" y="3485971"/>
+            <a:ext cx="5791200" cy="0"/>
+          </a:xfrm>
+          <a:prstGeom prst="straightConnector1">
+            <a:avLst/>
+          </a:prstGeom>
+          <a:ln w="57150">
+            <a:tailEnd type="triangle"/>
+          </a:ln>
+        </p:spPr>
+        <p:style>
+          <a:lnRef idx="1">
+            <a:schemeClr val="accent1"/>
+          </a:lnRef>
+          <a:fillRef idx="0">
+            <a:schemeClr val="accent1"/>
+          </a:fillRef>
+          <a:effectRef idx="0">
+            <a:schemeClr val="accent1"/>
+          </a:effectRef>
+          <a:fontRef idx="minor">
+            <a:schemeClr val="tx1"/>
+          </a:fontRef>
+        </p:style>
+      </p:cxnSp>
+      <p:sp>
+        <p:nvSpPr>
+          <p:cNvPr id="10" name="Oval 9"/>
+          <p:cNvSpPr/>
+          <p:nvPr/>
+        </p:nvSpPr>
+        <p:spPr>
+          <a:xfrm>
+            <a:off x="556187" y="3345909"/>
+            <a:ext cx="228600" cy="228600"/>
+          </a:xfrm>
+          <a:prstGeom prst="ellipse">
+            <a:avLst/>
+          </a:prstGeom>
+        </p:spPr>
+        <p:style>
+          <a:lnRef idx="2">
+            <a:schemeClr val="accent1">
+              <a:shade val="50000"/>
+            </a:schemeClr>
+          </a:lnRef>
+          <a:fillRef idx="1">
+            <a:schemeClr val="accent1"/>
+          </a:fillRef>
+          <a:effectRef idx="0">
+            <a:schemeClr val="accent1"/>
+          </a:effectRef>
+          <a:fontRef idx="minor">
+            <a:schemeClr val="lt1"/>
+          </a:fontRef>
+        </p:style>
+        <p:txBody>
+          <a:bodyPr rtlCol="0" anchor="ctr"/>
+          <a:lstStyle/>
+          <a:p>
+            <a:pPr algn="ctr"/>
+            <a:endParaRPr lang="en-US"/>
+          </a:p>
+        </p:txBody>
+      </p:sp>
+      <p:sp>
+        <p:nvSpPr>
+          <p:cNvPr id="11" name="Oval 10"/>
+          <p:cNvSpPr/>
+          <p:nvPr/>
+        </p:nvSpPr>
+        <p:spPr>
+          <a:xfrm>
+            <a:off x="1991538" y="3345909"/>
+            <a:ext cx="228600" cy="228600"/>
+          </a:xfrm>
+          <a:prstGeom prst="ellipse">
+            <a:avLst/>
+          </a:prstGeom>
+        </p:spPr>
+        <p:style>
+          <a:lnRef idx="2">
+            <a:schemeClr val="accent1">
+              <a:shade val="50000"/>
+            </a:schemeClr>
+          </a:lnRef>
+          <a:fillRef idx="1">
+            <a:schemeClr val="accent1"/>
+          </a:fillRef>
+          <a:effectRef idx="0">
+            <a:schemeClr val="accent1"/>
+          </a:effectRef>
+          <a:fontRef idx="minor">
+            <a:schemeClr val="lt1"/>
+          </a:fontRef>
+        </p:style>
+        <p:txBody>
+          <a:bodyPr rtlCol="0" anchor="ctr"/>
+          <a:lstStyle/>
+          <a:p>
+            <a:pPr algn="ctr"/>
+            <a:endParaRPr lang="en-US"/>
+          </a:p>
+        </p:txBody>
+      </p:sp>
+      <p:sp>
+        <p:nvSpPr>
+          <p:cNvPr id="12" name="Oval 11"/>
+          <p:cNvSpPr/>
+          <p:nvPr/>
+        </p:nvSpPr>
+        <p:spPr>
+          <a:xfrm>
+            <a:off x="3337487" y="3345909"/>
+            <a:ext cx="228600" cy="228600"/>
+          </a:xfrm>
+          <a:prstGeom prst="ellipse">
+            <a:avLst/>
+          </a:prstGeom>
+        </p:spPr>
+        <p:style>
+          <a:lnRef idx="2">
+            <a:schemeClr val="accent1">
+              <a:shade val="50000"/>
+            </a:schemeClr>
+          </a:lnRef>
+          <a:fillRef idx="1">
+            <a:schemeClr val="accent1"/>
+          </a:fillRef>
+          <a:effectRef idx="0">
+            <a:schemeClr val="accent1"/>
+          </a:effectRef>
+          <a:fontRef idx="minor">
+            <a:schemeClr val="lt1"/>
+          </a:fontRef>
+        </p:style>
+        <p:txBody>
+          <a:bodyPr rtlCol="0" anchor="ctr"/>
+          <a:lstStyle/>
+          <a:p>
+            <a:pPr algn="ctr"/>
+            <a:endParaRPr lang="en-US"/>
+          </a:p>
+        </p:txBody>
+      </p:sp>
+      <p:sp>
+        <p:nvSpPr>
+          <p:cNvPr id="13" name="Oval 12"/>
+          <p:cNvSpPr/>
+          <p:nvPr/>
+        </p:nvSpPr>
+        <p:spPr>
+          <a:xfrm>
+            <a:off x="4747187" y="3371671"/>
+            <a:ext cx="228600" cy="228600"/>
+          </a:xfrm>
+          <a:prstGeom prst="ellipse">
+            <a:avLst/>
+          </a:prstGeom>
+        </p:spPr>
+        <p:style>
+          <a:lnRef idx="2">
+            <a:schemeClr val="accent1">
+              <a:shade val="50000"/>
+            </a:schemeClr>
+          </a:lnRef>
+          <a:fillRef idx="1">
+            <a:schemeClr val="accent1"/>
+          </a:fillRef>
+          <a:effectRef idx="0">
+            <a:schemeClr val="accent1"/>
+          </a:effectRef>
+          <a:fontRef idx="minor">
+            <a:schemeClr val="lt1"/>
+          </a:fontRef>
+        </p:style>
+        <p:txBody>
+          <a:bodyPr rtlCol="0" anchor="ctr"/>
+          <a:lstStyle/>
+          <a:p>
+            <a:pPr algn="ctr"/>
+            <a:endParaRPr lang="en-US"/>
+          </a:p>
+        </p:txBody>
+      </p:sp>
+      <p:sp>
+        <p:nvSpPr>
+          <p:cNvPr id="14" name="TextBox 13"/>
+          <p:cNvSpPr txBox="1"/>
+          <p:nvPr/>
+        </p:nvSpPr>
+        <p:spPr>
+          <a:xfrm>
+            <a:off x="6041833" y="3301305"/>
+            <a:ext cx="849656" cy="369332"/>
+          </a:xfrm>
+          <a:prstGeom prst="rect">
+            <a:avLst/>
+          </a:prstGeom>
+          <a:noFill/>
+        </p:spPr>
+        <p:txBody>
+          <a:bodyPr wrap="none" rtlCol="0">
+            <a:spAutoFit/>
+          </a:bodyPr>
+          <a:lstStyle/>
+          <a:p>
+            <a:r>
+              <a:rPr lang="en-US" dirty="0" smtClean="0"/>
+              <a:t>Master</a:t>
+            </a:r>
+            <a:endParaRPr lang="en-US" dirty="0"/>
+          </a:p>
+        </p:txBody>
+      </p:sp>
+      <p:cxnSp>
+        <p:nvCxnSpPr>
+          <p:cNvPr id="16" name="Straight Arrow Connector 15"/>
+          <p:cNvCxnSpPr>
+            <a:endCxn id="13" idx="3"/>
+          </p:cNvCxnSpPr>
+          <p:nvPr/>
+        </p:nvCxnSpPr>
+        <p:spPr>
+          <a:xfrm flipV="1">
+            <a:off x="4008268" y="3566793"/>
+            <a:ext cx="772397" cy="654296"/>
+          </a:xfrm>
+          <a:prstGeom prst="straightConnector1">
+            <a:avLst/>
+          </a:prstGeom>
+          <a:ln w="76200">
+            <a:tailEnd type="triangle"/>
+          </a:ln>
+        </p:spPr>
+        <p:style>
+          <a:lnRef idx="1">
+            <a:schemeClr val="accent6"/>
+          </a:lnRef>
+          <a:fillRef idx="0">
+            <a:schemeClr val="accent6"/>
+          </a:fillRef>
+          <a:effectRef idx="0">
+            <a:schemeClr val="accent6"/>
+          </a:effectRef>
+          <a:fontRef idx="minor">
+            <a:schemeClr val="tx1"/>
+          </a:fontRef>
+        </p:style>
+      </p:cxnSp>
+      <p:sp>
+        <p:nvSpPr>
+          <p:cNvPr id="17" name="Oval 16"/>
+          <p:cNvSpPr/>
+          <p:nvPr/>
+        </p:nvSpPr>
+        <p:spPr>
+          <a:xfrm>
+            <a:off x="3026498" y="4106789"/>
+            <a:ext cx="228600" cy="228600"/>
+          </a:xfrm>
+          <a:prstGeom prst="ellipse">
+            <a:avLst/>
+          </a:prstGeom>
+        </p:spPr>
+        <p:style>
+          <a:lnRef idx="2">
+            <a:schemeClr val="accent6">
+              <a:shade val="50000"/>
+            </a:schemeClr>
+          </a:lnRef>
+          <a:fillRef idx="1">
+            <a:schemeClr val="accent6"/>
+          </a:fillRef>
+          <a:effectRef idx="0">
+            <a:schemeClr val="accent6"/>
+          </a:effectRef>
+          <a:fontRef idx="minor">
+            <a:schemeClr val="lt1"/>
+          </a:fontRef>
+        </p:style>
+        <p:txBody>
+          <a:bodyPr rtlCol="0" anchor="ctr"/>
+          <a:lstStyle/>
+          <a:p>
+            <a:pPr algn="ctr"/>
+            <a:endParaRPr lang="en-US"/>
+          </a:p>
+        </p:txBody>
+      </p:sp>
+      <p:sp>
+        <p:nvSpPr>
+          <p:cNvPr id="18" name="TextBox 17"/>
+          <p:cNvSpPr txBox="1"/>
+          <p:nvPr/>
+        </p:nvSpPr>
+        <p:spPr>
+          <a:xfrm>
+            <a:off x="5105401" y="4459754"/>
+            <a:ext cx="1343445" cy="369332"/>
+          </a:xfrm>
+          <a:prstGeom prst="rect">
+            <a:avLst/>
+          </a:prstGeom>
+          <a:noFill/>
+        </p:spPr>
+        <p:txBody>
+          <a:bodyPr wrap="none" rtlCol="0">
+            <a:spAutoFit/>
+          </a:bodyPr>
+          <a:lstStyle/>
+          <a:p>
+            <a:r>
+              <a:rPr lang="en-US" dirty="0" smtClean="0"/>
+              <a:t>Pull Request</a:t>
+            </a:r>
+            <a:endParaRPr lang="en-US" dirty="0"/>
+          </a:p>
+        </p:txBody>
+      </p:sp>
+      <p:sp>
+        <p:nvSpPr>
+          <p:cNvPr id="19" name="Oval 18"/>
+          <p:cNvSpPr/>
+          <p:nvPr/>
+        </p:nvSpPr>
+        <p:spPr>
+          <a:xfrm>
+            <a:off x="3832137" y="4106789"/>
+            <a:ext cx="228600" cy="228600"/>
+          </a:xfrm>
+          <a:prstGeom prst="ellipse">
+            <a:avLst/>
+          </a:prstGeom>
+        </p:spPr>
+        <p:style>
+          <a:lnRef idx="2">
+            <a:schemeClr val="accent6">
+              <a:shade val="50000"/>
+            </a:schemeClr>
+          </a:lnRef>
+          <a:fillRef idx="1">
+            <a:schemeClr val="accent6"/>
+          </a:fillRef>
+          <a:effectRef idx="0">
+            <a:schemeClr val="accent6"/>
+          </a:effectRef>
+          <a:fontRef idx="minor">
+            <a:schemeClr val="lt1"/>
+          </a:fontRef>
+        </p:style>
+        <p:txBody>
+          <a:bodyPr rtlCol="0" anchor="ctr"/>
+          <a:lstStyle/>
+          <a:p>
+            <a:pPr algn="ctr"/>
+            <a:endParaRPr lang="en-US"/>
+          </a:p>
+        </p:txBody>
+      </p:sp>
+      <p:cxnSp>
+        <p:nvCxnSpPr>
+          <p:cNvPr id="22" name="Straight Arrow Connector 21"/>
+          <p:cNvCxnSpPr/>
+          <p:nvPr/>
+        </p:nvCxnSpPr>
+        <p:spPr>
+          <a:xfrm flipH="1" flipV="1">
+            <a:off x="4394466" y="3992489"/>
+            <a:ext cx="710935" cy="655711"/>
+          </a:xfrm>
+          <a:prstGeom prst="straightConnector1">
+            <a:avLst/>
+          </a:prstGeom>
+          <a:ln w="38100">
+            <a:tailEnd type="triangle"/>
+          </a:ln>
+        </p:spPr>
+        <p:style>
+          <a:lnRef idx="1">
+            <a:schemeClr val="dk1"/>
+          </a:lnRef>
+          <a:fillRef idx="0">
+            <a:schemeClr val="dk1"/>
+          </a:fillRef>
+          <a:effectRef idx="0">
+            <a:schemeClr val="dk1"/>
+          </a:effectRef>
+          <a:fontRef idx="minor">
+            <a:schemeClr val="tx1"/>
+          </a:fontRef>
+        </p:style>
+      </p:cxnSp>
+      <p:sp>
+        <p:nvSpPr>
+          <p:cNvPr id="23" name="TextBox 22"/>
+          <p:cNvSpPr txBox="1"/>
+          <p:nvPr/>
+        </p:nvSpPr>
+        <p:spPr>
+          <a:xfrm>
+            <a:off x="3079832" y="4299582"/>
+            <a:ext cx="837152" cy="369332"/>
+          </a:xfrm>
+          <a:prstGeom prst="rect">
+            <a:avLst/>
+          </a:prstGeom>
+          <a:noFill/>
+        </p:spPr>
+        <p:txBody>
+          <a:bodyPr wrap="none" rtlCol="0">
+            <a:spAutoFit/>
+          </a:bodyPr>
+          <a:lstStyle/>
+          <a:p>
+            <a:r>
+              <a:rPr lang="en-US" dirty="0" smtClean="0"/>
+              <a:t>Branch</a:t>
+            </a:r>
+            <a:endParaRPr lang="en-US" dirty="0"/>
+          </a:p>
+        </p:txBody>
+      </p:sp>
+      <p:sp>
+        <p:nvSpPr>
+          <p:cNvPr id="3" name="TextBox 2"/>
+          <p:cNvSpPr txBox="1"/>
+          <p:nvPr/>
+        </p:nvSpPr>
+        <p:spPr>
+          <a:xfrm>
+            <a:off x="323662" y="5596147"/>
+            <a:ext cx="8178714" cy="646331"/>
+          </a:xfrm>
+          <a:prstGeom prst="rect">
+            <a:avLst/>
+          </a:prstGeom>
+          <a:noFill/>
+        </p:spPr>
+        <p:txBody>
+          <a:bodyPr wrap="none" rtlCol="0">
+            <a:spAutoFit/>
+          </a:bodyPr>
+          <a:lstStyle/>
+          <a:p>
+            <a:r>
+              <a:rPr lang="en-US" dirty="0" smtClean="0"/>
+              <a:t>Pull Requests can cause conflicts, but GitHub makes it relatively easy to resolve them.</a:t>
+            </a:r>
+          </a:p>
+          <a:p>
+            <a:r>
+              <a:rPr lang="en-US" dirty="0" smtClean="0"/>
+              <a:t>Different than </a:t>
+            </a:r>
+            <a:r>
+              <a:rPr lang="en-US" b="1" dirty="0" smtClean="0"/>
+              <a:t>sync</a:t>
+            </a:r>
+            <a:r>
+              <a:rPr lang="en-US" dirty="0" smtClean="0"/>
+              <a:t>. Pull requests begin a collaborative effort to merge work.  </a:t>
+            </a:r>
+            <a:endParaRPr lang="en-US" dirty="0"/>
+          </a:p>
+        </p:txBody>
+      </p:sp>
     </p:spTree>
     <p:extLst>
       <p:ext uri="{BB962C8B-B14F-4D97-AF65-F5344CB8AC3E}">
-        <p14:creationId xmlns:p14="http://schemas.microsoft.com/office/powerpoint/2010/main" val="698112444"/>
+        <p14:creationId xmlns:p14="http://schemas.microsoft.com/office/powerpoint/2010/main" val="3047772038"/>
       </p:ext>
     </p:extLst>
   </p:cSld>
@@ -7725,7 +7805,7 @@
                   </a:schemeClr>
                 </a:solidFill>
               </a:rPr>
-              <a:t>Other Terms</a:t>
+              <a:t>[pull request demo]</a:t>
             </a:r>
             <a:endParaRPr lang="en-US" dirty="0">
               <a:solidFill>
@@ -7753,76 +7833,39 @@
           <a:lstStyle/>
           <a:p>
             <a:r>
-              <a:rPr lang="en-US" b="1" dirty="0" smtClean="0"/>
-              <a:t>.</a:t>
-            </a:r>
-            <a:r>
-              <a:rPr lang="en-US" b="1" dirty="0" err="1" smtClean="0"/>
-              <a:t>gitignore</a:t>
-            </a:r>
-            <a:r>
-              <a:rPr lang="en-US" b="1" dirty="0" smtClean="0"/>
-              <a:t> file</a:t>
-            </a:r>
-            <a:r>
               <a:rPr lang="en-US" dirty="0" smtClean="0"/>
-              <a:t>: list of files that you do not want </a:t>
-            </a:r>
-            <a:r>
-              <a:rPr lang="en-US" dirty="0" err="1" smtClean="0"/>
-              <a:t>Git</a:t>
-            </a:r>
+              <a:t>Click Pull Request in Desktop</a:t>
+            </a:r>
+          </a:p>
+          <a:p>
             <a:r>
               <a:rPr lang="en-US" dirty="0" smtClean="0"/>
-              <a:t> to track (model output files, compiled files, other binary files).</a:t>
-            </a:r>
-          </a:p>
-          <a:p>
-            <a:r>
-              <a:rPr lang="en-US" b="1" dirty="0" smtClean="0"/>
-              <a:t>Push/Pull/Checkout:</a:t>
-            </a:r>
+              <a:t>Make sure you are merging to Master</a:t>
+            </a:r>
+          </a:p>
+          <a:p>
             <a:r>
               <a:rPr lang="en-US" dirty="0" smtClean="0"/>
-              <a:t> GitHub desktop does these commands under the hood when you </a:t>
-            </a:r>
-            <a:r>
-              <a:rPr lang="en-US" b="1" dirty="0" smtClean="0"/>
-              <a:t>sync, publish</a:t>
-            </a:r>
+              <a:t>Leave a note</a:t>
+            </a:r>
+          </a:p>
+          <a:p>
             <a:r>
               <a:rPr lang="en-US" dirty="0" smtClean="0"/>
-              <a:t> or change branches.</a:t>
-            </a:r>
-          </a:p>
-          <a:p>
-            <a:r>
-              <a:rPr lang="en-US" b="1" dirty="0" smtClean="0"/>
-              <a:t>Fork: </a:t>
-            </a:r>
+              <a:t>Check to see if there will be issues. If there will be issues, you’ll need to resolve them later in GitHub. (We won’t have time to go into this).</a:t>
+            </a:r>
+          </a:p>
+          <a:p>
             <a:r>
               <a:rPr lang="en-US" dirty="0" smtClean="0"/>
-              <a:t>Very similar to </a:t>
-            </a:r>
-            <a:r>
-              <a:rPr lang="en-US" b="1" dirty="0" smtClean="0"/>
-              <a:t>clone</a:t>
-            </a:r>
+              <a:t>Click Send Pull Request.</a:t>
+            </a:r>
+          </a:p>
+          <a:p>
             <a:r>
               <a:rPr lang="en-US" dirty="0" smtClean="0"/>
-              <a:t>.</a:t>
-            </a:r>
-          </a:p>
-          <a:p>
-            <a:r>
-              <a:rPr lang="en-US" b="1" dirty="0" smtClean="0"/>
-              <a:t>Spoon: </a:t>
-            </a:r>
-            <a:r>
-              <a:rPr lang="en-US" dirty="0" smtClean="0"/>
-              <a:t>Kitchen utensil.</a:t>
-            </a:r>
-            <a:endParaRPr lang="en-US" b="1" dirty="0" smtClean="0"/>
+              <a:t>Go into GitHub and see what we’ve done.</a:t>
+            </a:r>
           </a:p>
           <a:p>
             <a:endParaRPr lang="en-US" dirty="0" smtClean="0"/>
@@ -7957,6 +8000,385 @@
                 <a:defRPr/>
               </a:pPr>
               <a:t>16</a:t>
+            </a:fld>
+            <a:endParaRPr kumimoji="0" lang="en-US" sz="1400" b="0" i="0" u="none" strike="noStrike" kern="1200" cap="none" spc="0" normalizeH="0" baseline="0" noProof="0" dirty="0">
+              <a:ln>
+                <a:noFill/>
+              </a:ln>
+              <a:solidFill>
+                <a:schemeClr val="accent3">
+                  <a:lumMod val="50000"/>
+                </a:schemeClr>
+              </a:solidFill>
+              <a:effectLst/>
+              <a:uLnTx/>
+              <a:uFillTx/>
+              <a:latin typeface="+mn-lt"/>
+              <a:ea typeface="+mn-ea"/>
+              <a:cs typeface="+mn-cs"/>
+            </a:endParaRPr>
+          </a:p>
+        </p:txBody>
+      </p:sp>
+    </p:spTree>
+    <p:extLst>
+      <p:ext uri="{BB962C8B-B14F-4D97-AF65-F5344CB8AC3E}">
+        <p14:creationId xmlns:p14="http://schemas.microsoft.com/office/powerpoint/2010/main" val="698112444"/>
+      </p:ext>
+    </p:extLst>
+  </p:cSld>
+  <p:clrMapOvr>
+    <a:masterClrMapping/>
+  </p:clrMapOvr>
+  <p:timing>
+    <p:tnLst>
+      <p:par>
+        <p:cTn id="1" dur="indefinite" restart="never" nodeType="tmRoot"/>
+      </p:par>
+    </p:tnLst>
+  </p:timing>
+</p:sld>
+</file>
+
+<file path=ppt/slides/slide17.xml><?xml version="1.0" encoding="utf-8"?>
+<p:sld xmlns:a="http://schemas.openxmlformats.org/drawingml/2006/main" xmlns:r="http://schemas.openxmlformats.org/officeDocument/2006/relationships" xmlns:p="http://schemas.openxmlformats.org/presentationml/2006/main">
+  <p:cSld>
+    <p:bg>
+      <p:bgPr>
+        <a:solidFill>
+          <a:schemeClr val="bg1">
+            <a:lumMod val="65000"/>
+          </a:schemeClr>
+        </a:solidFill>
+        <a:effectLst/>
+      </p:bgPr>
+    </p:bg>
+    <p:spTree>
+      <p:nvGrpSpPr>
+        <p:cNvPr id="1" name=""/>
+        <p:cNvGrpSpPr/>
+        <p:nvPr/>
+      </p:nvGrpSpPr>
+      <p:grpSpPr>
+        <a:xfrm>
+          <a:off x="0" y="0"/>
+          <a:ext cx="0" cy="0"/>
+          <a:chOff x="0" y="0"/>
+          <a:chExt cx="0" cy="0"/>
+        </a:xfrm>
+      </p:grpSpPr>
+      <p:sp>
+        <p:nvSpPr>
+          <p:cNvPr id="5" name="Rectangle 4"/>
+          <p:cNvSpPr/>
+          <p:nvPr/>
+        </p:nvSpPr>
+        <p:spPr>
+          <a:xfrm>
+            <a:off x="0" y="6172200"/>
+            <a:ext cx="9144000" cy="685800"/>
+          </a:xfrm>
+          <a:prstGeom prst="rect">
+            <a:avLst/>
+          </a:prstGeom>
+          <a:gradFill>
+            <a:gsLst>
+              <a:gs pos="0">
+                <a:schemeClr val="bg1"/>
+              </a:gs>
+              <a:gs pos="100000">
+                <a:schemeClr val="bg1">
+                  <a:alpha val="0"/>
+                </a:schemeClr>
+              </a:gs>
+            </a:gsLst>
+            <a:lin ang="10800000" scaled="0"/>
+          </a:gradFill>
+          <a:ln>
+            <a:noFill/>
+          </a:ln>
+        </p:spPr>
+        <p:style>
+          <a:lnRef idx="2">
+            <a:schemeClr val="accent1">
+              <a:shade val="50000"/>
+            </a:schemeClr>
+          </a:lnRef>
+          <a:fillRef idx="1">
+            <a:schemeClr val="accent1"/>
+          </a:fillRef>
+          <a:effectRef idx="0">
+            <a:schemeClr val="accent1"/>
+          </a:effectRef>
+          <a:fontRef idx="minor">
+            <a:schemeClr val="lt1"/>
+          </a:fontRef>
+        </p:style>
+        <p:txBody>
+          <a:bodyPr rtlCol="0" anchor="ctr"/>
+          <a:lstStyle/>
+          <a:p>
+            <a:pPr algn="ctr"/>
+            <a:endParaRPr lang="en-US"/>
+          </a:p>
+        </p:txBody>
+      </p:sp>
+      <p:sp>
+        <p:nvSpPr>
+          <p:cNvPr id="2" name="Title 1"/>
+          <p:cNvSpPr>
+            <a:spLocks noGrp="1"/>
+          </p:cNvSpPr>
+          <p:nvPr>
+            <p:ph type="title"/>
+          </p:nvPr>
+        </p:nvSpPr>
+        <p:spPr/>
+        <p:txBody>
+          <a:bodyPr/>
+          <a:lstStyle/>
+          <a:p>
+            <a:pPr algn="l"/>
+            <a:r>
+              <a:rPr lang="en-US" dirty="0" smtClean="0">
+                <a:solidFill>
+                  <a:schemeClr val="accent1">
+                    <a:lumMod val="50000"/>
+                  </a:schemeClr>
+                </a:solidFill>
+              </a:rPr>
+              <a:t>Other Terms</a:t>
+            </a:r>
+            <a:endParaRPr lang="en-US" dirty="0">
+              <a:solidFill>
+                <a:schemeClr val="accent1">
+                  <a:lumMod val="50000"/>
+                </a:schemeClr>
+              </a:solidFill>
+            </a:endParaRPr>
+          </a:p>
+        </p:txBody>
+      </p:sp>
+      <p:sp>
+        <p:nvSpPr>
+          <p:cNvPr id="3" name="Content Placeholder 2"/>
+          <p:cNvSpPr>
+            <a:spLocks noGrp="1"/>
+          </p:cNvSpPr>
+          <p:nvPr>
+            <p:ph idx="1"/>
+          </p:nvPr>
+        </p:nvSpPr>
+        <p:spPr/>
+        <p:txBody>
+          <a:bodyPr/>
+          <a:lstStyle/>
+          <a:p>
+            <a:r>
+              <a:rPr lang="en-US" b="1" dirty="0" smtClean="0"/>
+              <a:t>.</a:t>
+            </a:r>
+            <a:r>
+              <a:rPr lang="en-US" b="1" dirty="0" err="1" smtClean="0"/>
+              <a:t>gitignore</a:t>
+            </a:r>
+            <a:r>
+              <a:rPr lang="en-US" b="1" dirty="0" smtClean="0"/>
+              <a:t> file</a:t>
+            </a:r>
+            <a:r>
+              <a:rPr lang="en-US" dirty="0" smtClean="0"/>
+              <a:t>: list of files that you do not want </a:t>
+            </a:r>
+            <a:r>
+              <a:rPr lang="en-US" dirty="0" err="1" smtClean="0"/>
+              <a:t>Git</a:t>
+            </a:r>
+            <a:r>
+              <a:rPr lang="en-US" dirty="0" smtClean="0"/>
+              <a:t> to track (model output files, compiled files, other binary files).</a:t>
+            </a:r>
+          </a:p>
+          <a:p>
+            <a:r>
+              <a:rPr lang="en-US" b="1" dirty="0" smtClean="0"/>
+              <a:t>Push/Pull/Checkout:</a:t>
+            </a:r>
+            <a:r>
+              <a:rPr lang="en-US" dirty="0" smtClean="0"/>
+              <a:t> GitHub desktop does these commands under the hood when you </a:t>
+            </a:r>
+            <a:r>
+              <a:rPr lang="en-US" b="1" dirty="0" smtClean="0"/>
+              <a:t>sync, publish</a:t>
+            </a:r>
+            <a:r>
+              <a:rPr lang="en-US" dirty="0" smtClean="0"/>
+              <a:t> or change branches.</a:t>
+            </a:r>
+          </a:p>
+          <a:p>
+            <a:r>
+              <a:rPr lang="en-US" b="1" dirty="0" smtClean="0"/>
+              <a:t>Fork: </a:t>
+            </a:r>
+            <a:r>
+              <a:rPr lang="en-US" dirty="0" smtClean="0"/>
+              <a:t>Very similar to </a:t>
+            </a:r>
+            <a:r>
+              <a:rPr lang="en-US" b="1" dirty="0" smtClean="0"/>
+              <a:t>clone</a:t>
+            </a:r>
+            <a:r>
+              <a:rPr lang="en-US" dirty="0" smtClean="0"/>
+              <a:t>.</a:t>
+            </a:r>
+          </a:p>
+          <a:p>
+            <a:r>
+              <a:rPr lang="en-US" b="1" dirty="0" smtClean="0"/>
+              <a:t>Spoon: </a:t>
+            </a:r>
+            <a:r>
+              <a:rPr lang="en-US" dirty="0" smtClean="0"/>
+              <a:t>Kitchen utensil.</a:t>
+            </a:r>
+            <a:endParaRPr lang="en-US" b="1" dirty="0" smtClean="0"/>
+          </a:p>
+          <a:p>
+            <a:endParaRPr lang="en-US" dirty="0" smtClean="0"/>
+          </a:p>
+          <a:p>
+            <a:endParaRPr lang="en-US" dirty="0" smtClean="0"/>
+          </a:p>
+        </p:txBody>
+      </p:sp>
+      <p:pic>
+        <p:nvPicPr>
+          <p:cNvPr id="2050" name="Picture 2" descr="D:\data\market\3_logo\LTIlogo_object.png"/>
+          <p:cNvPicPr>
+            <a:picLocks noChangeAspect="1" noChangeArrowheads="1"/>
+          </p:cNvPicPr>
+          <p:nvPr/>
+        </p:nvPicPr>
+        <p:blipFill>
+          <a:blip r:embed="rId3" cstate="print"/>
+          <a:srcRect l="28571" t="23077" r="27473" b="23077"/>
+          <a:stretch>
+            <a:fillRect/>
+          </a:stretch>
+        </p:blipFill>
+        <p:spPr bwMode="auto">
+          <a:xfrm>
+            <a:off x="8077200" y="5943600"/>
+            <a:ext cx="990600" cy="866775"/>
+          </a:xfrm>
+          <a:prstGeom prst="rect">
+            <a:avLst/>
+          </a:prstGeom>
+          <a:noFill/>
+          <a:effectLst>
+            <a:outerShdw blurRad="50800" dist="38100" dir="2700000" algn="tl" rotWithShape="0">
+              <a:prstClr val="black">
+                <a:alpha val="40000"/>
+              </a:prstClr>
+            </a:outerShdw>
+          </a:effectLst>
+        </p:spPr>
+      </p:pic>
+      <p:sp>
+        <p:nvSpPr>
+          <p:cNvPr id="8" name="Slide Number Placeholder 7"/>
+          <p:cNvSpPr txBox="1">
+            <a:spLocks/>
+          </p:cNvSpPr>
+          <p:nvPr/>
+        </p:nvSpPr>
+        <p:spPr>
+          <a:xfrm>
+            <a:off x="5791200" y="6324600"/>
+            <a:ext cx="2133600" cy="365125"/>
+          </a:xfrm>
+          <a:prstGeom prst="rect">
+            <a:avLst/>
+          </a:prstGeom>
+        </p:spPr>
+        <p:txBody>
+          <a:bodyPr vert="horz" lIns="91440" tIns="45720" rIns="91440" bIns="45720" rtlCol="0" anchor="ctr"/>
+          <a:lstStyle/>
+          <a:p>
+            <a:pPr marL="0" marR="0" lvl="0" indent="0" algn="r" defTabSz="914400" rtl="0" eaLnBrk="1" fontAlgn="auto" latinLnBrk="0" hangingPunct="1">
+              <a:lnSpc>
+                <a:spcPct val="100000"/>
+              </a:lnSpc>
+              <a:spcBef>
+                <a:spcPts val="0"/>
+              </a:spcBef>
+              <a:spcAft>
+                <a:spcPts val="0"/>
+              </a:spcAft>
+              <a:buClrTx/>
+              <a:buSzTx/>
+              <a:buFontTx/>
+              <a:buNone/>
+              <a:tabLst/>
+              <a:defRPr/>
+            </a:pPr>
+            <a:r>
+              <a:rPr kumimoji="0" lang="en-US" sz="1400" b="0" i="0" u="none" strike="noStrike" kern="1200" cap="none" spc="0" normalizeH="0" baseline="0" noProof="0" dirty="0" smtClean="0">
+                <a:ln>
+                  <a:noFill/>
+                </a:ln>
+                <a:solidFill>
+                  <a:schemeClr val="accent3">
+                    <a:lumMod val="50000"/>
+                  </a:schemeClr>
+                </a:solidFill>
+                <a:effectLst/>
+                <a:uLnTx/>
+                <a:uFillTx/>
+                <a:latin typeface="+mn-lt"/>
+                <a:ea typeface="+mn-ea"/>
+                <a:cs typeface="+mn-cs"/>
+              </a:rPr>
+              <a:t>SLIDE </a:t>
+            </a:r>
+            <a:fld id="{C04375EB-5169-4238-8270-5D5536267021}" type="slidenum">
+              <a:rPr kumimoji="0" lang="en-US" sz="1400" b="0" i="0" u="none" strike="noStrike" kern="1200" cap="none" spc="0" normalizeH="0" baseline="0" noProof="0" smtClean="0">
+                <a:ln>
+                  <a:noFill/>
+                </a:ln>
+                <a:solidFill>
+                  <a:schemeClr val="accent3">
+                    <a:lumMod val="50000"/>
+                  </a:schemeClr>
+                </a:solidFill>
+                <a:effectLst/>
+                <a:uLnTx/>
+                <a:uFillTx/>
+                <a:latin typeface="+mn-lt"/>
+                <a:ea typeface="+mn-ea"/>
+                <a:cs typeface="+mn-cs"/>
+              </a:rPr>
+              <a:pPr marL="0" marR="0" lvl="0" indent="0" algn="r" defTabSz="914400" rtl="0" eaLnBrk="1" fontAlgn="auto" latinLnBrk="0" hangingPunct="1">
+                <a:lnSpc>
+                  <a:spcPct val="100000"/>
+                </a:lnSpc>
+                <a:spcBef>
+                  <a:spcPts val="0"/>
+                </a:spcBef>
+                <a:spcAft>
+                  <a:spcPts val="0"/>
+                </a:spcAft>
+                <a:buClrTx/>
+                <a:buSzTx/>
+                <a:buFontTx/>
+                <a:buNone/>
+                <a:tabLst/>
+                <a:defRPr/>
+              </a:pPr>
+              <a:t>17</a:t>
             </a:fld>
             <a:endParaRPr kumimoji="0" lang="en-US" sz="1400" b="0" i="0" u="none" strike="noStrike" kern="1200" cap="none" spc="0" normalizeH="0" baseline="0" noProof="0" dirty="0">
               <a:ln>
@@ -8870,43 +9292,91 @@
         </p:nvSpPr>
         <p:spPr>
           <a:xfrm>
-            <a:off x="457200" y="2514600"/>
-            <a:ext cx="8229600" cy="1752600"/>
+            <a:off x="342900" y="5562599"/>
+            <a:ext cx="8229600" cy="1247775"/>
           </a:xfrm>
         </p:spPr>
         <p:txBody>
           <a:bodyPr>
-            <a:normAutofit fontScale="92500" lnSpcReduction="20000"/>
+            <a:normAutofit/>
           </a:bodyPr>
           <a:lstStyle/>
           <a:p>
-            <a:r>
-              <a:rPr lang="en-US" dirty="0" err="1" smtClean="0"/>
-              <a:t>Git</a:t>
-            </a:r>
-            <a:r>
-              <a:rPr lang="en-US" dirty="0" smtClean="0"/>
-              <a:t> is a framework for tracking incremental changes to files (especially text), and ensuring that those changes don’t conflict.</a:t>
-            </a:r>
-          </a:p>
-          <a:p>
-            <a:r>
-              <a:rPr lang="en-US" dirty="0" err="1" smtClean="0"/>
-              <a:t>Git</a:t>
-            </a:r>
-            <a:r>
-              <a:rPr lang="en-US" dirty="0" smtClean="0"/>
-              <a:t> is also </a:t>
-            </a:r>
-            <a:r>
-              <a:rPr lang="en-US" b="1" dirty="0" smtClean="0"/>
-              <a:t>many</a:t>
-            </a:r>
-            <a:r>
-              <a:rPr lang="en-US" dirty="0" smtClean="0"/>
-              <a:t> other things.</a:t>
-            </a:r>
+            <a:pPr marL="0" indent="0">
+              <a:buNone/>
+            </a:pPr>
             <a:endParaRPr lang="en-US" dirty="0"/>
+          </a:p>
+        </p:txBody>
+      </p:sp>
+      <p:pic>
+        <p:nvPicPr>
+          <p:cNvPr id="6" name="Picture 2" descr="Git"/>
+          <p:cNvPicPr>
+            <a:picLocks noChangeAspect="1" noChangeArrowheads="1"/>
+          </p:cNvPicPr>
+          <p:nvPr/>
+        </p:nvPicPr>
+        <p:blipFill>
+          <a:blip r:embed="rId3">
+            <a:extLst>
+              <a:ext uri="{28A0092B-C50C-407E-A947-70E740481C1C}">
+                <a14:useLocalDpi xmlns:a14="http://schemas.microsoft.com/office/drawing/2010/main" val="0"/>
+              </a:ext>
+            </a:extLst>
+          </a:blip>
+          <a:srcRect/>
+          <a:stretch>
+            <a:fillRect/>
+          </a:stretch>
+        </p:blipFill>
+        <p:spPr bwMode="auto">
+          <a:xfrm>
+            <a:off x="3141138" y="1588560"/>
+            <a:ext cx="2650062" cy="3838575"/>
+          </a:xfrm>
+          <a:prstGeom prst="rect">
+            <a:avLst/>
+          </a:prstGeom>
+          <a:noFill/>
+          <a:extLst>
+            <a:ext uri="{909E8E84-426E-40DD-AFC4-6F175D3DCCD1}">
+              <a14:hiddenFill xmlns:a14="http://schemas.microsoft.com/office/drawing/2010/main">
+                <a:solidFill>
+                  <a:srgbClr val="FFFFFF"/>
+                </a:solidFill>
+              </a14:hiddenFill>
+            </a:ext>
+          </a:extLst>
+        </p:spPr>
+      </p:pic>
+      <p:sp>
+        <p:nvSpPr>
+          <p:cNvPr id="8" name="TextBox 7"/>
+          <p:cNvSpPr txBox="1"/>
+          <p:nvPr/>
+        </p:nvSpPr>
+        <p:spPr>
+          <a:xfrm>
+            <a:off x="3934197" y="5391881"/>
+            <a:ext cx="1275606" cy="276999"/>
+          </a:xfrm>
+          <a:prstGeom prst="rect">
+            <a:avLst/>
+          </a:prstGeom>
+          <a:noFill/>
+        </p:spPr>
+        <p:txBody>
+          <a:bodyPr wrap="none" rtlCol="0">
+            <a:spAutoFit/>
+          </a:bodyPr>
+          <a:lstStyle/>
+          <a:p>
+            <a:r>
+              <a:rPr lang="en-US" sz="1200" dirty="0" smtClean="0"/>
+              <a:t>Source: xkcd.com</a:t>
+            </a:r>
+            <a:endParaRPr lang="en-US" sz="1200" dirty="0"/>
           </a:p>
         </p:txBody>
       </p:sp>

--- a/GitHub_Steve.pptx
+++ b/GitHub_Steve.pptx
@@ -5,26 +5,35 @@
     <p:sldMasterId id="2147483648" r:id="rId1"/>
   </p:sldMasterIdLst>
   <p:notesMasterIdLst>
-    <p:notesMasterId r:id="rId19"/>
+    <p:notesMasterId r:id="rId28"/>
   </p:notesMasterIdLst>
   <p:sldIdLst>
     <p:sldId id="256" r:id="rId2"/>
     <p:sldId id="259" r:id="rId3"/>
     <p:sldId id="257" r:id="rId4"/>
     <p:sldId id="260" r:id="rId5"/>
-    <p:sldId id="262" r:id="rId6"/>
-    <p:sldId id="263" r:id="rId7"/>
-    <p:sldId id="264" r:id="rId8"/>
-    <p:sldId id="265" r:id="rId9"/>
-    <p:sldId id="266" r:id="rId10"/>
-    <p:sldId id="267" r:id="rId11"/>
-    <p:sldId id="268" r:id="rId12"/>
-    <p:sldId id="269" r:id="rId13"/>
-    <p:sldId id="271" r:id="rId14"/>
-    <p:sldId id="275" r:id="rId15"/>
-    <p:sldId id="272" r:id="rId16"/>
-    <p:sldId id="273" r:id="rId17"/>
-    <p:sldId id="274" r:id="rId18"/>
+    <p:sldId id="263" r:id="rId6"/>
+    <p:sldId id="264" r:id="rId7"/>
+    <p:sldId id="265" r:id="rId8"/>
+    <p:sldId id="266" r:id="rId9"/>
+    <p:sldId id="267" r:id="rId10"/>
+    <p:sldId id="268" r:id="rId11"/>
+    <p:sldId id="269" r:id="rId12"/>
+    <p:sldId id="271" r:id="rId13"/>
+    <p:sldId id="275" r:id="rId14"/>
+    <p:sldId id="272" r:id="rId15"/>
+    <p:sldId id="273" r:id="rId16"/>
+    <p:sldId id="274" r:id="rId17"/>
+    <p:sldId id="277" r:id="rId18"/>
+    <p:sldId id="276" r:id="rId19"/>
+    <p:sldId id="279" r:id="rId20"/>
+    <p:sldId id="282" r:id="rId21"/>
+    <p:sldId id="281" r:id="rId22"/>
+    <p:sldId id="283" r:id="rId23"/>
+    <p:sldId id="284" r:id="rId24"/>
+    <p:sldId id="278" r:id="rId25"/>
+    <p:sldId id="286" r:id="rId26"/>
+    <p:sldId id="285" r:id="rId27"/>
   </p:sldIdLst>
   <p:sldSz cx="9144000" cy="6858000" type="screen4x3"/>
   <p:notesSz cx="6858000" cy="9144000"/>
@@ -224,7 +233,7 @@
           <a:p>
             <a:fld id="{A7A62D5F-F0B9-42BD-82EE-E456803A763D}" type="datetimeFigureOut">
               <a:rPr lang="en-US" smtClean="0"/>
-              <a:t>1/10/2017</a:t>
+              <a:t>1/11/2017</a:t>
             </a:fld>
             <a:endParaRPr lang="en-US"/>
           </a:p>
@@ -567,7 +576,7 @@
           <a:p>
             <a:fld id="{330637A4-5A62-4226-AE0F-A6A737EE5607}" type="slidenum">
               <a:rPr lang="en-US" smtClean="0"/>
-              <a:t>7</a:t>
+              <a:t>6</a:t>
             </a:fld>
             <a:endParaRPr lang="en-US"/>
           </a:p>
@@ -659,7 +668,7 @@
           <a:p>
             <a:fld id="{330637A4-5A62-4226-AE0F-A6A737EE5607}" type="slidenum">
               <a:rPr lang="en-US" smtClean="0"/>
-              <a:t>16</a:t>
+              <a:t>15</a:t>
             </a:fld>
             <a:endParaRPr lang="en-US"/>
           </a:p>
@@ -751,7 +760,7 @@
           <a:p>
             <a:fld id="{330637A4-5A62-4226-AE0F-A6A737EE5607}" type="slidenum">
               <a:rPr lang="en-US" smtClean="0"/>
-              <a:t>17</a:t>
+              <a:t>16</a:t>
             </a:fld>
             <a:endParaRPr lang="en-US"/>
           </a:p>
@@ -761,6 +770,742 @@
     <p:extLst>
       <p:ext uri="{BB962C8B-B14F-4D97-AF65-F5344CB8AC3E}">
         <p14:creationId xmlns:p14="http://schemas.microsoft.com/office/powerpoint/2010/main" val="3938096975"/>
+      </p:ext>
+    </p:extLst>
+  </p:cSld>
+  <p:clrMapOvr>
+    <a:masterClrMapping/>
+  </p:clrMapOvr>
+</p:notes>
+</file>
+
+<file path=ppt/notesSlides/notesSlide12.xml><?xml version="1.0" encoding="utf-8"?>
+<p:notes xmlns:a="http://schemas.openxmlformats.org/drawingml/2006/main" xmlns:r="http://schemas.openxmlformats.org/officeDocument/2006/relationships" xmlns:p="http://schemas.openxmlformats.org/presentationml/2006/main">
+  <p:cSld>
+    <p:spTree>
+      <p:nvGrpSpPr>
+        <p:cNvPr id="1" name=""/>
+        <p:cNvGrpSpPr/>
+        <p:nvPr/>
+      </p:nvGrpSpPr>
+      <p:grpSpPr>
+        <a:xfrm>
+          <a:off x="0" y="0"/>
+          <a:ext cx="0" cy="0"/>
+          <a:chOff x="0" y="0"/>
+          <a:chExt cx="0" cy="0"/>
+        </a:xfrm>
+      </p:grpSpPr>
+      <p:sp>
+        <p:nvSpPr>
+          <p:cNvPr id="2" name="Slide Image Placeholder 1"/>
+          <p:cNvSpPr>
+            <a:spLocks noGrp="1" noRot="1" noChangeAspect="1"/>
+          </p:cNvSpPr>
+          <p:nvPr>
+            <p:ph type="sldImg"/>
+          </p:nvPr>
+        </p:nvSpPr>
+        <p:spPr/>
+      </p:sp>
+      <p:sp>
+        <p:nvSpPr>
+          <p:cNvPr id="3" name="Notes Placeholder 2"/>
+          <p:cNvSpPr>
+            <a:spLocks noGrp="1"/>
+          </p:cNvSpPr>
+          <p:nvPr>
+            <p:ph type="body" idx="1"/>
+          </p:nvPr>
+        </p:nvSpPr>
+        <p:spPr/>
+        <p:txBody>
+          <a:bodyPr/>
+          <a:lstStyle/>
+          <a:p>
+            <a:r>
+              <a:rPr lang="en-US" dirty="0" smtClean="0"/>
+              <a:t>Using Git</a:t>
+            </a:r>
+            <a:r>
+              <a:rPr lang="en-US" baseline="0" dirty="0" smtClean="0"/>
+              <a:t>Hub Desktop. Could also use command line.</a:t>
+            </a:r>
+            <a:endParaRPr lang="en-US" dirty="0"/>
+          </a:p>
+        </p:txBody>
+      </p:sp>
+      <p:sp>
+        <p:nvSpPr>
+          <p:cNvPr id="4" name="Slide Number Placeholder 3"/>
+          <p:cNvSpPr>
+            <a:spLocks noGrp="1"/>
+          </p:cNvSpPr>
+          <p:nvPr>
+            <p:ph type="sldNum" sz="quarter" idx="10"/>
+          </p:nvPr>
+        </p:nvSpPr>
+        <p:spPr/>
+        <p:txBody>
+          <a:bodyPr/>
+          <a:lstStyle/>
+          <a:p>
+            <a:fld id="{330637A4-5A62-4226-AE0F-A6A737EE5607}" type="slidenum">
+              <a:rPr lang="en-US" smtClean="0"/>
+              <a:t>18</a:t>
+            </a:fld>
+            <a:endParaRPr lang="en-US"/>
+          </a:p>
+        </p:txBody>
+      </p:sp>
+    </p:spTree>
+    <p:extLst>
+      <p:ext uri="{BB962C8B-B14F-4D97-AF65-F5344CB8AC3E}">
+        <p14:creationId xmlns:p14="http://schemas.microsoft.com/office/powerpoint/2010/main" val="1825628065"/>
+      </p:ext>
+    </p:extLst>
+  </p:cSld>
+  <p:clrMapOvr>
+    <a:masterClrMapping/>
+  </p:clrMapOvr>
+</p:notes>
+</file>
+
+<file path=ppt/notesSlides/notesSlide13.xml><?xml version="1.0" encoding="utf-8"?>
+<p:notes xmlns:a="http://schemas.openxmlformats.org/drawingml/2006/main" xmlns:r="http://schemas.openxmlformats.org/officeDocument/2006/relationships" xmlns:p="http://schemas.openxmlformats.org/presentationml/2006/main">
+  <p:cSld>
+    <p:spTree>
+      <p:nvGrpSpPr>
+        <p:cNvPr id="1" name=""/>
+        <p:cNvGrpSpPr/>
+        <p:nvPr/>
+      </p:nvGrpSpPr>
+      <p:grpSpPr>
+        <a:xfrm>
+          <a:off x="0" y="0"/>
+          <a:ext cx="0" cy="0"/>
+          <a:chOff x="0" y="0"/>
+          <a:chExt cx="0" cy="0"/>
+        </a:xfrm>
+      </p:grpSpPr>
+      <p:sp>
+        <p:nvSpPr>
+          <p:cNvPr id="2" name="Slide Image Placeholder 1"/>
+          <p:cNvSpPr>
+            <a:spLocks noGrp="1" noRot="1" noChangeAspect="1"/>
+          </p:cNvSpPr>
+          <p:nvPr>
+            <p:ph type="sldImg"/>
+          </p:nvPr>
+        </p:nvSpPr>
+        <p:spPr/>
+      </p:sp>
+      <p:sp>
+        <p:nvSpPr>
+          <p:cNvPr id="3" name="Notes Placeholder 2"/>
+          <p:cNvSpPr>
+            <a:spLocks noGrp="1"/>
+          </p:cNvSpPr>
+          <p:nvPr>
+            <p:ph type="body" idx="1"/>
+          </p:nvPr>
+        </p:nvSpPr>
+        <p:spPr/>
+        <p:txBody>
+          <a:bodyPr/>
+          <a:lstStyle/>
+          <a:p>
+            <a:r>
+              <a:rPr lang="en-US" dirty="0" smtClean="0"/>
+              <a:t>Using Git</a:t>
+            </a:r>
+            <a:r>
+              <a:rPr lang="en-US" baseline="0" dirty="0" smtClean="0"/>
+              <a:t>Hub Desktop. Could also use command line.</a:t>
+            </a:r>
+            <a:endParaRPr lang="en-US" dirty="0"/>
+          </a:p>
+        </p:txBody>
+      </p:sp>
+      <p:sp>
+        <p:nvSpPr>
+          <p:cNvPr id="4" name="Slide Number Placeholder 3"/>
+          <p:cNvSpPr>
+            <a:spLocks noGrp="1"/>
+          </p:cNvSpPr>
+          <p:nvPr>
+            <p:ph type="sldNum" sz="quarter" idx="10"/>
+          </p:nvPr>
+        </p:nvSpPr>
+        <p:spPr/>
+        <p:txBody>
+          <a:bodyPr/>
+          <a:lstStyle/>
+          <a:p>
+            <a:fld id="{330637A4-5A62-4226-AE0F-A6A737EE5607}" type="slidenum">
+              <a:rPr lang="en-US" smtClean="0"/>
+              <a:t>19</a:t>
+            </a:fld>
+            <a:endParaRPr lang="en-US"/>
+          </a:p>
+        </p:txBody>
+      </p:sp>
+    </p:spTree>
+    <p:extLst>
+      <p:ext uri="{BB962C8B-B14F-4D97-AF65-F5344CB8AC3E}">
+        <p14:creationId xmlns:p14="http://schemas.microsoft.com/office/powerpoint/2010/main" val="2593207834"/>
+      </p:ext>
+    </p:extLst>
+  </p:cSld>
+  <p:clrMapOvr>
+    <a:masterClrMapping/>
+  </p:clrMapOvr>
+</p:notes>
+</file>
+
+<file path=ppt/notesSlides/notesSlide14.xml><?xml version="1.0" encoding="utf-8"?>
+<p:notes xmlns:a="http://schemas.openxmlformats.org/drawingml/2006/main" xmlns:r="http://schemas.openxmlformats.org/officeDocument/2006/relationships" xmlns:p="http://schemas.openxmlformats.org/presentationml/2006/main">
+  <p:cSld>
+    <p:spTree>
+      <p:nvGrpSpPr>
+        <p:cNvPr id="1" name=""/>
+        <p:cNvGrpSpPr/>
+        <p:nvPr/>
+      </p:nvGrpSpPr>
+      <p:grpSpPr>
+        <a:xfrm>
+          <a:off x="0" y="0"/>
+          <a:ext cx="0" cy="0"/>
+          <a:chOff x="0" y="0"/>
+          <a:chExt cx="0" cy="0"/>
+        </a:xfrm>
+      </p:grpSpPr>
+      <p:sp>
+        <p:nvSpPr>
+          <p:cNvPr id="2" name="Slide Image Placeholder 1"/>
+          <p:cNvSpPr>
+            <a:spLocks noGrp="1" noRot="1" noChangeAspect="1"/>
+          </p:cNvSpPr>
+          <p:nvPr>
+            <p:ph type="sldImg"/>
+          </p:nvPr>
+        </p:nvSpPr>
+        <p:spPr/>
+      </p:sp>
+      <p:sp>
+        <p:nvSpPr>
+          <p:cNvPr id="3" name="Notes Placeholder 2"/>
+          <p:cNvSpPr>
+            <a:spLocks noGrp="1"/>
+          </p:cNvSpPr>
+          <p:nvPr>
+            <p:ph type="body" idx="1"/>
+          </p:nvPr>
+        </p:nvSpPr>
+        <p:spPr/>
+        <p:txBody>
+          <a:bodyPr/>
+          <a:lstStyle/>
+          <a:p>
+            <a:r>
+              <a:rPr lang="en-US" dirty="0" smtClean="0"/>
+              <a:t>Using Git</a:t>
+            </a:r>
+            <a:r>
+              <a:rPr lang="en-US" baseline="0" dirty="0" smtClean="0"/>
+              <a:t>Hub Desktop. Could also use command line.</a:t>
+            </a:r>
+            <a:endParaRPr lang="en-US" dirty="0"/>
+          </a:p>
+        </p:txBody>
+      </p:sp>
+      <p:sp>
+        <p:nvSpPr>
+          <p:cNvPr id="4" name="Slide Number Placeholder 3"/>
+          <p:cNvSpPr>
+            <a:spLocks noGrp="1"/>
+          </p:cNvSpPr>
+          <p:nvPr>
+            <p:ph type="sldNum" sz="quarter" idx="10"/>
+          </p:nvPr>
+        </p:nvSpPr>
+        <p:spPr/>
+        <p:txBody>
+          <a:bodyPr/>
+          <a:lstStyle/>
+          <a:p>
+            <a:fld id="{330637A4-5A62-4226-AE0F-A6A737EE5607}" type="slidenum">
+              <a:rPr lang="en-US" smtClean="0"/>
+              <a:t>20</a:t>
+            </a:fld>
+            <a:endParaRPr lang="en-US"/>
+          </a:p>
+        </p:txBody>
+      </p:sp>
+    </p:spTree>
+    <p:extLst>
+      <p:ext uri="{BB962C8B-B14F-4D97-AF65-F5344CB8AC3E}">
+        <p14:creationId xmlns:p14="http://schemas.microsoft.com/office/powerpoint/2010/main" val="273905354"/>
+      </p:ext>
+    </p:extLst>
+  </p:cSld>
+  <p:clrMapOvr>
+    <a:masterClrMapping/>
+  </p:clrMapOvr>
+</p:notes>
+</file>
+
+<file path=ppt/notesSlides/notesSlide15.xml><?xml version="1.0" encoding="utf-8"?>
+<p:notes xmlns:a="http://schemas.openxmlformats.org/drawingml/2006/main" xmlns:r="http://schemas.openxmlformats.org/officeDocument/2006/relationships" xmlns:p="http://schemas.openxmlformats.org/presentationml/2006/main">
+  <p:cSld>
+    <p:spTree>
+      <p:nvGrpSpPr>
+        <p:cNvPr id="1" name=""/>
+        <p:cNvGrpSpPr/>
+        <p:nvPr/>
+      </p:nvGrpSpPr>
+      <p:grpSpPr>
+        <a:xfrm>
+          <a:off x="0" y="0"/>
+          <a:ext cx="0" cy="0"/>
+          <a:chOff x="0" y="0"/>
+          <a:chExt cx="0" cy="0"/>
+        </a:xfrm>
+      </p:grpSpPr>
+      <p:sp>
+        <p:nvSpPr>
+          <p:cNvPr id="2" name="Slide Image Placeholder 1"/>
+          <p:cNvSpPr>
+            <a:spLocks noGrp="1" noRot="1" noChangeAspect="1"/>
+          </p:cNvSpPr>
+          <p:nvPr>
+            <p:ph type="sldImg"/>
+          </p:nvPr>
+        </p:nvSpPr>
+        <p:spPr/>
+      </p:sp>
+      <p:sp>
+        <p:nvSpPr>
+          <p:cNvPr id="3" name="Notes Placeholder 2"/>
+          <p:cNvSpPr>
+            <a:spLocks noGrp="1"/>
+          </p:cNvSpPr>
+          <p:nvPr>
+            <p:ph type="body" idx="1"/>
+          </p:nvPr>
+        </p:nvSpPr>
+        <p:spPr/>
+        <p:txBody>
+          <a:bodyPr/>
+          <a:lstStyle/>
+          <a:p>
+            <a:r>
+              <a:rPr lang="en-US" dirty="0" smtClean="0"/>
+              <a:t>Using Git</a:t>
+            </a:r>
+            <a:r>
+              <a:rPr lang="en-US" baseline="0" dirty="0" smtClean="0"/>
+              <a:t>Hub Desktop. Could also use command line.</a:t>
+            </a:r>
+            <a:endParaRPr lang="en-US" dirty="0"/>
+          </a:p>
+        </p:txBody>
+      </p:sp>
+      <p:sp>
+        <p:nvSpPr>
+          <p:cNvPr id="4" name="Slide Number Placeholder 3"/>
+          <p:cNvSpPr>
+            <a:spLocks noGrp="1"/>
+          </p:cNvSpPr>
+          <p:nvPr>
+            <p:ph type="sldNum" sz="quarter" idx="10"/>
+          </p:nvPr>
+        </p:nvSpPr>
+        <p:spPr/>
+        <p:txBody>
+          <a:bodyPr/>
+          <a:lstStyle/>
+          <a:p>
+            <a:fld id="{330637A4-5A62-4226-AE0F-A6A737EE5607}" type="slidenum">
+              <a:rPr lang="en-US" smtClean="0"/>
+              <a:t>21</a:t>
+            </a:fld>
+            <a:endParaRPr lang="en-US"/>
+          </a:p>
+        </p:txBody>
+      </p:sp>
+    </p:spTree>
+    <p:extLst>
+      <p:ext uri="{BB962C8B-B14F-4D97-AF65-F5344CB8AC3E}">
+        <p14:creationId xmlns:p14="http://schemas.microsoft.com/office/powerpoint/2010/main" val="728307249"/>
+      </p:ext>
+    </p:extLst>
+  </p:cSld>
+  <p:clrMapOvr>
+    <a:masterClrMapping/>
+  </p:clrMapOvr>
+</p:notes>
+</file>
+
+<file path=ppt/notesSlides/notesSlide16.xml><?xml version="1.0" encoding="utf-8"?>
+<p:notes xmlns:a="http://schemas.openxmlformats.org/drawingml/2006/main" xmlns:r="http://schemas.openxmlformats.org/officeDocument/2006/relationships" xmlns:p="http://schemas.openxmlformats.org/presentationml/2006/main">
+  <p:cSld>
+    <p:spTree>
+      <p:nvGrpSpPr>
+        <p:cNvPr id="1" name=""/>
+        <p:cNvGrpSpPr/>
+        <p:nvPr/>
+      </p:nvGrpSpPr>
+      <p:grpSpPr>
+        <a:xfrm>
+          <a:off x="0" y="0"/>
+          <a:ext cx="0" cy="0"/>
+          <a:chOff x="0" y="0"/>
+          <a:chExt cx="0" cy="0"/>
+        </a:xfrm>
+      </p:grpSpPr>
+      <p:sp>
+        <p:nvSpPr>
+          <p:cNvPr id="2" name="Slide Image Placeholder 1"/>
+          <p:cNvSpPr>
+            <a:spLocks noGrp="1" noRot="1" noChangeAspect="1"/>
+          </p:cNvSpPr>
+          <p:nvPr>
+            <p:ph type="sldImg"/>
+          </p:nvPr>
+        </p:nvSpPr>
+        <p:spPr/>
+      </p:sp>
+      <p:sp>
+        <p:nvSpPr>
+          <p:cNvPr id="3" name="Notes Placeholder 2"/>
+          <p:cNvSpPr>
+            <a:spLocks noGrp="1"/>
+          </p:cNvSpPr>
+          <p:nvPr>
+            <p:ph type="body" idx="1"/>
+          </p:nvPr>
+        </p:nvSpPr>
+        <p:spPr/>
+        <p:txBody>
+          <a:bodyPr/>
+          <a:lstStyle/>
+          <a:p>
+            <a:r>
+              <a:rPr lang="en-US" dirty="0" smtClean="0"/>
+              <a:t>Using Git</a:t>
+            </a:r>
+            <a:r>
+              <a:rPr lang="en-US" baseline="0" dirty="0" smtClean="0"/>
+              <a:t>Hub Desktop. Could also use command line.</a:t>
+            </a:r>
+            <a:endParaRPr lang="en-US" dirty="0"/>
+          </a:p>
+        </p:txBody>
+      </p:sp>
+      <p:sp>
+        <p:nvSpPr>
+          <p:cNvPr id="4" name="Slide Number Placeholder 3"/>
+          <p:cNvSpPr>
+            <a:spLocks noGrp="1"/>
+          </p:cNvSpPr>
+          <p:nvPr>
+            <p:ph type="sldNum" sz="quarter" idx="10"/>
+          </p:nvPr>
+        </p:nvSpPr>
+        <p:spPr/>
+        <p:txBody>
+          <a:bodyPr/>
+          <a:lstStyle/>
+          <a:p>
+            <a:fld id="{330637A4-5A62-4226-AE0F-A6A737EE5607}" type="slidenum">
+              <a:rPr lang="en-US" smtClean="0"/>
+              <a:t>22</a:t>
+            </a:fld>
+            <a:endParaRPr lang="en-US"/>
+          </a:p>
+        </p:txBody>
+      </p:sp>
+    </p:spTree>
+    <p:extLst>
+      <p:ext uri="{BB962C8B-B14F-4D97-AF65-F5344CB8AC3E}">
+        <p14:creationId xmlns:p14="http://schemas.microsoft.com/office/powerpoint/2010/main" val="3037240014"/>
+      </p:ext>
+    </p:extLst>
+  </p:cSld>
+  <p:clrMapOvr>
+    <a:masterClrMapping/>
+  </p:clrMapOvr>
+</p:notes>
+</file>
+
+<file path=ppt/notesSlides/notesSlide17.xml><?xml version="1.0" encoding="utf-8"?>
+<p:notes xmlns:a="http://schemas.openxmlformats.org/drawingml/2006/main" xmlns:r="http://schemas.openxmlformats.org/officeDocument/2006/relationships" xmlns:p="http://schemas.openxmlformats.org/presentationml/2006/main">
+  <p:cSld>
+    <p:spTree>
+      <p:nvGrpSpPr>
+        <p:cNvPr id="1" name=""/>
+        <p:cNvGrpSpPr/>
+        <p:nvPr/>
+      </p:nvGrpSpPr>
+      <p:grpSpPr>
+        <a:xfrm>
+          <a:off x="0" y="0"/>
+          <a:ext cx="0" cy="0"/>
+          <a:chOff x="0" y="0"/>
+          <a:chExt cx="0" cy="0"/>
+        </a:xfrm>
+      </p:grpSpPr>
+      <p:sp>
+        <p:nvSpPr>
+          <p:cNvPr id="2" name="Slide Image Placeholder 1"/>
+          <p:cNvSpPr>
+            <a:spLocks noGrp="1" noRot="1" noChangeAspect="1"/>
+          </p:cNvSpPr>
+          <p:nvPr>
+            <p:ph type="sldImg"/>
+          </p:nvPr>
+        </p:nvSpPr>
+        <p:spPr/>
+      </p:sp>
+      <p:sp>
+        <p:nvSpPr>
+          <p:cNvPr id="3" name="Notes Placeholder 2"/>
+          <p:cNvSpPr>
+            <a:spLocks noGrp="1"/>
+          </p:cNvSpPr>
+          <p:nvPr>
+            <p:ph type="body" idx="1"/>
+          </p:nvPr>
+        </p:nvSpPr>
+        <p:spPr/>
+        <p:txBody>
+          <a:bodyPr/>
+          <a:lstStyle/>
+          <a:p>
+            <a:r>
+              <a:rPr lang="en-US" dirty="0" smtClean="0"/>
+              <a:t>Using Git</a:t>
+            </a:r>
+            <a:r>
+              <a:rPr lang="en-US" baseline="0" dirty="0" smtClean="0"/>
+              <a:t>Hub Desktop. Could also use command line.</a:t>
+            </a:r>
+            <a:endParaRPr lang="en-US" dirty="0"/>
+          </a:p>
+        </p:txBody>
+      </p:sp>
+      <p:sp>
+        <p:nvSpPr>
+          <p:cNvPr id="4" name="Slide Number Placeholder 3"/>
+          <p:cNvSpPr>
+            <a:spLocks noGrp="1"/>
+          </p:cNvSpPr>
+          <p:nvPr>
+            <p:ph type="sldNum" sz="quarter" idx="10"/>
+          </p:nvPr>
+        </p:nvSpPr>
+        <p:spPr/>
+        <p:txBody>
+          <a:bodyPr/>
+          <a:lstStyle/>
+          <a:p>
+            <a:fld id="{330637A4-5A62-4226-AE0F-A6A737EE5607}" type="slidenum">
+              <a:rPr lang="en-US" smtClean="0"/>
+              <a:t>23</a:t>
+            </a:fld>
+            <a:endParaRPr lang="en-US"/>
+          </a:p>
+        </p:txBody>
+      </p:sp>
+    </p:spTree>
+    <p:extLst>
+      <p:ext uri="{BB962C8B-B14F-4D97-AF65-F5344CB8AC3E}">
+        <p14:creationId xmlns:p14="http://schemas.microsoft.com/office/powerpoint/2010/main" val="3850886483"/>
+      </p:ext>
+    </p:extLst>
+  </p:cSld>
+  <p:clrMapOvr>
+    <a:masterClrMapping/>
+  </p:clrMapOvr>
+</p:notes>
+</file>
+
+<file path=ppt/notesSlides/notesSlide18.xml><?xml version="1.0" encoding="utf-8"?>
+<p:notes xmlns:a="http://schemas.openxmlformats.org/drawingml/2006/main" xmlns:r="http://schemas.openxmlformats.org/officeDocument/2006/relationships" xmlns:p="http://schemas.openxmlformats.org/presentationml/2006/main">
+  <p:cSld>
+    <p:spTree>
+      <p:nvGrpSpPr>
+        <p:cNvPr id="1" name=""/>
+        <p:cNvGrpSpPr/>
+        <p:nvPr/>
+      </p:nvGrpSpPr>
+      <p:grpSpPr>
+        <a:xfrm>
+          <a:off x="0" y="0"/>
+          <a:ext cx="0" cy="0"/>
+          <a:chOff x="0" y="0"/>
+          <a:chExt cx="0" cy="0"/>
+        </a:xfrm>
+      </p:grpSpPr>
+      <p:sp>
+        <p:nvSpPr>
+          <p:cNvPr id="2" name="Slide Image Placeholder 1"/>
+          <p:cNvSpPr>
+            <a:spLocks noGrp="1" noRot="1" noChangeAspect="1"/>
+          </p:cNvSpPr>
+          <p:nvPr>
+            <p:ph type="sldImg"/>
+          </p:nvPr>
+        </p:nvSpPr>
+        <p:spPr/>
+      </p:sp>
+      <p:sp>
+        <p:nvSpPr>
+          <p:cNvPr id="3" name="Notes Placeholder 2"/>
+          <p:cNvSpPr>
+            <a:spLocks noGrp="1"/>
+          </p:cNvSpPr>
+          <p:nvPr>
+            <p:ph type="body" idx="1"/>
+          </p:nvPr>
+        </p:nvSpPr>
+        <p:spPr/>
+        <p:txBody>
+          <a:bodyPr/>
+          <a:lstStyle/>
+          <a:p>
+            <a:r>
+              <a:rPr lang="en-US" dirty="0" smtClean="0"/>
+              <a:t>Using Git</a:t>
+            </a:r>
+            <a:r>
+              <a:rPr lang="en-US" baseline="0" dirty="0" smtClean="0"/>
+              <a:t>Hub Desktop. Could also use command line.</a:t>
+            </a:r>
+            <a:endParaRPr lang="en-US" dirty="0"/>
+          </a:p>
+        </p:txBody>
+      </p:sp>
+      <p:sp>
+        <p:nvSpPr>
+          <p:cNvPr id="4" name="Slide Number Placeholder 3"/>
+          <p:cNvSpPr>
+            <a:spLocks noGrp="1"/>
+          </p:cNvSpPr>
+          <p:nvPr>
+            <p:ph type="sldNum" sz="quarter" idx="10"/>
+          </p:nvPr>
+        </p:nvSpPr>
+        <p:spPr/>
+        <p:txBody>
+          <a:bodyPr/>
+          <a:lstStyle/>
+          <a:p>
+            <a:fld id="{330637A4-5A62-4226-AE0F-A6A737EE5607}" type="slidenum">
+              <a:rPr lang="en-US" smtClean="0"/>
+              <a:t>24</a:t>
+            </a:fld>
+            <a:endParaRPr lang="en-US"/>
+          </a:p>
+        </p:txBody>
+      </p:sp>
+    </p:spTree>
+    <p:extLst>
+      <p:ext uri="{BB962C8B-B14F-4D97-AF65-F5344CB8AC3E}">
+        <p14:creationId xmlns:p14="http://schemas.microsoft.com/office/powerpoint/2010/main" val="1749920791"/>
+      </p:ext>
+    </p:extLst>
+  </p:cSld>
+  <p:clrMapOvr>
+    <a:masterClrMapping/>
+  </p:clrMapOvr>
+</p:notes>
+</file>
+
+<file path=ppt/notesSlides/notesSlide19.xml><?xml version="1.0" encoding="utf-8"?>
+<p:notes xmlns:a="http://schemas.openxmlformats.org/drawingml/2006/main" xmlns:r="http://schemas.openxmlformats.org/officeDocument/2006/relationships" xmlns:p="http://schemas.openxmlformats.org/presentationml/2006/main">
+  <p:cSld>
+    <p:spTree>
+      <p:nvGrpSpPr>
+        <p:cNvPr id="1" name=""/>
+        <p:cNvGrpSpPr/>
+        <p:nvPr/>
+      </p:nvGrpSpPr>
+      <p:grpSpPr>
+        <a:xfrm>
+          <a:off x="0" y="0"/>
+          <a:ext cx="0" cy="0"/>
+          <a:chOff x="0" y="0"/>
+          <a:chExt cx="0" cy="0"/>
+        </a:xfrm>
+      </p:grpSpPr>
+      <p:sp>
+        <p:nvSpPr>
+          <p:cNvPr id="2" name="Slide Image Placeholder 1"/>
+          <p:cNvSpPr>
+            <a:spLocks noGrp="1" noRot="1" noChangeAspect="1"/>
+          </p:cNvSpPr>
+          <p:nvPr>
+            <p:ph type="sldImg"/>
+          </p:nvPr>
+        </p:nvSpPr>
+        <p:spPr/>
+      </p:sp>
+      <p:sp>
+        <p:nvSpPr>
+          <p:cNvPr id="3" name="Notes Placeholder 2"/>
+          <p:cNvSpPr>
+            <a:spLocks noGrp="1"/>
+          </p:cNvSpPr>
+          <p:nvPr>
+            <p:ph type="body" idx="1"/>
+          </p:nvPr>
+        </p:nvSpPr>
+        <p:spPr/>
+        <p:txBody>
+          <a:bodyPr/>
+          <a:lstStyle/>
+          <a:p>
+            <a:r>
+              <a:rPr lang="en-US" dirty="0" smtClean="0"/>
+              <a:t>Using Git</a:t>
+            </a:r>
+            <a:r>
+              <a:rPr lang="en-US" baseline="0" dirty="0" smtClean="0"/>
+              <a:t>Hub Desktop. Could also use command line.</a:t>
+            </a:r>
+            <a:endParaRPr lang="en-US" dirty="0"/>
+          </a:p>
+        </p:txBody>
+      </p:sp>
+      <p:sp>
+        <p:nvSpPr>
+          <p:cNvPr id="4" name="Slide Number Placeholder 3"/>
+          <p:cNvSpPr>
+            <a:spLocks noGrp="1"/>
+          </p:cNvSpPr>
+          <p:nvPr>
+            <p:ph type="sldNum" sz="quarter" idx="10"/>
+          </p:nvPr>
+        </p:nvSpPr>
+        <p:spPr/>
+        <p:txBody>
+          <a:bodyPr/>
+          <a:lstStyle/>
+          <a:p>
+            <a:fld id="{330637A4-5A62-4226-AE0F-A6A737EE5607}" type="slidenum">
+              <a:rPr lang="en-US" smtClean="0"/>
+              <a:t>26</a:t>
+            </a:fld>
+            <a:endParaRPr lang="en-US"/>
+          </a:p>
+        </p:txBody>
+      </p:sp>
+    </p:spTree>
+    <p:extLst>
+      <p:ext uri="{BB962C8B-B14F-4D97-AF65-F5344CB8AC3E}">
+        <p14:creationId xmlns:p14="http://schemas.microsoft.com/office/powerpoint/2010/main" val="3733573831"/>
       </p:ext>
     </p:extLst>
   </p:cSld>
@@ -843,7 +1588,7 @@
           <a:p>
             <a:fld id="{330637A4-5A62-4226-AE0F-A6A737EE5607}" type="slidenum">
               <a:rPr lang="en-US" smtClean="0"/>
-              <a:t>8</a:t>
+              <a:t>7</a:t>
             </a:fld>
             <a:endParaRPr lang="en-US"/>
           </a:p>
@@ -935,7 +1680,7 @@
           <a:p>
             <a:fld id="{330637A4-5A62-4226-AE0F-A6A737EE5607}" type="slidenum">
               <a:rPr lang="en-US" smtClean="0"/>
-              <a:t>9</a:t>
+              <a:t>8</a:t>
             </a:fld>
             <a:endParaRPr lang="en-US"/>
           </a:p>
@@ -1027,7 +1772,7 @@
           <a:p>
             <a:fld id="{330637A4-5A62-4226-AE0F-A6A737EE5607}" type="slidenum">
               <a:rPr lang="en-US" smtClean="0"/>
-              <a:t>10</a:t>
+              <a:t>9</a:t>
             </a:fld>
             <a:endParaRPr lang="en-US"/>
           </a:p>
@@ -1119,7 +1864,7 @@
           <a:p>
             <a:fld id="{330637A4-5A62-4226-AE0F-A6A737EE5607}" type="slidenum">
               <a:rPr lang="en-US" smtClean="0"/>
-              <a:t>11</a:t>
+              <a:t>10</a:t>
             </a:fld>
             <a:endParaRPr lang="en-US"/>
           </a:p>
@@ -1211,7 +1956,7 @@
           <a:p>
             <a:fld id="{330637A4-5A62-4226-AE0F-A6A737EE5607}" type="slidenum">
               <a:rPr lang="en-US" smtClean="0"/>
-              <a:t>12</a:t>
+              <a:t>11</a:t>
             </a:fld>
             <a:endParaRPr lang="en-US"/>
           </a:p>
@@ -1303,7 +2048,7 @@
           <a:p>
             <a:fld id="{330637A4-5A62-4226-AE0F-A6A737EE5607}" type="slidenum">
               <a:rPr lang="en-US" smtClean="0"/>
-              <a:t>13</a:t>
+              <a:t>12</a:t>
             </a:fld>
             <a:endParaRPr lang="en-US"/>
           </a:p>
@@ -1395,7 +2140,7 @@
           <a:p>
             <a:fld id="{330637A4-5A62-4226-AE0F-A6A737EE5607}" type="slidenum">
               <a:rPr lang="en-US" smtClean="0"/>
-              <a:t>14</a:t>
+              <a:t>13</a:t>
             </a:fld>
             <a:endParaRPr lang="en-US"/>
           </a:p>
@@ -1487,7 +2232,7 @@
           <a:p>
             <a:fld id="{330637A4-5A62-4226-AE0F-A6A737EE5607}" type="slidenum">
               <a:rPr lang="en-US" smtClean="0"/>
-              <a:t>15</a:t>
+              <a:t>14</a:t>
             </a:fld>
             <a:endParaRPr lang="en-US"/>
           </a:p>
@@ -1687,7 +2432,7 @@
           <a:p>
             <a:fld id="{7FE653A7-E4F5-4932-A8AA-7512B49A5768}" type="datetime1">
               <a:rPr lang="en-US" smtClean="0"/>
-              <a:t>1/10/2017</a:t>
+              <a:t>1/11/2017</a:t>
             </a:fld>
             <a:endParaRPr lang="en-US"/>
           </a:p>
@@ -1853,7 +2598,7 @@
           <a:p>
             <a:fld id="{45291009-169B-46BB-A5EE-6CC5E4E1DCF0}" type="datetime1">
               <a:rPr lang="en-US" smtClean="0"/>
-              <a:t>1/10/2017</a:t>
+              <a:t>1/11/2017</a:t>
             </a:fld>
             <a:endParaRPr lang="en-US"/>
           </a:p>
@@ -2029,7 +2774,7 @@
           <a:p>
             <a:fld id="{92929CF0-CBC6-4519-B546-FFB774C43AE1}" type="datetime1">
               <a:rPr lang="en-US" smtClean="0"/>
-              <a:t>1/10/2017</a:t>
+              <a:t>1/11/2017</a:t>
             </a:fld>
             <a:endParaRPr lang="en-US"/>
           </a:p>
@@ -2195,7 +2940,7 @@
           <a:p>
             <a:fld id="{F0A8804F-E48D-4507-8803-2C5C0F3978BD}" type="datetime1">
               <a:rPr lang="en-US" smtClean="0"/>
-              <a:t>1/10/2017</a:t>
+              <a:t>1/11/2017</a:t>
             </a:fld>
             <a:endParaRPr lang="en-US"/>
           </a:p>
@@ -2437,7 +3182,7 @@
           <a:p>
             <a:fld id="{239FFB4A-C4C3-46F6-9C57-1214DC277703}" type="datetime1">
               <a:rPr lang="en-US" smtClean="0"/>
-              <a:t>1/10/2017</a:t>
+              <a:t>1/11/2017</a:t>
             </a:fld>
             <a:endParaRPr lang="en-US"/>
           </a:p>
@@ -2721,7 +3466,7 @@
           <a:p>
             <a:fld id="{906FE13A-A67B-45AC-835A-0ADA57C6959B}" type="datetime1">
               <a:rPr lang="en-US" smtClean="0"/>
-              <a:t>1/10/2017</a:t>
+              <a:t>1/11/2017</a:t>
             </a:fld>
             <a:endParaRPr lang="en-US"/>
           </a:p>
@@ -3139,7 +3884,7 @@
           <a:p>
             <a:fld id="{B8F685C5-B456-4699-9B7C-A67C6D3DE88A}" type="datetime1">
               <a:rPr lang="en-US" smtClean="0"/>
-              <a:t>1/10/2017</a:t>
+              <a:t>1/11/2017</a:t>
             </a:fld>
             <a:endParaRPr lang="en-US"/>
           </a:p>
@@ -3253,7 +3998,7 @@
           <a:p>
             <a:fld id="{96A45170-2073-4104-986A-9995CBA3A57F}" type="datetime1">
               <a:rPr lang="en-US" smtClean="0"/>
-              <a:t>1/10/2017</a:t>
+              <a:t>1/11/2017</a:t>
             </a:fld>
             <a:endParaRPr lang="en-US"/>
           </a:p>
@@ -3344,7 +4089,7 @@
           <a:p>
             <a:fld id="{C2AD152C-88C9-4A0B-9F47-3D94A36E1CE5}" type="datetime1">
               <a:rPr lang="en-US" smtClean="0"/>
-              <a:t>1/10/2017</a:t>
+              <a:t>1/11/2017</a:t>
             </a:fld>
             <a:endParaRPr lang="en-US"/>
           </a:p>
@@ -3617,7 +4362,7 @@
           <a:p>
             <a:fld id="{B3F58D87-E177-4DE3-9F81-5BA4D8D1C84A}" type="datetime1">
               <a:rPr lang="en-US" smtClean="0"/>
-              <a:t>1/10/2017</a:t>
+              <a:t>1/11/2017</a:t>
             </a:fld>
             <a:endParaRPr lang="en-US"/>
           </a:p>
@@ -3866,7 +4611,7 @@
           <a:p>
             <a:fld id="{8B84AA03-D124-4BF6-8C3B-CDE8A22287ED}" type="datetime1">
               <a:rPr lang="en-US" smtClean="0"/>
-              <a:t>1/10/2017</a:t>
+              <a:t>1/11/2017</a:t>
             </a:fld>
             <a:endParaRPr lang="en-US"/>
           </a:p>
@@ -4075,7 +4820,7 @@
           <a:p>
             <a:fld id="{8B21E4F4-26A9-4B12-A24A-997A33CB3A3B}" type="datetime1">
               <a:rPr lang="en-US" smtClean="0"/>
-              <a:t>1/10/2017</a:t>
+              <a:t>1/11/2017</a:t>
             </a:fld>
             <a:endParaRPr lang="en-US"/>
           </a:p>
@@ -4740,7 +5485,7 @@
                   </a:schemeClr>
                 </a:solidFill>
               </a:rPr>
-              <a:t>[Branch Demo]</a:t>
+              <a:t>Do actual work!</a:t>
             </a:r>
             <a:endParaRPr lang="en-US" dirty="0">
               <a:solidFill>
@@ -4749,47 +5494,6 @@
                 </a:schemeClr>
               </a:solidFill>
             </a:endParaRPr>
-          </a:p>
-        </p:txBody>
-      </p:sp>
-      <p:sp>
-        <p:nvSpPr>
-          <p:cNvPr id="3" name="Content Placeholder 2"/>
-          <p:cNvSpPr>
-            <a:spLocks noGrp="1"/>
-          </p:cNvSpPr>
-          <p:nvPr>
-            <p:ph idx="1"/>
-          </p:nvPr>
-        </p:nvSpPr>
-        <p:spPr/>
-        <p:txBody>
-          <a:bodyPr/>
-          <a:lstStyle/>
-          <a:p>
-            <a:r>
-              <a:rPr lang="en-US" dirty="0" smtClean="0"/>
-              <a:t>Click branch icon</a:t>
-            </a:r>
-          </a:p>
-          <a:p>
-            <a:r>
-              <a:rPr lang="en-US" dirty="0" smtClean="0"/>
-              <a:t>Type in name of new branch</a:t>
-            </a:r>
-          </a:p>
-          <a:p>
-            <a:r>
-              <a:rPr lang="en-US" dirty="0" smtClean="0"/>
-              <a:t>Branch from Master</a:t>
-            </a:r>
-          </a:p>
-          <a:p>
-            <a:r>
-              <a:rPr lang="en-US" dirty="0" smtClean="0"/>
-              <a:t>Click OK</a:t>
-            </a:r>
-            <a:endParaRPr lang="en-US" dirty="0"/>
           </a:p>
         </p:txBody>
       </p:sp>
@@ -4938,10 +5642,118 @@
           </a:p>
         </p:txBody>
       </p:sp>
+      <p:pic>
+        <p:nvPicPr>
+          <p:cNvPr id="6" name="Picture 5"/>
+          <p:cNvPicPr>
+            <a:picLocks noChangeAspect="1"/>
+          </p:cNvPicPr>
+          <p:nvPr/>
+        </p:nvPicPr>
+        <p:blipFill>
+          <a:blip r:embed="rId4"/>
+          <a:stretch>
+            <a:fillRect/>
+          </a:stretch>
+        </p:blipFill>
+        <p:spPr>
+          <a:xfrm>
+            <a:off x="1524000" y="1615721"/>
+            <a:ext cx="2324100" cy="1581150"/>
+          </a:xfrm>
+          <a:prstGeom prst="rect">
+            <a:avLst/>
+          </a:prstGeom>
+        </p:spPr>
+      </p:pic>
+      <p:pic>
+        <p:nvPicPr>
+          <p:cNvPr id="7" name="Picture 6"/>
+          <p:cNvPicPr>
+            <a:picLocks noChangeAspect="1"/>
+          </p:cNvPicPr>
+          <p:nvPr/>
+        </p:nvPicPr>
+        <p:blipFill>
+          <a:blip r:embed="rId5"/>
+          <a:stretch>
+            <a:fillRect/>
+          </a:stretch>
+        </p:blipFill>
+        <p:spPr>
+          <a:xfrm>
+            <a:off x="4587089" y="1393495"/>
+            <a:ext cx="2324100" cy="2686050"/>
+          </a:xfrm>
+          <a:prstGeom prst="rect">
+            <a:avLst/>
+          </a:prstGeom>
+        </p:spPr>
+      </p:pic>
+      <p:pic>
+        <p:nvPicPr>
+          <p:cNvPr id="9" name="Picture 8"/>
+          <p:cNvPicPr>
+            <a:picLocks noChangeAspect="1"/>
+          </p:cNvPicPr>
+          <p:nvPr/>
+        </p:nvPicPr>
+        <p:blipFill>
+          <a:blip r:embed="rId6"/>
+          <a:stretch>
+            <a:fillRect/>
+          </a:stretch>
+        </p:blipFill>
+        <p:spPr>
+          <a:xfrm>
+            <a:off x="1524000" y="3809999"/>
+            <a:ext cx="2314575" cy="1571625"/>
+          </a:xfrm>
+          <a:prstGeom prst="rect">
+            <a:avLst/>
+          </a:prstGeom>
+        </p:spPr>
+      </p:pic>
+      <p:sp>
+        <p:nvSpPr>
+          <p:cNvPr id="11" name="TextBox 10"/>
+          <p:cNvSpPr txBox="1"/>
+          <p:nvPr/>
+        </p:nvSpPr>
+        <p:spPr>
+          <a:xfrm>
+            <a:off x="4128395" y="4756540"/>
+            <a:ext cx="4939405" cy="923330"/>
+          </a:xfrm>
+          <a:prstGeom prst="rect">
+            <a:avLst/>
+          </a:prstGeom>
+          <a:noFill/>
+        </p:spPr>
+        <p:txBody>
+          <a:bodyPr wrap="square" rtlCol="0">
+            <a:spAutoFit/>
+          </a:bodyPr>
+          <a:lstStyle/>
+          <a:p>
+            <a:r>
+              <a:rPr lang="en-US" dirty="0" smtClean="0"/>
+              <a:t>Add a file, change something, add something…</a:t>
+            </a:r>
+          </a:p>
+          <a:p>
+            <a:r>
+              <a:rPr lang="en-US" dirty="0" smtClean="0"/>
+              <a:t>For the demo, try adding a new text file to the directory</a:t>
+            </a:r>
+            <a:endParaRPr lang="en-US" dirty="0"/>
+          </a:p>
+        </p:txBody>
+      </p:sp>
     </p:spTree>
     <p:extLst>
       <p:ext uri="{BB962C8B-B14F-4D97-AF65-F5344CB8AC3E}">
-        <p14:creationId xmlns:p14="http://schemas.microsoft.com/office/powerpoint/2010/main" val="556958731"/>
+        <p14:creationId xmlns:p14="http://schemas.microsoft.com/office/powerpoint/2010/main" val="1346323533"/>
       </p:ext>
     </p:extLst>
   </p:cSld>
@@ -4985,6 +5797,78 @@
           <a:chExt cx="0" cy="0"/>
         </a:xfrm>
       </p:grpSpPr>
+      <p:cxnSp>
+        <p:nvCxnSpPr>
+          <p:cNvPr id="15" name="Straight Arrow Connector 14"/>
+          <p:cNvCxnSpPr>
+            <a:stCxn id="13" idx="4"/>
+          </p:cNvCxnSpPr>
+          <p:nvPr/>
+        </p:nvCxnSpPr>
+        <p:spPr>
+          <a:xfrm>
+            <a:off x="5173832" y="3639401"/>
+            <a:ext cx="1028700" cy="767835"/>
+          </a:xfrm>
+          <a:prstGeom prst="straightConnector1">
+            <a:avLst/>
+          </a:prstGeom>
+          <a:ln w="76200">
+            <a:headEnd type="none" w="med" len="med"/>
+            <a:tailEnd type="none" w="med" len="med"/>
+          </a:ln>
+        </p:spPr>
+        <p:style>
+          <a:lnRef idx="1">
+            <a:schemeClr val="accent6"/>
+          </a:lnRef>
+          <a:fillRef idx="0">
+            <a:schemeClr val="accent6"/>
+          </a:fillRef>
+          <a:effectRef idx="0">
+            <a:schemeClr val="accent6"/>
+          </a:effectRef>
+          <a:fontRef idx="minor">
+            <a:schemeClr val="tx1"/>
+          </a:fontRef>
+        </p:style>
+      </p:cxnSp>
+      <p:cxnSp>
+        <p:nvCxnSpPr>
+          <p:cNvPr id="20" name="Straight Arrow Connector 19"/>
+          <p:cNvCxnSpPr>
+            <a:endCxn id="19" idx="6"/>
+          </p:cNvCxnSpPr>
+          <p:nvPr/>
+        </p:nvCxnSpPr>
+        <p:spPr>
+          <a:xfrm>
+            <a:off x="6149119" y="4305308"/>
+            <a:ext cx="913750" cy="16975"/>
+          </a:xfrm>
+          <a:prstGeom prst="straightConnector1">
+            <a:avLst/>
+          </a:prstGeom>
+          <a:ln w="76200">
+            <a:headEnd type="none" w="med" len="med"/>
+            <a:tailEnd type="none" w="med" len="med"/>
+          </a:ln>
+        </p:spPr>
+        <p:style>
+          <a:lnRef idx="1">
+            <a:schemeClr val="accent6"/>
+          </a:lnRef>
+          <a:fillRef idx="0">
+            <a:schemeClr val="accent6"/>
+          </a:fillRef>
+          <a:effectRef idx="0">
+            <a:schemeClr val="accent6"/>
+          </a:effectRef>
+          <a:fontRef idx="minor">
+            <a:schemeClr val="tx1"/>
+          </a:fontRef>
+        </p:style>
+      </p:cxnSp>
       <p:sp>
         <p:nvSpPr>
           <p:cNvPr id="5" name="Rectangle 4"/>
@@ -5065,7 +5949,7 @@
                   </a:schemeClr>
                 </a:solidFill>
               </a:rPr>
-              <a:t>Do actual work!</a:t>
+              <a:t>Commit changes</a:t>
             </a:r>
             <a:endParaRPr lang="en-US" dirty="0">
               <a:solidFill>
@@ -5222,88 +6106,16 @@
           </a:p>
         </p:txBody>
       </p:sp>
-      <p:pic>
-        <p:nvPicPr>
-          <p:cNvPr id="6" name="Picture 5"/>
-          <p:cNvPicPr>
-            <a:picLocks noChangeAspect="1"/>
-          </p:cNvPicPr>
-          <p:nvPr/>
-        </p:nvPicPr>
-        <p:blipFill>
-          <a:blip r:embed="rId4"/>
-          <a:stretch>
-            <a:fillRect/>
-          </a:stretch>
-        </p:blipFill>
-        <p:spPr>
-          <a:xfrm>
-            <a:off x="1524000" y="1615721"/>
-            <a:ext cx="2324100" cy="1581150"/>
-          </a:xfrm>
-          <a:prstGeom prst="rect">
-            <a:avLst/>
-          </a:prstGeom>
-        </p:spPr>
-      </p:pic>
-      <p:pic>
-        <p:nvPicPr>
-          <p:cNvPr id="7" name="Picture 6"/>
-          <p:cNvPicPr>
-            <a:picLocks noChangeAspect="1"/>
-          </p:cNvPicPr>
-          <p:nvPr/>
-        </p:nvPicPr>
-        <p:blipFill>
-          <a:blip r:embed="rId5"/>
-          <a:stretch>
-            <a:fillRect/>
-          </a:stretch>
-        </p:blipFill>
-        <p:spPr>
-          <a:xfrm>
-            <a:off x="4587089" y="1393495"/>
-            <a:ext cx="2324100" cy="2686050"/>
-          </a:xfrm>
-          <a:prstGeom prst="rect">
-            <a:avLst/>
-          </a:prstGeom>
-        </p:spPr>
-      </p:pic>
-      <p:pic>
-        <p:nvPicPr>
-          <p:cNvPr id="9" name="Picture 8"/>
-          <p:cNvPicPr>
-            <a:picLocks noChangeAspect="1"/>
-          </p:cNvPicPr>
-          <p:nvPr/>
-        </p:nvPicPr>
-        <p:blipFill>
-          <a:blip r:embed="rId6"/>
-          <a:stretch>
-            <a:fillRect/>
-          </a:stretch>
-        </p:blipFill>
-        <p:spPr>
-          <a:xfrm>
-            <a:off x="1524000" y="3809999"/>
-            <a:ext cx="2314575" cy="1571625"/>
-          </a:xfrm>
-          <a:prstGeom prst="rect">
-            <a:avLst/>
-          </a:prstGeom>
-        </p:spPr>
-      </p:pic>
-      <p:sp>
-        <p:nvSpPr>
-          <p:cNvPr id="11" name="TextBox 10"/>
+      <p:sp>
+        <p:nvSpPr>
+          <p:cNvPr id="4" name="TextBox 3"/>
           <p:cNvSpPr txBox="1"/>
           <p:nvPr/>
         </p:nvSpPr>
         <p:spPr>
           <a:xfrm>
-            <a:off x="4128395" y="4756540"/>
-            <a:ext cx="4939405" cy="923330"/>
+            <a:off x="304800" y="1461572"/>
+            <a:ext cx="8338501" cy="369332"/>
           </a:xfrm>
           <a:prstGeom prst="rect">
             <a:avLst/>
@@ -5311,20 +6123,447 @@
           <a:noFill/>
         </p:spPr>
         <p:txBody>
-          <a:bodyPr wrap="square" rtlCol="0">
+          <a:bodyPr wrap="none" rtlCol="0">
             <a:spAutoFit/>
           </a:bodyPr>
           <a:lstStyle/>
           <a:p>
             <a:r>
+              <a:rPr lang="en-US" b="1" dirty="0" smtClean="0"/>
+              <a:t>Commit: </a:t>
+            </a:r>
+            <a:r>
               <a:rPr lang="en-US" dirty="0" smtClean="0"/>
-              <a:t>Add a file, change something, add something…</a:t>
-            </a:r>
-          </a:p>
+              <a:t>Save the latest snapshot of your project to the repository. Always leave a note!</a:t>
+            </a:r>
+            <a:endParaRPr lang="en-US" b="1" dirty="0"/>
+          </a:p>
+        </p:txBody>
+      </p:sp>
+      <p:cxnSp>
+        <p:nvCxnSpPr>
+          <p:cNvPr id="9" name="Straight Arrow Connector 8"/>
+          <p:cNvCxnSpPr/>
+          <p:nvPr/>
+        </p:nvCxnSpPr>
+        <p:spPr>
+          <a:xfrm>
+            <a:off x="563732" y="3525101"/>
+            <a:ext cx="5791200" cy="0"/>
+          </a:xfrm>
+          <a:prstGeom prst="straightConnector1">
+            <a:avLst/>
+          </a:prstGeom>
+          <a:ln w="57150">
+            <a:tailEnd type="triangle"/>
+          </a:ln>
+        </p:spPr>
+        <p:style>
+          <a:lnRef idx="1">
+            <a:schemeClr val="accent1"/>
+          </a:lnRef>
+          <a:fillRef idx="0">
+            <a:schemeClr val="accent1"/>
+          </a:fillRef>
+          <a:effectRef idx="0">
+            <a:schemeClr val="accent1"/>
+          </a:effectRef>
+          <a:fontRef idx="minor">
+            <a:schemeClr val="tx1"/>
+          </a:fontRef>
+        </p:style>
+      </p:cxnSp>
+      <p:sp>
+        <p:nvSpPr>
+          <p:cNvPr id="10" name="Oval 9"/>
+          <p:cNvSpPr/>
+          <p:nvPr/>
+        </p:nvSpPr>
+        <p:spPr>
+          <a:xfrm>
+            <a:off x="868532" y="3385039"/>
+            <a:ext cx="228600" cy="228600"/>
+          </a:xfrm>
+          <a:prstGeom prst="ellipse">
+            <a:avLst/>
+          </a:prstGeom>
+        </p:spPr>
+        <p:style>
+          <a:lnRef idx="2">
+            <a:schemeClr val="accent1">
+              <a:shade val="50000"/>
+            </a:schemeClr>
+          </a:lnRef>
+          <a:fillRef idx="1">
+            <a:schemeClr val="accent1"/>
+          </a:fillRef>
+          <a:effectRef idx="0">
+            <a:schemeClr val="accent1"/>
+          </a:effectRef>
+          <a:fontRef idx="minor">
+            <a:schemeClr val="lt1"/>
+          </a:fontRef>
+        </p:style>
+        <p:txBody>
+          <a:bodyPr rtlCol="0" anchor="ctr"/>
+          <a:lstStyle/>
+          <a:p>
+            <a:pPr algn="ctr"/>
+            <a:endParaRPr lang="en-US"/>
+          </a:p>
+        </p:txBody>
+      </p:sp>
+      <p:sp>
+        <p:nvSpPr>
+          <p:cNvPr id="11" name="Oval 10"/>
+          <p:cNvSpPr/>
+          <p:nvPr/>
+        </p:nvSpPr>
+        <p:spPr>
+          <a:xfrm>
+            <a:off x="2303883" y="3385039"/>
+            <a:ext cx="228600" cy="228600"/>
+          </a:xfrm>
+          <a:prstGeom prst="ellipse">
+            <a:avLst/>
+          </a:prstGeom>
+        </p:spPr>
+        <p:style>
+          <a:lnRef idx="2">
+            <a:schemeClr val="accent1">
+              <a:shade val="50000"/>
+            </a:schemeClr>
+          </a:lnRef>
+          <a:fillRef idx="1">
+            <a:schemeClr val="accent1"/>
+          </a:fillRef>
+          <a:effectRef idx="0">
+            <a:schemeClr val="accent1"/>
+          </a:effectRef>
+          <a:fontRef idx="minor">
+            <a:schemeClr val="lt1"/>
+          </a:fontRef>
+        </p:style>
+        <p:txBody>
+          <a:bodyPr rtlCol="0" anchor="ctr"/>
+          <a:lstStyle/>
+          <a:p>
+            <a:pPr algn="ctr"/>
+            <a:endParaRPr lang="en-US"/>
+          </a:p>
+        </p:txBody>
+      </p:sp>
+      <p:sp>
+        <p:nvSpPr>
+          <p:cNvPr id="12" name="Oval 11"/>
+          <p:cNvSpPr/>
+          <p:nvPr/>
+        </p:nvSpPr>
+        <p:spPr>
+          <a:xfrm>
+            <a:off x="3649832" y="3385039"/>
+            <a:ext cx="228600" cy="228600"/>
+          </a:xfrm>
+          <a:prstGeom prst="ellipse">
+            <a:avLst/>
+          </a:prstGeom>
+        </p:spPr>
+        <p:style>
+          <a:lnRef idx="2">
+            <a:schemeClr val="accent1">
+              <a:shade val="50000"/>
+            </a:schemeClr>
+          </a:lnRef>
+          <a:fillRef idx="1">
+            <a:schemeClr val="accent1"/>
+          </a:fillRef>
+          <a:effectRef idx="0">
+            <a:schemeClr val="accent1"/>
+          </a:effectRef>
+          <a:fontRef idx="minor">
+            <a:schemeClr val="lt1"/>
+          </a:fontRef>
+        </p:style>
+        <p:txBody>
+          <a:bodyPr rtlCol="0" anchor="ctr"/>
+          <a:lstStyle/>
+          <a:p>
+            <a:pPr algn="ctr"/>
+            <a:endParaRPr lang="en-US"/>
+          </a:p>
+        </p:txBody>
+      </p:sp>
+      <p:sp>
+        <p:nvSpPr>
+          <p:cNvPr id="13" name="Oval 12"/>
+          <p:cNvSpPr/>
+          <p:nvPr/>
+        </p:nvSpPr>
+        <p:spPr>
+          <a:xfrm>
+            <a:off x="5059532" y="3410801"/>
+            <a:ext cx="228600" cy="228600"/>
+          </a:xfrm>
+          <a:prstGeom prst="ellipse">
+            <a:avLst/>
+          </a:prstGeom>
+        </p:spPr>
+        <p:style>
+          <a:lnRef idx="2">
+            <a:schemeClr val="accent1">
+              <a:shade val="50000"/>
+            </a:schemeClr>
+          </a:lnRef>
+          <a:fillRef idx="1">
+            <a:schemeClr val="accent1"/>
+          </a:fillRef>
+          <a:effectRef idx="0">
+            <a:schemeClr val="accent1"/>
+          </a:effectRef>
+          <a:fontRef idx="minor">
+            <a:schemeClr val="lt1"/>
+          </a:fontRef>
+        </p:style>
+        <p:txBody>
+          <a:bodyPr rtlCol="0" anchor="ctr"/>
+          <a:lstStyle/>
+          <a:p>
+            <a:pPr algn="ctr"/>
+            <a:endParaRPr lang="en-US"/>
+          </a:p>
+        </p:txBody>
+      </p:sp>
+      <p:sp>
+        <p:nvSpPr>
+          <p:cNvPr id="14" name="TextBox 13"/>
+          <p:cNvSpPr txBox="1"/>
+          <p:nvPr/>
+        </p:nvSpPr>
+        <p:spPr>
+          <a:xfrm>
+            <a:off x="6354178" y="3340435"/>
+            <a:ext cx="849656" cy="369332"/>
+          </a:xfrm>
+          <a:prstGeom prst="rect">
+            <a:avLst/>
+          </a:prstGeom>
+          <a:noFill/>
+        </p:spPr>
+        <p:txBody>
+          <a:bodyPr wrap="none" rtlCol="0">
+            <a:spAutoFit/>
+          </a:bodyPr>
+          <a:lstStyle/>
           <a:p>
             <a:r>
               <a:rPr lang="en-US" dirty="0" smtClean="0"/>
-              <a:t>For the demo, try adding a new text file to the directory</a:t>
+              <a:t>Master</a:t>
+            </a:r>
+            <a:endParaRPr lang="en-US" dirty="0"/>
+          </a:p>
+        </p:txBody>
+      </p:sp>
+      <p:cxnSp>
+        <p:nvCxnSpPr>
+          <p:cNvPr id="16" name="Straight Arrow Connector 15"/>
+          <p:cNvCxnSpPr/>
+          <p:nvPr/>
+        </p:nvCxnSpPr>
+        <p:spPr>
+          <a:xfrm>
+            <a:off x="7010400" y="4322283"/>
+            <a:ext cx="914400" cy="0"/>
+          </a:xfrm>
+          <a:prstGeom prst="straightConnector1">
+            <a:avLst/>
+          </a:prstGeom>
+          <a:ln w="76200">
+            <a:tailEnd type="triangle"/>
+          </a:ln>
+        </p:spPr>
+        <p:style>
+          <a:lnRef idx="1">
+            <a:schemeClr val="accent6"/>
+          </a:lnRef>
+          <a:fillRef idx="0">
+            <a:schemeClr val="accent6"/>
+          </a:fillRef>
+          <a:effectRef idx="0">
+            <a:schemeClr val="accent6"/>
+          </a:effectRef>
+          <a:fontRef idx="minor">
+            <a:schemeClr val="tx1"/>
+          </a:fontRef>
+        </p:style>
+      </p:cxnSp>
+      <p:sp>
+        <p:nvSpPr>
+          <p:cNvPr id="17" name="Oval 16"/>
+          <p:cNvSpPr/>
+          <p:nvPr/>
+        </p:nvSpPr>
+        <p:spPr>
+          <a:xfrm>
+            <a:off x="6028630" y="4207983"/>
+            <a:ext cx="228600" cy="228600"/>
+          </a:xfrm>
+          <a:prstGeom prst="ellipse">
+            <a:avLst/>
+          </a:prstGeom>
+        </p:spPr>
+        <p:style>
+          <a:lnRef idx="2">
+            <a:schemeClr val="accent6">
+              <a:shade val="50000"/>
+            </a:schemeClr>
+          </a:lnRef>
+          <a:fillRef idx="1">
+            <a:schemeClr val="accent6"/>
+          </a:fillRef>
+          <a:effectRef idx="0">
+            <a:schemeClr val="accent6"/>
+          </a:effectRef>
+          <a:fontRef idx="minor">
+            <a:schemeClr val="lt1"/>
+          </a:fontRef>
+        </p:style>
+        <p:txBody>
+          <a:bodyPr rtlCol="0" anchor="ctr"/>
+          <a:lstStyle/>
+          <a:p>
+            <a:pPr algn="ctr"/>
+            <a:endParaRPr lang="en-US"/>
+          </a:p>
+        </p:txBody>
+      </p:sp>
+      <p:sp>
+        <p:nvSpPr>
+          <p:cNvPr id="18" name="TextBox 17"/>
+          <p:cNvSpPr txBox="1"/>
+          <p:nvPr/>
+        </p:nvSpPr>
+        <p:spPr>
+          <a:xfrm>
+            <a:off x="7868509" y="4137617"/>
+            <a:ext cx="837152" cy="369332"/>
+          </a:xfrm>
+          <a:prstGeom prst="rect">
+            <a:avLst/>
+          </a:prstGeom>
+          <a:noFill/>
+        </p:spPr>
+        <p:txBody>
+          <a:bodyPr wrap="none" rtlCol="0">
+            <a:spAutoFit/>
+          </a:bodyPr>
+          <a:lstStyle/>
+          <a:p>
+            <a:r>
+              <a:rPr lang="en-US" dirty="0" smtClean="0"/>
+              <a:t>Branch</a:t>
+            </a:r>
+            <a:endParaRPr lang="en-US" dirty="0"/>
+          </a:p>
+        </p:txBody>
+      </p:sp>
+      <p:sp>
+        <p:nvSpPr>
+          <p:cNvPr id="19" name="Oval 18"/>
+          <p:cNvSpPr/>
+          <p:nvPr/>
+        </p:nvSpPr>
+        <p:spPr>
+          <a:xfrm>
+            <a:off x="6834269" y="4207983"/>
+            <a:ext cx="228600" cy="228600"/>
+          </a:xfrm>
+          <a:prstGeom prst="ellipse">
+            <a:avLst/>
+          </a:prstGeom>
+        </p:spPr>
+        <p:style>
+          <a:lnRef idx="2">
+            <a:schemeClr val="accent6">
+              <a:shade val="50000"/>
+            </a:schemeClr>
+          </a:lnRef>
+          <a:fillRef idx="1">
+            <a:schemeClr val="accent6"/>
+          </a:fillRef>
+          <a:effectRef idx="0">
+            <a:schemeClr val="accent6"/>
+          </a:effectRef>
+          <a:fontRef idx="minor">
+            <a:schemeClr val="lt1"/>
+          </a:fontRef>
+        </p:style>
+        <p:txBody>
+          <a:bodyPr rtlCol="0" anchor="ctr"/>
+          <a:lstStyle/>
+          <a:p>
+            <a:pPr algn="ctr"/>
+            <a:endParaRPr lang="en-US"/>
+          </a:p>
+        </p:txBody>
+      </p:sp>
+      <p:cxnSp>
+        <p:nvCxnSpPr>
+          <p:cNvPr id="22" name="Straight Arrow Connector 21"/>
+          <p:cNvCxnSpPr/>
+          <p:nvPr/>
+        </p:nvCxnSpPr>
+        <p:spPr>
+          <a:xfrm flipV="1">
+            <a:off x="6948569" y="4506949"/>
+            <a:ext cx="0" cy="522251"/>
+          </a:xfrm>
+          <a:prstGeom prst="straightConnector1">
+            <a:avLst/>
+          </a:prstGeom>
+          <a:ln w="38100">
+            <a:tailEnd type="triangle"/>
+          </a:ln>
+        </p:spPr>
+        <p:style>
+          <a:lnRef idx="1">
+            <a:schemeClr val="dk1"/>
+          </a:lnRef>
+          <a:fillRef idx="0">
+            <a:schemeClr val="dk1"/>
+          </a:fillRef>
+          <a:effectRef idx="0">
+            <a:schemeClr val="dk1"/>
+          </a:effectRef>
+          <a:fontRef idx="minor">
+            <a:schemeClr val="tx1"/>
+          </a:fontRef>
+        </p:style>
+      </p:cxnSp>
+      <p:sp>
+        <p:nvSpPr>
+          <p:cNvPr id="23" name="TextBox 22"/>
+          <p:cNvSpPr txBox="1"/>
+          <p:nvPr/>
+        </p:nvSpPr>
+        <p:spPr>
+          <a:xfrm>
+            <a:off x="6257450" y="5034632"/>
+            <a:ext cx="1382238" cy="369332"/>
+          </a:xfrm>
+          <a:prstGeom prst="rect">
+            <a:avLst/>
+          </a:prstGeom>
+          <a:noFill/>
+        </p:spPr>
+        <p:txBody>
+          <a:bodyPr wrap="none" rtlCol="0">
+            <a:spAutoFit/>
+          </a:bodyPr>
+          <a:lstStyle/>
+          <a:p>
+            <a:r>
+              <a:rPr lang="en-US" dirty="0" smtClean="0"/>
+              <a:t>New commit</a:t>
             </a:r>
             <a:endParaRPr lang="en-US" dirty="0"/>
           </a:p>
@@ -5333,7 +6572,7 @@
     </p:spTree>
     <p:extLst>
       <p:ext uri="{BB962C8B-B14F-4D97-AF65-F5344CB8AC3E}">
-        <p14:creationId xmlns:p14="http://schemas.microsoft.com/office/powerpoint/2010/main" val="1346323533"/>
+        <p14:creationId xmlns:p14="http://schemas.microsoft.com/office/powerpoint/2010/main" val="3021564529"/>
       </p:ext>
     </p:extLst>
   </p:cSld>
@@ -5377,78 +6616,6 @@
           <a:chExt cx="0" cy="0"/>
         </a:xfrm>
       </p:grpSpPr>
-      <p:cxnSp>
-        <p:nvCxnSpPr>
-          <p:cNvPr id="15" name="Straight Arrow Connector 14"/>
-          <p:cNvCxnSpPr>
-            <a:stCxn id="13" idx="4"/>
-          </p:cNvCxnSpPr>
-          <p:nvPr/>
-        </p:nvCxnSpPr>
-        <p:spPr>
-          <a:xfrm>
-            <a:off x="5173832" y="3639401"/>
-            <a:ext cx="1028700" cy="767835"/>
-          </a:xfrm>
-          <a:prstGeom prst="straightConnector1">
-            <a:avLst/>
-          </a:prstGeom>
-          <a:ln w="76200">
-            <a:headEnd type="none" w="med" len="med"/>
-            <a:tailEnd type="none" w="med" len="med"/>
-          </a:ln>
-        </p:spPr>
-        <p:style>
-          <a:lnRef idx="1">
-            <a:schemeClr val="accent6"/>
-          </a:lnRef>
-          <a:fillRef idx="0">
-            <a:schemeClr val="accent6"/>
-          </a:fillRef>
-          <a:effectRef idx="0">
-            <a:schemeClr val="accent6"/>
-          </a:effectRef>
-          <a:fontRef idx="minor">
-            <a:schemeClr val="tx1"/>
-          </a:fontRef>
-        </p:style>
-      </p:cxnSp>
-      <p:cxnSp>
-        <p:nvCxnSpPr>
-          <p:cNvPr id="20" name="Straight Arrow Connector 19"/>
-          <p:cNvCxnSpPr>
-            <a:endCxn id="19" idx="6"/>
-          </p:cNvCxnSpPr>
-          <p:nvPr/>
-        </p:nvCxnSpPr>
-        <p:spPr>
-          <a:xfrm>
-            <a:off x="6149119" y="4305308"/>
-            <a:ext cx="913750" cy="16975"/>
-          </a:xfrm>
-          <a:prstGeom prst="straightConnector1">
-            <a:avLst/>
-          </a:prstGeom>
-          <a:ln w="76200">
-            <a:headEnd type="none" w="med" len="med"/>
-            <a:tailEnd type="none" w="med" len="med"/>
-          </a:ln>
-        </p:spPr>
-        <p:style>
-          <a:lnRef idx="1">
-            <a:schemeClr val="accent6"/>
-          </a:lnRef>
-          <a:fillRef idx="0">
-            <a:schemeClr val="accent6"/>
-          </a:fillRef>
-          <a:effectRef idx="0">
-            <a:schemeClr val="accent6"/>
-          </a:effectRef>
-          <a:fontRef idx="minor">
-            <a:schemeClr val="tx1"/>
-          </a:fontRef>
-        </p:style>
-      </p:cxnSp>
       <p:sp>
         <p:nvSpPr>
           <p:cNvPr id="5" name="Rectangle 4"/>
@@ -5529,7 +6696,7 @@
                   </a:schemeClr>
                 </a:solidFill>
               </a:rPr>
-              <a:t>Commit changes</a:t>
+              <a:t>[commit demo]</a:t>
             </a:r>
             <a:endParaRPr lang="en-US" dirty="0">
               <a:solidFill>
@@ -5538,6 +6705,49 @@
                 </a:schemeClr>
               </a:solidFill>
             </a:endParaRPr>
+          </a:p>
+        </p:txBody>
+      </p:sp>
+      <p:sp>
+        <p:nvSpPr>
+          <p:cNvPr id="3" name="Content Placeholder 2"/>
+          <p:cNvSpPr>
+            <a:spLocks noGrp="1"/>
+          </p:cNvSpPr>
+          <p:nvPr>
+            <p:ph idx="1"/>
+          </p:nvPr>
+        </p:nvSpPr>
+        <p:spPr/>
+        <p:txBody>
+          <a:bodyPr/>
+          <a:lstStyle/>
+          <a:p>
+            <a:r>
+              <a:rPr lang="en-US" dirty="0" smtClean="0"/>
+              <a:t>Click Changes (should have a dot indicating a change)</a:t>
+            </a:r>
+          </a:p>
+          <a:p>
+            <a:r>
+              <a:rPr lang="en-US" dirty="0" smtClean="0"/>
+              <a:t>Changes are listed</a:t>
+            </a:r>
+          </a:p>
+          <a:p>
+            <a:r>
+              <a:rPr lang="en-US" dirty="0" smtClean="0"/>
+              <a:t>Note the changes briefly</a:t>
+            </a:r>
+          </a:p>
+          <a:p>
+            <a:r>
+              <a:rPr lang="en-US" dirty="0" smtClean="0"/>
+              <a:t>Click Commit to [branch name]</a:t>
+            </a:r>
+          </a:p>
+          <a:p>
+            <a:endParaRPr lang="en-US" dirty="0" smtClean="0"/>
           </a:p>
         </p:txBody>
       </p:sp>
@@ -5686,473 +6896,10 @@
           </a:p>
         </p:txBody>
       </p:sp>
-      <p:sp>
-        <p:nvSpPr>
-          <p:cNvPr id="4" name="TextBox 3"/>
-          <p:cNvSpPr txBox="1"/>
-          <p:nvPr/>
-        </p:nvSpPr>
-        <p:spPr>
-          <a:xfrm>
-            <a:off x="304800" y="1461572"/>
-            <a:ext cx="8338501" cy="369332"/>
-          </a:xfrm>
-          <a:prstGeom prst="rect">
-            <a:avLst/>
-          </a:prstGeom>
-          <a:noFill/>
-        </p:spPr>
-        <p:txBody>
-          <a:bodyPr wrap="none" rtlCol="0">
-            <a:spAutoFit/>
-          </a:bodyPr>
-          <a:lstStyle/>
-          <a:p>
-            <a:r>
-              <a:rPr lang="en-US" b="1" dirty="0" smtClean="0"/>
-              <a:t>Commit: </a:t>
-            </a:r>
-            <a:r>
-              <a:rPr lang="en-US" dirty="0" smtClean="0"/>
-              <a:t>Save the latest snapshot of your project to the repository. Always leave a note!</a:t>
-            </a:r>
-            <a:endParaRPr lang="en-US" b="1" dirty="0"/>
-          </a:p>
-        </p:txBody>
-      </p:sp>
-      <p:cxnSp>
-        <p:nvCxnSpPr>
-          <p:cNvPr id="9" name="Straight Arrow Connector 8"/>
-          <p:cNvCxnSpPr/>
-          <p:nvPr/>
-        </p:nvCxnSpPr>
-        <p:spPr>
-          <a:xfrm>
-            <a:off x="563732" y="3525101"/>
-            <a:ext cx="5791200" cy="0"/>
-          </a:xfrm>
-          <a:prstGeom prst="straightConnector1">
-            <a:avLst/>
-          </a:prstGeom>
-          <a:ln w="57150">
-            <a:tailEnd type="triangle"/>
-          </a:ln>
-        </p:spPr>
-        <p:style>
-          <a:lnRef idx="1">
-            <a:schemeClr val="accent1"/>
-          </a:lnRef>
-          <a:fillRef idx="0">
-            <a:schemeClr val="accent1"/>
-          </a:fillRef>
-          <a:effectRef idx="0">
-            <a:schemeClr val="accent1"/>
-          </a:effectRef>
-          <a:fontRef idx="minor">
-            <a:schemeClr val="tx1"/>
-          </a:fontRef>
-        </p:style>
-      </p:cxnSp>
-      <p:sp>
-        <p:nvSpPr>
-          <p:cNvPr id="10" name="Oval 9"/>
-          <p:cNvSpPr/>
-          <p:nvPr/>
-        </p:nvSpPr>
-        <p:spPr>
-          <a:xfrm>
-            <a:off x="868532" y="3385039"/>
-            <a:ext cx="228600" cy="228600"/>
-          </a:xfrm>
-          <a:prstGeom prst="ellipse">
-            <a:avLst/>
-          </a:prstGeom>
-        </p:spPr>
-        <p:style>
-          <a:lnRef idx="2">
-            <a:schemeClr val="accent1">
-              <a:shade val="50000"/>
-            </a:schemeClr>
-          </a:lnRef>
-          <a:fillRef idx="1">
-            <a:schemeClr val="accent1"/>
-          </a:fillRef>
-          <a:effectRef idx="0">
-            <a:schemeClr val="accent1"/>
-          </a:effectRef>
-          <a:fontRef idx="minor">
-            <a:schemeClr val="lt1"/>
-          </a:fontRef>
-        </p:style>
-        <p:txBody>
-          <a:bodyPr rtlCol="0" anchor="ctr"/>
-          <a:lstStyle/>
-          <a:p>
-            <a:pPr algn="ctr"/>
-            <a:endParaRPr lang="en-US"/>
-          </a:p>
-        </p:txBody>
-      </p:sp>
-      <p:sp>
-        <p:nvSpPr>
-          <p:cNvPr id="11" name="Oval 10"/>
-          <p:cNvSpPr/>
-          <p:nvPr/>
-        </p:nvSpPr>
-        <p:spPr>
-          <a:xfrm>
-            <a:off x="2303883" y="3385039"/>
-            <a:ext cx="228600" cy="228600"/>
-          </a:xfrm>
-          <a:prstGeom prst="ellipse">
-            <a:avLst/>
-          </a:prstGeom>
-        </p:spPr>
-        <p:style>
-          <a:lnRef idx="2">
-            <a:schemeClr val="accent1">
-              <a:shade val="50000"/>
-            </a:schemeClr>
-          </a:lnRef>
-          <a:fillRef idx="1">
-            <a:schemeClr val="accent1"/>
-          </a:fillRef>
-          <a:effectRef idx="0">
-            <a:schemeClr val="accent1"/>
-          </a:effectRef>
-          <a:fontRef idx="minor">
-            <a:schemeClr val="lt1"/>
-          </a:fontRef>
-        </p:style>
-        <p:txBody>
-          <a:bodyPr rtlCol="0" anchor="ctr"/>
-          <a:lstStyle/>
-          <a:p>
-            <a:pPr algn="ctr"/>
-            <a:endParaRPr lang="en-US"/>
-          </a:p>
-        </p:txBody>
-      </p:sp>
-      <p:sp>
-        <p:nvSpPr>
-          <p:cNvPr id="12" name="Oval 11"/>
-          <p:cNvSpPr/>
-          <p:nvPr/>
-        </p:nvSpPr>
-        <p:spPr>
-          <a:xfrm>
-            <a:off x="3649832" y="3385039"/>
-            <a:ext cx="228600" cy="228600"/>
-          </a:xfrm>
-          <a:prstGeom prst="ellipse">
-            <a:avLst/>
-          </a:prstGeom>
-        </p:spPr>
-        <p:style>
-          <a:lnRef idx="2">
-            <a:schemeClr val="accent1">
-              <a:shade val="50000"/>
-            </a:schemeClr>
-          </a:lnRef>
-          <a:fillRef idx="1">
-            <a:schemeClr val="accent1"/>
-          </a:fillRef>
-          <a:effectRef idx="0">
-            <a:schemeClr val="accent1"/>
-          </a:effectRef>
-          <a:fontRef idx="minor">
-            <a:schemeClr val="lt1"/>
-          </a:fontRef>
-        </p:style>
-        <p:txBody>
-          <a:bodyPr rtlCol="0" anchor="ctr"/>
-          <a:lstStyle/>
-          <a:p>
-            <a:pPr algn="ctr"/>
-            <a:endParaRPr lang="en-US"/>
-          </a:p>
-        </p:txBody>
-      </p:sp>
-      <p:sp>
-        <p:nvSpPr>
-          <p:cNvPr id="13" name="Oval 12"/>
-          <p:cNvSpPr/>
-          <p:nvPr/>
-        </p:nvSpPr>
-        <p:spPr>
-          <a:xfrm>
-            <a:off x="5059532" y="3410801"/>
-            <a:ext cx="228600" cy="228600"/>
-          </a:xfrm>
-          <a:prstGeom prst="ellipse">
-            <a:avLst/>
-          </a:prstGeom>
-        </p:spPr>
-        <p:style>
-          <a:lnRef idx="2">
-            <a:schemeClr val="accent1">
-              <a:shade val="50000"/>
-            </a:schemeClr>
-          </a:lnRef>
-          <a:fillRef idx="1">
-            <a:schemeClr val="accent1"/>
-          </a:fillRef>
-          <a:effectRef idx="0">
-            <a:schemeClr val="accent1"/>
-          </a:effectRef>
-          <a:fontRef idx="minor">
-            <a:schemeClr val="lt1"/>
-          </a:fontRef>
-        </p:style>
-        <p:txBody>
-          <a:bodyPr rtlCol="0" anchor="ctr"/>
-          <a:lstStyle/>
-          <a:p>
-            <a:pPr algn="ctr"/>
-            <a:endParaRPr lang="en-US"/>
-          </a:p>
-        </p:txBody>
-      </p:sp>
-      <p:sp>
-        <p:nvSpPr>
-          <p:cNvPr id="14" name="TextBox 13"/>
-          <p:cNvSpPr txBox="1"/>
-          <p:nvPr/>
-        </p:nvSpPr>
-        <p:spPr>
-          <a:xfrm>
-            <a:off x="6354178" y="3340435"/>
-            <a:ext cx="849656" cy="369332"/>
-          </a:xfrm>
-          <a:prstGeom prst="rect">
-            <a:avLst/>
-          </a:prstGeom>
-          <a:noFill/>
-        </p:spPr>
-        <p:txBody>
-          <a:bodyPr wrap="none" rtlCol="0">
-            <a:spAutoFit/>
-          </a:bodyPr>
-          <a:lstStyle/>
-          <a:p>
-            <a:r>
-              <a:rPr lang="en-US" dirty="0" smtClean="0"/>
-              <a:t>Master</a:t>
-            </a:r>
-            <a:endParaRPr lang="en-US" dirty="0"/>
-          </a:p>
-        </p:txBody>
-      </p:sp>
-      <p:cxnSp>
-        <p:nvCxnSpPr>
-          <p:cNvPr id="16" name="Straight Arrow Connector 15"/>
-          <p:cNvCxnSpPr/>
-          <p:nvPr/>
-        </p:nvCxnSpPr>
-        <p:spPr>
-          <a:xfrm>
-            <a:off x="7010400" y="4322283"/>
-            <a:ext cx="914400" cy="0"/>
-          </a:xfrm>
-          <a:prstGeom prst="straightConnector1">
-            <a:avLst/>
-          </a:prstGeom>
-          <a:ln w="76200">
-            <a:tailEnd type="triangle"/>
-          </a:ln>
-        </p:spPr>
-        <p:style>
-          <a:lnRef idx="1">
-            <a:schemeClr val="accent6"/>
-          </a:lnRef>
-          <a:fillRef idx="0">
-            <a:schemeClr val="accent6"/>
-          </a:fillRef>
-          <a:effectRef idx="0">
-            <a:schemeClr val="accent6"/>
-          </a:effectRef>
-          <a:fontRef idx="minor">
-            <a:schemeClr val="tx1"/>
-          </a:fontRef>
-        </p:style>
-      </p:cxnSp>
-      <p:sp>
-        <p:nvSpPr>
-          <p:cNvPr id="17" name="Oval 16"/>
-          <p:cNvSpPr/>
-          <p:nvPr/>
-        </p:nvSpPr>
-        <p:spPr>
-          <a:xfrm>
-            <a:off x="6028630" y="4207983"/>
-            <a:ext cx="228600" cy="228600"/>
-          </a:xfrm>
-          <a:prstGeom prst="ellipse">
-            <a:avLst/>
-          </a:prstGeom>
-        </p:spPr>
-        <p:style>
-          <a:lnRef idx="2">
-            <a:schemeClr val="accent6">
-              <a:shade val="50000"/>
-            </a:schemeClr>
-          </a:lnRef>
-          <a:fillRef idx="1">
-            <a:schemeClr val="accent6"/>
-          </a:fillRef>
-          <a:effectRef idx="0">
-            <a:schemeClr val="accent6"/>
-          </a:effectRef>
-          <a:fontRef idx="minor">
-            <a:schemeClr val="lt1"/>
-          </a:fontRef>
-        </p:style>
-        <p:txBody>
-          <a:bodyPr rtlCol="0" anchor="ctr"/>
-          <a:lstStyle/>
-          <a:p>
-            <a:pPr algn="ctr"/>
-            <a:endParaRPr lang="en-US"/>
-          </a:p>
-        </p:txBody>
-      </p:sp>
-      <p:sp>
-        <p:nvSpPr>
-          <p:cNvPr id="18" name="TextBox 17"/>
-          <p:cNvSpPr txBox="1"/>
-          <p:nvPr/>
-        </p:nvSpPr>
-        <p:spPr>
-          <a:xfrm>
-            <a:off x="7868509" y="4137617"/>
-            <a:ext cx="837152" cy="369332"/>
-          </a:xfrm>
-          <a:prstGeom prst="rect">
-            <a:avLst/>
-          </a:prstGeom>
-          <a:noFill/>
-        </p:spPr>
-        <p:txBody>
-          <a:bodyPr wrap="none" rtlCol="0">
-            <a:spAutoFit/>
-          </a:bodyPr>
-          <a:lstStyle/>
-          <a:p>
-            <a:r>
-              <a:rPr lang="en-US" dirty="0" smtClean="0"/>
-              <a:t>Branch</a:t>
-            </a:r>
-            <a:endParaRPr lang="en-US" dirty="0"/>
-          </a:p>
-        </p:txBody>
-      </p:sp>
-      <p:sp>
-        <p:nvSpPr>
-          <p:cNvPr id="19" name="Oval 18"/>
-          <p:cNvSpPr/>
-          <p:nvPr/>
-        </p:nvSpPr>
-        <p:spPr>
-          <a:xfrm>
-            <a:off x="6834269" y="4207983"/>
-            <a:ext cx="228600" cy="228600"/>
-          </a:xfrm>
-          <a:prstGeom prst="ellipse">
-            <a:avLst/>
-          </a:prstGeom>
-        </p:spPr>
-        <p:style>
-          <a:lnRef idx="2">
-            <a:schemeClr val="accent6">
-              <a:shade val="50000"/>
-            </a:schemeClr>
-          </a:lnRef>
-          <a:fillRef idx="1">
-            <a:schemeClr val="accent6"/>
-          </a:fillRef>
-          <a:effectRef idx="0">
-            <a:schemeClr val="accent6"/>
-          </a:effectRef>
-          <a:fontRef idx="minor">
-            <a:schemeClr val="lt1"/>
-          </a:fontRef>
-        </p:style>
-        <p:txBody>
-          <a:bodyPr rtlCol="0" anchor="ctr"/>
-          <a:lstStyle/>
-          <a:p>
-            <a:pPr algn="ctr"/>
-            <a:endParaRPr lang="en-US"/>
-          </a:p>
-        </p:txBody>
-      </p:sp>
-      <p:cxnSp>
-        <p:nvCxnSpPr>
-          <p:cNvPr id="22" name="Straight Arrow Connector 21"/>
-          <p:cNvCxnSpPr/>
-          <p:nvPr/>
-        </p:nvCxnSpPr>
-        <p:spPr>
-          <a:xfrm flipV="1">
-            <a:off x="6948569" y="4506949"/>
-            <a:ext cx="0" cy="522251"/>
-          </a:xfrm>
-          <a:prstGeom prst="straightConnector1">
-            <a:avLst/>
-          </a:prstGeom>
-          <a:ln w="38100">
-            <a:tailEnd type="triangle"/>
-          </a:ln>
-        </p:spPr>
-        <p:style>
-          <a:lnRef idx="1">
-            <a:schemeClr val="dk1"/>
-          </a:lnRef>
-          <a:fillRef idx="0">
-            <a:schemeClr val="dk1"/>
-          </a:fillRef>
-          <a:effectRef idx="0">
-            <a:schemeClr val="dk1"/>
-          </a:effectRef>
-          <a:fontRef idx="minor">
-            <a:schemeClr val="tx1"/>
-          </a:fontRef>
-        </p:style>
-      </p:cxnSp>
-      <p:sp>
-        <p:nvSpPr>
-          <p:cNvPr id="23" name="TextBox 22"/>
-          <p:cNvSpPr txBox="1"/>
-          <p:nvPr/>
-        </p:nvSpPr>
-        <p:spPr>
-          <a:xfrm>
-            <a:off x="6257450" y="5034632"/>
-            <a:ext cx="1382238" cy="369332"/>
-          </a:xfrm>
-          <a:prstGeom prst="rect">
-            <a:avLst/>
-          </a:prstGeom>
-          <a:noFill/>
-        </p:spPr>
-        <p:txBody>
-          <a:bodyPr wrap="none" rtlCol="0">
-            <a:spAutoFit/>
-          </a:bodyPr>
-          <a:lstStyle/>
-          <a:p>
-            <a:r>
-              <a:rPr lang="en-US" dirty="0" smtClean="0"/>
-              <a:t>New commit</a:t>
-            </a:r>
-            <a:endParaRPr lang="en-US" dirty="0"/>
-          </a:p>
-        </p:txBody>
-      </p:sp>
     </p:spTree>
     <p:extLst>
       <p:ext uri="{BB962C8B-B14F-4D97-AF65-F5344CB8AC3E}">
-        <p14:creationId xmlns:p14="http://schemas.microsoft.com/office/powerpoint/2010/main" val="3021564529"/>
+        <p14:creationId xmlns:p14="http://schemas.microsoft.com/office/powerpoint/2010/main" val="1416649040"/>
       </p:ext>
     </p:extLst>
   </p:cSld>
@@ -6276,7 +7023,7 @@
                   </a:schemeClr>
                 </a:solidFill>
               </a:rPr>
-              <a:t>[commit demo]</a:t>
+              <a:t>Publish and Sync</a:t>
             </a:r>
             <a:endParaRPr lang="en-US" dirty="0">
               <a:solidFill>
@@ -6305,25 +7052,13 @@
           <a:p>
             <a:r>
               <a:rPr lang="en-US" dirty="0" smtClean="0"/>
-              <a:t>Click Changes (should have a dot indicating a change)</a:t>
+              <a:t>Sync your changes to GitHub</a:t>
             </a:r>
           </a:p>
           <a:p>
             <a:r>
               <a:rPr lang="en-US" dirty="0" smtClean="0"/>
-              <a:t>Changes are listed</a:t>
-            </a:r>
-          </a:p>
-          <a:p>
-            <a:r>
-              <a:rPr lang="en-US" dirty="0" smtClean="0"/>
-              <a:t>Note the changes briefly</a:t>
-            </a:r>
-          </a:p>
-          <a:p>
-            <a:r>
-              <a:rPr lang="en-US" dirty="0" smtClean="0"/>
-              <a:t>Click Commit to [branch name]</a:t>
+              <a:t>Publish your branch to GitHub</a:t>
             </a:r>
           </a:p>
           <a:p>
@@ -6479,7 +7214,7 @@
     </p:spTree>
     <p:extLst>
       <p:ext uri="{BB962C8B-B14F-4D97-AF65-F5344CB8AC3E}">
-        <p14:creationId xmlns:p14="http://schemas.microsoft.com/office/powerpoint/2010/main" val="1416649040"/>
+        <p14:creationId xmlns:p14="http://schemas.microsoft.com/office/powerpoint/2010/main" val="1475192412"/>
       </p:ext>
     </p:extLst>
   </p:cSld>
@@ -6523,6 +7258,76 @@
           <a:chExt cx="0" cy="0"/>
         </a:xfrm>
       </p:grpSpPr>
+      <p:cxnSp>
+        <p:nvCxnSpPr>
+          <p:cNvPr id="15" name="Straight Arrow Connector 14"/>
+          <p:cNvCxnSpPr/>
+          <p:nvPr/>
+        </p:nvCxnSpPr>
+        <p:spPr>
+          <a:xfrm>
+            <a:off x="2080941" y="3501000"/>
+            <a:ext cx="1028700" cy="767835"/>
+          </a:xfrm>
+          <a:prstGeom prst="straightConnector1">
+            <a:avLst/>
+          </a:prstGeom>
+          <a:ln w="76200">
+            <a:headEnd type="none" w="med" len="med"/>
+            <a:tailEnd type="none" w="med" len="med"/>
+          </a:ln>
+        </p:spPr>
+        <p:style>
+          <a:lnRef idx="1">
+            <a:schemeClr val="accent6"/>
+          </a:lnRef>
+          <a:fillRef idx="0">
+            <a:schemeClr val="accent6"/>
+          </a:fillRef>
+          <a:effectRef idx="0">
+            <a:schemeClr val="accent6"/>
+          </a:effectRef>
+          <a:fontRef idx="minor">
+            <a:schemeClr val="tx1"/>
+          </a:fontRef>
+        </p:style>
+      </p:cxnSp>
+      <p:cxnSp>
+        <p:nvCxnSpPr>
+          <p:cNvPr id="20" name="Straight Arrow Connector 19"/>
+          <p:cNvCxnSpPr>
+            <a:endCxn id="19" idx="6"/>
+          </p:cNvCxnSpPr>
+          <p:nvPr/>
+        </p:nvCxnSpPr>
+        <p:spPr>
+          <a:xfrm>
+            <a:off x="3146987" y="4204114"/>
+            <a:ext cx="913750" cy="16975"/>
+          </a:xfrm>
+          <a:prstGeom prst="straightConnector1">
+            <a:avLst/>
+          </a:prstGeom>
+          <a:ln w="76200">
+            <a:headEnd type="none" w="med" len="med"/>
+            <a:tailEnd type="none" w="med" len="med"/>
+          </a:ln>
+        </p:spPr>
+        <p:style>
+          <a:lnRef idx="1">
+            <a:schemeClr val="accent6"/>
+          </a:lnRef>
+          <a:fillRef idx="0">
+            <a:schemeClr val="accent6"/>
+          </a:fillRef>
+          <a:effectRef idx="0">
+            <a:schemeClr val="accent6"/>
+          </a:effectRef>
+          <a:fontRef idx="minor">
+            <a:schemeClr val="tx1"/>
+          </a:fontRef>
+        </p:style>
+      </p:cxnSp>
       <p:sp>
         <p:nvSpPr>
           <p:cNvPr id="5" name="Rectangle 4"/>
@@ -6603,7 +7408,7 @@
                   </a:schemeClr>
                 </a:solidFill>
               </a:rPr>
-              <a:t>Publish and Sync</a:t>
+              <a:t>Pull Request</a:t>
             </a:r>
             <a:endParaRPr lang="en-US" dirty="0">
               <a:solidFill>
@@ -6612,37 +7417,6 @@
                 </a:schemeClr>
               </a:solidFill>
             </a:endParaRPr>
-          </a:p>
-        </p:txBody>
-      </p:sp>
-      <p:sp>
-        <p:nvSpPr>
-          <p:cNvPr id="3" name="Content Placeholder 2"/>
-          <p:cNvSpPr>
-            <a:spLocks noGrp="1"/>
-          </p:cNvSpPr>
-          <p:nvPr>
-            <p:ph idx="1"/>
-          </p:nvPr>
-        </p:nvSpPr>
-        <p:spPr/>
-        <p:txBody>
-          <a:bodyPr/>
-          <a:lstStyle/>
-          <a:p>
-            <a:r>
-              <a:rPr lang="en-US" dirty="0" smtClean="0"/>
-              <a:t>Sync your changes to GitHub</a:t>
-            </a:r>
-          </a:p>
-          <a:p>
-            <a:r>
-              <a:rPr lang="en-US" dirty="0" smtClean="0"/>
-              <a:t>Publish your branch to GitHub</a:t>
-            </a:r>
-          </a:p>
-          <a:p>
-            <a:endParaRPr lang="en-US" dirty="0" smtClean="0"/>
           </a:p>
         </p:txBody>
       </p:sp>
@@ -6791,10 +7565,543 @@
           </a:p>
         </p:txBody>
       </p:sp>
+      <p:sp>
+        <p:nvSpPr>
+          <p:cNvPr id="4" name="TextBox 3"/>
+          <p:cNvSpPr txBox="1"/>
+          <p:nvPr/>
+        </p:nvSpPr>
+        <p:spPr>
+          <a:xfrm>
+            <a:off x="304801" y="1461572"/>
+            <a:ext cx="8610600" cy="923330"/>
+          </a:xfrm>
+          <a:prstGeom prst="rect">
+            <a:avLst/>
+          </a:prstGeom>
+          <a:noFill/>
+        </p:spPr>
+        <p:txBody>
+          <a:bodyPr wrap="square" rtlCol="0">
+            <a:spAutoFit/>
+          </a:bodyPr>
+          <a:lstStyle/>
+          <a:p>
+            <a:r>
+              <a:rPr lang="en-US" b="1" dirty="0" smtClean="0"/>
+              <a:t>Pull Request: </a:t>
+            </a:r>
+            <a:r>
+              <a:rPr lang="en-US" dirty="0" smtClean="0"/>
+              <a:t>Merge the changes from a </a:t>
+            </a:r>
+            <a:r>
+              <a:rPr lang="en-US" b="1" dirty="0" smtClean="0"/>
+              <a:t>branch </a:t>
+            </a:r>
+            <a:r>
+              <a:rPr lang="en-US" dirty="0" smtClean="0"/>
+              <a:t>to the </a:t>
+            </a:r>
+            <a:r>
+              <a:rPr lang="en-US" b="1" dirty="0" smtClean="0"/>
+              <a:t>master</a:t>
+            </a:r>
+            <a:r>
+              <a:rPr lang="en-US" dirty="0" smtClean="0"/>
+              <a:t> and sync it with GitHub. Use a </a:t>
+            </a:r>
+            <a:r>
+              <a:rPr lang="en-US" b="1" dirty="0" smtClean="0"/>
+              <a:t>Pull Request</a:t>
+            </a:r>
+            <a:r>
+              <a:rPr lang="en-US" dirty="0" smtClean="0"/>
+              <a:t> to submit your changes to the project that you want everybody to have access to.</a:t>
+            </a:r>
+            <a:endParaRPr lang="en-US" b="1" dirty="0"/>
+          </a:p>
+        </p:txBody>
+      </p:sp>
+      <p:cxnSp>
+        <p:nvCxnSpPr>
+          <p:cNvPr id="9" name="Straight Arrow Connector 8"/>
+          <p:cNvCxnSpPr/>
+          <p:nvPr/>
+        </p:nvCxnSpPr>
+        <p:spPr>
+          <a:xfrm>
+            <a:off x="251387" y="3485971"/>
+            <a:ext cx="5791200" cy="0"/>
+          </a:xfrm>
+          <a:prstGeom prst="straightConnector1">
+            <a:avLst/>
+          </a:prstGeom>
+          <a:ln w="57150">
+            <a:tailEnd type="triangle"/>
+          </a:ln>
+        </p:spPr>
+        <p:style>
+          <a:lnRef idx="1">
+            <a:schemeClr val="accent1"/>
+          </a:lnRef>
+          <a:fillRef idx="0">
+            <a:schemeClr val="accent1"/>
+          </a:fillRef>
+          <a:effectRef idx="0">
+            <a:schemeClr val="accent1"/>
+          </a:effectRef>
+          <a:fontRef idx="minor">
+            <a:schemeClr val="tx1"/>
+          </a:fontRef>
+        </p:style>
+      </p:cxnSp>
+      <p:sp>
+        <p:nvSpPr>
+          <p:cNvPr id="10" name="Oval 9"/>
+          <p:cNvSpPr/>
+          <p:nvPr/>
+        </p:nvSpPr>
+        <p:spPr>
+          <a:xfrm>
+            <a:off x="556187" y="3345909"/>
+            <a:ext cx="228600" cy="228600"/>
+          </a:xfrm>
+          <a:prstGeom prst="ellipse">
+            <a:avLst/>
+          </a:prstGeom>
+        </p:spPr>
+        <p:style>
+          <a:lnRef idx="2">
+            <a:schemeClr val="accent1">
+              <a:shade val="50000"/>
+            </a:schemeClr>
+          </a:lnRef>
+          <a:fillRef idx="1">
+            <a:schemeClr val="accent1"/>
+          </a:fillRef>
+          <a:effectRef idx="0">
+            <a:schemeClr val="accent1"/>
+          </a:effectRef>
+          <a:fontRef idx="minor">
+            <a:schemeClr val="lt1"/>
+          </a:fontRef>
+        </p:style>
+        <p:txBody>
+          <a:bodyPr rtlCol="0" anchor="ctr"/>
+          <a:lstStyle/>
+          <a:p>
+            <a:pPr algn="ctr"/>
+            <a:endParaRPr lang="en-US"/>
+          </a:p>
+        </p:txBody>
+      </p:sp>
+      <p:sp>
+        <p:nvSpPr>
+          <p:cNvPr id="11" name="Oval 10"/>
+          <p:cNvSpPr/>
+          <p:nvPr/>
+        </p:nvSpPr>
+        <p:spPr>
+          <a:xfrm>
+            <a:off x="1991538" y="3345909"/>
+            <a:ext cx="228600" cy="228600"/>
+          </a:xfrm>
+          <a:prstGeom prst="ellipse">
+            <a:avLst/>
+          </a:prstGeom>
+        </p:spPr>
+        <p:style>
+          <a:lnRef idx="2">
+            <a:schemeClr val="accent1">
+              <a:shade val="50000"/>
+            </a:schemeClr>
+          </a:lnRef>
+          <a:fillRef idx="1">
+            <a:schemeClr val="accent1"/>
+          </a:fillRef>
+          <a:effectRef idx="0">
+            <a:schemeClr val="accent1"/>
+          </a:effectRef>
+          <a:fontRef idx="minor">
+            <a:schemeClr val="lt1"/>
+          </a:fontRef>
+        </p:style>
+        <p:txBody>
+          <a:bodyPr rtlCol="0" anchor="ctr"/>
+          <a:lstStyle/>
+          <a:p>
+            <a:pPr algn="ctr"/>
+            <a:endParaRPr lang="en-US"/>
+          </a:p>
+        </p:txBody>
+      </p:sp>
+      <p:sp>
+        <p:nvSpPr>
+          <p:cNvPr id="12" name="Oval 11"/>
+          <p:cNvSpPr/>
+          <p:nvPr/>
+        </p:nvSpPr>
+        <p:spPr>
+          <a:xfrm>
+            <a:off x="3337487" y="3345909"/>
+            <a:ext cx="228600" cy="228600"/>
+          </a:xfrm>
+          <a:prstGeom prst="ellipse">
+            <a:avLst/>
+          </a:prstGeom>
+        </p:spPr>
+        <p:style>
+          <a:lnRef idx="2">
+            <a:schemeClr val="accent1">
+              <a:shade val="50000"/>
+            </a:schemeClr>
+          </a:lnRef>
+          <a:fillRef idx="1">
+            <a:schemeClr val="accent1"/>
+          </a:fillRef>
+          <a:effectRef idx="0">
+            <a:schemeClr val="accent1"/>
+          </a:effectRef>
+          <a:fontRef idx="minor">
+            <a:schemeClr val="lt1"/>
+          </a:fontRef>
+        </p:style>
+        <p:txBody>
+          <a:bodyPr rtlCol="0" anchor="ctr"/>
+          <a:lstStyle/>
+          <a:p>
+            <a:pPr algn="ctr"/>
+            <a:endParaRPr lang="en-US"/>
+          </a:p>
+        </p:txBody>
+      </p:sp>
+      <p:sp>
+        <p:nvSpPr>
+          <p:cNvPr id="13" name="Oval 12"/>
+          <p:cNvSpPr/>
+          <p:nvPr/>
+        </p:nvSpPr>
+        <p:spPr>
+          <a:xfrm>
+            <a:off x="4747187" y="3371671"/>
+            <a:ext cx="228600" cy="228600"/>
+          </a:xfrm>
+          <a:prstGeom prst="ellipse">
+            <a:avLst/>
+          </a:prstGeom>
+        </p:spPr>
+        <p:style>
+          <a:lnRef idx="2">
+            <a:schemeClr val="accent1">
+              <a:shade val="50000"/>
+            </a:schemeClr>
+          </a:lnRef>
+          <a:fillRef idx="1">
+            <a:schemeClr val="accent1"/>
+          </a:fillRef>
+          <a:effectRef idx="0">
+            <a:schemeClr val="accent1"/>
+          </a:effectRef>
+          <a:fontRef idx="minor">
+            <a:schemeClr val="lt1"/>
+          </a:fontRef>
+        </p:style>
+        <p:txBody>
+          <a:bodyPr rtlCol="0" anchor="ctr"/>
+          <a:lstStyle/>
+          <a:p>
+            <a:pPr algn="ctr"/>
+            <a:endParaRPr lang="en-US"/>
+          </a:p>
+        </p:txBody>
+      </p:sp>
+      <p:sp>
+        <p:nvSpPr>
+          <p:cNvPr id="14" name="TextBox 13"/>
+          <p:cNvSpPr txBox="1"/>
+          <p:nvPr/>
+        </p:nvSpPr>
+        <p:spPr>
+          <a:xfrm>
+            <a:off x="6041833" y="3301305"/>
+            <a:ext cx="849656" cy="369332"/>
+          </a:xfrm>
+          <a:prstGeom prst="rect">
+            <a:avLst/>
+          </a:prstGeom>
+          <a:noFill/>
+        </p:spPr>
+        <p:txBody>
+          <a:bodyPr wrap="none" rtlCol="0">
+            <a:spAutoFit/>
+          </a:bodyPr>
+          <a:lstStyle/>
+          <a:p>
+            <a:r>
+              <a:rPr lang="en-US" dirty="0" smtClean="0"/>
+              <a:t>Master</a:t>
+            </a:r>
+            <a:endParaRPr lang="en-US" dirty="0"/>
+          </a:p>
+        </p:txBody>
+      </p:sp>
+      <p:cxnSp>
+        <p:nvCxnSpPr>
+          <p:cNvPr id="16" name="Straight Arrow Connector 15"/>
+          <p:cNvCxnSpPr>
+            <a:endCxn id="13" idx="3"/>
+          </p:cNvCxnSpPr>
+          <p:nvPr/>
+        </p:nvCxnSpPr>
+        <p:spPr>
+          <a:xfrm flipV="1">
+            <a:off x="4008268" y="3566793"/>
+            <a:ext cx="772397" cy="654296"/>
+          </a:xfrm>
+          <a:prstGeom prst="straightConnector1">
+            <a:avLst/>
+          </a:prstGeom>
+          <a:ln w="76200">
+            <a:tailEnd type="triangle"/>
+          </a:ln>
+        </p:spPr>
+        <p:style>
+          <a:lnRef idx="1">
+            <a:schemeClr val="accent6"/>
+          </a:lnRef>
+          <a:fillRef idx="0">
+            <a:schemeClr val="accent6"/>
+          </a:fillRef>
+          <a:effectRef idx="0">
+            <a:schemeClr val="accent6"/>
+          </a:effectRef>
+          <a:fontRef idx="minor">
+            <a:schemeClr val="tx1"/>
+          </a:fontRef>
+        </p:style>
+      </p:cxnSp>
+      <p:sp>
+        <p:nvSpPr>
+          <p:cNvPr id="17" name="Oval 16"/>
+          <p:cNvSpPr/>
+          <p:nvPr/>
+        </p:nvSpPr>
+        <p:spPr>
+          <a:xfrm>
+            <a:off x="3026498" y="4106789"/>
+            <a:ext cx="228600" cy="228600"/>
+          </a:xfrm>
+          <a:prstGeom prst="ellipse">
+            <a:avLst/>
+          </a:prstGeom>
+        </p:spPr>
+        <p:style>
+          <a:lnRef idx="2">
+            <a:schemeClr val="accent6">
+              <a:shade val="50000"/>
+            </a:schemeClr>
+          </a:lnRef>
+          <a:fillRef idx="1">
+            <a:schemeClr val="accent6"/>
+          </a:fillRef>
+          <a:effectRef idx="0">
+            <a:schemeClr val="accent6"/>
+          </a:effectRef>
+          <a:fontRef idx="minor">
+            <a:schemeClr val="lt1"/>
+          </a:fontRef>
+        </p:style>
+        <p:txBody>
+          <a:bodyPr rtlCol="0" anchor="ctr"/>
+          <a:lstStyle/>
+          <a:p>
+            <a:pPr algn="ctr"/>
+            <a:endParaRPr lang="en-US"/>
+          </a:p>
+        </p:txBody>
+      </p:sp>
+      <p:sp>
+        <p:nvSpPr>
+          <p:cNvPr id="18" name="TextBox 17"/>
+          <p:cNvSpPr txBox="1"/>
+          <p:nvPr/>
+        </p:nvSpPr>
+        <p:spPr>
+          <a:xfrm>
+            <a:off x="5105401" y="4459754"/>
+            <a:ext cx="1343445" cy="369332"/>
+          </a:xfrm>
+          <a:prstGeom prst="rect">
+            <a:avLst/>
+          </a:prstGeom>
+          <a:noFill/>
+        </p:spPr>
+        <p:txBody>
+          <a:bodyPr wrap="none" rtlCol="0">
+            <a:spAutoFit/>
+          </a:bodyPr>
+          <a:lstStyle/>
+          <a:p>
+            <a:r>
+              <a:rPr lang="en-US" dirty="0" smtClean="0"/>
+              <a:t>Pull Request</a:t>
+            </a:r>
+            <a:endParaRPr lang="en-US" dirty="0"/>
+          </a:p>
+        </p:txBody>
+      </p:sp>
+      <p:sp>
+        <p:nvSpPr>
+          <p:cNvPr id="19" name="Oval 18"/>
+          <p:cNvSpPr/>
+          <p:nvPr/>
+        </p:nvSpPr>
+        <p:spPr>
+          <a:xfrm>
+            <a:off x="3832137" y="4106789"/>
+            <a:ext cx="228600" cy="228600"/>
+          </a:xfrm>
+          <a:prstGeom prst="ellipse">
+            <a:avLst/>
+          </a:prstGeom>
+        </p:spPr>
+        <p:style>
+          <a:lnRef idx="2">
+            <a:schemeClr val="accent6">
+              <a:shade val="50000"/>
+            </a:schemeClr>
+          </a:lnRef>
+          <a:fillRef idx="1">
+            <a:schemeClr val="accent6"/>
+          </a:fillRef>
+          <a:effectRef idx="0">
+            <a:schemeClr val="accent6"/>
+          </a:effectRef>
+          <a:fontRef idx="minor">
+            <a:schemeClr val="lt1"/>
+          </a:fontRef>
+        </p:style>
+        <p:txBody>
+          <a:bodyPr rtlCol="0" anchor="ctr"/>
+          <a:lstStyle/>
+          <a:p>
+            <a:pPr algn="ctr"/>
+            <a:endParaRPr lang="en-US"/>
+          </a:p>
+        </p:txBody>
+      </p:sp>
+      <p:cxnSp>
+        <p:nvCxnSpPr>
+          <p:cNvPr id="22" name="Straight Arrow Connector 21"/>
+          <p:cNvCxnSpPr/>
+          <p:nvPr/>
+        </p:nvCxnSpPr>
+        <p:spPr>
+          <a:xfrm flipH="1" flipV="1">
+            <a:off x="4394466" y="3992489"/>
+            <a:ext cx="710935" cy="655711"/>
+          </a:xfrm>
+          <a:prstGeom prst="straightConnector1">
+            <a:avLst/>
+          </a:prstGeom>
+          <a:ln w="38100">
+            <a:tailEnd type="triangle"/>
+          </a:ln>
+        </p:spPr>
+        <p:style>
+          <a:lnRef idx="1">
+            <a:schemeClr val="dk1"/>
+          </a:lnRef>
+          <a:fillRef idx="0">
+            <a:schemeClr val="dk1"/>
+          </a:fillRef>
+          <a:effectRef idx="0">
+            <a:schemeClr val="dk1"/>
+          </a:effectRef>
+          <a:fontRef idx="minor">
+            <a:schemeClr val="tx1"/>
+          </a:fontRef>
+        </p:style>
+      </p:cxnSp>
+      <p:sp>
+        <p:nvSpPr>
+          <p:cNvPr id="23" name="TextBox 22"/>
+          <p:cNvSpPr txBox="1"/>
+          <p:nvPr/>
+        </p:nvSpPr>
+        <p:spPr>
+          <a:xfrm>
+            <a:off x="3079832" y="4299582"/>
+            <a:ext cx="837152" cy="369332"/>
+          </a:xfrm>
+          <a:prstGeom prst="rect">
+            <a:avLst/>
+          </a:prstGeom>
+          <a:noFill/>
+        </p:spPr>
+        <p:txBody>
+          <a:bodyPr wrap="none" rtlCol="0">
+            <a:spAutoFit/>
+          </a:bodyPr>
+          <a:lstStyle/>
+          <a:p>
+            <a:r>
+              <a:rPr lang="en-US" dirty="0" smtClean="0"/>
+              <a:t>Branch</a:t>
+            </a:r>
+            <a:endParaRPr lang="en-US" dirty="0"/>
+          </a:p>
+        </p:txBody>
+      </p:sp>
+      <p:sp>
+        <p:nvSpPr>
+          <p:cNvPr id="3" name="TextBox 2"/>
+          <p:cNvSpPr txBox="1"/>
+          <p:nvPr/>
+        </p:nvSpPr>
+        <p:spPr>
+          <a:xfrm>
+            <a:off x="323662" y="5596147"/>
+            <a:ext cx="8178714" cy="646331"/>
+          </a:xfrm>
+          <a:prstGeom prst="rect">
+            <a:avLst/>
+          </a:prstGeom>
+          <a:noFill/>
+        </p:spPr>
+        <p:txBody>
+          <a:bodyPr wrap="none" rtlCol="0">
+            <a:spAutoFit/>
+          </a:bodyPr>
+          <a:lstStyle/>
+          <a:p>
+            <a:r>
+              <a:rPr lang="en-US" dirty="0" smtClean="0"/>
+              <a:t>Pull Requests can cause conflicts, but GitHub makes it relatively easy to resolve them.</a:t>
+            </a:r>
+          </a:p>
+          <a:p>
+            <a:r>
+              <a:rPr lang="en-US" dirty="0" smtClean="0"/>
+              <a:t>Different than </a:t>
+            </a:r>
+            <a:r>
+              <a:rPr lang="en-US" b="1" dirty="0" smtClean="0"/>
+              <a:t>sync</a:t>
+            </a:r>
+            <a:r>
+              <a:rPr lang="en-US" dirty="0" smtClean="0"/>
+              <a:t>. Pull requests begin a collaborative effort to merge work.  </a:t>
+            </a:r>
+            <a:endParaRPr lang="en-US" dirty="0"/>
+          </a:p>
+        </p:txBody>
+      </p:sp>
     </p:spTree>
     <p:extLst>
       <p:ext uri="{BB962C8B-B14F-4D97-AF65-F5344CB8AC3E}">
-        <p14:creationId xmlns:p14="http://schemas.microsoft.com/office/powerpoint/2010/main" val="1475192412"/>
+        <p14:creationId xmlns:p14="http://schemas.microsoft.com/office/powerpoint/2010/main" val="3047772038"/>
       </p:ext>
     </p:extLst>
   </p:cSld>
@@ -6838,76 +8145,6 @@
           <a:chExt cx="0" cy="0"/>
         </a:xfrm>
       </p:grpSpPr>
-      <p:cxnSp>
-        <p:nvCxnSpPr>
-          <p:cNvPr id="15" name="Straight Arrow Connector 14"/>
-          <p:cNvCxnSpPr/>
-          <p:nvPr/>
-        </p:nvCxnSpPr>
-        <p:spPr>
-          <a:xfrm>
-            <a:off x="2080941" y="3501000"/>
-            <a:ext cx="1028700" cy="767835"/>
-          </a:xfrm>
-          <a:prstGeom prst="straightConnector1">
-            <a:avLst/>
-          </a:prstGeom>
-          <a:ln w="76200">
-            <a:headEnd type="none" w="med" len="med"/>
-            <a:tailEnd type="none" w="med" len="med"/>
-          </a:ln>
-        </p:spPr>
-        <p:style>
-          <a:lnRef idx="1">
-            <a:schemeClr val="accent6"/>
-          </a:lnRef>
-          <a:fillRef idx="0">
-            <a:schemeClr val="accent6"/>
-          </a:fillRef>
-          <a:effectRef idx="0">
-            <a:schemeClr val="accent6"/>
-          </a:effectRef>
-          <a:fontRef idx="minor">
-            <a:schemeClr val="tx1"/>
-          </a:fontRef>
-        </p:style>
-      </p:cxnSp>
-      <p:cxnSp>
-        <p:nvCxnSpPr>
-          <p:cNvPr id="20" name="Straight Arrow Connector 19"/>
-          <p:cNvCxnSpPr>
-            <a:endCxn id="19" idx="6"/>
-          </p:cNvCxnSpPr>
-          <p:nvPr/>
-        </p:nvCxnSpPr>
-        <p:spPr>
-          <a:xfrm>
-            <a:off x="3146987" y="4204114"/>
-            <a:ext cx="913750" cy="16975"/>
-          </a:xfrm>
-          <a:prstGeom prst="straightConnector1">
-            <a:avLst/>
-          </a:prstGeom>
-          <a:ln w="76200">
-            <a:headEnd type="none" w="med" len="med"/>
-            <a:tailEnd type="none" w="med" len="med"/>
-          </a:ln>
-        </p:spPr>
-        <p:style>
-          <a:lnRef idx="1">
-            <a:schemeClr val="accent6"/>
-          </a:lnRef>
-          <a:fillRef idx="0">
-            <a:schemeClr val="accent6"/>
-          </a:fillRef>
-          <a:effectRef idx="0">
-            <a:schemeClr val="accent6"/>
-          </a:effectRef>
-          <a:fontRef idx="minor">
-            <a:schemeClr val="tx1"/>
-          </a:fontRef>
-        </p:style>
-      </p:cxnSp>
       <p:sp>
         <p:nvSpPr>
           <p:cNvPr id="5" name="Rectangle 4"/>
@@ -6988,7 +8225,7 @@
                   </a:schemeClr>
                 </a:solidFill>
               </a:rPr>
-              <a:t>Pull Request</a:t>
+              <a:t>[pull request demo]</a:t>
             </a:r>
             <a:endParaRPr lang="en-US" dirty="0">
               <a:solidFill>
@@ -6997,6 +8234,64 @@
                 </a:schemeClr>
               </a:solidFill>
             </a:endParaRPr>
+          </a:p>
+        </p:txBody>
+      </p:sp>
+      <p:sp>
+        <p:nvSpPr>
+          <p:cNvPr id="3" name="Content Placeholder 2"/>
+          <p:cNvSpPr>
+            <a:spLocks noGrp="1"/>
+          </p:cNvSpPr>
+          <p:nvPr>
+            <p:ph idx="1"/>
+          </p:nvPr>
+        </p:nvSpPr>
+        <p:spPr/>
+        <p:txBody>
+          <a:bodyPr/>
+          <a:lstStyle/>
+          <a:p>
+            <a:r>
+              <a:rPr lang="en-US" dirty="0" smtClean="0"/>
+              <a:t>Click Pull Request in Desktop</a:t>
+            </a:r>
+          </a:p>
+          <a:p>
+            <a:r>
+              <a:rPr lang="en-US" dirty="0" smtClean="0"/>
+              <a:t>Make sure you are merging to Master</a:t>
+            </a:r>
+          </a:p>
+          <a:p>
+            <a:r>
+              <a:rPr lang="en-US" dirty="0" smtClean="0"/>
+              <a:t>Leave a note</a:t>
+            </a:r>
+          </a:p>
+          <a:p>
+            <a:r>
+              <a:rPr lang="en-US" dirty="0" smtClean="0"/>
+              <a:t>Check to see if there will be issues. If there will be issues, you’ll need to resolve them later in GitHub. (We won’t have time to go into this).</a:t>
+            </a:r>
+          </a:p>
+          <a:p>
+            <a:r>
+              <a:rPr lang="en-US" dirty="0" smtClean="0"/>
+              <a:t>Click Send Pull Request.</a:t>
+            </a:r>
+          </a:p>
+          <a:p>
+            <a:r>
+              <a:rPr lang="en-US" dirty="0" smtClean="0"/>
+              <a:t>Go into GitHub and see what we’ve done.</a:t>
+            </a:r>
+          </a:p>
+          <a:p>
+            <a:endParaRPr lang="en-US" dirty="0" smtClean="0"/>
+          </a:p>
+          <a:p>
+            <a:endParaRPr lang="en-US" dirty="0" smtClean="0"/>
           </a:p>
         </p:txBody>
       </p:sp>
@@ -7145,543 +8440,10 @@
           </a:p>
         </p:txBody>
       </p:sp>
-      <p:sp>
-        <p:nvSpPr>
-          <p:cNvPr id="4" name="TextBox 3"/>
-          <p:cNvSpPr txBox="1"/>
-          <p:nvPr/>
-        </p:nvSpPr>
-        <p:spPr>
-          <a:xfrm>
-            <a:off x="304801" y="1461572"/>
-            <a:ext cx="8610600" cy="923330"/>
-          </a:xfrm>
-          <a:prstGeom prst="rect">
-            <a:avLst/>
-          </a:prstGeom>
-          <a:noFill/>
-        </p:spPr>
-        <p:txBody>
-          <a:bodyPr wrap="square" rtlCol="0">
-            <a:spAutoFit/>
-          </a:bodyPr>
-          <a:lstStyle/>
-          <a:p>
-            <a:r>
-              <a:rPr lang="en-US" b="1" dirty="0" smtClean="0"/>
-              <a:t>Pull Request: </a:t>
-            </a:r>
-            <a:r>
-              <a:rPr lang="en-US" dirty="0" smtClean="0"/>
-              <a:t>Merge the changes from a </a:t>
-            </a:r>
-            <a:r>
-              <a:rPr lang="en-US" b="1" dirty="0" smtClean="0"/>
-              <a:t>branch </a:t>
-            </a:r>
-            <a:r>
-              <a:rPr lang="en-US" dirty="0" smtClean="0"/>
-              <a:t>to the </a:t>
-            </a:r>
-            <a:r>
-              <a:rPr lang="en-US" b="1" dirty="0" smtClean="0"/>
-              <a:t>master</a:t>
-            </a:r>
-            <a:r>
-              <a:rPr lang="en-US" dirty="0" smtClean="0"/>
-              <a:t> and sync it with GitHub. Use a </a:t>
-            </a:r>
-            <a:r>
-              <a:rPr lang="en-US" b="1" dirty="0" smtClean="0"/>
-              <a:t>Pull Request</a:t>
-            </a:r>
-            <a:r>
-              <a:rPr lang="en-US" dirty="0" smtClean="0"/>
-              <a:t> to submit your changes to the project that you want everybody to have access to.</a:t>
-            </a:r>
-            <a:endParaRPr lang="en-US" b="1" dirty="0"/>
-          </a:p>
-        </p:txBody>
-      </p:sp>
-      <p:cxnSp>
-        <p:nvCxnSpPr>
-          <p:cNvPr id="9" name="Straight Arrow Connector 8"/>
-          <p:cNvCxnSpPr/>
-          <p:nvPr/>
-        </p:nvCxnSpPr>
-        <p:spPr>
-          <a:xfrm>
-            <a:off x="251387" y="3485971"/>
-            <a:ext cx="5791200" cy="0"/>
-          </a:xfrm>
-          <a:prstGeom prst="straightConnector1">
-            <a:avLst/>
-          </a:prstGeom>
-          <a:ln w="57150">
-            <a:tailEnd type="triangle"/>
-          </a:ln>
-        </p:spPr>
-        <p:style>
-          <a:lnRef idx="1">
-            <a:schemeClr val="accent1"/>
-          </a:lnRef>
-          <a:fillRef idx="0">
-            <a:schemeClr val="accent1"/>
-          </a:fillRef>
-          <a:effectRef idx="0">
-            <a:schemeClr val="accent1"/>
-          </a:effectRef>
-          <a:fontRef idx="minor">
-            <a:schemeClr val="tx1"/>
-          </a:fontRef>
-        </p:style>
-      </p:cxnSp>
-      <p:sp>
-        <p:nvSpPr>
-          <p:cNvPr id="10" name="Oval 9"/>
-          <p:cNvSpPr/>
-          <p:nvPr/>
-        </p:nvSpPr>
-        <p:spPr>
-          <a:xfrm>
-            <a:off x="556187" y="3345909"/>
-            <a:ext cx="228600" cy="228600"/>
-          </a:xfrm>
-          <a:prstGeom prst="ellipse">
-            <a:avLst/>
-          </a:prstGeom>
-        </p:spPr>
-        <p:style>
-          <a:lnRef idx="2">
-            <a:schemeClr val="accent1">
-              <a:shade val="50000"/>
-            </a:schemeClr>
-          </a:lnRef>
-          <a:fillRef idx="1">
-            <a:schemeClr val="accent1"/>
-          </a:fillRef>
-          <a:effectRef idx="0">
-            <a:schemeClr val="accent1"/>
-          </a:effectRef>
-          <a:fontRef idx="minor">
-            <a:schemeClr val="lt1"/>
-          </a:fontRef>
-        </p:style>
-        <p:txBody>
-          <a:bodyPr rtlCol="0" anchor="ctr"/>
-          <a:lstStyle/>
-          <a:p>
-            <a:pPr algn="ctr"/>
-            <a:endParaRPr lang="en-US"/>
-          </a:p>
-        </p:txBody>
-      </p:sp>
-      <p:sp>
-        <p:nvSpPr>
-          <p:cNvPr id="11" name="Oval 10"/>
-          <p:cNvSpPr/>
-          <p:nvPr/>
-        </p:nvSpPr>
-        <p:spPr>
-          <a:xfrm>
-            <a:off x="1991538" y="3345909"/>
-            <a:ext cx="228600" cy="228600"/>
-          </a:xfrm>
-          <a:prstGeom prst="ellipse">
-            <a:avLst/>
-          </a:prstGeom>
-        </p:spPr>
-        <p:style>
-          <a:lnRef idx="2">
-            <a:schemeClr val="accent1">
-              <a:shade val="50000"/>
-            </a:schemeClr>
-          </a:lnRef>
-          <a:fillRef idx="1">
-            <a:schemeClr val="accent1"/>
-          </a:fillRef>
-          <a:effectRef idx="0">
-            <a:schemeClr val="accent1"/>
-          </a:effectRef>
-          <a:fontRef idx="minor">
-            <a:schemeClr val="lt1"/>
-          </a:fontRef>
-        </p:style>
-        <p:txBody>
-          <a:bodyPr rtlCol="0" anchor="ctr"/>
-          <a:lstStyle/>
-          <a:p>
-            <a:pPr algn="ctr"/>
-            <a:endParaRPr lang="en-US"/>
-          </a:p>
-        </p:txBody>
-      </p:sp>
-      <p:sp>
-        <p:nvSpPr>
-          <p:cNvPr id="12" name="Oval 11"/>
-          <p:cNvSpPr/>
-          <p:nvPr/>
-        </p:nvSpPr>
-        <p:spPr>
-          <a:xfrm>
-            <a:off x="3337487" y="3345909"/>
-            <a:ext cx="228600" cy="228600"/>
-          </a:xfrm>
-          <a:prstGeom prst="ellipse">
-            <a:avLst/>
-          </a:prstGeom>
-        </p:spPr>
-        <p:style>
-          <a:lnRef idx="2">
-            <a:schemeClr val="accent1">
-              <a:shade val="50000"/>
-            </a:schemeClr>
-          </a:lnRef>
-          <a:fillRef idx="1">
-            <a:schemeClr val="accent1"/>
-          </a:fillRef>
-          <a:effectRef idx="0">
-            <a:schemeClr val="accent1"/>
-          </a:effectRef>
-          <a:fontRef idx="minor">
-            <a:schemeClr val="lt1"/>
-          </a:fontRef>
-        </p:style>
-        <p:txBody>
-          <a:bodyPr rtlCol="0" anchor="ctr"/>
-          <a:lstStyle/>
-          <a:p>
-            <a:pPr algn="ctr"/>
-            <a:endParaRPr lang="en-US"/>
-          </a:p>
-        </p:txBody>
-      </p:sp>
-      <p:sp>
-        <p:nvSpPr>
-          <p:cNvPr id="13" name="Oval 12"/>
-          <p:cNvSpPr/>
-          <p:nvPr/>
-        </p:nvSpPr>
-        <p:spPr>
-          <a:xfrm>
-            <a:off x="4747187" y="3371671"/>
-            <a:ext cx="228600" cy="228600"/>
-          </a:xfrm>
-          <a:prstGeom prst="ellipse">
-            <a:avLst/>
-          </a:prstGeom>
-        </p:spPr>
-        <p:style>
-          <a:lnRef idx="2">
-            <a:schemeClr val="accent1">
-              <a:shade val="50000"/>
-            </a:schemeClr>
-          </a:lnRef>
-          <a:fillRef idx="1">
-            <a:schemeClr val="accent1"/>
-          </a:fillRef>
-          <a:effectRef idx="0">
-            <a:schemeClr val="accent1"/>
-          </a:effectRef>
-          <a:fontRef idx="minor">
-            <a:schemeClr val="lt1"/>
-          </a:fontRef>
-        </p:style>
-        <p:txBody>
-          <a:bodyPr rtlCol="0" anchor="ctr"/>
-          <a:lstStyle/>
-          <a:p>
-            <a:pPr algn="ctr"/>
-            <a:endParaRPr lang="en-US"/>
-          </a:p>
-        </p:txBody>
-      </p:sp>
-      <p:sp>
-        <p:nvSpPr>
-          <p:cNvPr id="14" name="TextBox 13"/>
-          <p:cNvSpPr txBox="1"/>
-          <p:nvPr/>
-        </p:nvSpPr>
-        <p:spPr>
-          <a:xfrm>
-            <a:off x="6041833" y="3301305"/>
-            <a:ext cx="849656" cy="369332"/>
-          </a:xfrm>
-          <a:prstGeom prst="rect">
-            <a:avLst/>
-          </a:prstGeom>
-          <a:noFill/>
-        </p:spPr>
-        <p:txBody>
-          <a:bodyPr wrap="none" rtlCol="0">
-            <a:spAutoFit/>
-          </a:bodyPr>
-          <a:lstStyle/>
-          <a:p>
-            <a:r>
-              <a:rPr lang="en-US" dirty="0" smtClean="0"/>
-              <a:t>Master</a:t>
-            </a:r>
-            <a:endParaRPr lang="en-US" dirty="0"/>
-          </a:p>
-        </p:txBody>
-      </p:sp>
-      <p:cxnSp>
-        <p:nvCxnSpPr>
-          <p:cNvPr id="16" name="Straight Arrow Connector 15"/>
-          <p:cNvCxnSpPr>
-            <a:endCxn id="13" idx="3"/>
-          </p:cNvCxnSpPr>
-          <p:nvPr/>
-        </p:nvCxnSpPr>
-        <p:spPr>
-          <a:xfrm flipV="1">
-            <a:off x="4008268" y="3566793"/>
-            <a:ext cx="772397" cy="654296"/>
-          </a:xfrm>
-          <a:prstGeom prst="straightConnector1">
-            <a:avLst/>
-          </a:prstGeom>
-          <a:ln w="76200">
-            <a:tailEnd type="triangle"/>
-          </a:ln>
-        </p:spPr>
-        <p:style>
-          <a:lnRef idx="1">
-            <a:schemeClr val="accent6"/>
-          </a:lnRef>
-          <a:fillRef idx="0">
-            <a:schemeClr val="accent6"/>
-          </a:fillRef>
-          <a:effectRef idx="0">
-            <a:schemeClr val="accent6"/>
-          </a:effectRef>
-          <a:fontRef idx="minor">
-            <a:schemeClr val="tx1"/>
-          </a:fontRef>
-        </p:style>
-      </p:cxnSp>
-      <p:sp>
-        <p:nvSpPr>
-          <p:cNvPr id="17" name="Oval 16"/>
-          <p:cNvSpPr/>
-          <p:nvPr/>
-        </p:nvSpPr>
-        <p:spPr>
-          <a:xfrm>
-            <a:off x="3026498" y="4106789"/>
-            <a:ext cx="228600" cy="228600"/>
-          </a:xfrm>
-          <a:prstGeom prst="ellipse">
-            <a:avLst/>
-          </a:prstGeom>
-        </p:spPr>
-        <p:style>
-          <a:lnRef idx="2">
-            <a:schemeClr val="accent6">
-              <a:shade val="50000"/>
-            </a:schemeClr>
-          </a:lnRef>
-          <a:fillRef idx="1">
-            <a:schemeClr val="accent6"/>
-          </a:fillRef>
-          <a:effectRef idx="0">
-            <a:schemeClr val="accent6"/>
-          </a:effectRef>
-          <a:fontRef idx="minor">
-            <a:schemeClr val="lt1"/>
-          </a:fontRef>
-        </p:style>
-        <p:txBody>
-          <a:bodyPr rtlCol="0" anchor="ctr"/>
-          <a:lstStyle/>
-          <a:p>
-            <a:pPr algn="ctr"/>
-            <a:endParaRPr lang="en-US"/>
-          </a:p>
-        </p:txBody>
-      </p:sp>
-      <p:sp>
-        <p:nvSpPr>
-          <p:cNvPr id="18" name="TextBox 17"/>
-          <p:cNvSpPr txBox="1"/>
-          <p:nvPr/>
-        </p:nvSpPr>
-        <p:spPr>
-          <a:xfrm>
-            <a:off x="5105401" y="4459754"/>
-            <a:ext cx="1343445" cy="369332"/>
-          </a:xfrm>
-          <a:prstGeom prst="rect">
-            <a:avLst/>
-          </a:prstGeom>
-          <a:noFill/>
-        </p:spPr>
-        <p:txBody>
-          <a:bodyPr wrap="none" rtlCol="0">
-            <a:spAutoFit/>
-          </a:bodyPr>
-          <a:lstStyle/>
-          <a:p>
-            <a:r>
-              <a:rPr lang="en-US" dirty="0" smtClean="0"/>
-              <a:t>Pull Request</a:t>
-            </a:r>
-            <a:endParaRPr lang="en-US" dirty="0"/>
-          </a:p>
-        </p:txBody>
-      </p:sp>
-      <p:sp>
-        <p:nvSpPr>
-          <p:cNvPr id="19" name="Oval 18"/>
-          <p:cNvSpPr/>
-          <p:nvPr/>
-        </p:nvSpPr>
-        <p:spPr>
-          <a:xfrm>
-            <a:off x="3832137" y="4106789"/>
-            <a:ext cx="228600" cy="228600"/>
-          </a:xfrm>
-          <a:prstGeom prst="ellipse">
-            <a:avLst/>
-          </a:prstGeom>
-        </p:spPr>
-        <p:style>
-          <a:lnRef idx="2">
-            <a:schemeClr val="accent6">
-              <a:shade val="50000"/>
-            </a:schemeClr>
-          </a:lnRef>
-          <a:fillRef idx="1">
-            <a:schemeClr val="accent6"/>
-          </a:fillRef>
-          <a:effectRef idx="0">
-            <a:schemeClr val="accent6"/>
-          </a:effectRef>
-          <a:fontRef idx="minor">
-            <a:schemeClr val="lt1"/>
-          </a:fontRef>
-        </p:style>
-        <p:txBody>
-          <a:bodyPr rtlCol="0" anchor="ctr"/>
-          <a:lstStyle/>
-          <a:p>
-            <a:pPr algn="ctr"/>
-            <a:endParaRPr lang="en-US"/>
-          </a:p>
-        </p:txBody>
-      </p:sp>
-      <p:cxnSp>
-        <p:nvCxnSpPr>
-          <p:cNvPr id="22" name="Straight Arrow Connector 21"/>
-          <p:cNvCxnSpPr/>
-          <p:nvPr/>
-        </p:nvCxnSpPr>
-        <p:spPr>
-          <a:xfrm flipH="1" flipV="1">
-            <a:off x="4394466" y="3992489"/>
-            <a:ext cx="710935" cy="655711"/>
-          </a:xfrm>
-          <a:prstGeom prst="straightConnector1">
-            <a:avLst/>
-          </a:prstGeom>
-          <a:ln w="38100">
-            <a:tailEnd type="triangle"/>
-          </a:ln>
-        </p:spPr>
-        <p:style>
-          <a:lnRef idx="1">
-            <a:schemeClr val="dk1"/>
-          </a:lnRef>
-          <a:fillRef idx="0">
-            <a:schemeClr val="dk1"/>
-          </a:fillRef>
-          <a:effectRef idx="0">
-            <a:schemeClr val="dk1"/>
-          </a:effectRef>
-          <a:fontRef idx="minor">
-            <a:schemeClr val="tx1"/>
-          </a:fontRef>
-        </p:style>
-      </p:cxnSp>
-      <p:sp>
-        <p:nvSpPr>
-          <p:cNvPr id="23" name="TextBox 22"/>
-          <p:cNvSpPr txBox="1"/>
-          <p:nvPr/>
-        </p:nvSpPr>
-        <p:spPr>
-          <a:xfrm>
-            <a:off x="3079832" y="4299582"/>
-            <a:ext cx="837152" cy="369332"/>
-          </a:xfrm>
-          <a:prstGeom prst="rect">
-            <a:avLst/>
-          </a:prstGeom>
-          <a:noFill/>
-        </p:spPr>
-        <p:txBody>
-          <a:bodyPr wrap="none" rtlCol="0">
-            <a:spAutoFit/>
-          </a:bodyPr>
-          <a:lstStyle/>
-          <a:p>
-            <a:r>
-              <a:rPr lang="en-US" dirty="0" smtClean="0"/>
-              <a:t>Branch</a:t>
-            </a:r>
-            <a:endParaRPr lang="en-US" dirty="0"/>
-          </a:p>
-        </p:txBody>
-      </p:sp>
-      <p:sp>
-        <p:nvSpPr>
-          <p:cNvPr id="3" name="TextBox 2"/>
-          <p:cNvSpPr txBox="1"/>
-          <p:nvPr/>
-        </p:nvSpPr>
-        <p:spPr>
-          <a:xfrm>
-            <a:off x="323662" y="5596147"/>
-            <a:ext cx="8178714" cy="646331"/>
-          </a:xfrm>
-          <a:prstGeom prst="rect">
-            <a:avLst/>
-          </a:prstGeom>
-          <a:noFill/>
-        </p:spPr>
-        <p:txBody>
-          <a:bodyPr wrap="none" rtlCol="0">
-            <a:spAutoFit/>
-          </a:bodyPr>
-          <a:lstStyle/>
-          <a:p>
-            <a:r>
-              <a:rPr lang="en-US" dirty="0" smtClean="0"/>
-              <a:t>Pull Requests can cause conflicts, but GitHub makes it relatively easy to resolve them.</a:t>
-            </a:r>
-          </a:p>
-          <a:p>
-            <a:r>
-              <a:rPr lang="en-US" dirty="0" smtClean="0"/>
-              <a:t>Different than </a:t>
-            </a:r>
-            <a:r>
-              <a:rPr lang="en-US" b="1" dirty="0" smtClean="0"/>
-              <a:t>sync</a:t>
-            </a:r>
-            <a:r>
-              <a:rPr lang="en-US" dirty="0" smtClean="0"/>
-              <a:t>. Pull requests begin a collaborative effort to merge work.  </a:t>
-            </a:r>
-            <a:endParaRPr lang="en-US" dirty="0"/>
-          </a:p>
-        </p:txBody>
-      </p:sp>
     </p:spTree>
     <p:extLst>
       <p:ext uri="{BB962C8B-B14F-4D97-AF65-F5344CB8AC3E}">
-        <p14:creationId xmlns:p14="http://schemas.microsoft.com/office/powerpoint/2010/main" val="3047772038"/>
+        <p14:creationId xmlns:p14="http://schemas.microsoft.com/office/powerpoint/2010/main" val="698112444"/>
       </p:ext>
     </p:extLst>
   </p:cSld>
@@ -7805,7 +8567,7 @@
                   </a:schemeClr>
                 </a:solidFill>
               </a:rPr>
-              <a:t>[pull request demo]</a:t>
+              <a:t>Other Terms</a:t>
             </a:r>
             <a:endParaRPr lang="en-US" dirty="0">
               <a:solidFill>
@@ -7833,41 +8595,65 @@
           <a:lstStyle/>
           <a:p>
             <a:r>
+              <a:rPr lang="en-US" b="1" dirty="0" smtClean="0"/>
+              <a:t>.</a:t>
+            </a:r>
+            <a:r>
+              <a:rPr lang="en-US" b="1" dirty="0" err="1" smtClean="0"/>
+              <a:t>gitignore</a:t>
+            </a:r>
+            <a:r>
+              <a:rPr lang="en-US" b="1" dirty="0" smtClean="0"/>
+              <a:t> file</a:t>
+            </a:r>
+            <a:r>
               <a:rPr lang="en-US" dirty="0" smtClean="0"/>
-              <a:t>Click Pull Request in Desktop</a:t>
-            </a:r>
-          </a:p>
-          <a:p>
+              <a:t>: list of files that you do not want </a:t>
+            </a:r>
+            <a:r>
+              <a:rPr lang="en-US" dirty="0" err="1" smtClean="0"/>
+              <a:t>Git</a:t>
+            </a:r>
             <a:r>
               <a:rPr lang="en-US" dirty="0" smtClean="0"/>
-              <a:t>Make sure you are merging to Master</a:t>
-            </a:r>
-          </a:p>
-          <a:p>
+              <a:t> to track (model output files, compiled files, other binary files).</a:t>
+            </a:r>
+          </a:p>
+          <a:p>
+            <a:r>
+              <a:rPr lang="en-US" b="1" dirty="0" smtClean="0"/>
+              <a:t>Push/Pull/Checkout:</a:t>
+            </a:r>
             <a:r>
               <a:rPr lang="en-US" dirty="0" smtClean="0"/>
-              <a:t>Leave a note</a:t>
-            </a:r>
-          </a:p>
-          <a:p>
+              <a:t> GitHub desktop does these commands under the hood when you </a:t>
+            </a:r>
+            <a:r>
+              <a:rPr lang="en-US" b="1" dirty="0" smtClean="0"/>
+              <a:t>sync, publish</a:t>
+            </a:r>
             <a:r>
               <a:rPr lang="en-US" dirty="0" smtClean="0"/>
-              <a:t>Check to see if there will be issues. If there will be issues, you’ll need to resolve them later in GitHub. (We won’t have time to go into this).</a:t>
-            </a:r>
-          </a:p>
-          <a:p>
+              <a:t> or change branches.</a:t>
+            </a:r>
+          </a:p>
+          <a:p>
+            <a:r>
+              <a:rPr lang="en-US" b="1" dirty="0" smtClean="0"/>
+              <a:t>Fork: </a:t>
+            </a:r>
             <a:r>
               <a:rPr lang="en-US" dirty="0" smtClean="0"/>
-              <a:t>Click Send Pull Request.</a:t>
-            </a:r>
-          </a:p>
-          <a:p>
+              <a:t>Very similar to </a:t>
+            </a:r>
+            <a:r>
+              <a:rPr lang="en-US" b="1" dirty="0" smtClean="0"/>
+              <a:t>clone</a:t>
+            </a:r>
             <a:r>
               <a:rPr lang="en-US" dirty="0" smtClean="0"/>
-              <a:t>Go into GitHub and see what we’ve done.</a:t>
-            </a:r>
-          </a:p>
-          <a:p>
+              <a:t>.</a:t>
+            </a:r>
             <a:endParaRPr lang="en-US" dirty="0" smtClean="0"/>
           </a:p>
           <a:p>
@@ -8023,7 +8809,7 @@
     </p:spTree>
     <p:extLst>
       <p:ext uri="{BB962C8B-B14F-4D97-AF65-F5344CB8AC3E}">
-        <p14:creationId xmlns:p14="http://schemas.microsoft.com/office/powerpoint/2010/main" val="698112444"/>
+        <p14:creationId xmlns:p14="http://schemas.microsoft.com/office/powerpoint/2010/main" val="3219965551"/>
       </p:ext>
     </p:extLst>
   </p:cSld>
@@ -8041,6 +8827,225 @@
 </file>
 
 <file path=ppt/slides/slide17.xml><?xml version="1.0" encoding="utf-8"?>
+<p:sld xmlns:a="http://schemas.openxmlformats.org/drawingml/2006/main" xmlns:r="http://schemas.openxmlformats.org/officeDocument/2006/relationships" xmlns:p="http://schemas.openxmlformats.org/presentationml/2006/main">
+  <p:cSld>
+    <p:bg>
+      <p:bgPr>
+        <a:solidFill>
+          <a:schemeClr val="tx1">
+            <a:lumMod val="65000"/>
+            <a:lumOff val="35000"/>
+          </a:schemeClr>
+        </a:solidFill>
+        <a:effectLst/>
+      </p:bgPr>
+    </p:bg>
+    <p:spTree>
+      <p:nvGrpSpPr>
+        <p:cNvPr id="1" name=""/>
+        <p:cNvGrpSpPr/>
+        <p:nvPr/>
+      </p:nvGrpSpPr>
+      <p:grpSpPr>
+        <a:xfrm>
+          <a:off x="0" y="0"/>
+          <a:ext cx="0" cy="0"/>
+          <a:chOff x="0" y="0"/>
+          <a:chExt cx="0" cy="0"/>
+        </a:xfrm>
+      </p:grpSpPr>
+      <p:sp>
+        <p:nvSpPr>
+          <p:cNvPr id="5" name="Rectangle 4"/>
+          <p:cNvSpPr/>
+          <p:nvPr/>
+        </p:nvSpPr>
+        <p:spPr>
+          <a:xfrm>
+            <a:off x="0" y="5715000"/>
+            <a:ext cx="9144000" cy="1143000"/>
+          </a:xfrm>
+          <a:prstGeom prst="rect">
+            <a:avLst/>
+          </a:prstGeom>
+          <a:gradFill>
+            <a:gsLst>
+              <a:gs pos="0">
+                <a:schemeClr val="tx1">
+                  <a:lumMod val="75000"/>
+                  <a:lumOff val="25000"/>
+                </a:schemeClr>
+              </a:gs>
+              <a:gs pos="100000">
+                <a:schemeClr val="tx1">
+                  <a:lumMod val="75000"/>
+                  <a:lumOff val="25000"/>
+                  <a:alpha val="0"/>
+                </a:schemeClr>
+              </a:gs>
+            </a:gsLst>
+            <a:lin ang="10800000" scaled="0"/>
+          </a:gradFill>
+          <a:ln>
+            <a:noFill/>
+          </a:ln>
+        </p:spPr>
+        <p:style>
+          <a:lnRef idx="2">
+            <a:schemeClr val="accent1">
+              <a:shade val="50000"/>
+            </a:schemeClr>
+          </a:lnRef>
+          <a:fillRef idx="1">
+            <a:schemeClr val="accent1"/>
+          </a:fillRef>
+          <a:effectRef idx="0">
+            <a:schemeClr val="accent1"/>
+          </a:effectRef>
+          <a:fontRef idx="minor">
+            <a:schemeClr val="lt1"/>
+          </a:fontRef>
+        </p:style>
+        <p:txBody>
+          <a:bodyPr rtlCol="0" anchor="ctr"/>
+          <a:lstStyle/>
+          <a:p>
+            <a:pPr algn="ctr"/>
+            <a:endParaRPr lang="en-US"/>
+          </a:p>
+        </p:txBody>
+      </p:sp>
+      <p:sp>
+        <p:nvSpPr>
+          <p:cNvPr id="2" name="Title 1"/>
+          <p:cNvSpPr>
+            <a:spLocks noGrp="1"/>
+          </p:cNvSpPr>
+          <p:nvPr>
+            <p:ph type="ctrTitle"/>
+          </p:nvPr>
+        </p:nvSpPr>
+        <p:spPr>
+          <a:xfrm>
+            <a:off x="685800" y="1981200"/>
+            <a:ext cx="7772400" cy="1470025"/>
+          </a:xfrm>
+        </p:spPr>
+        <p:txBody>
+          <a:bodyPr/>
+          <a:lstStyle/>
+          <a:p>
+            <a:pPr algn="l"/>
+            <a:r>
+              <a:rPr lang="en-US" dirty="0" err="1" smtClean="0">
+                <a:solidFill>
+                  <a:schemeClr val="accent3">
+                    <a:lumMod val="60000"/>
+                    <a:lumOff val="40000"/>
+                  </a:schemeClr>
+                </a:solidFill>
+              </a:rPr>
+              <a:t>Git</a:t>
+            </a:r>
+            <a:r>
+              <a:rPr lang="en-US" dirty="0" smtClean="0">
+                <a:solidFill>
+                  <a:schemeClr val="accent3">
+                    <a:lumMod val="60000"/>
+                    <a:lumOff val="40000"/>
+                  </a:schemeClr>
+                </a:solidFill>
+              </a:rPr>
+              <a:t> and GitHub at </a:t>
+            </a:r>
+            <a:r>
+              <a:rPr lang="en-US" dirty="0" err="1" smtClean="0">
+                <a:solidFill>
+                  <a:schemeClr val="accent3">
+                    <a:lumMod val="60000"/>
+                    <a:lumOff val="40000"/>
+                  </a:schemeClr>
+                </a:solidFill>
+              </a:rPr>
+              <a:t>LimnoTech</a:t>
+            </a:r>
+            <a:endParaRPr lang="en-US" dirty="0">
+              <a:solidFill>
+                <a:schemeClr val="accent3">
+                  <a:lumMod val="60000"/>
+                  <a:lumOff val="40000"/>
+                </a:schemeClr>
+              </a:solidFill>
+            </a:endParaRPr>
+          </a:p>
+        </p:txBody>
+      </p:sp>
+      <p:pic>
+        <p:nvPicPr>
+          <p:cNvPr id="1026" name="Picture 2" descr="D:\data\market\3_logo\LTIlogo3.png"/>
+          <p:cNvPicPr>
+            <a:picLocks noChangeAspect="1" noChangeArrowheads="1"/>
+          </p:cNvPicPr>
+          <p:nvPr/>
+        </p:nvPicPr>
+        <p:blipFill>
+          <a:blip r:embed="rId2" cstate="print"/>
+          <a:srcRect l="21429" t="35000" r="13095" b="33333"/>
+          <a:stretch>
+            <a:fillRect/>
+          </a:stretch>
+        </p:blipFill>
+        <p:spPr bwMode="auto">
+          <a:xfrm>
+            <a:off x="6019800" y="5778730"/>
+            <a:ext cx="3124200" cy="1079269"/>
+          </a:xfrm>
+          <a:prstGeom prst="rect">
+            <a:avLst/>
+          </a:prstGeom>
+          <a:noFill/>
+        </p:spPr>
+      </p:pic>
+      <p:sp>
+        <p:nvSpPr>
+          <p:cNvPr id="4" name="Subtitle 3"/>
+          <p:cNvSpPr>
+            <a:spLocks noGrp="1"/>
+          </p:cNvSpPr>
+          <p:nvPr>
+            <p:ph type="subTitle" idx="1"/>
+          </p:nvPr>
+        </p:nvSpPr>
+        <p:spPr/>
+        <p:txBody>
+          <a:bodyPr/>
+          <a:lstStyle/>
+          <a:p>
+            <a:endParaRPr lang="en-US"/>
+          </a:p>
+        </p:txBody>
+      </p:sp>
+    </p:spTree>
+    <p:extLst>
+      <p:ext uri="{BB962C8B-B14F-4D97-AF65-F5344CB8AC3E}">
+        <p14:creationId xmlns:p14="http://schemas.microsoft.com/office/powerpoint/2010/main" val="466624163"/>
+      </p:ext>
+    </p:extLst>
+  </p:cSld>
+  <p:clrMapOvr>
+    <a:masterClrMapping/>
+  </p:clrMapOvr>
+  <p:timing>
+    <p:tnLst>
+      <p:par>
+        <p:cTn id="1" dur="indefinite" restart="never" nodeType="tmRoot"/>
+      </p:par>
+    </p:tnLst>
+  </p:timing>
+</p:sld>
+</file>
+
+<file path=ppt/slides/slide18.xml><?xml version="1.0" encoding="utf-8"?>
 <p:sld xmlns:a="http://schemas.openxmlformats.org/drawingml/2006/main" xmlns:r="http://schemas.openxmlformats.org/officeDocument/2006/relationships" xmlns:p="http://schemas.openxmlformats.org/presentationml/2006/main">
   <p:cSld>
     <p:bg>
@@ -8147,7 +9152,7 @@
                   </a:schemeClr>
                 </a:solidFill>
               </a:rPr>
-              <a:t>Other Terms</a:t>
+              <a:t>Individual Projects</a:t>
             </a:r>
             <a:endParaRPr lang="en-US" dirty="0">
               <a:solidFill>
@@ -8175,78 +9180,37 @@
           <a:lstStyle/>
           <a:p>
             <a:r>
-              <a:rPr lang="en-US" b="1" dirty="0" smtClean="0"/>
-              <a:t>.</a:t>
-            </a:r>
-            <a:r>
-              <a:rPr lang="en-US" b="1" dirty="0" err="1" smtClean="0"/>
-              <a:t>gitignore</a:t>
-            </a:r>
-            <a:r>
-              <a:rPr lang="en-US" b="1" dirty="0" smtClean="0"/>
-              <a:t> file</a:t>
-            </a:r>
-            <a:r>
-              <a:rPr lang="en-US" dirty="0" smtClean="0"/>
-              <a:t>: list of files that you do not want </a:t>
-            </a:r>
-            <a:r>
               <a:rPr lang="en-US" dirty="0" err="1" smtClean="0"/>
               <a:t>Git</a:t>
             </a:r>
             <a:r>
               <a:rPr lang="en-US" dirty="0" smtClean="0"/>
-              <a:t> to track (model output files, compiled files, other binary files).</a:t>
-            </a:r>
-          </a:p>
-          <a:p>
-            <a:r>
-              <a:rPr lang="en-US" b="1" dirty="0" smtClean="0"/>
-              <a:t>Push/Pull/Checkout:</a:t>
-            </a:r>
+              <a:t> and GitHub are great tools to track individual text-based work.</a:t>
+            </a:r>
+          </a:p>
+          <a:p>
             <a:r>
               <a:rPr lang="en-US" dirty="0" smtClean="0"/>
-              <a:t> GitHub desktop does these commands under the hood when you </a:t>
-            </a:r>
-            <a:r>
-              <a:rPr lang="en-US" b="1" dirty="0" smtClean="0"/>
-              <a:t>sync, publish</a:t>
-            </a:r>
+              <a:t>Revert back to previous versions anytime</a:t>
+            </a:r>
+          </a:p>
+          <a:p>
             <a:r>
               <a:rPr lang="en-US" dirty="0" smtClean="0"/>
-              <a:t> or change branches.</a:t>
-            </a:r>
-          </a:p>
-          <a:p>
-            <a:r>
-              <a:rPr lang="en-US" b="1" dirty="0" smtClean="0"/>
-              <a:t>Fork: </a:t>
-            </a:r>
+              <a:t>Keep collections of files in sync</a:t>
+            </a:r>
+          </a:p>
+          <a:p>
             <a:r>
               <a:rPr lang="en-US" dirty="0" smtClean="0"/>
-              <a:t>Very similar to </a:t>
-            </a:r>
-            <a:r>
-              <a:rPr lang="en-US" b="1" dirty="0" smtClean="0"/>
-              <a:t>clone</a:t>
-            </a:r>
+              <a:t>Easy to bring new people in on project</a:t>
+            </a:r>
+          </a:p>
+          <a:p>
             <a:r>
               <a:rPr lang="en-US" dirty="0" smtClean="0"/>
-              <a:t>.</a:t>
-            </a:r>
-          </a:p>
-          <a:p>
-            <a:r>
-              <a:rPr lang="en-US" b="1" dirty="0" smtClean="0"/>
-              <a:t>Spoon: </a:t>
-            </a:r>
-            <a:r>
-              <a:rPr lang="en-US" dirty="0" smtClean="0"/>
-              <a:t>Kitchen utensil.</a:t>
-            </a:r>
-            <a:endParaRPr lang="en-US" b="1" dirty="0" smtClean="0"/>
-          </a:p>
-          <a:p>
+              <a:t>Commits are self-documenting</a:t>
+            </a:r>
             <a:endParaRPr lang="en-US" dirty="0" smtClean="0"/>
           </a:p>
           <a:p>
@@ -8378,7 +9342,7 @@
                 <a:tabLst/>
                 <a:defRPr/>
               </a:pPr>
-              <a:t>17</a:t>
+              <a:t>18</a:t>
             </a:fld>
             <a:endParaRPr kumimoji="0" lang="en-US" sz="1400" b="0" i="0" u="none" strike="noStrike" kern="1200" cap="none" spc="0" normalizeH="0" baseline="0" noProof="0" dirty="0">
               <a:ln>
@@ -8402,7 +9366,387 @@
     </p:spTree>
     <p:extLst>
       <p:ext uri="{BB962C8B-B14F-4D97-AF65-F5344CB8AC3E}">
-        <p14:creationId xmlns:p14="http://schemas.microsoft.com/office/powerpoint/2010/main" val="3219965551"/>
+        <p14:creationId xmlns:p14="http://schemas.microsoft.com/office/powerpoint/2010/main" val="2901399640"/>
+      </p:ext>
+    </p:extLst>
+  </p:cSld>
+  <p:clrMapOvr>
+    <a:masterClrMapping/>
+  </p:clrMapOvr>
+  <p:timing>
+    <p:tnLst>
+      <p:par>
+        <p:cTn id="1" dur="indefinite" restart="never" nodeType="tmRoot"/>
+      </p:par>
+    </p:tnLst>
+  </p:timing>
+</p:sld>
+</file>
+
+<file path=ppt/slides/slide19.xml><?xml version="1.0" encoding="utf-8"?>
+<p:sld xmlns:a="http://schemas.openxmlformats.org/drawingml/2006/main" xmlns:r="http://schemas.openxmlformats.org/officeDocument/2006/relationships" xmlns:p="http://schemas.openxmlformats.org/presentationml/2006/main">
+  <p:cSld>
+    <p:bg>
+      <p:bgPr>
+        <a:solidFill>
+          <a:schemeClr val="bg1">
+            <a:lumMod val="65000"/>
+          </a:schemeClr>
+        </a:solidFill>
+        <a:effectLst/>
+      </p:bgPr>
+    </p:bg>
+    <p:spTree>
+      <p:nvGrpSpPr>
+        <p:cNvPr id="1" name=""/>
+        <p:cNvGrpSpPr/>
+        <p:nvPr/>
+      </p:nvGrpSpPr>
+      <p:grpSpPr>
+        <a:xfrm>
+          <a:off x="0" y="0"/>
+          <a:ext cx="0" cy="0"/>
+          <a:chOff x="0" y="0"/>
+          <a:chExt cx="0" cy="0"/>
+        </a:xfrm>
+      </p:grpSpPr>
+      <p:sp>
+        <p:nvSpPr>
+          <p:cNvPr id="5" name="Rectangle 4"/>
+          <p:cNvSpPr/>
+          <p:nvPr/>
+        </p:nvSpPr>
+        <p:spPr>
+          <a:xfrm>
+            <a:off x="0" y="6172200"/>
+            <a:ext cx="9144000" cy="685800"/>
+          </a:xfrm>
+          <a:prstGeom prst="rect">
+            <a:avLst/>
+          </a:prstGeom>
+          <a:gradFill>
+            <a:gsLst>
+              <a:gs pos="0">
+                <a:schemeClr val="bg1"/>
+              </a:gs>
+              <a:gs pos="100000">
+                <a:schemeClr val="bg1">
+                  <a:alpha val="0"/>
+                </a:schemeClr>
+              </a:gs>
+            </a:gsLst>
+            <a:lin ang="10800000" scaled="0"/>
+          </a:gradFill>
+          <a:ln>
+            <a:noFill/>
+          </a:ln>
+        </p:spPr>
+        <p:style>
+          <a:lnRef idx="2">
+            <a:schemeClr val="accent1">
+              <a:shade val="50000"/>
+            </a:schemeClr>
+          </a:lnRef>
+          <a:fillRef idx="1">
+            <a:schemeClr val="accent1"/>
+          </a:fillRef>
+          <a:effectRef idx="0">
+            <a:schemeClr val="accent1"/>
+          </a:effectRef>
+          <a:fontRef idx="minor">
+            <a:schemeClr val="lt1"/>
+          </a:fontRef>
+        </p:style>
+        <p:txBody>
+          <a:bodyPr rtlCol="0" anchor="ctr"/>
+          <a:lstStyle/>
+          <a:p>
+            <a:pPr algn="ctr"/>
+            <a:endParaRPr lang="en-US"/>
+          </a:p>
+        </p:txBody>
+      </p:sp>
+      <p:sp>
+        <p:nvSpPr>
+          <p:cNvPr id="2" name="Title 1"/>
+          <p:cNvSpPr>
+            <a:spLocks noGrp="1"/>
+          </p:cNvSpPr>
+          <p:nvPr>
+            <p:ph type="title"/>
+          </p:nvPr>
+        </p:nvSpPr>
+        <p:spPr/>
+        <p:txBody>
+          <a:bodyPr/>
+          <a:lstStyle/>
+          <a:p>
+            <a:pPr algn="l"/>
+            <a:r>
+              <a:rPr lang="en-US" dirty="0" smtClean="0">
+                <a:solidFill>
+                  <a:schemeClr val="accent1">
+                    <a:lumMod val="50000"/>
+                  </a:schemeClr>
+                </a:solidFill>
+              </a:rPr>
+              <a:t>Your own coding projects</a:t>
+            </a:r>
+            <a:endParaRPr lang="en-US" dirty="0">
+              <a:solidFill>
+                <a:schemeClr val="accent1">
+                  <a:lumMod val="50000"/>
+                </a:schemeClr>
+              </a:solidFill>
+            </a:endParaRPr>
+          </a:p>
+        </p:txBody>
+      </p:sp>
+      <p:sp>
+        <p:nvSpPr>
+          <p:cNvPr id="3" name="Content Placeholder 2"/>
+          <p:cNvSpPr>
+            <a:spLocks noGrp="1"/>
+          </p:cNvSpPr>
+          <p:nvPr>
+            <p:ph idx="1"/>
+          </p:nvPr>
+        </p:nvSpPr>
+        <p:spPr/>
+        <p:txBody>
+          <a:bodyPr>
+            <a:normAutofit lnSpcReduction="10000"/>
+          </a:bodyPr>
+          <a:lstStyle/>
+          <a:p>
+            <a:r>
+              <a:rPr lang="en-US" dirty="0" err="1" smtClean="0"/>
+              <a:t>Git</a:t>
+            </a:r>
+            <a:r>
+              <a:rPr lang="en-US" dirty="0" smtClean="0"/>
+              <a:t> is designed for this!</a:t>
+            </a:r>
+          </a:p>
+          <a:p>
+            <a:r>
+              <a:rPr lang="en-US" dirty="0" smtClean="0"/>
+              <a:t>Make it a habit to start a </a:t>
+            </a:r>
+            <a:r>
+              <a:rPr lang="en-US" dirty="0" err="1" smtClean="0"/>
+              <a:t>Git</a:t>
+            </a:r>
+            <a:r>
+              <a:rPr lang="en-US" dirty="0" smtClean="0"/>
+              <a:t> repository when you start a coding project</a:t>
+            </a:r>
+          </a:p>
+          <a:p>
+            <a:r>
+              <a:rPr lang="en-US" dirty="0" smtClean="0"/>
+              <a:t>Various editors/IDEs have </a:t>
+            </a:r>
+            <a:r>
+              <a:rPr lang="en-US" dirty="0" err="1" smtClean="0"/>
+              <a:t>Git</a:t>
+            </a:r>
+            <a:r>
+              <a:rPr lang="en-US" dirty="0" smtClean="0"/>
+              <a:t> and GitHub integration</a:t>
+            </a:r>
+          </a:p>
+          <a:p>
+            <a:pPr lvl="1"/>
+            <a:r>
+              <a:rPr lang="en-US" dirty="0" smtClean="0"/>
+              <a:t>R Studio</a:t>
+            </a:r>
+          </a:p>
+          <a:p>
+            <a:pPr lvl="1"/>
+            <a:r>
+              <a:rPr lang="en-US" dirty="0" smtClean="0"/>
+              <a:t>Visual Studio Code</a:t>
+            </a:r>
+          </a:p>
+          <a:p>
+            <a:pPr lvl="1"/>
+            <a:r>
+              <a:rPr lang="en-US" dirty="0" smtClean="0"/>
+              <a:t>IntelliJ/</a:t>
+            </a:r>
+            <a:r>
+              <a:rPr lang="en-US" dirty="0" err="1" smtClean="0"/>
+              <a:t>JetBrains</a:t>
+            </a:r>
+            <a:endParaRPr lang="en-US" dirty="0" smtClean="0"/>
+          </a:p>
+          <a:p>
+            <a:pPr lvl="1"/>
+            <a:r>
+              <a:rPr lang="en-US" dirty="0" smtClean="0"/>
+              <a:t>Many more…</a:t>
+            </a:r>
+          </a:p>
+          <a:p>
+            <a:pPr lvl="1"/>
+            <a:endParaRPr lang="en-US" dirty="0" smtClean="0"/>
+          </a:p>
+          <a:p>
+            <a:endParaRPr lang="en-US" dirty="0" smtClean="0"/>
+          </a:p>
+        </p:txBody>
+      </p:sp>
+      <p:pic>
+        <p:nvPicPr>
+          <p:cNvPr id="2050" name="Picture 2" descr="D:\data\market\3_logo\LTIlogo_object.png"/>
+          <p:cNvPicPr>
+            <a:picLocks noChangeAspect="1" noChangeArrowheads="1"/>
+          </p:cNvPicPr>
+          <p:nvPr/>
+        </p:nvPicPr>
+        <p:blipFill>
+          <a:blip r:embed="rId3" cstate="print"/>
+          <a:srcRect l="28571" t="23077" r="27473" b="23077"/>
+          <a:stretch>
+            <a:fillRect/>
+          </a:stretch>
+        </p:blipFill>
+        <p:spPr bwMode="auto">
+          <a:xfrm>
+            <a:off x="8077200" y="5943600"/>
+            <a:ext cx="990600" cy="866775"/>
+          </a:xfrm>
+          <a:prstGeom prst="rect">
+            <a:avLst/>
+          </a:prstGeom>
+          <a:noFill/>
+          <a:effectLst>
+            <a:outerShdw blurRad="50800" dist="38100" dir="2700000" algn="tl" rotWithShape="0">
+              <a:prstClr val="black">
+                <a:alpha val="40000"/>
+              </a:prstClr>
+            </a:outerShdw>
+          </a:effectLst>
+        </p:spPr>
+      </p:pic>
+      <p:sp>
+        <p:nvSpPr>
+          <p:cNvPr id="8" name="Slide Number Placeholder 7"/>
+          <p:cNvSpPr txBox="1">
+            <a:spLocks/>
+          </p:cNvSpPr>
+          <p:nvPr/>
+        </p:nvSpPr>
+        <p:spPr>
+          <a:xfrm>
+            <a:off x="5791200" y="6324600"/>
+            <a:ext cx="2133600" cy="365125"/>
+          </a:xfrm>
+          <a:prstGeom prst="rect">
+            <a:avLst/>
+          </a:prstGeom>
+        </p:spPr>
+        <p:txBody>
+          <a:bodyPr vert="horz" lIns="91440" tIns="45720" rIns="91440" bIns="45720" rtlCol="0" anchor="ctr"/>
+          <a:lstStyle/>
+          <a:p>
+            <a:pPr marL="0" marR="0" lvl="0" indent="0" algn="r" defTabSz="914400" rtl="0" eaLnBrk="1" fontAlgn="auto" latinLnBrk="0" hangingPunct="1">
+              <a:lnSpc>
+                <a:spcPct val="100000"/>
+              </a:lnSpc>
+              <a:spcBef>
+                <a:spcPts val="0"/>
+              </a:spcBef>
+              <a:spcAft>
+                <a:spcPts val="0"/>
+              </a:spcAft>
+              <a:buClrTx/>
+              <a:buSzTx/>
+              <a:buFontTx/>
+              <a:buNone/>
+              <a:tabLst/>
+              <a:defRPr/>
+            </a:pPr>
+            <a:r>
+              <a:rPr kumimoji="0" lang="en-US" sz="1400" b="0" i="0" u="none" strike="noStrike" kern="1200" cap="none" spc="0" normalizeH="0" baseline="0" noProof="0" dirty="0" smtClean="0">
+                <a:ln>
+                  <a:noFill/>
+                </a:ln>
+                <a:solidFill>
+                  <a:schemeClr val="accent3">
+                    <a:lumMod val="50000"/>
+                  </a:schemeClr>
+                </a:solidFill>
+                <a:effectLst/>
+                <a:uLnTx/>
+                <a:uFillTx/>
+                <a:latin typeface="+mn-lt"/>
+                <a:ea typeface="+mn-ea"/>
+                <a:cs typeface="+mn-cs"/>
+              </a:rPr>
+              <a:t>SLIDE </a:t>
+            </a:r>
+            <a:fld id="{C04375EB-5169-4238-8270-5D5536267021}" type="slidenum">
+              <a:rPr kumimoji="0" lang="en-US" sz="1400" b="0" i="0" u="none" strike="noStrike" kern="1200" cap="none" spc="0" normalizeH="0" baseline="0" noProof="0" smtClean="0">
+                <a:ln>
+                  <a:noFill/>
+                </a:ln>
+                <a:solidFill>
+                  <a:schemeClr val="accent3">
+                    <a:lumMod val="50000"/>
+                  </a:schemeClr>
+                </a:solidFill>
+                <a:effectLst/>
+                <a:uLnTx/>
+                <a:uFillTx/>
+                <a:latin typeface="+mn-lt"/>
+                <a:ea typeface="+mn-ea"/>
+                <a:cs typeface="+mn-cs"/>
+              </a:rPr>
+              <a:pPr marL="0" marR="0" lvl="0" indent="0" algn="r" defTabSz="914400" rtl="0" eaLnBrk="1" fontAlgn="auto" latinLnBrk="0" hangingPunct="1">
+                <a:lnSpc>
+                  <a:spcPct val="100000"/>
+                </a:lnSpc>
+                <a:spcBef>
+                  <a:spcPts val="0"/>
+                </a:spcBef>
+                <a:spcAft>
+                  <a:spcPts val="0"/>
+                </a:spcAft>
+                <a:buClrTx/>
+                <a:buSzTx/>
+                <a:buFontTx/>
+                <a:buNone/>
+                <a:tabLst/>
+                <a:defRPr/>
+              </a:pPr>
+              <a:t>19</a:t>
+            </a:fld>
+            <a:endParaRPr kumimoji="0" lang="en-US" sz="1400" b="0" i="0" u="none" strike="noStrike" kern="1200" cap="none" spc="0" normalizeH="0" baseline="0" noProof="0" dirty="0">
+              <a:ln>
+                <a:noFill/>
+              </a:ln>
+              <a:solidFill>
+                <a:schemeClr val="accent3">
+                  <a:lumMod val="50000"/>
+                </a:schemeClr>
+              </a:solidFill>
+              <a:effectLst/>
+              <a:uLnTx/>
+              <a:uFillTx/>
+              <a:latin typeface="+mn-lt"/>
+              <a:ea typeface="+mn-ea"/>
+              <a:cs typeface="+mn-cs"/>
+            </a:endParaRPr>
+          </a:p>
+        </p:txBody>
+      </p:sp>
+    </p:spTree>
+    <p:extLst>
+      <p:ext uri="{BB962C8B-B14F-4D97-AF65-F5344CB8AC3E}">
+        <p14:creationId xmlns:p14="http://schemas.microsoft.com/office/powerpoint/2010/main" val="1960380954"/>
       </p:ext>
     </p:extLst>
   </p:cSld>
@@ -8519,7 +9863,6 @@
           </a:bodyPr>
           <a:lstStyle/>
           <a:p>
-            <a:pPr algn="l"/>
             <a:r>
               <a:rPr lang="en-US" dirty="0" smtClean="0">
                 <a:solidFill>
@@ -8528,7 +9871,7 @@
                   </a:schemeClr>
                 </a:solidFill>
               </a:rPr>
-              <a:t>A new language for tracking files</a:t>
+              <a:t>Some new vocabulary words</a:t>
             </a:r>
             <a:endParaRPr lang="en-US" dirty="0">
               <a:solidFill>
@@ -8996,6 +10339,2383 @@
 </p:sld>
 </file>
 
+<file path=ppt/slides/slide20.xml><?xml version="1.0" encoding="utf-8"?>
+<p:sld xmlns:a="http://schemas.openxmlformats.org/drawingml/2006/main" xmlns:r="http://schemas.openxmlformats.org/officeDocument/2006/relationships" xmlns:p="http://schemas.openxmlformats.org/presentationml/2006/main">
+  <p:cSld>
+    <p:bg>
+      <p:bgPr>
+        <a:solidFill>
+          <a:schemeClr val="bg1">
+            <a:lumMod val="65000"/>
+          </a:schemeClr>
+        </a:solidFill>
+        <a:effectLst/>
+      </p:bgPr>
+    </p:bg>
+    <p:spTree>
+      <p:nvGrpSpPr>
+        <p:cNvPr id="1" name=""/>
+        <p:cNvGrpSpPr/>
+        <p:nvPr/>
+      </p:nvGrpSpPr>
+      <p:grpSpPr>
+        <a:xfrm>
+          <a:off x="0" y="0"/>
+          <a:ext cx="0" cy="0"/>
+          <a:chOff x="0" y="0"/>
+          <a:chExt cx="0" cy="0"/>
+        </a:xfrm>
+      </p:grpSpPr>
+      <p:sp>
+        <p:nvSpPr>
+          <p:cNvPr id="5" name="Rectangle 4"/>
+          <p:cNvSpPr/>
+          <p:nvPr/>
+        </p:nvSpPr>
+        <p:spPr>
+          <a:xfrm>
+            <a:off x="0" y="6172200"/>
+            <a:ext cx="9144000" cy="685800"/>
+          </a:xfrm>
+          <a:prstGeom prst="rect">
+            <a:avLst/>
+          </a:prstGeom>
+          <a:gradFill>
+            <a:gsLst>
+              <a:gs pos="0">
+                <a:schemeClr val="bg1"/>
+              </a:gs>
+              <a:gs pos="100000">
+                <a:schemeClr val="bg1">
+                  <a:alpha val="0"/>
+                </a:schemeClr>
+              </a:gs>
+            </a:gsLst>
+            <a:lin ang="10800000" scaled="0"/>
+          </a:gradFill>
+          <a:ln>
+            <a:noFill/>
+          </a:ln>
+        </p:spPr>
+        <p:style>
+          <a:lnRef idx="2">
+            <a:schemeClr val="accent1">
+              <a:shade val="50000"/>
+            </a:schemeClr>
+          </a:lnRef>
+          <a:fillRef idx="1">
+            <a:schemeClr val="accent1"/>
+          </a:fillRef>
+          <a:effectRef idx="0">
+            <a:schemeClr val="accent1"/>
+          </a:effectRef>
+          <a:fontRef idx="minor">
+            <a:schemeClr val="lt1"/>
+          </a:fontRef>
+        </p:style>
+        <p:txBody>
+          <a:bodyPr rtlCol="0" anchor="ctr"/>
+          <a:lstStyle/>
+          <a:p>
+            <a:pPr algn="ctr"/>
+            <a:endParaRPr lang="en-US"/>
+          </a:p>
+        </p:txBody>
+      </p:sp>
+      <p:sp>
+        <p:nvSpPr>
+          <p:cNvPr id="2" name="Title 1"/>
+          <p:cNvSpPr>
+            <a:spLocks noGrp="1"/>
+          </p:cNvSpPr>
+          <p:nvPr>
+            <p:ph type="title"/>
+          </p:nvPr>
+        </p:nvSpPr>
+        <p:spPr/>
+        <p:txBody>
+          <a:bodyPr/>
+          <a:lstStyle/>
+          <a:p>
+            <a:pPr algn="l"/>
+            <a:r>
+              <a:rPr lang="en-US" dirty="0" smtClean="0">
+                <a:solidFill>
+                  <a:schemeClr val="accent1">
+                    <a:lumMod val="50000"/>
+                  </a:schemeClr>
+                </a:solidFill>
+              </a:rPr>
+              <a:t>Your own coding projects</a:t>
+            </a:r>
+            <a:endParaRPr lang="en-US" dirty="0">
+              <a:solidFill>
+                <a:schemeClr val="accent1">
+                  <a:lumMod val="50000"/>
+                </a:schemeClr>
+              </a:solidFill>
+            </a:endParaRPr>
+          </a:p>
+        </p:txBody>
+      </p:sp>
+      <p:pic>
+        <p:nvPicPr>
+          <p:cNvPr id="2050" name="Picture 2" descr="D:\data\market\3_logo\LTIlogo_object.png"/>
+          <p:cNvPicPr>
+            <a:picLocks noChangeAspect="1" noChangeArrowheads="1"/>
+          </p:cNvPicPr>
+          <p:nvPr/>
+        </p:nvPicPr>
+        <p:blipFill>
+          <a:blip r:embed="rId3" cstate="print"/>
+          <a:srcRect l="28571" t="23077" r="27473" b="23077"/>
+          <a:stretch>
+            <a:fillRect/>
+          </a:stretch>
+        </p:blipFill>
+        <p:spPr bwMode="auto">
+          <a:xfrm>
+            <a:off x="8077200" y="5943600"/>
+            <a:ext cx="990600" cy="866775"/>
+          </a:xfrm>
+          <a:prstGeom prst="rect">
+            <a:avLst/>
+          </a:prstGeom>
+          <a:noFill/>
+          <a:effectLst>
+            <a:outerShdw blurRad="50800" dist="38100" dir="2700000" algn="tl" rotWithShape="0">
+              <a:prstClr val="black">
+                <a:alpha val="40000"/>
+              </a:prstClr>
+            </a:outerShdw>
+          </a:effectLst>
+        </p:spPr>
+      </p:pic>
+      <p:sp>
+        <p:nvSpPr>
+          <p:cNvPr id="8" name="Slide Number Placeholder 7"/>
+          <p:cNvSpPr txBox="1">
+            <a:spLocks/>
+          </p:cNvSpPr>
+          <p:nvPr/>
+        </p:nvSpPr>
+        <p:spPr>
+          <a:xfrm>
+            <a:off x="5791200" y="6324600"/>
+            <a:ext cx="2133600" cy="365125"/>
+          </a:xfrm>
+          <a:prstGeom prst="rect">
+            <a:avLst/>
+          </a:prstGeom>
+        </p:spPr>
+        <p:txBody>
+          <a:bodyPr vert="horz" lIns="91440" tIns="45720" rIns="91440" bIns="45720" rtlCol="0" anchor="ctr"/>
+          <a:lstStyle/>
+          <a:p>
+            <a:pPr marL="0" marR="0" lvl="0" indent="0" algn="r" defTabSz="914400" rtl="0" eaLnBrk="1" fontAlgn="auto" latinLnBrk="0" hangingPunct="1">
+              <a:lnSpc>
+                <a:spcPct val="100000"/>
+              </a:lnSpc>
+              <a:spcBef>
+                <a:spcPts val="0"/>
+              </a:spcBef>
+              <a:spcAft>
+                <a:spcPts val="0"/>
+              </a:spcAft>
+              <a:buClrTx/>
+              <a:buSzTx/>
+              <a:buFontTx/>
+              <a:buNone/>
+              <a:tabLst/>
+              <a:defRPr/>
+            </a:pPr>
+            <a:r>
+              <a:rPr kumimoji="0" lang="en-US" sz="1400" b="0" i="0" u="none" strike="noStrike" kern="1200" cap="none" spc="0" normalizeH="0" baseline="0" noProof="0" dirty="0" smtClean="0">
+                <a:ln>
+                  <a:noFill/>
+                </a:ln>
+                <a:solidFill>
+                  <a:schemeClr val="accent3">
+                    <a:lumMod val="50000"/>
+                  </a:schemeClr>
+                </a:solidFill>
+                <a:effectLst/>
+                <a:uLnTx/>
+                <a:uFillTx/>
+                <a:latin typeface="+mn-lt"/>
+                <a:ea typeface="+mn-ea"/>
+                <a:cs typeface="+mn-cs"/>
+              </a:rPr>
+              <a:t>SLIDE </a:t>
+            </a:r>
+            <a:fld id="{C04375EB-5169-4238-8270-5D5536267021}" type="slidenum">
+              <a:rPr kumimoji="0" lang="en-US" sz="1400" b="0" i="0" u="none" strike="noStrike" kern="1200" cap="none" spc="0" normalizeH="0" baseline="0" noProof="0" smtClean="0">
+                <a:ln>
+                  <a:noFill/>
+                </a:ln>
+                <a:solidFill>
+                  <a:schemeClr val="accent3">
+                    <a:lumMod val="50000"/>
+                  </a:schemeClr>
+                </a:solidFill>
+                <a:effectLst/>
+                <a:uLnTx/>
+                <a:uFillTx/>
+                <a:latin typeface="+mn-lt"/>
+                <a:ea typeface="+mn-ea"/>
+                <a:cs typeface="+mn-cs"/>
+              </a:rPr>
+              <a:pPr marL="0" marR="0" lvl="0" indent="0" algn="r" defTabSz="914400" rtl="0" eaLnBrk="1" fontAlgn="auto" latinLnBrk="0" hangingPunct="1">
+                <a:lnSpc>
+                  <a:spcPct val="100000"/>
+                </a:lnSpc>
+                <a:spcBef>
+                  <a:spcPts val="0"/>
+                </a:spcBef>
+                <a:spcAft>
+                  <a:spcPts val="0"/>
+                </a:spcAft>
+                <a:buClrTx/>
+                <a:buSzTx/>
+                <a:buFontTx/>
+                <a:buNone/>
+                <a:tabLst/>
+                <a:defRPr/>
+              </a:pPr>
+              <a:t>20</a:t>
+            </a:fld>
+            <a:endParaRPr kumimoji="0" lang="en-US" sz="1400" b="0" i="0" u="none" strike="noStrike" kern="1200" cap="none" spc="0" normalizeH="0" baseline="0" noProof="0" dirty="0">
+              <a:ln>
+                <a:noFill/>
+              </a:ln>
+              <a:solidFill>
+                <a:schemeClr val="accent3">
+                  <a:lumMod val="50000"/>
+                </a:schemeClr>
+              </a:solidFill>
+              <a:effectLst/>
+              <a:uLnTx/>
+              <a:uFillTx/>
+              <a:latin typeface="+mn-lt"/>
+              <a:ea typeface="+mn-ea"/>
+              <a:cs typeface="+mn-cs"/>
+            </a:endParaRPr>
+          </a:p>
+        </p:txBody>
+      </p:sp>
+      <p:pic>
+        <p:nvPicPr>
+          <p:cNvPr id="6" name="Content Placeholder 5"/>
+          <p:cNvPicPr>
+            <a:picLocks noGrp="1" noChangeAspect="1"/>
+          </p:cNvPicPr>
+          <p:nvPr>
+            <p:ph idx="1"/>
+          </p:nvPr>
+        </p:nvPicPr>
+        <p:blipFill>
+          <a:blip r:embed="rId4"/>
+          <a:stretch>
+            <a:fillRect/>
+          </a:stretch>
+        </p:blipFill>
+        <p:spPr>
+          <a:xfrm>
+            <a:off x="1034959" y="1295400"/>
+            <a:ext cx="6889841" cy="4525963"/>
+          </a:xfrm>
+          <a:prstGeom prst="rect">
+            <a:avLst/>
+          </a:prstGeom>
+        </p:spPr>
+      </p:pic>
+      <p:sp>
+        <p:nvSpPr>
+          <p:cNvPr id="7" name="Oval 6"/>
+          <p:cNvSpPr/>
+          <p:nvPr/>
+        </p:nvSpPr>
+        <p:spPr>
+          <a:xfrm>
+            <a:off x="914400" y="5486400"/>
+            <a:ext cx="1752600" cy="517525"/>
+          </a:xfrm>
+          <a:prstGeom prst="ellipse">
+            <a:avLst/>
+          </a:prstGeom>
+          <a:noFill/>
+          <a:ln w="76200">
+            <a:solidFill>
+              <a:srgbClr val="FF0000"/>
+            </a:solidFill>
+          </a:ln>
+        </p:spPr>
+        <p:style>
+          <a:lnRef idx="2">
+            <a:schemeClr val="accent2"/>
+          </a:lnRef>
+          <a:fillRef idx="1">
+            <a:schemeClr val="lt1"/>
+          </a:fillRef>
+          <a:effectRef idx="0">
+            <a:schemeClr val="accent2"/>
+          </a:effectRef>
+          <a:fontRef idx="minor">
+            <a:schemeClr val="dk1"/>
+          </a:fontRef>
+        </p:style>
+        <p:txBody>
+          <a:bodyPr rtlCol="0" anchor="ctr"/>
+          <a:lstStyle/>
+          <a:p>
+            <a:pPr algn="ctr"/>
+            <a:endParaRPr lang="en-US"/>
+          </a:p>
+        </p:txBody>
+      </p:sp>
+    </p:spTree>
+    <p:extLst>
+      <p:ext uri="{BB962C8B-B14F-4D97-AF65-F5344CB8AC3E}">
+        <p14:creationId xmlns:p14="http://schemas.microsoft.com/office/powerpoint/2010/main" val="3661198134"/>
+      </p:ext>
+    </p:extLst>
+  </p:cSld>
+  <p:clrMapOvr>
+    <a:masterClrMapping/>
+  </p:clrMapOvr>
+  <p:timing>
+    <p:tnLst>
+      <p:par>
+        <p:cTn id="1" dur="indefinite" restart="never" nodeType="tmRoot"/>
+      </p:par>
+    </p:tnLst>
+  </p:timing>
+</p:sld>
+</file>
+
+<file path=ppt/slides/slide21.xml><?xml version="1.0" encoding="utf-8"?>
+<p:sld xmlns:a="http://schemas.openxmlformats.org/drawingml/2006/main" xmlns:r="http://schemas.openxmlformats.org/officeDocument/2006/relationships" xmlns:p="http://schemas.openxmlformats.org/presentationml/2006/main">
+  <p:cSld>
+    <p:bg>
+      <p:bgPr>
+        <a:solidFill>
+          <a:schemeClr val="bg1">
+            <a:lumMod val="65000"/>
+          </a:schemeClr>
+        </a:solidFill>
+        <a:effectLst/>
+      </p:bgPr>
+    </p:bg>
+    <p:spTree>
+      <p:nvGrpSpPr>
+        <p:cNvPr id="1" name=""/>
+        <p:cNvGrpSpPr/>
+        <p:nvPr/>
+      </p:nvGrpSpPr>
+      <p:grpSpPr>
+        <a:xfrm>
+          <a:off x="0" y="0"/>
+          <a:ext cx="0" cy="0"/>
+          <a:chOff x="0" y="0"/>
+          <a:chExt cx="0" cy="0"/>
+        </a:xfrm>
+      </p:grpSpPr>
+      <p:sp>
+        <p:nvSpPr>
+          <p:cNvPr id="5" name="Rectangle 4"/>
+          <p:cNvSpPr/>
+          <p:nvPr/>
+        </p:nvSpPr>
+        <p:spPr>
+          <a:xfrm>
+            <a:off x="0" y="6172200"/>
+            <a:ext cx="9144000" cy="685800"/>
+          </a:xfrm>
+          <a:prstGeom prst="rect">
+            <a:avLst/>
+          </a:prstGeom>
+          <a:gradFill>
+            <a:gsLst>
+              <a:gs pos="0">
+                <a:schemeClr val="bg1"/>
+              </a:gs>
+              <a:gs pos="100000">
+                <a:schemeClr val="bg1">
+                  <a:alpha val="0"/>
+                </a:schemeClr>
+              </a:gs>
+            </a:gsLst>
+            <a:lin ang="10800000" scaled="0"/>
+          </a:gradFill>
+          <a:ln>
+            <a:noFill/>
+          </a:ln>
+        </p:spPr>
+        <p:style>
+          <a:lnRef idx="2">
+            <a:schemeClr val="accent1">
+              <a:shade val="50000"/>
+            </a:schemeClr>
+          </a:lnRef>
+          <a:fillRef idx="1">
+            <a:schemeClr val="accent1"/>
+          </a:fillRef>
+          <a:effectRef idx="0">
+            <a:schemeClr val="accent1"/>
+          </a:effectRef>
+          <a:fontRef idx="minor">
+            <a:schemeClr val="lt1"/>
+          </a:fontRef>
+        </p:style>
+        <p:txBody>
+          <a:bodyPr rtlCol="0" anchor="ctr"/>
+          <a:lstStyle/>
+          <a:p>
+            <a:pPr algn="ctr"/>
+            <a:endParaRPr lang="en-US"/>
+          </a:p>
+        </p:txBody>
+      </p:sp>
+      <p:sp>
+        <p:nvSpPr>
+          <p:cNvPr id="2" name="Title 1"/>
+          <p:cNvSpPr>
+            <a:spLocks noGrp="1"/>
+          </p:cNvSpPr>
+          <p:nvPr>
+            <p:ph type="title"/>
+          </p:nvPr>
+        </p:nvSpPr>
+        <p:spPr/>
+        <p:txBody>
+          <a:bodyPr/>
+          <a:lstStyle/>
+          <a:p>
+            <a:pPr algn="l"/>
+            <a:r>
+              <a:rPr lang="en-US" dirty="0" smtClean="0">
+                <a:solidFill>
+                  <a:schemeClr val="accent1">
+                    <a:lumMod val="50000"/>
+                  </a:schemeClr>
+                </a:solidFill>
+              </a:rPr>
+              <a:t>Your own coding projects</a:t>
+            </a:r>
+            <a:endParaRPr lang="en-US" dirty="0">
+              <a:solidFill>
+                <a:schemeClr val="accent1">
+                  <a:lumMod val="50000"/>
+                </a:schemeClr>
+              </a:solidFill>
+            </a:endParaRPr>
+          </a:p>
+        </p:txBody>
+      </p:sp>
+      <p:sp>
+        <p:nvSpPr>
+          <p:cNvPr id="3" name="Content Placeholder 2"/>
+          <p:cNvSpPr>
+            <a:spLocks noGrp="1"/>
+          </p:cNvSpPr>
+          <p:nvPr>
+            <p:ph idx="1"/>
+          </p:nvPr>
+        </p:nvSpPr>
+        <p:spPr/>
+        <p:txBody>
+          <a:bodyPr>
+            <a:normAutofit lnSpcReduction="10000"/>
+          </a:bodyPr>
+          <a:lstStyle/>
+          <a:p>
+            <a:r>
+              <a:rPr lang="en-US" dirty="0" err="1" smtClean="0"/>
+              <a:t>Git</a:t>
+            </a:r>
+            <a:r>
+              <a:rPr lang="en-US" dirty="0" smtClean="0"/>
+              <a:t> is designed for this!</a:t>
+            </a:r>
+          </a:p>
+          <a:p>
+            <a:r>
+              <a:rPr lang="en-US" dirty="0" smtClean="0"/>
+              <a:t>Make it a habit to start a </a:t>
+            </a:r>
+            <a:r>
+              <a:rPr lang="en-US" dirty="0" err="1" smtClean="0"/>
+              <a:t>Git</a:t>
+            </a:r>
+            <a:r>
+              <a:rPr lang="en-US" dirty="0" smtClean="0"/>
+              <a:t> repository when you start a coding project</a:t>
+            </a:r>
+          </a:p>
+          <a:p>
+            <a:r>
+              <a:rPr lang="en-US" dirty="0" smtClean="0"/>
+              <a:t>Various editors/IDEs have </a:t>
+            </a:r>
+            <a:r>
+              <a:rPr lang="en-US" dirty="0" err="1" smtClean="0"/>
+              <a:t>Git</a:t>
+            </a:r>
+            <a:r>
+              <a:rPr lang="en-US" dirty="0" smtClean="0"/>
+              <a:t> and GitHub integration</a:t>
+            </a:r>
+          </a:p>
+          <a:p>
+            <a:pPr lvl="1"/>
+            <a:r>
+              <a:rPr lang="en-US" dirty="0" smtClean="0"/>
+              <a:t>R Studio</a:t>
+            </a:r>
+          </a:p>
+          <a:p>
+            <a:pPr lvl="1"/>
+            <a:r>
+              <a:rPr lang="en-US" dirty="0" smtClean="0"/>
+              <a:t>Microsoft Visual Code</a:t>
+            </a:r>
+          </a:p>
+          <a:p>
+            <a:pPr lvl="1"/>
+            <a:r>
+              <a:rPr lang="en-US" dirty="0" smtClean="0"/>
+              <a:t>IntelliJ/</a:t>
+            </a:r>
+            <a:r>
+              <a:rPr lang="en-US" dirty="0" err="1" smtClean="0"/>
+              <a:t>JetBrains</a:t>
+            </a:r>
+            <a:endParaRPr lang="en-US" dirty="0" smtClean="0"/>
+          </a:p>
+          <a:p>
+            <a:pPr lvl="1"/>
+            <a:r>
+              <a:rPr lang="en-US" dirty="0" smtClean="0"/>
+              <a:t>Many more…</a:t>
+            </a:r>
+          </a:p>
+          <a:p>
+            <a:pPr lvl="1"/>
+            <a:endParaRPr lang="en-US" dirty="0" smtClean="0"/>
+          </a:p>
+          <a:p>
+            <a:endParaRPr lang="en-US" dirty="0" smtClean="0"/>
+          </a:p>
+        </p:txBody>
+      </p:sp>
+      <p:pic>
+        <p:nvPicPr>
+          <p:cNvPr id="2050" name="Picture 2" descr="D:\data\market\3_logo\LTIlogo_object.png"/>
+          <p:cNvPicPr>
+            <a:picLocks noChangeAspect="1" noChangeArrowheads="1"/>
+          </p:cNvPicPr>
+          <p:nvPr/>
+        </p:nvPicPr>
+        <p:blipFill>
+          <a:blip r:embed="rId3" cstate="print"/>
+          <a:srcRect l="28571" t="23077" r="27473" b="23077"/>
+          <a:stretch>
+            <a:fillRect/>
+          </a:stretch>
+        </p:blipFill>
+        <p:spPr bwMode="auto">
+          <a:xfrm>
+            <a:off x="8077200" y="5943600"/>
+            <a:ext cx="990600" cy="866775"/>
+          </a:xfrm>
+          <a:prstGeom prst="rect">
+            <a:avLst/>
+          </a:prstGeom>
+          <a:noFill/>
+          <a:effectLst>
+            <a:outerShdw blurRad="50800" dist="38100" dir="2700000" algn="tl" rotWithShape="0">
+              <a:prstClr val="black">
+                <a:alpha val="40000"/>
+              </a:prstClr>
+            </a:outerShdw>
+          </a:effectLst>
+        </p:spPr>
+      </p:pic>
+      <p:sp>
+        <p:nvSpPr>
+          <p:cNvPr id="8" name="Slide Number Placeholder 7"/>
+          <p:cNvSpPr txBox="1">
+            <a:spLocks/>
+          </p:cNvSpPr>
+          <p:nvPr/>
+        </p:nvSpPr>
+        <p:spPr>
+          <a:xfrm>
+            <a:off x="5791200" y="6324600"/>
+            <a:ext cx="2133600" cy="365125"/>
+          </a:xfrm>
+          <a:prstGeom prst="rect">
+            <a:avLst/>
+          </a:prstGeom>
+        </p:spPr>
+        <p:txBody>
+          <a:bodyPr vert="horz" lIns="91440" tIns="45720" rIns="91440" bIns="45720" rtlCol="0" anchor="ctr"/>
+          <a:lstStyle/>
+          <a:p>
+            <a:pPr marL="0" marR="0" lvl="0" indent="0" algn="r" defTabSz="914400" rtl="0" eaLnBrk="1" fontAlgn="auto" latinLnBrk="0" hangingPunct="1">
+              <a:lnSpc>
+                <a:spcPct val="100000"/>
+              </a:lnSpc>
+              <a:spcBef>
+                <a:spcPts val="0"/>
+              </a:spcBef>
+              <a:spcAft>
+                <a:spcPts val="0"/>
+              </a:spcAft>
+              <a:buClrTx/>
+              <a:buSzTx/>
+              <a:buFontTx/>
+              <a:buNone/>
+              <a:tabLst/>
+              <a:defRPr/>
+            </a:pPr>
+            <a:r>
+              <a:rPr kumimoji="0" lang="en-US" sz="1400" b="0" i="0" u="none" strike="noStrike" kern="1200" cap="none" spc="0" normalizeH="0" baseline="0" noProof="0" dirty="0" smtClean="0">
+                <a:ln>
+                  <a:noFill/>
+                </a:ln>
+                <a:solidFill>
+                  <a:schemeClr val="accent3">
+                    <a:lumMod val="50000"/>
+                  </a:schemeClr>
+                </a:solidFill>
+                <a:effectLst/>
+                <a:uLnTx/>
+                <a:uFillTx/>
+                <a:latin typeface="+mn-lt"/>
+                <a:ea typeface="+mn-ea"/>
+                <a:cs typeface="+mn-cs"/>
+              </a:rPr>
+              <a:t>SLIDE </a:t>
+            </a:r>
+            <a:fld id="{C04375EB-5169-4238-8270-5D5536267021}" type="slidenum">
+              <a:rPr kumimoji="0" lang="en-US" sz="1400" b="0" i="0" u="none" strike="noStrike" kern="1200" cap="none" spc="0" normalizeH="0" baseline="0" noProof="0" smtClean="0">
+                <a:ln>
+                  <a:noFill/>
+                </a:ln>
+                <a:solidFill>
+                  <a:schemeClr val="accent3">
+                    <a:lumMod val="50000"/>
+                  </a:schemeClr>
+                </a:solidFill>
+                <a:effectLst/>
+                <a:uLnTx/>
+                <a:uFillTx/>
+                <a:latin typeface="+mn-lt"/>
+                <a:ea typeface="+mn-ea"/>
+                <a:cs typeface="+mn-cs"/>
+              </a:rPr>
+              <a:pPr marL="0" marR="0" lvl="0" indent="0" algn="r" defTabSz="914400" rtl="0" eaLnBrk="1" fontAlgn="auto" latinLnBrk="0" hangingPunct="1">
+                <a:lnSpc>
+                  <a:spcPct val="100000"/>
+                </a:lnSpc>
+                <a:spcBef>
+                  <a:spcPts val="0"/>
+                </a:spcBef>
+                <a:spcAft>
+                  <a:spcPts val="0"/>
+                </a:spcAft>
+                <a:buClrTx/>
+                <a:buSzTx/>
+                <a:buFontTx/>
+                <a:buNone/>
+                <a:tabLst/>
+                <a:defRPr/>
+              </a:pPr>
+              <a:t>21</a:t>
+            </a:fld>
+            <a:endParaRPr kumimoji="0" lang="en-US" sz="1400" b="0" i="0" u="none" strike="noStrike" kern="1200" cap="none" spc="0" normalizeH="0" baseline="0" noProof="0" dirty="0">
+              <a:ln>
+                <a:noFill/>
+              </a:ln>
+              <a:solidFill>
+                <a:schemeClr val="accent3">
+                  <a:lumMod val="50000"/>
+                </a:schemeClr>
+              </a:solidFill>
+              <a:effectLst/>
+              <a:uLnTx/>
+              <a:uFillTx/>
+              <a:latin typeface="+mn-lt"/>
+              <a:ea typeface="+mn-ea"/>
+              <a:cs typeface="+mn-cs"/>
+            </a:endParaRPr>
+          </a:p>
+        </p:txBody>
+      </p:sp>
+    </p:spTree>
+    <p:extLst>
+      <p:ext uri="{BB962C8B-B14F-4D97-AF65-F5344CB8AC3E}">
+        <p14:creationId xmlns:p14="http://schemas.microsoft.com/office/powerpoint/2010/main" val="2927757495"/>
+      </p:ext>
+    </p:extLst>
+  </p:cSld>
+  <p:clrMapOvr>
+    <a:masterClrMapping/>
+  </p:clrMapOvr>
+  <p:timing>
+    <p:tnLst>
+      <p:par>
+        <p:cTn id="1" dur="indefinite" restart="never" nodeType="tmRoot"/>
+      </p:par>
+    </p:tnLst>
+  </p:timing>
+</p:sld>
+</file>
+
+<file path=ppt/slides/slide22.xml><?xml version="1.0" encoding="utf-8"?>
+<p:sld xmlns:a="http://schemas.openxmlformats.org/drawingml/2006/main" xmlns:r="http://schemas.openxmlformats.org/officeDocument/2006/relationships" xmlns:p="http://schemas.openxmlformats.org/presentationml/2006/main">
+  <p:cSld>
+    <p:bg>
+      <p:bgPr>
+        <a:solidFill>
+          <a:schemeClr val="bg1">
+            <a:lumMod val="65000"/>
+          </a:schemeClr>
+        </a:solidFill>
+        <a:effectLst/>
+      </p:bgPr>
+    </p:bg>
+    <p:spTree>
+      <p:nvGrpSpPr>
+        <p:cNvPr id="1" name=""/>
+        <p:cNvGrpSpPr/>
+        <p:nvPr/>
+      </p:nvGrpSpPr>
+      <p:grpSpPr>
+        <a:xfrm>
+          <a:off x="0" y="0"/>
+          <a:ext cx="0" cy="0"/>
+          <a:chOff x="0" y="0"/>
+          <a:chExt cx="0" cy="0"/>
+        </a:xfrm>
+      </p:grpSpPr>
+      <p:sp>
+        <p:nvSpPr>
+          <p:cNvPr id="5" name="Rectangle 4"/>
+          <p:cNvSpPr/>
+          <p:nvPr/>
+        </p:nvSpPr>
+        <p:spPr>
+          <a:xfrm>
+            <a:off x="0" y="6172200"/>
+            <a:ext cx="9144000" cy="685800"/>
+          </a:xfrm>
+          <a:prstGeom prst="rect">
+            <a:avLst/>
+          </a:prstGeom>
+          <a:gradFill>
+            <a:gsLst>
+              <a:gs pos="0">
+                <a:schemeClr val="bg1"/>
+              </a:gs>
+              <a:gs pos="100000">
+                <a:schemeClr val="bg1">
+                  <a:alpha val="0"/>
+                </a:schemeClr>
+              </a:gs>
+            </a:gsLst>
+            <a:lin ang="10800000" scaled="0"/>
+          </a:gradFill>
+          <a:ln>
+            <a:noFill/>
+          </a:ln>
+        </p:spPr>
+        <p:style>
+          <a:lnRef idx="2">
+            <a:schemeClr val="accent1">
+              <a:shade val="50000"/>
+            </a:schemeClr>
+          </a:lnRef>
+          <a:fillRef idx="1">
+            <a:schemeClr val="accent1"/>
+          </a:fillRef>
+          <a:effectRef idx="0">
+            <a:schemeClr val="accent1"/>
+          </a:effectRef>
+          <a:fontRef idx="minor">
+            <a:schemeClr val="lt1"/>
+          </a:fontRef>
+        </p:style>
+        <p:txBody>
+          <a:bodyPr rtlCol="0" anchor="ctr"/>
+          <a:lstStyle/>
+          <a:p>
+            <a:pPr algn="ctr"/>
+            <a:endParaRPr lang="en-US"/>
+          </a:p>
+        </p:txBody>
+      </p:sp>
+      <p:sp>
+        <p:nvSpPr>
+          <p:cNvPr id="2" name="Title 1"/>
+          <p:cNvSpPr>
+            <a:spLocks noGrp="1"/>
+          </p:cNvSpPr>
+          <p:nvPr>
+            <p:ph type="title"/>
+          </p:nvPr>
+        </p:nvSpPr>
+        <p:spPr/>
+        <p:txBody>
+          <a:bodyPr/>
+          <a:lstStyle/>
+          <a:p>
+            <a:pPr algn="l"/>
+            <a:r>
+              <a:rPr lang="en-US" dirty="0" smtClean="0">
+                <a:solidFill>
+                  <a:schemeClr val="accent1">
+                    <a:lumMod val="50000"/>
+                  </a:schemeClr>
+                </a:solidFill>
+              </a:rPr>
+              <a:t>Model scenario management</a:t>
+            </a:r>
+            <a:endParaRPr lang="en-US" dirty="0">
+              <a:solidFill>
+                <a:schemeClr val="accent1">
+                  <a:lumMod val="50000"/>
+                </a:schemeClr>
+              </a:solidFill>
+            </a:endParaRPr>
+          </a:p>
+        </p:txBody>
+      </p:sp>
+      <p:sp>
+        <p:nvSpPr>
+          <p:cNvPr id="3" name="Content Placeholder 2"/>
+          <p:cNvSpPr>
+            <a:spLocks noGrp="1"/>
+          </p:cNvSpPr>
+          <p:nvPr>
+            <p:ph idx="1"/>
+          </p:nvPr>
+        </p:nvSpPr>
+        <p:spPr/>
+        <p:txBody>
+          <a:bodyPr>
+            <a:normAutofit/>
+          </a:bodyPr>
+          <a:lstStyle/>
+          <a:p>
+            <a:r>
+              <a:rPr lang="en-US" sz="2400" dirty="0" smtClean="0"/>
+              <a:t>Many models have text input files</a:t>
+            </a:r>
+          </a:p>
+          <a:p>
+            <a:r>
+              <a:rPr lang="en-US" sz="2400" dirty="0" smtClean="0"/>
+              <a:t>Manage input files in </a:t>
+            </a:r>
+            <a:r>
+              <a:rPr lang="en-US" sz="2400" dirty="0" err="1" smtClean="0"/>
+              <a:t>Git</a:t>
+            </a:r>
+            <a:endParaRPr lang="en-US" sz="2400" dirty="0"/>
+          </a:p>
+          <a:p>
+            <a:r>
+              <a:rPr lang="en-US" sz="2400" dirty="0" smtClean="0"/>
+              <a:t>Use command line and </a:t>
+            </a:r>
+            <a:r>
+              <a:rPr lang="en-US" sz="2400" b="1" dirty="0" smtClean="0"/>
+              <a:t>checkout </a:t>
+            </a:r>
+            <a:r>
+              <a:rPr lang="en-US" sz="2400" dirty="0" smtClean="0"/>
+              <a:t>command to open a previous commit</a:t>
+            </a:r>
+          </a:p>
+          <a:p>
+            <a:r>
+              <a:rPr lang="en-US" sz="2400" dirty="0" smtClean="0"/>
+              <a:t>Can use GitHub to compare previous commits to track down differences in model input files</a:t>
+            </a:r>
+          </a:p>
+          <a:p>
+            <a:r>
+              <a:rPr lang="en-US" sz="2400" dirty="0"/>
+              <a:t>See </a:t>
+            </a:r>
+            <a:r>
+              <a:rPr lang="en-US" sz="2400" dirty="0">
+                <a:hlinkClick r:id="rId3"/>
+              </a:rPr>
+              <a:t>https://</a:t>
+            </a:r>
+            <a:r>
+              <a:rPr lang="en-US" sz="2400" dirty="0" smtClean="0">
+                <a:hlinkClick r:id="rId3"/>
+              </a:rPr>
+              <a:t>github.com/LimnoTech/bloomingdale-git/compare</a:t>
+            </a:r>
+            <a:r>
+              <a:rPr lang="en-US" sz="2400" dirty="0" smtClean="0"/>
+              <a:t> for an example</a:t>
+            </a:r>
+          </a:p>
+          <a:p>
+            <a:r>
+              <a:rPr lang="en-US" sz="2400" dirty="0" smtClean="0"/>
+              <a:t>Be sure to use the .</a:t>
+            </a:r>
+            <a:r>
+              <a:rPr lang="en-US" sz="2400" dirty="0" err="1" smtClean="0"/>
+              <a:t>gitignore</a:t>
+            </a:r>
+            <a:r>
+              <a:rPr lang="en-US" sz="2400" dirty="0" smtClean="0"/>
+              <a:t> file to list any types of files you do not want to track (calibration data, input data, output files)</a:t>
+            </a:r>
+            <a:endParaRPr lang="en-US" sz="2400" dirty="0" smtClean="0"/>
+          </a:p>
+          <a:p>
+            <a:endParaRPr lang="en-US" sz="2400" dirty="0" smtClean="0"/>
+          </a:p>
+        </p:txBody>
+      </p:sp>
+      <p:pic>
+        <p:nvPicPr>
+          <p:cNvPr id="2050" name="Picture 2" descr="D:\data\market\3_logo\LTIlogo_object.png"/>
+          <p:cNvPicPr>
+            <a:picLocks noChangeAspect="1" noChangeArrowheads="1"/>
+          </p:cNvPicPr>
+          <p:nvPr/>
+        </p:nvPicPr>
+        <p:blipFill>
+          <a:blip r:embed="rId4" cstate="print"/>
+          <a:srcRect l="28571" t="23077" r="27473" b="23077"/>
+          <a:stretch>
+            <a:fillRect/>
+          </a:stretch>
+        </p:blipFill>
+        <p:spPr bwMode="auto">
+          <a:xfrm>
+            <a:off x="8077200" y="5943600"/>
+            <a:ext cx="990600" cy="866775"/>
+          </a:xfrm>
+          <a:prstGeom prst="rect">
+            <a:avLst/>
+          </a:prstGeom>
+          <a:noFill/>
+          <a:effectLst>
+            <a:outerShdw blurRad="50800" dist="38100" dir="2700000" algn="tl" rotWithShape="0">
+              <a:prstClr val="black">
+                <a:alpha val="40000"/>
+              </a:prstClr>
+            </a:outerShdw>
+          </a:effectLst>
+        </p:spPr>
+      </p:pic>
+      <p:sp>
+        <p:nvSpPr>
+          <p:cNvPr id="8" name="Slide Number Placeholder 7"/>
+          <p:cNvSpPr txBox="1">
+            <a:spLocks/>
+          </p:cNvSpPr>
+          <p:nvPr/>
+        </p:nvSpPr>
+        <p:spPr>
+          <a:xfrm>
+            <a:off x="5791200" y="6324600"/>
+            <a:ext cx="2133600" cy="365125"/>
+          </a:xfrm>
+          <a:prstGeom prst="rect">
+            <a:avLst/>
+          </a:prstGeom>
+        </p:spPr>
+        <p:txBody>
+          <a:bodyPr vert="horz" lIns="91440" tIns="45720" rIns="91440" bIns="45720" rtlCol="0" anchor="ctr"/>
+          <a:lstStyle/>
+          <a:p>
+            <a:pPr marL="0" marR="0" lvl="0" indent="0" algn="r" defTabSz="914400" rtl="0" eaLnBrk="1" fontAlgn="auto" latinLnBrk="0" hangingPunct="1">
+              <a:lnSpc>
+                <a:spcPct val="100000"/>
+              </a:lnSpc>
+              <a:spcBef>
+                <a:spcPts val="0"/>
+              </a:spcBef>
+              <a:spcAft>
+                <a:spcPts val="0"/>
+              </a:spcAft>
+              <a:buClrTx/>
+              <a:buSzTx/>
+              <a:buFontTx/>
+              <a:buNone/>
+              <a:tabLst/>
+              <a:defRPr/>
+            </a:pPr>
+            <a:r>
+              <a:rPr kumimoji="0" lang="en-US" sz="1400" b="0" i="0" u="none" strike="noStrike" kern="1200" cap="none" spc="0" normalizeH="0" baseline="0" noProof="0" dirty="0" smtClean="0">
+                <a:ln>
+                  <a:noFill/>
+                </a:ln>
+                <a:solidFill>
+                  <a:schemeClr val="accent3">
+                    <a:lumMod val="50000"/>
+                  </a:schemeClr>
+                </a:solidFill>
+                <a:effectLst/>
+                <a:uLnTx/>
+                <a:uFillTx/>
+                <a:latin typeface="+mn-lt"/>
+                <a:ea typeface="+mn-ea"/>
+                <a:cs typeface="+mn-cs"/>
+              </a:rPr>
+              <a:t>SLIDE </a:t>
+            </a:r>
+            <a:fld id="{C04375EB-5169-4238-8270-5D5536267021}" type="slidenum">
+              <a:rPr kumimoji="0" lang="en-US" sz="1400" b="0" i="0" u="none" strike="noStrike" kern="1200" cap="none" spc="0" normalizeH="0" baseline="0" noProof="0" smtClean="0">
+                <a:ln>
+                  <a:noFill/>
+                </a:ln>
+                <a:solidFill>
+                  <a:schemeClr val="accent3">
+                    <a:lumMod val="50000"/>
+                  </a:schemeClr>
+                </a:solidFill>
+                <a:effectLst/>
+                <a:uLnTx/>
+                <a:uFillTx/>
+                <a:latin typeface="+mn-lt"/>
+                <a:ea typeface="+mn-ea"/>
+                <a:cs typeface="+mn-cs"/>
+              </a:rPr>
+              <a:pPr marL="0" marR="0" lvl="0" indent="0" algn="r" defTabSz="914400" rtl="0" eaLnBrk="1" fontAlgn="auto" latinLnBrk="0" hangingPunct="1">
+                <a:lnSpc>
+                  <a:spcPct val="100000"/>
+                </a:lnSpc>
+                <a:spcBef>
+                  <a:spcPts val="0"/>
+                </a:spcBef>
+                <a:spcAft>
+                  <a:spcPts val="0"/>
+                </a:spcAft>
+                <a:buClrTx/>
+                <a:buSzTx/>
+                <a:buFontTx/>
+                <a:buNone/>
+                <a:tabLst/>
+                <a:defRPr/>
+              </a:pPr>
+              <a:t>22</a:t>
+            </a:fld>
+            <a:endParaRPr kumimoji="0" lang="en-US" sz="1400" b="0" i="0" u="none" strike="noStrike" kern="1200" cap="none" spc="0" normalizeH="0" baseline="0" noProof="0" dirty="0">
+              <a:ln>
+                <a:noFill/>
+              </a:ln>
+              <a:solidFill>
+                <a:schemeClr val="accent3">
+                  <a:lumMod val="50000"/>
+                </a:schemeClr>
+              </a:solidFill>
+              <a:effectLst/>
+              <a:uLnTx/>
+              <a:uFillTx/>
+              <a:latin typeface="+mn-lt"/>
+              <a:ea typeface="+mn-ea"/>
+              <a:cs typeface="+mn-cs"/>
+            </a:endParaRPr>
+          </a:p>
+        </p:txBody>
+      </p:sp>
+    </p:spTree>
+    <p:extLst>
+      <p:ext uri="{BB962C8B-B14F-4D97-AF65-F5344CB8AC3E}">
+        <p14:creationId xmlns:p14="http://schemas.microsoft.com/office/powerpoint/2010/main" val="3446556064"/>
+      </p:ext>
+    </p:extLst>
+  </p:cSld>
+  <p:clrMapOvr>
+    <a:masterClrMapping/>
+  </p:clrMapOvr>
+  <p:timing>
+    <p:tnLst>
+      <p:par>
+        <p:cTn id="1" dur="indefinite" restart="never" nodeType="tmRoot"/>
+      </p:par>
+    </p:tnLst>
+  </p:timing>
+</p:sld>
+</file>
+
+<file path=ppt/slides/slide23.xml><?xml version="1.0" encoding="utf-8"?>
+<p:sld xmlns:a="http://schemas.openxmlformats.org/drawingml/2006/main" xmlns:r="http://schemas.openxmlformats.org/officeDocument/2006/relationships" xmlns:p="http://schemas.openxmlformats.org/presentationml/2006/main">
+  <p:cSld>
+    <p:bg>
+      <p:bgPr>
+        <a:solidFill>
+          <a:schemeClr val="bg1">
+            <a:lumMod val="65000"/>
+          </a:schemeClr>
+        </a:solidFill>
+        <a:effectLst/>
+      </p:bgPr>
+    </p:bg>
+    <p:spTree>
+      <p:nvGrpSpPr>
+        <p:cNvPr id="1" name=""/>
+        <p:cNvGrpSpPr/>
+        <p:nvPr/>
+      </p:nvGrpSpPr>
+      <p:grpSpPr>
+        <a:xfrm>
+          <a:off x="0" y="0"/>
+          <a:ext cx="0" cy="0"/>
+          <a:chOff x="0" y="0"/>
+          <a:chExt cx="0" cy="0"/>
+        </a:xfrm>
+      </p:grpSpPr>
+      <p:sp>
+        <p:nvSpPr>
+          <p:cNvPr id="5" name="Rectangle 4"/>
+          <p:cNvSpPr/>
+          <p:nvPr/>
+        </p:nvSpPr>
+        <p:spPr>
+          <a:xfrm>
+            <a:off x="0" y="6172200"/>
+            <a:ext cx="9144000" cy="685800"/>
+          </a:xfrm>
+          <a:prstGeom prst="rect">
+            <a:avLst/>
+          </a:prstGeom>
+          <a:gradFill>
+            <a:gsLst>
+              <a:gs pos="0">
+                <a:schemeClr val="bg1"/>
+              </a:gs>
+              <a:gs pos="100000">
+                <a:schemeClr val="bg1">
+                  <a:alpha val="0"/>
+                </a:schemeClr>
+              </a:gs>
+            </a:gsLst>
+            <a:lin ang="10800000" scaled="0"/>
+          </a:gradFill>
+          <a:ln>
+            <a:noFill/>
+          </a:ln>
+        </p:spPr>
+        <p:style>
+          <a:lnRef idx="2">
+            <a:schemeClr val="accent1">
+              <a:shade val="50000"/>
+            </a:schemeClr>
+          </a:lnRef>
+          <a:fillRef idx="1">
+            <a:schemeClr val="accent1"/>
+          </a:fillRef>
+          <a:effectRef idx="0">
+            <a:schemeClr val="accent1"/>
+          </a:effectRef>
+          <a:fontRef idx="minor">
+            <a:schemeClr val="lt1"/>
+          </a:fontRef>
+        </p:style>
+        <p:txBody>
+          <a:bodyPr rtlCol="0" anchor="ctr"/>
+          <a:lstStyle/>
+          <a:p>
+            <a:pPr algn="ctr"/>
+            <a:endParaRPr lang="en-US"/>
+          </a:p>
+        </p:txBody>
+      </p:sp>
+      <p:sp>
+        <p:nvSpPr>
+          <p:cNvPr id="2" name="Title 1"/>
+          <p:cNvSpPr>
+            <a:spLocks noGrp="1"/>
+          </p:cNvSpPr>
+          <p:nvPr>
+            <p:ph type="title"/>
+          </p:nvPr>
+        </p:nvSpPr>
+        <p:spPr/>
+        <p:txBody>
+          <a:bodyPr/>
+          <a:lstStyle/>
+          <a:p>
+            <a:pPr algn="l"/>
+            <a:r>
+              <a:rPr lang="en-US" dirty="0" smtClean="0">
+                <a:solidFill>
+                  <a:schemeClr val="accent1">
+                    <a:lumMod val="50000"/>
+                  </a:schemeClr>
+                </a:solidFill>
+              </a:rPr>
+              <a:t>Collaboration</a:t>
+            </a:r>
+            <a:endParaRPr lang="en-US" dirty="0">
+              <a:solidFill>
+                <a:schemeClr val="accent1">
+                  <a:lumMod val="50000"/>
+                </a:schemeClr>
+              </a:solidFill>
+            </a:endParaRPr>
+          </a:p>
+        </p:txBody>
+      </p:sp>
+      <p:sp>
+        <p:nvSpPr>
+          <p:cNvPr id="3" name="Content Placeholder 2"/>
+          <p:cNvSpPr>
+            <a:spLocks noGrp="1"/>
+          </p:cNvSpPr>
+          <p:nvPr>
+            <p:ph idx="1"/>
+          </p:nvPr>
+        </p:nvSpPr>
+        <p:spPr/>
+        <p:txBody>
+          <a:bodyPr>
+            <a:normAutofit/>
+          </a:bodyPr>
+          <a:lstStyle/>
+          <a:p>
+            <a:r>
+              <a:rPr lang="en-US" sz="2400" dirty="0" smtClean="0"/>
+              <a:t>GitHub is designed to prevent conflicts when working on the same repository as somebody else.</a:t>
+            </a:r>
+          </a:p>
+          <a:p>
+            <a:r>
+              <a:rPr lang="en-US" sz="2400" dirty="0" smtClean="0"/>
+              <a:t>It’s very easy to go from a personal project to a collaboration project.</a:t>
+            </a:r>
+          </a:p>
+          <a:p>
+            <a:r>
+              <a:rPr lang="en-US" sz="2400" dirty="0" smtClean="0"/>
+              <a:t>You can clone, edit, and submit pull requests for many, many open source projects.</a:t>
+            </a:r>
+            <a:endParaRPr lang="en-US" sz="2000" dirty="0" smtClean="0"/>
+          </a:p>
+          <a:p>
+            <a:endParaRPr lang="en-US" sz="2400" dirty="0" smtClean="0"/>
+          </a:p>
+        </p:txBody>
+      </p:sp>
+      <p:pic>
+        <p:nvPicPr>
+          <p:cNvPr id="2050" name="Picture 2" descr="D:\data\market\3_logo\LTIlogo_object.png"/>
+          <p:cNvPicPr>
+            <a:picLocks noChangeAspect="1" noChangeArrowheads="1"/>
+          </p:cNvPicPr>
+          <p:nvPr/>
+        </p:nvPicPr>
+        <p:blipFill>
+          <a:blip r:embed="rId3" cstate="print"/>
+          <a:srcRect l="28571" t="23077" r="27473" b="23077"/>
+          <a:stretch>
+            <a:fillRect/>
+          </a:stretch>
+        </p:blipFill>
+        <p:spPr bwMode="auto">
+          <a:xfrm>
+            <a:off x="8077200" y="5943600"/>
+            <a:ext cx="990600" cy="866775"/>
+          </a:xfrm>
+          <a:prstGeom prst="rect">
+            <a:avLst/>
+          </a:prstGeom>
+          <a:noFill/>
+          <a:effectLst>
+            <a:outerShdw blurRad="50800" dist="38100" dir="2700000" algn="tl" rotWithShape="0">
+              <a:prstClr val="black">
+                <a:alpha val="40000"/>
+              </a:prstClr>
+            </a:outerShdw>
+          </a:effectLst>
+        </p:spPr>
+      </p:pic>
+      <p:sp>
+        <p:nvSpPr>
+          <p:cNvPr id="8" name="Slide Number Placeholder 7"/>
+          <p:cNvSpPr txBox="1">
+            <a:spLocks/>
+          </p:cNvSpPr>
+          <p:nvPr/>
+        </p:nvSpPr>
+        <p:spPr>
+          <a:xfrm>
+            <a:off x="5791200" y="6324600"/>
+            <a:ext cx="2133600" cy="365125"/>
+          </a:xfrm>
+          <a:prstGeom prst="rect">
+            <a:avLst/>
+          </a:prstGeom>
+        </p:spPr>
+        <p:txBody>
+          <a:bodyPr vert="horz" lIns="91440" tIns="45720" rIns="91440" bIns="45720" rtlCol="0" anchor="ctr"/>
+          <a:lstStyle/>
+          <a:p>
+            <a:pPr marL="0" marR="0" lvl="0" indent="0" algn="r" defTabSz="914400" rtl="0" eaLnBrk="1" fontAlgn="auto" latinLnBrk="0" hangingPunct="1">
+              <a:lnSpc>
+                <a:spcPct val="100000"/>
+              </a:lnSpc>
+              <a:spcBef>
+                <a:spcPts val="0"/>
+              </a:spcBef>
+              <a:spcAft>
+                <a:spcPts val="0"/>
+              </a:spcAft>
+              <a:buClrTx/>
+              <a:buSzTx/>
+              <a:buFontTx/>
+              <a:buNone/>
+              <a:tabLst/>
+              <a:defRPr/>
+            </a:pPr>
+            <a:r>
+              <a:rPr kumimoji="0" lang="en-US" sz="1400" b="0" i="0" u="none" strike="noStrike" kern="1200" cap="none" spc="0" normalizeH="0" baseline="0" noProof="0" dirty="0" smtClean="0">
+                <a:ln>
+                  <a:noFill/>
+                </a:ln>
+                <a:solidFill>
+                  <a:schemeClr val="accent3">
+                    <a:lumMod val="50000"/>
+                  </a:schemeClr>
+                </a:solidFill>
+                <a:effectLst/>
+                <a:uLnTx/>
+                <a:uFillTx/>
+                <a:latin typeface="+mn-lt"/>
+                <a:ea typeface="+mn-ea"/>
+                <a:cs typeface="+mn-cs"/>
+              </a:rPr>
+              <a:t>SLIDE </a:t>
+            </a:r>
+            <a:fld id="{C04375EB-5169-4238-8270-5D5536267021}" type="slidenum">
+              <a:rPr kumimoji="0" lang="en-US" sz="1400" b="0" i="0" u="none" strike="noStrike" kern="1200" cap="none" spc="0" normalizeH="0" baseline="0" noProof="0" smtClean="0">
+                <a:ln>
+                  <a:noFill/>
+                </a:ln>
+                <a:solidFill>
+                  <a:schemeClr val="accent3">
+                    <a:lumMod val="50000"/>
+                  </a:schemeClr>
+                </a:solidFill>
+                <a:effectLst/>
+                <a:uLnTx/>
+                <a:uFillTx/>
+                <a:latin typeface="+mn-lt"/>
+                <a:ea typeface="+mn-ea"/>
+                <a:cs typeface="+mn-cs"/>
+              </a:rPr>
+              <a:pPr marL="0" marR="0" lvl="0" indent="0" algn="r" defTabSz="914400" rtl="0" eaLnBrk="1" fontAlgn="auto" latinLnBrk="0" hangingPunct="1">
+                <a:lnSpc>
+                  <a:spcPct val="100000"/>
+                </a:lnSpc>
+                <a:spcBef>
+                  <a:spcPts val="0"/>
+                </a:spcBef>
+                <a:spcAft>
+                  <a:spcPts val="0"/>
+                </a:spcAft>
+                <a:buClrTx/>
+                <a:buSzTx/>
+                <a:buFontTx/>
+                <a:buNone/>
+                <a:tabLst/>
+                <a:defRPr/>
+              </a:pPr>
+              <a:t>23</a:t>
+            </a:fld>
+            <a:endParaRPr kumimoji="0" lang="en-US" sz="1400" b="0" i="0" u="none" strike="noStrike" kern="1200" cap="none" spc="0" normalizeH="0" baseline="0" noProof="0" dirty="0">
+              <a:ln>
+                <a:noFill/>
+              </a:ln>
+              <a:solidFill>
+                <a:schemeClr val="accent3">
+                  <a:lumMod val="50000"/>
+                </a:schemeClr>
+              </a:solidFill>
+              <a:effectLst/>
+              <a:uLnTx/>
+              <a:uFillTx/>
+              <a:latin typeface="+mn-lt"/>
+              <a:ea typeface="+mn-ea"/>
+              <a:cs typeface="+mn-cs"/>
+            </a:endParaRPr>
+          </a:p>
+        </p:txBody>
+      </p:sp>
+    </p:spTree>
+    <p:extLst>
+      <p:ext uri="{BB962C8B-B14F-4D97-AF65-F5344CB8AC3E}">
+        <p14:creationId xmlns:p14="http://schemas.microsoft.com/office/powerpoint/2010/main" val="2671212892"/>
+      </p:ext>
+    </p:extLst>
+  </p:cSld>
+  <p:clrMapOvr>
+    <a:masterClrMapping/>
+  </p:clrMapOvr>
+  <p:timing>
+    <p:tnLst>
+      <p:par>
+        <p:cTn id="1" dur="indefinite" restart="never" nodeType="tmRoot"/>
+      </p:par>
+    </p:tnLst>
+  </p:timing>
+</p:sld>
+</file>
+
+<file path=ppt/slides/slide24.xml><?xml version="1.0" encoding="utf-8"?>
+<p:sld xmlns:a="http://schemas.openxmlformats.org/drawingml/2006/main" xmlns:r="http://schemas.openxmlformats.org/officeDocument/2006/relationships" xmlns:p="http://schemas.openxmlformats.org/presentationml/2006/main">
+  <p:cSld>
+    <p:bg>
+      <p:bgPr>
+        <a:solidFill>
+          <a:schemeClr val="bg1">
+            <a:lumMod val="65000"/>
+          </a:schemeClr>
+        </a:solidFill>
+        <a:effectLst/>
+      </p:bgPr>
+    </p:bg>
+    <p:spTree>
+      <p:nvGrpSpPr>
+        <p:cNvPr id="1" name=""/>
+        <p:cNvGrpSpPr/>
+        <p:nvPr/>
+      </p:nvGrpSpPr>
+      <p:grpSpPr>
+        <a:xfrm>
+          <a:off x="0" y="0"/>
+          <a:ext cx="0" cy="0"/>
+          <a:chOff x="0" y="0"/>
+          <a:chExt cx="0" cy="0"/>
+        </a:xfrm>
+      </p:grpSpPr>
+      <p:sp>
+        <p:nvSpPr>
+          <p:cNvPr id="5" name="Rectangle 4"/>
+          <p:cNvSpPr/>
+          <p:nvPr/>
+        </p:nvSpPr>
+        <p:spPr>
+          <a:xfrm>
+            <a:off x="0" y="6172200"/>
+            <a:ext cx="9144000" cy="685800"/>
+          </a:xfrm>
+          <a:prstGeom prst="rect">
+            <a:avLst/>
+          </a:prstGeom>
+          <a:gradFill>
+            <a:gsLst>
+              <a:gs pos="0">
+                <a:schemeClr val="bg1"/>
+              </a:gs>
+              <a:gs pos="100000">
+                <a:schemeClr val="bg1">
+                  <a:alpha val="0"/>
+                </a:schemeClr>
+              </a:gs>
+            </a:gsLst>
+            <a:lin ang="10800000" scaled="0"/>
+          </a:gradFill>
+          <a:ln>
+            <a:noFill/>
+          </a:ln>
+        </p:spPr>
+        <p:style>
+          <a:lnRef idx="2">
+            <a:schemeClr val="accent1">
+              <a:shade val="50000"/>
+            </a:schemeClr>
+          </a:lnRef>
+          <a:fillRef idx="1">
+            <a:schemeClr val="accent1"/>
+          </a:fillRef>
+          <a:effectRef idx="0">
+            <a:schemeClr val="accent1"/>
+          </a:effectRef>
+          <a:fontRef idx="minor">
+            <a:schemeClr val="lt1"/>
+          </a:fontRef>
+        </p:style>
+        <p:txBody>
+          <a:bodyPr rtlCol="0" anchor="ctr"/>
+          <a:lstStyle/>
+          <a:p>
+            <a:pPr algn="ctr"/>
+            <a:endParaRPr lang="en-US"/>
+          </a:p>
+        </p:txBody>
+      </p:sp>
+      <p:sp>
+        <p:nvSpPr>
+          <p:cNvPr id="2" name="Title 1"/>
+          <p:cNvSpPr>
+            <a:spLocks noGrp="1"/>
+          </p:cNvSpPr>
+          <p:nvPr>
+            <p:ph type="title"/>
+          </p:nvPr>
+        </p:nvSpPr>
+        <p:spPr/>
+        <p:txBody>
+          <a:bodyPr/>
+          <a:lstStyle/>
+          <a:p>
+            <a:pPr algn="l"/>
+            <a:r>
+              <a:rPr lang="en-US" dirty="0" err="1" smtClean="0">
+                <a:solidFill>
+                  <a:schemeClr val="accent1">
+                    <a:lumMod val="50000"/>
+                  </a:schemeClr>
+                </a:solidFill>
+              </a:rPr>
+              <a:t>Git</a:t>
+            </a:r>
+            <a:r>
+              <a:rPr lang="en-US" dirty="0" smtClean="0">
+                <a:solidFill>
+                  <a:schemeClr val="accent1">
+                    <a:lumMod val="50000"/>
+                  </a:schemeClr>
+                </a:solidFill>
+              </a:rPr>
+              <a:t> without GitHub</a:t>
+            </a:r>
+            <a:endParaRPr lang="en-US" dirty="0">
+              <a:solidFill>
+                <a:schemeClr val="accent1">
+                  <a:lumMod val="50000"/>
+                </a:schemeClr>
+              </a:solidFill>
+            </a:endParaRPr>
+          </a:p>
+        </p:txBody>
+      </p:sp>
+      <p:sp>
+        <p:nvSpPr>
+          <p:cNvPr id="3" name="Content Placeholder 2"/>
+          <p:cNvSpPr>
+            <a:spLocks noGrp="1"/>
+          </p:cNvSpPr>
+          <p:nvPr>
+            <p:ph idx="1"/>
+          </p:nvPr>
+        </p:nvSpPr>
+        <p:spPr/>
+        <p:txBody>
+          <a:bodyPr/>
+          <a:lstStyle/>
+          <a:p>
+            <a:r>
+              <a:rPr lang="en-US" dirty="0" smtClean="0"/>
+              <a:t>GitHub is a remote server for hosting </a:t>
+            </a:r>
+            <a:r>
+              <a:rPr lang="en-US" dirty="0" err="1" smtClean="0"/>
+              <a:t>Git</a:t>
+            </a:r>
+            <a:r>
+              <a:rPr lang="en-US" dirty="0" smtClean="0"/>
+              <a:t> repositories. </a:t>
+            </a:r>
+            <a:endParaRPr lang="en-US" dirty="0"/>
+          </a:p>
+          <a:p>
+            <a:r>
+              <a:rPr lang="en-US" dirty="0" smtClean="0"/>
+              <a:t>Yo</a:t>
+            </a:r>
+            <a:r>
+              <a:rPr lang="en-US" dirty="0" smtClean="0"/>
+              <a:t>u can use </a:t>
+            </a:r>
+            <a:r>
+              <a:rPr lang="en-US" dirty="0" err="1" smtClean="0"/>
+              <a:t>Git</a:t>
+            </a:r>
+            <a:r>
+              <a:rPr lang="en-US" dirty="0" smtClean="0"/>
+              <a:t> without GitHub.</a:t>
+            </a:r>
+            <a:endParaRPr lang="en-US" dirty="0" smtClean="0"/>
+          </a:p>
+          <a:p>
+            <a:endParaRPr lang="en-US" dirty="0" smtClean="0"/>
+          </a:p>
+        </p:txBody>
+      </p:sp>
+      <p:pic>
+        <p:nvPicPr>
+          <p:cNvPr id="2050" name="Picture 2" descr="D:\data\market\3_logo\LTIlogo_object.png"/>
+          <p:cNvPicPr>
+            <a:picLocks noChangeAspect="1" noChangeArrowheads="1"/>
+          </p:cNvPicPr>
+          <p:nvPr/>
+        </p:nvPicPr>
+        <p:blipFill>
+          <a:blip r:embed="rId3" cstate="print"/>
+          <a:srcRect l="28571" t="23077" r="27473" b="23077"/>
+          <a:stretch>
+            <a:fillRect/>
+          </a:stretch>
+        </p:blipFill>
+        <p:spPr bwMode="auto">
+          <a:xfrm>
+            <a:off x="8077200" y="5943600"/>
+            <a:ext cx="990600" cy="866775"/>
+          </a:xfrm>
+          <a:prstGeom prst="rect">
+            <a:avLst/>
+          </a:prstGeom>
+          <a:noFill/>
+          <a:effectLst>
+            <a:outerShdw blurRad="50800" dist="38100" dir="2700000" algn="tl" rotWithShape="0">
+              <a:prstClr val="black">
+                <a:alpha val="40000"/>
+              </a:prstClr>
+            </a:outerShdw>
+          </a:effectLst>
+        </p:spPr>
+      </p:pic>
+      <p:sp>
+        <p:nvSpPr>
+          <p:cNvPr id="8" name="Slide Number Placeholder 7"/>
+          <p:cNvSpPr txBox="1">
+            <a:spLocks/>
+          </p:cNvSpPr>
+          <p:nvPr/>
+        </p:nvSpPr>
+        <p:spPr>
+          <a:xfrm>
+            <a:off x="5791200" y="6324600"/>
+            <a:ext cx="2133600" cy="365125"/>
+          </a:xfrm>
+          <a:prstGeom prst="rect">
+            <a:avLst/>
+          </a:prstGeom>
+        </p:spPr>
+        <p:txBody>
+          <a:bodyPr vert="horz" lIns="91440" tIns="45720" rIns="91440" bIns="45720" rtlCol="0" anchor="ctr"/>
+          <a:lstStyle/>
+          <a:p>
+            <a:pPr marL="0" marR="0" lvl="0" indent="0" algn="r" defTabSz="914400" rtl="0" eaLnBrk="1" fontAlgn="auto" latinLnBrk="0" hangingPunct="1">
+              <a:lnSpc>
+                <a:spcPct val="100000"/>
+              </a:lnSpc>
+              <a:spcBef>
+                <a:spcPts val="0"/>
+              </a:spcBef>
+              <a:spcAft>
+                <a:spcPts val="0"/>
+              </a:spcAft>
+              <a:buClrTx/>
+              <a:buSzTx/>
+              <a:buFontTx/>
+              <a:buNone/>
+              <a:tabLst/>
+              <a:defRPr/>
+            </a:pPr>
+            <a:r>
+              <a:rPr kumimoji="0" lang="en-US" sz="1400" b="0" i="0" u="none" strike="noStrike" kern="1200" cap="none" spc="0" normalizeH="0" baseline="0" noProof="0" dirty="0" smtClean="0">
+                <a:ln>
+                  <a:noFill/>
+                </a:ln>
+                <a:solidFill>
+                  <a:schemeClr val="accent3">
+                    <a:lumMod val="50000"/>
+                  </a:schemeClr>
+                </a:solidFill>
+                <a:effectLst/>
+                <a:uLnTx/>
+                <a:uFillTx/>
+                <a:latin typeface="+mn-lt"/>
+                <a:ea typeface="+mn-ea"/>
+                <a:cs typeface="+mn-cs"/>
+              </a:rPr>
+              <a:t>SLIDE </a:t>
+            </a:r>
+            <a:fld id="{C04375EB-5169-4238-8270-5D5536267021}" type="slidenum">
+              <a:rPr kumimoji="0" lang="en-US" sz="1400" b="0" i="0" u="none" strike="noStrike" kern="1200" cap="none" spc="0" normalizeH="0" baseline="0" noProof="0" smtClean="0">
+                <a:ln>
+                  <a:noFill/>
+                </a:ln>
+                <a:solidFill>
+                  <a:schemeClr val="accent3">
+                    <a:lumMod val="50000"/>
+                  </a:schemeClr>
+                </a:solidFill>
+                <a:effectLst/>
+                <a:uLnTx/>
+                <a:uFillTx/>
+                <a:latin typeface="+mn-lt"/>
+                <a:ea typeface="+mn-ea"/>
+                <a:cs typeface="+mn-cs"/>
+              </a:rPr>
+              <a:pPr marL="0" marR="0" lvl="0" indent="0" algn="r" defTabSz="914400" rtl="0" eaLnBrk="1" fontAlgn="auto" latinLnBrk="0" hangingPunct="1">
+                <a:lnSpc>
+                  <a:spcPct val="100000"/>
+                </a:lnSpc>
+                <a:spcBef>
+                  <a:spcPts val="0"/>
+                </a:spcBef>
+                <a:spcAft>
+                  <a:spcPts val="0"/>
+                </a:spcAft>
+                <a:buClrTx/>
+                <a:buSzTx/>
+                <a:buFontTx/>
+                <a:buNone/>
+                <a:tabLst/>
+                <a:defRPr/>
+              </a:pPr>
+              <a:t>24</a:t>
+            </a:fld>
+            <a:endParaRPr kumimoji="0" lang="en-US" sz="1400" b="0" i="0" u="none" strike="noStrike" kern="1200" cap="none" spc="0" normalizeH="0" baseline="0" noProof="0" dirty="0">
+              <a:ln>
+                <a:noFill/>
+              </a:ln>
+              <a:solidFill>
+                <a:schemeClr val="accent3">
+                  <a:lumMod val="50000"/>
+                </a:schemeClr>
+              </a:solidFill>
+              <a:effectLst/>
+              <a:uLnTx/>
+              <a:uFillTx/>
+              <a:latin typeface="+mn-lt"/>
+              <a:ea typeface="+mn-ea"/>
+              <a:cs typeface="+mn-cs"/>
+            </a:endParaRPr>
+          </a:p>
+        </p:txBody>
+      </p:sp>
+    </p:spTree>
+    <p:extLst>
+      <p:ext uri="{BB962C8B-B14F-4D97-AF65-F5344CB8AC3E}">
+        <p14:creationId xmlns:p14="http://schemas.microsoft.com/office/powerpoint/2010/main" val="949326984"/>
+      </p:ext>
+    </p:extLst>
+  </p:cSld>
+  <p:clrMapOvr>
+    <a:masterClrMapping/>
+  </p:clrMapOvr>
+  <p:timing>
+    <p:tnLst>
+      <p:par>
+        <p:cTn id="1" dur="indefinite" restart="never" nodeType="tmRoot"/>
+      </p:par>
+    </p:tnLst>
+  </p:timing>
+</p:sld>
+</file>
+
+<file path=ppt/slides/slide25.xml><?xml version="1.0" encoding="utf-8"?>
+<p:sld xmlns:a="http://schemas.openxmlformats.org/drawingml/2006/main" xmlns:r="http://schemas.openxmlformats.org/officeDocument/2006/relationships" xmlns:p="http://schemas.openxmlformats.org/presentationml/2006/main">
+  <p:cSld>
+    <p:bg>
+      <p:bgPr>
+        <a:solidFill>
+          <a:schemeClr val="tx1">
+            <a:lumMod val="65000"/>
+            <a:lumOff val="35000"/>
+          </a:schemeClr>
+        </a:solidFill>
+        <a:effectLst/>
+      </p:bgPr>
+    </p:bg>
+    <p:spTree>
+      <p:nvGrpSpPr>
+        <p:cNvPr id="1" name=""/>
+        <p:cNvGrpSpPr/>
+        <p:nvPr/>
+      </p:nvGrpSpPr>
+      <p:grpSpPr>
+        <a:xfrm>
+          <a:off x="0" y="0"/>
+          <a:ext cx="0" cy="0"/>
+          <a:chOff x="0" y="0"/>
+          <a:chExt cx="0" cy="0"/>
+        </a:xfrm>
+      </p:grpSpPr>
+      <p:sp>
+        <p:nvSpPr>
+          <p:cNvPr id="5" name="Rectangle 4"/>
+          <p:cNvSpPr/>
+          <p:nvPr/>
+        </p:nvSpPr>
+        <p:spPr>
+          <a:xfrm>
+            <a:off x="0" y="5715000"/>
+            <a:ext cx="9144000" cy="1143000"/>
+          </a:xfrm>
+          <a:prstGeom prst="rect">
+            <a:avLst/>
+          </a:prstGeom>
+          <a:gradFill>
+            <a:gsLst>
+              <a:gs pos="0">
+                <a:schemeClr val="tx1">
+                  <a:lumMod val="75000"/>
+                  <a:lumOff val="25000"/>
+                </a:schemeClr>
+              </a:gs>
+              <a:gs pos="100000">
+                <a:schemeClr val="tx1">
+                  <a:lumMod val="75000"/>
+                  <a:lumOff val="25000"/>
+                  <a:alpha val="0"/>
+                </a:schemeClr>
+              </a:gs>
+            </a:gsLst>
+            <a:lin ang="10800000" scaled="0"/>
+          </a:gradFill>
+          <a:ln>
+            <a:noFill/>
+          </a:ln>
+        </p:spPr>
+        <p:style>
+          <a:lnRef idx="2">
+            <a:schemeClr val="accent1">
+              <a:shade val="50000"/>
+            </a:schemeClr>
+          </a:lnRef>
+          <a:fillRef idx="1">
+            <a:schemeClr val="accent1"/>
+          </a:fillRef>
+          <a:effectRef idx="0">
+            <a:schemeClr val="accent1"/>
+          </a:effectRef>
+          <a:fontRef idx="minor">
+            <a:schemeClr val="lt1"/>
+          </a:fontRef>
+        </p:style>
+        <p:txBody>
+          <a:bodyPr rtlCol="0" anchor="ctr"/>
+          <a:lstStyle/>
+          <a:p>
+            <a:pPr algn="ctr"/>
+            <a:endParaRPr lang="en-US"/>
+          </a:p>
+        </p:txBody>
+      </p:sp>
+      <p:sp>
+        <p:nvSpPr>
+          <p:cNvPr id="2" name="Title 1"/>
+          <p:cNvSpPr>
+            <a:spLocks noGrp="1"/>
+          </p:cNvSpPr>
+          <p:nvPr>
+            <p:ph type="ctrTitle"/>
+          </p:nvPr>
+        </p:nvSpPr>
+        <p:spPr>
+          <a:xfrm>
+            <a:off x="685800" y="1981200"/>
+            <a:ext cx="7772400" cy="1470025"/>
+          </a:xfrm>
+        </p:spPr>
+        <p:txBody>
+          <a:bodyPr/>
+          <a:lstStyle/>
+          <a:p>
+            <a:pPr algn="l"/>
+            <a:r>
+              <a:rPr lang="en-US" dirty="0" smtClean="0">
+                <a:solidFill>
+                  <a:schemeClr val="accent3">
+                    <a:lumMod val="60000"/>
+                    <a:lumOff val="40000"/>
+                  </a:schemeClr>
+                </a:solidFill>
+              </a:rPr>
+              <a:t>Homework</a:t>
+            </a:r>
+            <a:endParaRPr lang="en-US" dirty="0">
+              <a:solidFill>
+                <a:schemeClr val="accent3">
+                  <a:lumMod val="60000"/>
+                  <a:lumOff val="40000"/>
+                </a:schemeClr>
+              </a:solidFill>
+            </a:endParaRPr>
+          </a:p>
+        </p:txBody>
+      </p:sp>
+      <p:pic>
+        <p:nvPicPr>
+          <p:cNvPr id="1026" name="Picture 2" descr="D:\data\market\3_logo\LTIlogo3.png"/>
+          <p:cNvPicPr>
+            <a:picLocks noChangeAspect="1" noChangeArrowheads="1"/>
+          </p:cNvPicPr>
+          <p:nvPr/>
+        </p:nvPicPr>
+        <p:blipFill>
+          <a:blip r:embed="rId2" cstate="print"/>
+          <a:srcRect l="21429" t="35000" r="13095" b="33333"/>
+          <a:stretch>
+            <a:fillRect/>
+          </a:stretch>
+        </p:blipFill>
+        <p:spPr bwMode="auto">
+          <a:xfrm>
+            <a:off x="6019800" y="5778730"/>
+            <a:ext cx="3124200" cy="1079269"/>
+          </a:xfrm>
+          <a:prstGeom prst="rect">
+            <a:avLst/>
+          </a:prstGeom>
+          <a:noFill/>
+        </p:spPr>
+      </p:pic>
+      <p:sp>
+        <p:nvSpPr>
+          <p:cNvPr id="4" name="Subtitle 3"/>
+          <p:cNvSpPr>
+            <a:spLocks noGrp="1"/>
+          </p:cNvSpPr>
+          <p:nvPr>
+            <p:ph type="subTitle" idx="1"/>
+          </p:nvPr>
+        </p:nvSpPr>
+        <p:spPr/>
+        <p:txBody>
+          <a:bodyPr/>
+          <a:lstStyle/>
+          <a:p>
+            <a:endParaRPr lang="en-US"/>
+          </a:p>
+        </p:txBody>
+      </p:sp>
+    </p:spTree>
+    <p:extLst>
+      <p:ext uri="{BB962C8B-B14F-4D97-AF65-F5344CB8AC3E}">
+        <p14:creationId xmlns:p14="http://schemas.microsoft.com/office/powerpoint/2010/main" val="2220678261"/>
+      </p:ext>
+    </p:extLst>
+  </p:cSld>
+  <p:clrMapOvr>
+    <a:masterClrMapping/>
+  </p:clrMapOvr>
+  <p:timing>
+    <p:tnLst>
+      <p:par>
+        <p:cTn id="1" dur="indefinite" restart="never" nodeType="tmRoot"/>
+      </p:par>
+    </p:tnLst>
+  </p:timing>
+</p:sld>
+</file>
+
+<file path=ppt/slides/slide26.xml><?xml version="1.0" encoding="utf-8"?>
+<p:sld xmlns:a="http://schemas.openxmlformats.org/drawingml/2006/main" xmlns:r="http://schemas.openxmlformats.org/officeDocument/2006/relationships" xmlns:p="http://schemas.openxmlformats.org/presentationml/2006/main">
+  <p:cSld>
+    <p:bg>
+      <p:bgPr>
+        <a:solidFill>
+          <a:schemeClr val="bg1">
+            <a:lumMod val="65000"/>
+          </a:schemeClr>
+        </a:solidFill>
+        <a:effectLst/>
+      </p:bgPr>
+    </p:bg>
+    <p:spTree>
+      <p:nvGrpSpPr>
+        <p:cNvPr id="1" name=""/>
+        <p:cNvGrpSpPr/>
+        <p:nvPr/>
+      </p:nvGrpSpPr>
+      <p:grpSpPr>
+        <a:xfrm>
+          <a:off x="0" y="0"/>
+          <a:ext cx="0" cy="0"/>
+          <a:chOff x="0" y="0"/>
+          <a:chExt cx="0" cy="0"/>
+        </a:xfrm>
+      </p:grpSpPr>
+      <p:sp>
+        <p:nvSpPr>
+          <p:cNvPr id="5" name="Rectangle 4"/>
+          <p:cNvSpPr/>
+          <p:nvPr/>
+        </p:nvSpPr>
+        <p:spPr>
+          <a:xfrm>
+            <a:off x="0" y="6172200"/>
+            <a:ext cx="9144000" cy="685800"/>
+          </a:xfrm>
+          <a:prstGeom prst="rect">
+            <a:avLst/>
+          </a:prstGeom>
+          <a:gradFill>
+            <a:gsLst>
+              <a:gs pos="0">
+                <a:schemeClr val="bg1"/>
+              </a:gs>
+              <a:gs pos="100000">
+                <a:schemeClr val="bg1">
+                  <a:alpha val="0"/>
+                </a:schemeClr>
+              </a:gs>
+            </a:gsLst>
+            <a:lin ang="10800000" scaled="0"/>
+          </a:gradFill>
+          <a:ln>
+            <a:noFill/>
+          </a:ln>
+        </p:spPr>
+        <p:style>
+          <a:lnRef idx="2">
+            <a:schemeClr val="accent1">
+              <a:shade val="50000"/>
+            </a:schemeClr>
+          </a:lnRef>
+          <a:fillRef idx="1">
+            <a:schemeClr val="accent1"/>
+          </a:fillRef>
+          <a:effectRef idx="0">
+            <a:schemeClr val="accent1"/>
+          </a:effectRef>
+          <a:fontRef idx="minor">
+            <a:schemeClr val="lt1"/>
+          </a:fontRef>
+        </p:style>
+        <p:txBody>
+          <a:bodyPr rtlCol="0" anchor="ctr"/>
+          <a:lstStyle/>
+          <a:p>
+            <a:pPr algn="ctr"/>
+            <a:endParaRPr lang="en-US"/>
+          </a:p>
+        </p:txBody>
+      </p:sp>
+      <p:sp>
+        <p:nvSpPr>
+          <p:cNvPr id="2" name="Title 1"/>
+          <p:cNvSpPr>
+            <a:spLocks noGrp="1"/>
+          </p:cNvSpPr>
+          <p:nvPr>
+            <p:ph type="title"/>
+          </p:nvPr>
+        </p:nvSpPr>
+        <p:spPr/>
+        <p:txBody>
+          <a:bodyPr/>
+          <a:lstStyle/>
+          <a:p>
+            <a:pPr algn="l"/>
+            <a:r>
+              <a:rPr lang="en-US" dirty="0" smtClean="0">
+                <a:solidFill>
+                  <a:schemeClr val="accent1">
+                    <a:lumMod val="50000"/>
+                  </a:schemeClr>
+                </a:solidFill>
+              </a:rPr>
+              <a:t>Homework</a:t>
+            </a:r>
+            <a:endParaRPr lang="en-US" dirty="0">
+              <a:solidFill>
+                <a:schemeClr val="accent1">
+                  <a:lumMod val="50000"/>
+                </a:schemeClr>
+              </a:solidFill>
+            </a:endParaRPr>
+          </a:p>
+        </p:txBody>
+      </p:sp>
+      <p:sp>
+        <p:nvSpPr>
+          <p:cNvPr id="3" name="Content Placeholder 2"/>
+          <p:cNvSpPr>
+            <a:spLocks noGrp="1"/>
+          </p:cNvSpPr>
+          <p:nvPr>
+            <p:ph idx="1"/>
+          </p:nvPr>
+        </p:nvSpPr>
+        <p:spPr/>
+        <p:txBody>
+          <a:bodyPr>
+            <a:noAutofit/>
+          </a:bodyPr>
+          <a:lstStyle/>
+          <a:p>
+            <a:r>
+              <a:rPr lang="en-US" sz="2000" dirty="0"/>
+              <a:t>Clone the </a:t>
+            </a:r>
+            <a:r>
+              <a:rPr lang="en-US" sz="2000" dirty="0">
+                <a:hlinkClick r:id="rId3"/>
+              </a:rPr>
+              <a:t>https://</a:t>
+            </a:r>
+            <a:r>
+              <a:rPr lang="en-US" sz="2000" dirty="0" smtClean="0">
+                <a:hlinkClick r:id="rId3"/>
+              </a:rPr>
+              <a:t>github.com/LimnoTech/Forum-GitHub</a:t>
+            </a:r>
+            <a:r>
+              <a:rPr lang="en-US" sz="2000" dirty="0"/>
+              <a:t> </a:t>
+            </a:r>
+            <a:r>
+              <a:rPr lang="en-US" sz="2000" dirty="0" smtClean="0"/>
+              <a:t>remote repository using GitHub Desktop</a:t>
+            </a:r>
+          </a:p>
+          <a:p>
+            <a:pPr lvl="1"/>
+            <a:r>
+              <a:rPr lang="en-US" sz="1800" dirty="0" smtClean="0"/>
+              <a:t>Open and login to GitHub Desktop</a:t>
+            </a:r>
+          </a:p>
+          <a:p>
+            <a:pPr lvl="1"/>
+            <a:r>
+              <a:rPr lang="en-US" sz="1800" dirty="0" smtClean="0"/>
+              <a:t>In your browser, go to the remote repository and click Clone &gt; Open in Desktop</a:t>
+            </a:r>
+          </a:p>
+          <a:p>
+            <a:r>
+              <a:rPr lang="en-US" sz="2000" dirty="0" smtClean="0"/>
+              <a:t>Create a new branch in Desktop</a:t>
+            </a:r>
+          </a:p>
+          <a:p>
+            <a:r>
+              <a:rPr lang="en-US" sz="2000" dirty="0" smtClean="0"/>
+              <a:t>Add something to the project</a:t>
+            </a:r>
+          </a:p>
+          <a:p>
+            <a:pPr lvl="1"/>
+            <a:r>
+              <a:rPr lang="en-US" sz="1800" dirty="0" smtClean="0"/>
+              <a:t>Add your own file</a:t>
+            </a:r>
+          </a:p>
+          <a:p>
+            <a:pPr lvl="1"/>
+            <a:r>
+              <a:rPr lang="en-US" sz="1800" dirty="0" smtClean="0"/>
+              <a:t>Add a question to the FAQ in Readme.md or answer somebody else’s question</a:t>
+            </a:r>
+          </a:p>
+          <a:p>
+            <a:pPr lvl="1"/>
+            <a:r>
+              <a:rPr lang="en-US" sz="1800" dirty="0" smtClean="0"/>
+              <a:t>Fix a typo</a:t>
+            </a:r>
+          </a:p>
+          <a:p>
+            <a:r>
+              <a:rPr lang="en-US" sz="2000" dirty="0" smtClean="0"/>
+              <a:t>Submit a Pull Request</a:t>
+            </a:r>
+          </a:p>
+          <a:p>
+            <a:r>
+              <a:rPr lang="en-US" sz="2000" dirty="0" smtClean="0"/>
+              <a:t>See your changes on the master branch once the pull request is approved</a:t>
+            </a:r>
+          </a:p>
+          <a:p>
+            <a:endParaRPr lang="en-US" sz="2000" dirty="0" smtClean="0"/>
+          </a:p>
+          <a:p>
+            <a:endParaRPr lang="en-US" sz="2000" dirty="0" smtClean="0"/>
+          </a:p>
+          <a:p>
+            <a:endParaRPr lang="en-US" sz="2000" dirty="0" smtClean="0"/>
+          </a:p>
+        </p:txBody>
+      </p:sp>
+      <p:pic>
+        <p:nvPicPr>
+          <p:cNvPr id="2050" name="Picture 2" descr="D:\data\market\3_logo\LTIlogo_object.png"/>
+          <p:cNvPicPr>
+            <a:picLocks noChangeAspect="1" noChangeArrowheads="1"/>
+          </p:cNvPicPr>
+          <p:nvPr/>
+        </p:nvPicPr>
+        <p:blipFill>
+          <a:blip r:embed="rId4" cstate="print"/>
+          <a:srcRect l="28571" t="23077" r="27473" b="23077"/>
+          <a:stretch>
+            <a:fillRect/>
+          </a:stretch>
+        </p:blipFill>
+        <p:spPr bwMode="auto">
+          <a:xfrm>
+            <a:off x="8077200" y="5943600"/>
+            <a:ext cx="990600" cy="866775"/>
+          </a:xfrm>
+          <a:prstGeom prst="rect">
+            <a:avLst/>
+          </a:prstGeom>
+          <a:noFill/>
+          <a:effectLst>
+            <a:outerShdw blurRad="50800" dist="38100" dir="2700000" algn="tl" rotWithShape="0">
+              <a:prstClr val="black">
+                <a:alpha val="40000"/>
+              </a:prstClr>
+            </a:outerShdw>
+          </a:effectLst>
+        </p:spPr>
+      </p:pic>
+      <p:sp>
+        <p:nvSpPr>
+          <p:cNvPr id="8" name="Slide Number Placeholder 7"/>
+          <p:cNvSpPr txBox="1">
+            <a:spLocks/>
+          </p:cNvSpPr>
+          <p:nvPr/>
+        </p:nvSpPr>
+        <p:spPr>
+          <a:xfrm>
+            <a:off x="5791200" y="6324600"/>
+            <a:ext cx="2133600" cy="365125"/>
+          </a:xfrm>
+          <a:prstGeom prst="rect">
+            <a:avLst/>
+          </a:prstGeom>
+        </p:spPr>
+        <p:txBody>
+          <a:bodyPr vert="horz" lIns="91440" tIns="45720" rIns="91440" bIns="45720" rtlCol="0" anchor="ctr"/>
+          <a:lstStyle/>
+          <a:p>
+            <a:pPr marL="0" marR="0" lvl="0" indent="0" algn="r" defTabSz="914400" rtl="0" eaLnBrk="1" fontAlgn="auto" latinLnBrk="0" hangingPunct="1">
+              <a:lnSpc>
+                <a:spcPct val="100000"/>
+              </a:lnSpc>
+              <a:spcBef>
+                <a:spcPts val="0"/>
+              </a:spcBef>
+              <a:spcAft>
+                <a:spcPts val="0"/>
+              </a:spcAft>
+              <a:buClrTx/>
+              <a:buSzTx/>
+              <a:buFontTx/>
+              <a:buNone/>
+              <a:tabLst/>
+              <a:defRPr/>
+            </a:pPr>
+            <a:r>
+              <a:rPr kumimoji="0" lang="en-US" sz="1400" b="0" i="0" u="none" strike="noStrike" kern="1200" cap="none" spc="0" normalizeH="0" baseline="0" noProof="0" dirty="0" smtClean="0">
+                <a:ln>
+                  <a:noFill/>
+                </a:ln>
+                <a:solidFill>
+                  <a:schemeClr val="accent3">
+                    <a:lumMod val="50000"/>
+                  </a:schemeClr>
+                </a:solidFill>
+                <a:effectLst/>
+                <a:uLnTx/>
+                <a:uFillTx/>
+                <a:latin typeface="+mn-lt"/>
+                <a:ea typeface="+mn-ea"/>
+                <a:cs typeface="+mn-cs"/>
+              </a:rPr>
+              <a:t>SLIDE </a:t>
+            </a:r>
+            <a:fld id="{C04375EB-5169-4238-8270-5D5536267021}" type="slidenum">
+              <a:rPr kumimoji="0" lang="en-US" sz="1400" b="0" i="0" u="none" strike="noStrike" kern="1200" cap="none" spc="0" normalizeH="0" baseline="0" noProof="0" smtClean="0">
+                <a:ln>
+                  <a:noFill/>
+                </a:ln>
+                <a:solidFill>
+                  <a:schemeClr val="accent3">
+                    <a:lumMod val="50000"/>
+                  </a:schemeClr>
+                </a:solidFill>
+                <a:effectLst/>
+                <a:uLnTx/>
+                <a:uFillTx/>
+                <a:latin typeface="+mn-lt"/>
+                <a:ea typeface="+mn-ea"/>
+                <a:cs typeface="+mn-cs"/>
+              </a:rPr>
+              <a:pPr marL="0" marR="0" lvl="0" indent="0" algn="r" defTabSz="914400" rtl="0" eaLnBrk="1" fontAlgn="auto" latinLnBrk="0" hangingPunct="1">
+                <a:lnSpc>
+                  <a:spcPct val="100000"/>
+                </a:lnSpc>
+                <a:spcBef>
+                  <a:spcPts val="0"/>
+                </a:spcBef>
+                <a:spcAft>
+                  <a:spcPts val="0"/>
+                </a:spcAft>
+                <a:buClrTx/>
+                <a:buSzTx/>
+                <a:buFontTx/>
+                <a:buNone/>
+                <a:tabLst/>
+                <a:defRPr/>
+              </a:pPr>
+              <a:t>26</a:t>
+            </a:fld>
+            <a:endParaRPr kumimoji="0" lang="en-US" sz="1400" b="0" i="0" u="none" strike="noStrike" kern="1200" cap="none" spc="0" normalizeH="0" baseline="0" noProof="0" dirty="0">
+              <a:ln>
+                <a:noFill/>
+              </a:ln>
+              <a:solidFill>
+                <a:schemeClr val="accent3">
+                  <a:lumMod val="50000"/>
+                </a:schemeClr>
+              </a:solidFill>
+              <a:effectLst/>
+              <a:uLnTx/>
+              <a:uFillTx/>
+              <a:latin typeface="+mn-lt"/>
+              <a:ea typeface="+mn-ea"/>
+              <a:cs typeface="+mn-cs"/>
+            </a:endParaRPr>
+          </a:p>
+        </p:txBody>
+      </p:sp>
+    </p:spTree>
+    <p:extLst>
+      <p:ext uri="{BB962C8B-B14F-4D97-AF65-F5344CB8AC3E}">
+        <p14:creationId xmlns:p14="http://schemas.microsoft.com/office/powerpoint/2010/main" val="3480754732"/>
+      </p:ext>
+    </p:extLst>
+  </p:cSld>
+  <p:clrMapOvr>
+    <a:masterClrMapping/>
+  </p:clrMapOvr>
+  <p:timing>
+    <p:tnLst>
+      <p:par>
+        <p:cTn id="1" dur="indefinite" restart="never" nodeType="tmRoot"/>
+      </p:par>
+    </p:tnLst>
+  </p:timing>
+</p:sld>
+</file>
+
 <file path=ppt/slides/slide3.xml><?xml version="1.0" encoding="utf-8"?>
 <p:sld xmlns:a="http://schemas.openxmlformats.org/drawingml/2006/main" xmlns:r="http://schemas.openxmlformats.org/officeDocument/2006/relationships" xmlns:p="http://schemas.openxmlformats.org/presentationml/2006/main">
   <p:cSld>
@@ -10136,8 +13856,8 @@
         </p:nvSpPr>
         <p:spPr>
           <a:xfrm>
-            <a:off x="177544" y="1247885"/>
-            <a:ext cx="8788912" cy="646331"/>
+            <a:off x="164718" y="1124248"/>
+            <a:ext cx="8788912" cy="923330"/>
           </a:xfrm>
           <a:prstGeom prst="rect">
             <a:avLst/>
@@ -10166,7 +13886,23 @@
             </a:r>
             <a:r>
               <a:rPr lang="en-US" dirty="0" smtClean="0"/>
-              <a:t>The shared repository saved on a server somewhere (like GitHub). </a:t>
+              <a:t>The shared repository saved on a server somewhere. GitHub or others (</a:t>
+            </a:r>
+            <a:r>
+              <a:rPr lang="en-US" dirty="0" err="1" smtClean="0"/>
+              <a:t>Bitbucket</a:t>
+            </a:r>
+            <a:r>
+              <a:rPr lang="en-US" dirty="0" smtClean="0"/>
+              <a:t>, somewhere on a </a:t>
+            </a:r>
+            <a:r>
+              <a:rPr lang="en-US" dirty="0" err="1" smtClean="0"/>
+              <a:t>LimnoTech</a:t>
+            </a:r>
+            <a:r>
+              <a:rPr lang="en-US" dirty="0" smtClean="0"/>
+              <a:t> server) </a:t>
             </a:r>
             <a:endParaRPr lang="en-US" b="1" dirty="0"/>
           </a:p>
@@ -10188,7 +13924,7 @@
         </p:blipFill>
         <p:spPr>
           <a:xfrm>
-            <a:off x="202441" y="2222410"/>
+            <a:off x="200325" y="2886689"/>
             <a:ext cx="3136356" cy="2941853"/>
           </a:xfrm>
           <a:prstGeom prst="rect">
@@ -10204,7 +13940,7 @@
         </p:nvSpPr>
         <p:spPr>
           <a:xfrm>
-            <a:off x="1049630" y="1931970"/>
+            <a:off x="1047514" y="2596249"/>
             <a:ext cx="1661160" cy="307777"/>
           </a:xfrm>
           <a:prstGeom prst="rect">
@@ -10299,7 +14035,7 @@
     </p:spTree>
     <p:extLst>
       <p:ext uri="{BB962C8B-B14F-4D97-AF65-F5344CB8AC3E}">
-        <p14:creationId xmlns:p14="http://schemas.microsoft.com/office/powerpoint/2010/main" val="1339076882"/>
+        <p14:creationId xmlns:p14="http://schemas.microsoft.com/office/powerpoint/2010/main" val="418290676"/>
       </p:ext>
     </p:extLst>
   </p:cSld>
@@ -10416,16 +14152,6 @@
           <a:p>
             <a:pPr algn="l"/>
             <a:r>
-              <a:rPr lang="en-US" dirty="0" err="1" smtClean="0">
-                <a:solidFill>
-                  <a:schemeClr val="accent1">
-                    <a:lumMod val="50000"/>
-                  </a:schemeClr>
-                </a:solidFill>
-              </a:rPr>
-              <a:t>Git</a:t>
-            </a:r>
-            <a:r>
               <a:rPr lang="en-US" dirty="0" smtClean="0">
                 <a:solidFill>
                   <a:schemeClr val="accent1">
@@ -10433,7 +14159,7 @@
                   </a:schemeClr>
                 </a:solidFill>
               </a:rPr>
-              <a:t> Framework</a:t>
+              <a:t>Clone a Repository</a:t>
             </a:r>
             <a:endParaRPr lang="en-US" dirty="0">
               <a:solidFill>
@@ -10454,7 +14180,7 @@
           <p:nvPr/>
         </p:nvPicPr>
         <p:blipFill>
-          <a:blip r:embed="rId2" cstate="print"/>
+          <a:blip r:embed="rId3" cstate="print"/>
           <a:srcRect l="28571" t="23077" r="27473" b="23077"/>
           <a:stretch>
             <a:fillRect/>
@@ -10592,14 +14318,14 @@
       </p:sp>
       <p:sp>
         <p:nvSpPr>
-          <p:cNvPr id="6" name="TextBox 5"/>
+          <p:cNvPr id="4" name="TextBox 3"/>
           <p:cNvSpPr txBox="1"/>
           <p:nvPr/>
         </p:nvSpPr>
         <p:spPr>
           <a:xfrm>
-            <a:off x="164718" y="1124248"/>
-            <a:ext cx="8788912" cy="923330"/>
+            <a:off x="304800" y="1461572"/>
+            <a:ext cx="8610600" cy="646331"/>
           </a:xfrm>
           <a:prstGeom prst="rect">
             <a:avLst/>
@@ -10614,76 +14340,153 @@
           <a:p>
             <a:r>
               <a:rPr lang="en-US" b="1" dirty="0" smtClean="0"/>
-              <a:t>Local Repository: </a:t>
+              <a:t>Clone:</a:t>
             </a:r>
             <a:r>
               <a:rPr lang="en-US" dirty="0" smtClean="0"/>
-              <a:t>The repository saved on your computer. </a:t>
-            </a:r>
-          </a:p>
-          <a:p>
+              <a:t> Copy a </a:t>
+            </a:r>
+            <a:r>
+              <a:rPr lang="en-US" dirty="0" err="1" smtClean="0"/>
+              <a:t>Git</a:t>
+            </a:r>
+            <a:r>
+              <a:rPr lang="en-US" dirty="0" smtClean="0"/>
+              <a:t> repository from remote to local. You get the whole history of all of the files in the repository. Each snapshot in history is a </a:t>
+            </a:r>
             <a:r>
               <a:rPr lang="en-US" b="1" dirty="0" smtClean="0"/>
-              <a:t>Remote Repository: </a:t>
-            </a:r>
-            <a:r>
-              <a:rPr lang="en-US" dirty="0" smtClean="0"/>
-              <a:t>The shared repository saved on a server somewhere. GitHub or others (</a:t>
-            </a:r>
-            <a:r>
-              <a:rPr lang="en-US" dirty="0" err="1" smtClean="0"/>
-              <a:t>BitBucket</a:t>
-            </a:r>
-            <a:r>
-              <a:rPr lang="en-US" dirty="0" smtClean="0"/>
-              <a:t>, somewhere on a </a:t>
-            </a:r>
-            <a:r>
-              <a:rPr lang="en-US" dirty="0" err="1" smtClean="0"/>
-              <a:t>LimnoTech</a:t>
-            </a:r>
-            <a:r>
-              <a:rPr lang="en-US" dirty="0" smtClean="0"/>
-              <a:t> server) </a:t>
-            </a:r>
-            <a:endParaRPr lang="en-US" b="1" dirty="0"/>
-          </a:p>
-        </p:txBody>
-      </p:sp>
-      <p:pic>
-        <p:nvPicPr>
-          <p:cNvPr id="9" name="Picture 8"/>
-          <p:cNvPicPr>
-            <a:picLocks noChangeAspect="1"/>
-          </p:cNvPicPr>
+              <a:t>commit.</a:t>
+            </a:r>
+          </a:p>
+        </p:txBody>
+      </p:sp>
+      <p:sp>
+        <p:nvSpPr>
+          <p:cNvPr id="7" name="Flowchart: Magnetic Disk 6"/>
+          <p:cNvSpPr/>
           <p:nvPr/>
-        </p:nvPicPr>
-        <p:blipFill>
-          <a:blip r:embed="rId3"/>
-          <a:stretch>
-            <a:fillRect/>
-          </a:stretch>
-        </p:blipFill>
+        </p:nvSpPr>
         <p:spPr>
           <a:xfrm>
-            <a:off x="202441" y="2222410"/>
-            <a:ext cx="3136356" cy="2941853"/>
-          </a:xfrm>
-          <a:prstGeom prst="rect">
+            <a:off x="1981200" y="3168690"/>
+            <a:ext cx="1752600" cy="1676400"/>
+          </a:xfrm>
+          <a:prstGeom prst="flowChartMagneticDisk">
             <a:avLst/>
           </a:prstGeom>
         </p:spPr>
-      </p:pic>
-      <p:sp>
-        <p:nvSpPr>
-          <p:cNvPr id="12" name="TextBox 11"/>
+        <p:style>
+          <a:lnRef idx="2">
+            <a:schemeClr val="accent1">
+              <a:shade val="50000"/>
+            </a:schemeClr>
+          </a:lnRef>
+          <a:fillRef idx="1">
+            <a:schemeClr val="accent1"/>
+          </a:fillRef>
+          <a:effectRef idx="0">
+            <a:schemeClr val="accent1"/>
+          </a:effectRef>
+          <a:fontRef idx="minor">
+            <a:schemeClr val="lt1"/>
+          </a:fontRef>
+        </p:style>
+        <p:txBody>
+          <a:bodyPr rtlCol="0" anchor="ctr"/>
+          <a:lstStyle/>
+          <a:p>
+            <a:pPr algn="ctr"/>
+            <a:endParaRPr lang="en-US"/>
+          </a:p>
+        </p:txBody>
+      </p:sp>
+      <p:sp>
+        <p:nvSpPr>
+          <p:cNvPr id="14" name="Flowchart: Magnetic Disk 13"/>
+          <p:cNvSpPr/>
+          <p:nvPr/>
+        </p:nvSpPr>
+        <p:spPr>
+          <a:xfrm>
+            <a:off x="4876800" y="3168690"/>
+            <a:ext cx="1752600" cy="1676400"/>
+          </a:xfrm>
+          <a:prstGeom prst="flowChartMagneticDisk">
+            <a:avLst/>
+          </a:prstGeom>
+        </p:spPr>
+        <p:style>
+          <a:lnRef idx="2">
+            <a:schemeClr val="accent1">
+              <a:shade val="50000"/>
+            </a:schemeClr>
+          </a:lnRef>
+          <a:fillRef idx="1">
+            <a:schemeClr val="accent1"/>
+          </a:fillRef>
+          <a:effectRef idx="0">
+            <a:schemeClr val="accent1"/>
+          </a:effectRef>
+          <a:fontRef idx="minor">
+            <a:schemeClr val="lt1"/>
+          </a:fontRef>
+        </p:style>
+        <p:txBody>
+          <a:bodyPr rtlCol="0" anchor="ctr"/>
+          <a:lstStyle/>
+          <a:p>
+            <a:pPr algn="ctr"/>
+            <a:endParaRPr lang="en-US"/>
+          </a:p>
+        </p:txBody>
+      </p:sp>
+      <p:cxnSp>
+        <p:nvCxnSpPr>
+          <p:cNvPr id="11" name="Straight Arrow Connector 10"/>
+          <p:cNvCxnSpPr/>
+          <p:nvPr/>
+        </p:nvCxnSpPr>
+        <p:spPr>
+          <a:xfrm>
+            <a:off x="4038600" y="4012148"/>
+            <a:ext cx="685800" cy="0"/>
+          </a:xfrm>
+          <a:prstGeom prst="straightConnector1">
+            <a:avLst/>
+          </a:prstGeom>
+          <a:ln w="76200">
+            <a:solidFill>
+              <a:schemeClr val="tx1"/>
+            </a:solidFill>
+            <a:tailEnd type="triangle"/>
+          </a:ln>
+        </p:spPr>
+        <p:style>
+          <a:lnRef idx="1">
+            <a:schemeClr val="accent1"/>
+          </a:lnRef>
+          <a:fillRef idx="0">
+            <a:schemeClr val="accent1"/>
+          </a:fillRef>
+          <a:effectRef idx="0">
+            <a:schemeClr val="accent1"/>
+          </a:effectRef>
+          <a:fontRef idx="minor">
+            <a:schemeClr val="tx1"/>
+          </a:fontRef>
+        </p:style>
+      </p:cxnSp>
+      <p:sp>
+        <p:nvSpPr>
+          <p:cNvPr id="15" name="TextBox 14"/>
           <p:cNvSpPr txBox="1"/>
           <p:nvPr/>
         </p:nvSpPr>
         <p:spPr>
           <a:xfrm>
-            <a:off x="1049630" y="1931970"/>
-            <a:ext cx="1661160" cy="307777"/>
+            <a:off x="2398944" y="4845090"/>
+            <a:ext cx="917111" cy="369332"/>
           </a:xfrm>
           <a:prstGeom prst="rect">
             <a:avLst/>
@@ -10697,55 +14500,23 @@
           <a:lstStyle/>
           <a:p>
             <a:r>
-              <a:rPr lang="en-US" sz="1400" dirty="0" smtClean="0"/>
-              <a:t>Local </a:t>
-            </a:r>
-            <a:r>
-              <a:rPr lang="en-US" sz="1400" dirty="0" err="1" smtClean="0"/>
-              <a:t>Git</a:t>
-            </a:r>
-            <a:r>
-              <a:rPr lang="en-US" sz="1400" dirty="0" smtClean="0"/>
-              <a:t> repository</a:t>
-            </a:r>
-            <a:endParaRPr lang="en-US" sz="1400" dirty="0"/>
-          </a:p>
-        </p:txBody>
-      </p:sp>
-      <p:pic>
-        <p:nvPicPr>
-          <p:cNvPr id="3" name="Picture 2"/>
-          <p:cNvPicPr>
-            <a:picLocks noChangeAspect="1"/>
-          </p:cNvPicPr>
-          <p:nvPr/>
-        </p:nvPicPr>
-        <p:blipFill>
-          <a:blip r:embed="rId4"/>
-          <a:stretch>
-            <a:fillRect/>
-          </a:stretch>
-        </p:blipFill>
-        <p:spPr>
-          <a:xfrm>
-            <a:off x="3548063" y="3130563"/>
-            <a:ext cx="5519737" cy="2644762"/>
-          </a:xfrm>
-          <a:prstGeom prst="rect">
-            <a:avLst/>
-          </a:prstGeom>
-        </p:spPr>
-      </p:pic>
-      <p:sp>
-        <p:nvSpPr>
-          <p:cNvPr id="13" name="TextBox 12"/>
+              <a:rPr lang="en-US" dirty="0" smtClean="0"/>
+              <a:t>Remote</a:t>
+            </a:r>
+            <a:endParaRPr lang="en-US" dirty="0"/>
+          </a:p>
+        </p:txBody>
+      </p:sp>
+      <p:sp>
+        <p:nvSpPr>
+          <p:cNvPr id="17" name="TextBox 16"/>
           <p:cNvSpPr txBox="1"/>
           <p:nvPr/>
         </p:nvSpPr>
         <p:spPr>
           <a:xfrm>
-            <a:off x="5486400" y="2822786"/>
-            <a:ext cx="1801840" cy="307777"/>
+            <a:off x="5421278" y="4845090"/>
+            <a:ext cx="663643" cy="369332"/>
           </a:xfrm>
           <a:prstGeom prst="rect">
             <a:avLst/>
@@ -10759,25 +14530,242 @@
           <a:lstStyle/>
           <a:p>
             <a:r>
-              <a:rPr lang="en-US" sz="1400" dirty="0" smtClean="0"/>
-              <a:t>Remote </a:t>
-            </a:r>
-            <a:r>
-              <a:rPr lang="en-US" sz="1400" dirty="0" err="1" smtClean="0"/>
-              <a:t>Git</a:t>
-            </a:r>
-            <a:r>
-              <a:rPr lang="en-US" sz="1400" dirty="0" smtClean="0"/>
-              <a:t> repository</a:t>
-            </a:r>
-            <a:endParaRPr lang="en-US" sz="1400" dirty="0"/>
+              <a:rPr lang="en-US" dirty="0" smtClean="0"/>
+              <a:t>Local</a:t>
+            </a:r>
+            <a:endParaRPr lang="en-US" dirty="0"/>
+          </a:p>
+        </p:txBody>
+      </p:sp>
+      <p:sp>
+        <p:nvSpPr>
+          <p:cNvPr id="18" name="TextBox 17"/>
+          <p:cNvSpPr txBox="1"/>
+          <p:nvPr/>
+        </p:nvSpPr>
+        <p:spPr>
+          <a:xfrm>
+            <a:off x="228600" y="5411569"/>
+            <a:ext cx="8610600" cy="646331"/>
+          </a:xfrm>
+          <a:prstGeom prst="rect">
+            <a:avLst/>
+          </a:prstGeom>
+          <a:noFill/>
+        </p:spPr>
+        <p:txBody>
+          <a:bodyPr wrap="square" rtlCol="0">
+            <a:spAutoFit/>
+          </a:bodyPr>
+          <a:lstStyle/>
+          <a:p>
+            <a:r>
+              <a:rPr lang="en-US" dirty="0" smtClean="0"/>
+              <a:t>You can make changes to your local repository without affecting the remote repository. You’ll sync them later.</a:t>
+            </a:r>
+          </a:p>
+        </p:txBody>
+      </p:sp>
+      <p:sp>
+        <p:nvSpPr>
+          <p:cNvPr id="16" name="TextBox 15"/>
+          <p:cNvSpPr txBox="1"/>
+          <p:nvPr/>
+        </p:nvSpPr>
+        <p:spPr>
+          <a:xfrm>
+            <a:off x="2318986" y="3730853"/>
+            <a:ext cx="1077025" cy="1015663"/>
+          </a:xfrm>
+          <a:prstGeom prst="rect">
+            <a:avLst/>
+          </a:prstGeom>
+          <a:noFill/>
+        </p:spPr>
+        <p:txBody>
+          <a:bodyPr wrap="none" rtlCol="0">
+            <a:spAutoFit/>
+          </a:bodyPr>
+          <a:lstStyle/>
+          <a:p>
+            <a:pPr algn="ctr"/>
+            <a:r>
+              <a:rPr lang="en-US" sz="1200" dirty="0" smtClean="0"/>
+              <a:t>Commit 1</a:t>
+            </a:r>
+          </a:p>
+          <a:p>
+            <a:pPr algn="ctr"/>
+            <a:r>
+              <a:rPr lang="en-US" sz="1200" dirty="0" smtClean="0"/>
+              <a:t>Commit 2</a:t>
+            </a:r>
+          </a:p>
+          <a:p>
+            <a:pPr algn="ctr"/>
+            <a:r>
+              <a:rPr lang="en-US" sz="1200" dirty="0" smtClean="0"/>
+              <a:t>Commit 3</a:t>
+            </a:r>
+          </a:p>
+          <a:p>
+            <a:pPr algn="ctr"/>
+            <a:r>
+              <a:rPr lang="en-US" sz="1200" dirty="0" smtClean="0"/>
+              <a:t>Commit 4 </a:t>
+            </a:r>
+          </a:p>
+          <a:p>
+            <a:pPr algn="ctr"/>
+            <a:r>
+              <a:rPr lang="en-US" sz="1200" dirty="0" smtClean="0"/>
+              <a:t>(current state)</a:t>
+            </a:r>
+            <a:endParaRPr lang="en-US" sz="1200" dirty="0"/>
+          </a:p>
+        </p:txBody>
+      </p:sp>
+      <p:sp>
+        <p:nvSpPr>
+          <p:cNvPr id="20" name="TextBox 19"/>
+          <p:cNvSpPr txBox="1"/>
+          <p:nvPr/>
+        </p:nvSpPr>
+        <p:spPr>
+          <a:xfrm>
+            <a:off x="5214586" y="3715127"/>
+            <a:ext cx="1077025" cy="1015663"/>
+          </a:xfrm>
+          <a:prstGeom prst="rect">
+            <a:avLst/>
+          </a:prstGeom>
+          <a:noFill/>
+        </p:spPr>
+        <p:txBody>
+          <a:bodyPr wrap="none" rtlCol="0">
+            <a:spAutoFit/>
+          </a:bodyPr>
+          <a:lstStyle/>
+          <a:p>
+            <a:pPr algn="ctr"/>
+            <a:r>
+              <a:rPr lang="en-US" sz="1200" dirty="0" smtClean="0"/>
+              <a:t>Commit 1</a:t>
+            </a:r>
+          </a:p>
+          <a:p>
+            <a:pPr algn="ctr"/>
+            <a:r>
+              <a:rPr lang="en-US" sz="1200" dirty="0" smtClean="0"/>
+              <a:t>Commit 2</a:t>
+            </a:r>
+          </a:p>
+          <a:p>
+            <a:pPr algn="ctr"/>
+            <a:r>
+              <a:rPr lang="en-US" sz="1200" dirty="0" smtClean="0"/>
+              <a:t>Commit 3</a:t>
+            </a:r>
+          </a:p>
+          <a:p>
+            <a:pPr algn="ctr"/>
+            <a:r>
+              <a:rPr lang="en-US" sz="1200" dirty="0" smtClean="0"/>
+              <a:t>Commit 4 </a:t>
+            </a:r>
+          </a:p>
+          <a:p>
+            <a:pPr algn="ctr"/>
+            <a:r>
+              <a:rPr lang="en-US" sz="1200" dirty="0" smtClean="0"/>
+              <a:t>(current state)</a:t>
+            </a:r>
+            <a:endParaRPr lang="en-US" sz="1200" dirty="0"/>
+          </a:p>
+        </p:txBody>
+      </p:sp>
+      <p:sp>
+        <p:nvSpPr>
+          <p:cNvPr id="19" name="Rectangle 18"/>
+          <p:cNvSpPr/>
+          <p:nvPr/>
+        </p:nvSpPr>
+        <p:spPr>
+          <a:xfrm>
+            <a:off x="2318985" y="4333914"/>
+            <a:ext cx="1077025" cy="387390"/>
+          </a:xfrm>
+          <a:prstGeom prst="rect">
+            <a:avLst/>
+          </a:prstGeom>
+          <a:noFill/>
+        </p:spPr>
+        <p:style>
+          <a:lnRef idx="2">
+            <a:schemeClr val="accent3"/>
+          </a:lnRef>
+          <a:fillRef idx="1">
+            <a:schemeClr val="lt1"/>
+          </a:fillRef>
+          <a:effectRef idx="0">
+            <a:schemeClr val="accent3"/>
+          </a:effectRef>
+          <a:fontRef idx="minor">
+            <a:schemeClr val="dk1"/>
+          </a:fontRef>
+        </p:style>
+        <p:txBody>
+          <a:bodyPr rtlCol="0" anchor="ctr"/>
+          <a:lstStyle/>
+          <a:p>
+            <a:pPr algn="ctr"/>
+            <a:endParaRPr lang="en-US"/>
+          </a:p>
+        </p:txBody>
+      </p:sp>
+      <p:sp>
+        <p:nvSpPr>
+          <p:cNvPr id="22" name="Rectangle 21"/>
+          <p:cNvSpPr/>
+          <p:nvPr/>
+        </p:nvSpPr>
+        <p:spPr>
+          <a:xfrm>
+            <a:off x="5214585" y="4289425"/>
+            <a:ext cx="1077025" cy="387390"/>
+          </a:xfrm>
+          <a:prstGeom prst="rect">
+            <a:avLst/>
+          </a:prstGeom>
+          <a:noFill/>
+        </p:spPr>
+        <p:style>
+          <a:lnRef idx="2">
+            <a:schemeClr val="accent3"/>
+          </a:lnRef>
+          <a:fillRef idx="1">
+            <a:schemeClr val="lt1"/>
+          </a:fillRef>
+          <a:effectRef idx="0">
+            <a:schemeClr val="accent3"/>
+          </a:effectRef>
+          <a:fontRef idx="minor">
+            <a:schemeClr val="dk1"/>
+          </a:fontRef>
+        </p:style>
+        <p:txBody>
+          <a:bodyPr rtlCol="0" anchor="ctr"/>
+          <a:lstStyle/>
+          <a:p>
+            <a:pPr algn="ctr"/>
+            <a:endParaRPr lang="en-US"/>
           </a:p>
         </p:txBody>
       </p:sp>
     </p:spTree>
     <p:extLst>
       <p:ext uri="{BB962C8B-B14F-4D97-AF65-F5344CB8AC3E}">
-        <p14:creationId xmlns:p14="http://schemas.microsoft.com/office/powerpoint/2010/main" val="418290676"/>
+        <p14:creationId xmlns:p14="http://schemas.microsoft.com/office/powerpoint/2010/main" val="3041373075"/>
       </p:ext>
     </p:extLst>
   </p:cSld>
@@ -10901,7 +14889,7 @@
                   </a:schemeClr>
                 </a:solidFill>
               </a:rPr>
-              <a:t>Clone a Repository</a:t>
+              <a:t>[Clone Demo]</a:t>
             </a:r>
             <a:endParaRPr lang="en-US" dirty="0">
               <a:solidFill>
@@ -10910,6 +14898,99 @@
                 </a:schemeClr>
               </a:solidFill>
             </a:endParaRPr>
+          </a:p>
+        </p:txBody>
+      </p:sp>
+      <p:sp>
+        <p:nvSpPr>
+          <p:cNvPr id="3" name="Content Placeholder 2"/>
+          <p:cNvSpPr>
+            <a:spLocks noGrp="1"/>
+          </p:cNvSpPr>
+          <p:nvPr>
+            <p:ph idx="1"/>
+          </p:nvPr>
+        </p:nvSpPr>
+        <p:spPr/>
+        <p:txBody>
+          <a:bodyPr>
+            <a:normAutofit fontScale="85000" lnSpcReduction="10000"/>
+          </a:bodyPr>
+          <a:lstStyle/>
+          <a:p>
+            <a:r>
+              <a:rPr lang="en-US" dirty="0" smtClean="0"/>
+              <a:t>Open GitHub Desktop and login if you haven’t already</a:t>
+            </a:r>
+          </a:p>
+          <a:p>
+            <a:r>
+              <a:rPr lang="en-US" dirty="0" smtClean="0"/>
+              <a:t>Go to github.com</a:t>
+            </a:r>
+          </a:p>
+          <a:p>
+            <a:r>
+              <a:rPr lang="en-US" dirty="0" smtClean="0"/>
+              <a:t>Login</a:t>
+            </a:r>
+          </a:p>
+          <a:p>
+            <a:r>
+              <a:rPr lang="en-US" dirty="0" smtClean="0"/>
+              <a:t>Search for </a:t>
+            </a:r>
+            <a:r>
+              <a:rPr lang="en-US" dirty="0" err="1" smtClean="0"/>
+              <a:t>LimnoTech</a:t>
+            </a:r>
+            <a:endParaRPr lang="en-US" dirty="0" smtClean="0"/>
+          </a:p>
+          <a:p>
+            <a:r>
+              <a:rPr lang="en-US" dirty="0" smtClean="0"/>
+              <a:t>Click on </a:t>
+            </a:r>
+            <a:r>
+              <a:rPr lang="en-US" dirty="0" err="1" smtClean="0"/>
+              <a:t>LimnoTech</a:t>
+            </a:r>
+            <a:r>
+              <a:rPr lang="en-US" dirty="0" smtClean="0"/>
+              <a:t>/</a:t>
+            </a:r>
+            <a:r>
+              <a:rPr lang="en-US" dirty="0" err="1" smtClean="0"/>
+              <a:t>SuperAwesomeProject</a:t>
+            </a:r>
+            <a:endParaRPr lang="en-US" dirty="0" smtClean="0"/>
+          </a:p>
+          <a:p>
+            <a:r>
+              <a:rPr lang="en-US" dirty="0" smtClean="0"/>
+              <a:t>Click Clone &gt; Open in Desktop</a:t>
+            </a:r>
+          </a:p>
+          <a:p>
+            <a:r>
+              <a:rPr lang="en-US" dirty="0" smtClean="0"/>
+              <a:t>Appears on the left</a:t>
+            </a:r>
+          </a:p>
+          <a:p>
+            <a:r>
+              <a:rPr lang="en-US" dirty="0" smtClean="0"/>
+              <a:t>Right click and go to Explorer View. </a:t>
+            </a:r>
+          </a:p>
+          <a:p>
+            <a:r>
+              <a:rPr lang="en-US" dirty="0" smtClean="0"/>
+              <a:t>Show how you can see everything that’s happened in the past. Show that explorer just shows latest.</a:t>
+            </a:r>
+          </a:p>
+          <a:p>
+            <a:endParaRPr lang="en-US" dirty="0"/>
           </a:p>
         </p:txBody>
       </p:sp>
@@ -11058,456 +15139,10 @@
           </a:p>
         </p:txBody>
       </p:sp>
-      <p:sp>
-        <p:nvSpPr>
-          <p:cNvPr id="4" name="TextBox 3"/>
-          <p:cNvSpPr txBox="1"/>
-          <p:nvPr/>
-        </p:nvSpPr>
-        <p:spPr>
-          <a:xfrm>
-            <a:off x="304800" y="1461572"/>
-            <a:ext cx="8610600" cy="646331"/>
-          </a:xfrm>
-          <a:prstGeom prst="rect">
-            <a:avLst/>
-          </a:prstGeom>
-          <a:noFill/>
-        </p:spPr>
-        <p:txBody>
-          <a:bodyPr wrap="square" rtlCol="0">
-            <a:spAutoFit/>
-          </a:bodyPr>
-          <a:lstStyle/>
-          <a:p>
-            <a:r>
-              <a:rPr lang="en-US" b="1" dirty="0" smtClean="0"/>
-              <a:t>Clone:</a:t>
-            </a:r>
-            <a:r>
-              <a:rPr lang="en-US" dirty="0" smtClean="0"/>
-              <a:t> Copy a </a:t>
-            </a:r>
-            <a:r>
-              <a:rPr lang="en-US" dirty="0" err="1" smtClean="0"/>
-              <a:t>Git</a:t>
-            </a:r>
-            <a:r>
-              <a:rPr lang="en-US" dirty="0" smtClean="0"/>
-              <a:t> repository from remote to local. You get the whole history of all of the files in the repository. Each snapshot in history is a </a:t>
-            </a:r>
-            <a:r>
-              <a:rPr lang="en-US" b="1" dirty="0" smtClean="0"/>
-              <a:t>commit.</a:t>
-            </a:r>
-          </a:p>
-        </p:txBody>
-      </p:sp>
-      <p:sp>
-        <p:nvSpPr>
-          <p:cNvPr id="7" name="Flowchart: Magnetic Disk 6"/>
-          <p:cNvSpPr/>
-          <p:nvPr/>
-        </p:nvSpPr>
-        <p:spPr>
-          <a:xfrm>
-            <a:off x="1981200" y="3168690"/>
-            <a:ext cx="1752600" cy="1676400"/>
-          </a:xfrm>
-          <a:prstGeom prst="flowChartMagneticDisk">
-            <a:avLst/>
-          </a:prstGeom>
-        </p:spPr>
-        <p:style>
-          <a:lnRef idx="2">
-            <a:schemeClr val="accent1">
-              <a:shade val="50000"/>
-            </a:schemeClr>
-          </a:lnRef>
-          <a:fillRef idx="1">
-            <a:schemeClr val="accent1"/>
-          </a:fillRef>
-          <a:effectRef idx="0">
-            <a:schemeClr val="accent1"/>
-          </a:effectRef>
-          <a:fontRef idx="minor">
-            <a:schemeClr val="lt1"/>
-          </a:fontRef>
-        </p:style>
-        <p:txBody>
-          <a:bodyPr rtlCol="0" anchor="ctr"/>
-          <a:lstStyle/>
-          <a:p>
-            <a:pPr algn="ctr"/>
-            <a:endParaRPr lang="en-US"/>
-          </a:p>
-        </p:txBody>
-      </p:sp>
-      <p:sp>
-        <p:nvSpPr>
-          <p:cNvPr id="14" name="Flowchart: Magnetic Disk 13"/>
-          <p:cNvSpPr/>
-          <p:nvPr/>
-        </p:nvSpPr>
-        <p:spPr>
-          <a:xfrm>
-            <a:off x="4876800" y="3168690"/>
-            <a:ext cx="1752600" cy="1676400"/>
-          </a:xfrm>
-          <a:prstGeom prst="flowChartMagneticDisk">
-            <a:avLst/>
-          </a:prstGeom>
-        </p:spPr>
-        <p:style>
-          <a:lnRef idx="2">
-            <a:schemeClr val="accent1">
-              <a:shade val="50000"/>
-            </a:schemeClr>
-          </a:lnRef>
-          <a:fillRef idx="1">
-            <a:schemeClr val="accent1"/>
-          </a:fillRef>
-          <a:effectRef idx="0">
-            <a:schemeClr val="accent1"/>
-          </a:effectRef>
-          <a:fontRef idx="minor">
-            <a:schemeClr val="lt1"/>
-          </a:fontRef>
-        </p:style>
-        <p:txBody>
-          <a:bodyPr rtlCol="0" anchor="ctr"/>
-          <a:lstStyle/>
-          <a:p>
-            <a:pPr algn="ctr"/>
-            <a:endParaRPr lang="en-US"/>
-          </a:p>
-        </p:txBody>
-      </p:sp>
-      <p:cxnSp>
-        <p:nvCxnSpPr>
-          <p:cNvPr id="11" name="Straight Arrow Connector 10"/>
-          <p:cNvCxnSpPr/>
-          <p:nvPr/>
-        </p:nvCxnSpPr>
-        <p:spPr>
-          <a:xfrm>
-            <a:off x="4038600" y="4012148"/>
-            <a:ext cx="685800" cy="0"/>
-          </a:xfrm>
-          <a:prstGeom prst="straightConnector1">
-            <a:avLst/>
-          </a:prstGeom>
-          <a:ln w="76200">
-            <a:solidFill>
-              <a:schemeClr val="tx1"/>
-            </a:solidFill>
-            <a:tailEnd type="triangle"/>
-          </a:ln>
-        </p:spPr>
-        <p:style>
-          <a:lnRef idx="1">
-            <a:schemeClr val="accent1"/>
-          </a:lnRef>
-          <a:fillRef idx="0">
-            <a:schemeClr val="accent1"/>
-          </a:fillRef>
-          <a:effectRef idx="0">
-            <a:schemeClr val="accent1"/>
-          </a:effectRef>
-          <a:fontRef idx="minor">
-            <a:schemeClr val="tx1"/>
-          </a:fontRef>
-        </p:style>
-      </p:cxnSp>
-      <p:sp>
-        <p:nvSpPr>
-          <p:cNvPr id="15" name="TextBox 14"/>
-          <p:cNvSpPr txBox="1"/>
-          <p:nvPr/>
-        </p:nvSpPr>
-        <p:spPr>
-          <a:xfrm>
-            <a:off x="2398944" y="4845090"/>
-            <a:ext cx="917111" cy="369332"/>
-          </a:xfrm>
-          <a:prstGeom prst="rect">
-            <a:avLst/>
-          </a:prstGeom>
-          <a:noFill/>
-        </p:spPr>
-        <p:txBody>
-          <a:bodyPr wrap="none" rtlCol="0">
-            <a:spAutoFit/>
-          </a:bodyPr>
-          <a:lstStyle/>
-          <a:p>
-            <a:r>
-              <a:rPr lang="en-US" dirty="0" smtClean="0"/>
-              <a:t>Remote</a:t>
-            </a:r>
-            <a:endParaRPr lang="en-US" dirty="0"/>
-          </a:p>
-        </p:txBody>
-      </p:sp>
-      <p:sp>
-        <p:nvSpPr>
-          <p:cNvPr id="17" name="TextBox 16"/>
-          <p:cNvSpPr txBox="1"/>
-          <p:nvPr/>
-        </p:nvSpPr>
-        <p:spPr>
-          <a:xfrm>
-            <a:off x="5421278" y="4845090"/>
-            <a:ext cx="663643" cy="369332"/>
-          </a:xfrm>
-          <a:prstGeom prst="rect">
-            <a:avLst/>
-          </a:prstGeom>
-          <a:noFill/>
-        </p:spPr>
-        <p:txBody>
-          <a:bodyPr wrap="none" rtlCol="0">
-            <a:spAutoFit/>
-          </a:bodyPr>
-          <a:lstStyle/>
-          <a:p>
-            <a:r>
-              <a:rPr lang="en-US" dirty="0" smtClean="0"/>
-              <a:t>Local</a:t>
-            </a:r>
-            <a:endParaRPr lang="en-US" dirty="0"/>
-          </a:p>
-        </p:txBody>
-      </p:sp>
-      <p:sp>
-        <p:nvSpPr>
-          <p:cNvPr id="18" name="TextBox 17"/>
-          <p:cNvSpPr txBox="1"/>
-          <p:nvPr/>
-        </p:nvSpPr>
-        <p:spPr>
-          <a:xfrm>
-            <a:off x="228600" y="5411569"/>
-            <a:ext cx="8610600" cy="646331"/>
-          </a:xfrm>
-          <a:prstGeom prst="rect">
-            <a:avLst/>
-          </a:prstGeom>
-          <a:noFill/>
-        </p:spPr>
-        <p:txBody>
-          <a:bodyPr wrap="square" rtlCol="0">
-            <a:spAutoFit/>
-          </a:bodyPr>
-          <a:lstStyle/>
-          <a:p>
-            <a:r>
-              <a:rPr lang="en-US" dirty="0" smtClean="0"/>
-              <a:t>You can make changes to your local repository without affecting the remote repository. You’ll sync them later.</a:t>
-            </a:r>
-          </a:p>
-        </p:txBody>
-      </p:sp>
-      <p:sp>
-        <p:nvSpPr>
-          <p:cNvPr id="16" name="TextBox 15"/>
-          <p:cNvSpPr txBox="1"/>
-          <p:nvPr/>
-        </p:nvSpPr>
-        <p:spPr>
-          <a:xfrm>
-            <a:off x="2318986" y="3730853"/>
-            <a:ext cx="1077025" cy="1015663"/>
-          </a:xfrm>
-          <a:prstGeom prst="rect">
-            <a:avLst/>
-          </a:prstGeom>
-          <a:noFill/>
-        </p:spPr>
-        <p:txBody>
-          <a:bodyPr wrap="none" rtlCol="0">
-            <a:spAutoFit/>
-          </a:bodyPr>
-          <a:lstStyle/>
-          <a:p>
-            <a:pPr algn="ctr"/>
-            <a:r>
-              <a:rPr lang="en-US" sz="1200" dirty="0" smtClean="0"/>
-              <a:t>Commit 1</a:t>
-            </a:r>
-          </a:p>
-          <a:p>
-            <a:pPr algn="ctr"/>
-            <a:r>
-              <a:rPr lang="en-US" sz="1200" dirty="0" smtClean="0"/>
-              <a:t>Commit 2</a:t>
-            </a:r>
-          </a:p>
-          <a:p>
-            <a:pPr algn="ctr"/>
-            <a:r>
-              <a:rPr lang="en-US" sz="1200" dirty="0" smtClean="0"/>
-              <a:t>Commit 3</a:t>
-            </a:r>
-          </a:p>
-          <a:p>
-            <a:pPr algn="ctr"/>
-            <a:r>
-              <a:rPr lang="en-US" sz="1200" dirty="0" smtClean="0"/>
-              <a:t>Commit 4 </a:t>
-            </a:r>
-          </a:p>
-          <a:p>
-            <a:pPr algn="ctr"/>
-            <a:r>
-              <a:rPr lang="en-US" sz="1200" dirty="0" smtClean="0"/>
-              <a:t>(current state)</a:t>
-            </a:r>
-            <a:endParaRPr lang="en-US" sz="1200" dirty="0"/>
-          </a:p>
-        </p:txBody>
-      </p:sp>
-      <p:sp>
-        <p:nvSpPr>
-          <p:cNvPr id="20" name="TextBox 19"/>
-          <p:cNvSpPr txBox="1"/>
-          <p:nvPr/>
-        </p:nvSpPr>
-        <p:spPr>
-          <a:xfrm>
-            <a:off x="5214586" y="3715127"/>
-            <a:ext cx="1077025" cy="1015663"/>
-          </a:xfrm>
-          <a:prstGeom prst="rect">
-            <a:avLst/>
-          </a:prstGeom>
-          <a:noFill/>
-        </p:spPr>
-        <p:txBody>
-          <a:bodyPr wrap="none" rtlCol="0">
-            <a:spAutoFit/>
-          </a:bodyPr>
-          <a:lstStyle/>
-          <a:p>
-            <a:pPr algn="ctr"/>
-            <a:r>
-              <a:rPr lang="en-US" sz="1200" dirty="0" smtClean="0"/>
-              <a:t>Commit 1</a:t>
-            </a:r>
-          </a:p>
-          <a:p>
-            <a:pPr algn="ctr"/>
-            <a:r>
-              <a:rPr lang="en-US" sz="1200" dirty="0" smtClean="0"/>
-              <a:t>Commit 2</a:t>
-            </a:r>
-          </a:p>
-          <a:p>
-            <a:pPr algn="ctr"/>
-            <a:r>
-              <a:rPr lang="en-US" sz="1200" dirty="0" smtClean="0"/>
-              <a:t>Commit 3</a:t>
-            </a:r>
-          </a:p>
-          <a:p>
-            <a:pPr algn="ctr"/>
-            <a:r>
-              <a:rPr lang="en-US" sz="1200" dirty="0" smtClean="0"/>
-              <a:t>Commit 4 </a:t>
-            </a:r>
-          </a:p>
-          <a:p>
-            <a:pPr algn="ctr"/>
-            <a:r>
-              <a:rPr lang="en-US" sz="1200" dirty="0" smtClean="0"/>
-              <a:t>(current state)</a:t>
-            </a:r>
-            <a:endParaRPr lang="en-US" sz="1200" dirty="0"/>
-          </a:p>
-        </p:txBody>
-      </p:sp>
-      <p:sp>
-        <p:nvSpPr>
-          <p:cNvPr id="19" name="Rectangle 18"/>
-          <p:cNvSpPr/>
-          <p:nvPr/>
-        </p:nvSpPr>
-        <p:spPr>
-          <a:xfrm>
-            <a:off x="2318985" y="4333914"/>
-            <a:ext cx="1077025" cy="387390"/>
-          </a:xfrm>
-          <a:prstGeom prst="rect">
-            <a:avLst/>
-          </a:prstGeom>
-          <a:noFill/>
-        </p:spPr>
-        <p:style>
-          <a:lnRef idx="2">
-            <a:schemeClr val="accent3"/>
-          </a:lnRef>
-          <a:fillRef idx="1">
-            <a:schemeClr val="lt1"/>
-          </a:fillRef>
-          <a:effectRef idx="0">
-            <a:schemeClr val="accent3"/>
-          </a:effectRef>
-          <a:fontRef idx="minor">
-            <a:schemeClr val="dk1"/>
-          </a:fontRef>
-        </p:style>
-        <p:txBody>
-          <a:bodyPr rtlCol="0" anchor="ctr"/>
-          <a:lstStyle/>
-          <a:p>
-            <a:pPr algn="ctr"/>
-            <a:endParaRPr lang="en-US"/>
-          </a:p>
-        </p:txBody>
-      </p:sp>
-      <p:sp>
-        <p:nvSpPr>
-          <p:cNvPr id="22" name="Rectangle 21"/>
-          <p:cNvSpPr/>
-          <p:nvPr/>
-        </p:nvSpPr>
-        <p:spPr>
-          <a:xfrm>
-            <a:off x="5214585" y="4289425"/>
-            <a:ext cx="1077025" cy="387390"/>
-          </a:xfrm>
-          <a:prstGeom prst="rect">
-            <a:avLst/>
-          </a:prstGeom>
-          <a:noFill/>
-        </p:spPr>
-        <p:style>
-          <a:lnRef idx="2">
-            <a:schemeClr val="accent3"/>
-          </a:lnRef>
-          <a:fillRef idx="1">
-            <a:schemeClr val="lt1"/>
-          </a:fillRef>
-          <a:effectRef idx="0">
-            <a:schemeClr val="accent3"/>
-          </a:effectRef>
-          <a:fontRef idx="minor">
-            <a:schemeClr val="dk1"/>
-          </a:fontRef>
-        </p:style>
-        <p:txBody>
-          <a:bodyPr rtlCol="0" anchor="ctr"/>
-          <a:lstStyle/>
-          <a:p>
-            <a:pPr algn="ctr"/>
-            <a:endParaRPr lang="en-US"/>
-          </a:p>
-        </p:txBody>
-      </p:sp>
     </p:spTree>
     <p:extLst>
       <p:ext uri="{BB962C8B-B14F-4D97-AF65-F5344CB8AC3E}">
-        <p14:creationId xmlns:p14="http://schemas.microsoft.com/office/powerpoint/2010/main" val="3041373075"/>
+        <p14:creationId xmlns:p14="http://schemas.microsoft.com/office/powerpoint/2010/main" val="1912529747"/>
       </p:ext>
     </p:extLst>
   </p:cSld>
@@ -11631,7 +15266,7 @@
                   </a:schemeClr>
                 </a:solidFill>
               </a:rPr>
-              <a:t>[Clone Demo]</a:t>
+              <a:t>Branch</a:t>
             </a:r>
             <a:endParaRPr lang="en-US" dirty="0">
               <a:solidFill>
@@ -11640,99 +15275,6 @@
                 </a:schemeClr>
               </a:solidFill>
             </a:endParaRPr>
-          </a:p>
-        </p:txBody>
-      </p:sp>
-      <p:sp>
-        <p:nvSpPr>
-          <p:cNvPr id="3" name="Content Placeholder 2"/>
-          <p:cNvSpPr>
-            <a:spLocks noGrp="1"/>
-          </p:cNvSpPr>
-          <p:nvPr>
-            <p:ph idx="1"/>
-          </p:nvPr>
-        </p:nvSpPr>
-        <p:spPr/>
-        <p:txBody>
-          <a:bodyPr>
-            <a:normAutofit fontScale="85000" lnSpcReduction="10000"/>
-          </a:bodyPr>
-          <a:lstStyle/>
-          <a:p>
-            <a:r>
-              <a:rPr lang="en-US" dirty="0" smtClean="0"/>
-              <a:t>Open GitHub Desktop and login if you haven’t already</a:t>
-            </a:r>
-          </a:p>
-          <a:p>
-            <a:r>
-              <a:rPr lang="en-US" dirty="0" smtClean="0"/>
-              <a:t>Go to github.com</a:t>
-            </a:r>
-          </a:p>
-          <a:p>
-            <a:r>
-              <a:rPr lang="en-US" dirty="0" smtClean="0"/>
-              <a:t>Login</a:t>
-            </a:r>
-          </a:p>
-          <a:p>
-            <a:r>
-              <a:rPr lang="en-US" dirty="0" smtClean="0"/>
-              <a:t>Search for </a:t>
-            </a:r>
-            <a:r>
-              <a:rPr lang="en-US" dirty="0" err="1" smtClean="0"/>
-              <a:t>LimnoTech</a:t>
-            </a:r>
-            <a:endParaRPr lang="en-US" dirty="0" smtClean="0"/>
-          </a:p>
-          <a:p>
-            <a:r>
-              <a:rPr lang="en-US" dirty="0" smtClean="0"/>
-              <a:t>Click on </a:t>
-            </a:r>
-            <a:r>
-              <a:rPr lang="en-US" dirty="0" err="1" smtClean="0"/>
-              <a:t>LimnoTech</a:t>
-            </a:r>
-            <a:r>
-              <a:rPr lang="en-US" dirty="0" smtClean="0"/>
-              <a:t>/</a:t>
-            </a:r>
-            <a:r>
-              <a:rPr lang="en-US" dirty="0" err="1" smtClean="0"/>
-              <a:t>SuperAwesomeProject</a:t>
-            </a:r>
-            <a:endParaRPr lang="en-US" dirty="0" smtClean="0"/>
-          </a:p>
-          <a:p>
-            <a:r>
-              <a:rPr lang="en-US" dirty="0" smtClean="0"/>
-              <a:t>Click Clone &gt; Open in Desktop</a:t>
-            </a:r>
-          </a:p>
-          <a:p>
-            <a:r>
-              <a:rPr lang="en-US" dirty="0" smtClean="0"/>
-              <a:t>Appears on the left</a:t>
-            </a:r>
-          </a:p>
-          <a:p>
-            <a:r>
-              <a:rPr lang="en-US" dirty="0" smtClean="0"/>
-              <a:t>Right click and go to Explorer View. </a:t>
-            </a:r>
-          </a:p>
-          <a:p>
-            <a:r>
-              <a:rPr lang="en-US" dirty="0" smtClean="0"/>
-              <a:t>Show how you can see everything that’s happened in the past. Show that explorer just shows latest.</a:t>
-            </a:r>
-          </a:p>
-          <a:p>
-            <a:endParaRPr lang="en-US" dirty="0"/>
           </a:p>
         </p:txBody>
       </p:sp>
@@ -11881,10 +15423,414 @@
           </a:p>
         </p:txBody>
       </p:sp>
+      <p:sp>
+        <p:nvSpPr>
+          <p:cNvPr id="4" name="TextBox 3"/>
+          <p:cNvSpPr txBox="1"/>
+          <p:nvPr/>
+        </p:nvSpPr>
+        <p:spPr>
+          <a:xfrm>
+            <a:off x="304800" y="1664345"/>
+            <a:ext cx="8305800" cy="1200329"/>
+          </a:xfrm>
+          <a:prstGeom prst="rect">
+            <a:avLst/>
+          </a:prstGeom>
+          <a:noFill/>
+        </p:spPr>
+        <p:txBody>
+          <a:bodyPr wrap="square" rtlCol="0">
+            <a:spAutoFit/>
+          </a:bodyPr>
+          <a:lstStyle/>
+          <a:p>
+            <a:r>
+              <a:rPr lang="en-US" b="1" dirty="0" smtClean="0"/>
+              <a:t>Branch: </a:t>
+            </a:r>
+            <a:r>
+              <a:rPr lang="en-US" dirty="0" smtClean="0"/>
+              <a:t>Create a new environment where you can try out new things without affecting the </a:t>
+            </a:r>
+            <a:r>
+              <a:rPr lang="en-US" b="1" dirty="0" smtClean="0"/>
+              <a:t>master </a:t>
+            </a:r>
+            <a:r>
+              <a:rPr lang="en-US" dirty="0" smtClean="0"/>
+              <a:t>branch. Other people may continue working on the Master branch. If you screw up, you can always go back to the master. Branches are cheap! Branch early and often.</a:t>
+            </a:r>
+            <a:endParaRPr lang="en-US" b="1" dirty="0"/>
+          </a:p>
+        </p:txBody>
+      </p:sp>
+      <p:cxnSp>
+        <p:nvCxnSpPr>
+          <p:cNvPr id="9" name="Straight Arrow Connector 8"/>
+          <p:cNvCxnSpPr/>
+          <p:nvPr/>
+        </p:nvCxnSpPr>
+        <p:spPr>
+          <a:xfrm>
+            <a:off x="1371600" y="4038600"/>
+            <a:ext cx="5791200" cy="0"/>
+          </a:xfrm>
+          <a:prstGeom prst="straightConnector1">
+            <a:avLst/>
+          </a:prstGeom>
+          <a:ln w="57150">
+            <a:tailEnd type="triangle"/>
+          </a:ln>
+        </p:spPr>
+        <p:style>
+          <a:lnRef idx="1">
+            <a:schemeClr val="accent1"/>
+          </a:lnRef>
+          <a:fillRef idx="0">
+            <a:schemeClr val="accent1"/>
+          </a:fillRef>
+          <a:effectRef idx="0">
+            <a:schemeClr val="accent1"/>
+          </a:effectRef>
+          <a:fontRef idx="minor">
+            <a:schemeClr val="tx1"/>
+          </a:fontRef>
+        </p:style>
+      </p:cxnSp>
+      <p:sp>
+        <p:nvSpPr>
+          <p:cNvPr id="10" name="Oval 9"/>
+          <p:cNvSpPr/>
+          <p:nvPr/>
+        </p:nvSpPr>
+        <p:spPr>
+          <a:xfrm>
+            <a:off x="1676400" y="3898538"/>
+            <a:ext cx="228600" cy="228600"/>
+          </a:xfrm>
+          <a:prstGeom prst="ellipse">
+            <a:avLst/>
+          </a:prstGeom>
+        </p:spPr>
+        <p:style>
+          <a:lnRef idx="2">
+            <a:schemeClr val="accent1">
+              <a:shade val="50000"/>
+            </a:schemeClr>
+          </a:lnRef>
+          <a:fillRef idx="1">
+            <a:schemeClr val="accent1"/>
+          </a:fillRef>
+          <a:effectRef idx="0">
+            <a:schemeClr val="accent1"/>
+          </a:effectRef>
+          <a:fontRef idx="minor">
+            <a:schemeClr val="lt1"/>
+          </a:fontRef>
+        </p:style>
+        <p:txBody>
+          <a:bodyPr rtlCol="0" anchor="ctr"/>
+          <a:lstStyle/>
+          <a:p>
+            <a:pPr algn="ctr"/>
+            <a:endParaRPr lang="en-US"/>
+          </a:p>
+        </p:txBody>
+      </p:sp>
+      <p:sp>
+        <p:nvSpPr>
+          <p:cNvPr id="12" name="Oval 11"/>
+          <p:cNvSpPr/>
+          <p:nvPr/>
+        </p:nvSpPr>
+        <p:spPr>
+          <a:xfrm>
+            <a:off x="3111751" y="3898538"/>
+            <a:ext cx="228600" cy="228600"/>
+          </a:xfrm>
+          <a:prstGeom prst="ellipse">
+            <a:avLst/>
+          </a:prstGeom>
+        </p:spPr>
+        <p:style>
+          <a:lnRef idx="2">
+            <a:schemeClr val="accent1">
+              <a:shade val="50000"/>
+            </a:schemeClr>
+          </a:lnRef>
+          <a:fillRef idx="1">
+            <a:schemeClr val="accent1"/>
+          </a:fillRef>
+          <a:effectRef idx="0">
+            <a:schemeClr val="accent1"/>
+          </a:effectRef>
+          <a:fontRef idx="minor">
+            <a:schemeClr val="lt1"/>
+          </a:fontRef>
+        </p:style>
+        <p:txBody>
+          <a:bodyPr rtlCol="0" anchor="ctr"/>
+          <a:lstStyle/>
+          <a:p>
+            <a:pPr algn="ctr"/>
+            <a:endParaRPr lang="en-US"/>
+          </a:p>
+        </p:txBody>
+      </p:sp>
+      <p:sp>
+        <p:nvSpPr>
+          <p:cNvPr id="13" name="Oval 12"/>
+          <p:cNvSpPr/>
+          <p:nvPr/>
+        </p:nvSpPr>
+        <p:spPr>
+          <a:xfrm>
+            <a:off x="4457700" y="3898538"/>
+            <a:ext cx="228600" cy="228600"/>
+          </a:xfrm>
+          <a:prstGeom prst="ellipse">
+            <a:avLst/>
+          </a:prstGeom>
+        </p:spPr>
+        <p:style>
+          <a:lnRef idx="2">
+            <a:schemeClr val="accent1">
+              <a:shade val="50000"/>
+            </a:schemeClr>
+          </a:lnRef>
+          <a:fillRef idx="1">
+            <a:schemeClr val="accent1"/>
+          </a:fillRef>
+          <a:effectRef idx="0">
+            <a:schemeClr val="accent1"/>
+          </a:effectRef>
+          <a:fontRef idx="minor">
+            <a:schemeClr val="lt1"/>
+          </a:fontRef>
+        </p:style>
+        <p:txBody>
+          <a:bodyPr rtlCol="0" anchor="ctr"/>
+          <a:lstStyle/>
+          <a:p>
+            <a:pPr algn="ctr"/>
+            <a:endParaRPr lang="en-US"/>
+          </a:p>
+        </p:txBody>
+      </p:sp>
+      <p:sp>
+        <p:nvSpPr>
+          <p:cNvPr id="14" name="Oval 13"/>
+          <p:cNvSpPr/>
+          <p:nvPr/>
+        </p:nvSpPr>
+        <p:spPr>
+          <a:xfrm>
+            <a:off x="5867400" y="3924300"/>
+            <a:ext cx="228600" cy="228600"/>
+          </a:xfrm>
+          <a:prstGeom prst="ellipse">
+            <a:avLst/>
+          </a:prstGeom>
+        </p:spPr>
+        <p:style>
+          <a:lnRef idx="2">
+            <a:schemeClr val="accent1">
+              <a:shade val="50000"/>
+            </a:schemeClr>
+          </a:lnRef>
+          <a:fillRef idx="1">
+            <a:schemeClr val="accent1"/>
+          </a:fillRef>
+          <a:effectRef idx="0">
+            <a:schemeClr val="accent1"/>
+          </a:effectRef>
+          <a:fontRef idx="minor">
+            <a:schemeClr val="lt1"/>
+          </a:fontRef>
+        </p:style>
+        <p:txBody>
+          <a:bodyPr rtlCol="0" anchor="ctr"/>
+          <a:lstStyle/>
+          <a:p>
+            <a:pPr algn="ctr"/>
+            <a:endParaRPr lang="en-US"/>
+          </a:p>
+        </p:txBody>
+      </p:sp>
+      <p:sp>
+        <p:nvSpPr>
+          <p:cNvPr id="11" name="TextBox 10"/>
+          <p:cNvSpPr txBox="1"/>
+          <p:nvPr/>
+        </p:nvSpPr>
+        <p:spPr>
+          <a:xfrm>
+            <a:off x="7162046" y="3853934"/>
+            <a:ext cx="849656" cy="369332"/>
+          </a:xfrm>
+          <a:prstGeom prst="rect">
+            <a:avLst/>
+          </a:prstGeom>
+          <a:noFill/>
+        </p:spPr>
+        <p:txBody>
+          <a:bodyPr wrap="none" rtlCol="0">
+            <a:spAutoFit/>
+          </a:bodyPr>
+          <a:lstStyle/>
+          <a:p>
+            <a:r>
+              <a:rPr lang="en-US" dirty="0" smtClean="0"/>
+              <a:t>Master</a:t>
+            </a:r>
+            <a:endParaRPr lang="en-US" dirty="0"/>
+          </a:p>
+        </p:txBody>
+      </p:sp>
+      <p:cxnSp>
+        <p:nvCxnSpPr>
+          <p:cNvPr id="16" name="Straight Arrow Connector 15"/>
+          <p:cNvCxnSpPr>
+            <a:stCxn id="14" idx="4"/>
+          </p:cNvCxnSpPr>
+          <p:nvPr/>
+        </p:nvCxnSpPr>
+        <p:spPr>
+          <a:xfrm>
+            <a:off x="5981700" y="4152900"/>
+            <a:ext cx="1028700" cy="767835"/>
+          </a:xfrm>
+          <a:prstGeom prst="straightConnector1">
+            <a:avLst/>
+          </a:prstGeom>
+          <a:ln w="76200">
+            <a:headEnd type="none" w="med" len="med"/>
+            <a:tailEnd type="none" w="med" len="med"/>
+          </a:ln>
+        </p:spPr>
+        <p:style>
+          <a:lnRef idx="1">
+            <a:schemeClr val="accent6"/>
+          </a:lnRef>
+          <a:fillRef idx="0">
+            <a:schemeClr val="accent6"/>
+          </a:fillRef>
+          <a:effectRef idx="0">
+            <a:schemeClr val="accent6"/>
+          </a:effectRef>
+          <a:fontRef idx="minor">
+            <a:schemeClr val="tx1"/>
+          </a:fontRef>
+        </p:style>
+      </p:cxnSp>
+      <p:cxnSp>
+        <p:nvCxnSpPr>
+          <p:cNvPr id="18" name="Straight Arrow Connector 17"/>
+          <p:cNvCxnSpPr/>
+          <p:nvPr/>
+        </p:nvCxnSpPr>
+        <p:spPr>
+          <a:xfrm>
+            <a:off x="7010400" y="4835782"/>
+            <a:ext cx="914400" cy="0"/>
+          </a:xfrm>
+          <a:prstGeom prst="straightConnector1">
+            <a:avLst/>
+          </a:prstGeom>
+          <a:ln w="76200">
+            <a:tailEnd type="triangle"/>
+          </a:ln>
+        </p:spPr>
+        <p:style>
+          <a:lnRef idx="1">
+            <a:schemeClr val="accent6"/>
+          </a:lnRef>
+          <a:fillRef idx="0">
+            <a:schemeClr val="accent6"/>
+          </a:fillRef>
+          <a:effectRef idx="0">
+            <a:schemeClr val="accent6"/>
+          </a:effectRef>
+          <a:fontRef idx="minor">
+            <a:schemeClr val="tx1"/>
+          </a:fontRef>
+        </p:style>
+      </p:cxnSp>
+      <p:sp>
+        <p:nvSpPr>
+          <p:cNvPr id="20" name="Oval 19"/>
+          <p:cNvSpPr/>
+          <p:nvPr/>
+        </p:nvSpPr>
+        <p:spPr>
+          <a:xfrm>
+            <a:off x="6836498" y="4721482"/>
+            <a:ext cx="228600" cy="228600"/>
+          </a:xfrm>
+          <a:prstGeom prst="ellipse">
+            <a:avLst/>
+          </a:prstGeom>
+        </p:spPr>
+        <p:style>
+          <a:lnRef idx="2">
+            <a:schemeClr val="accent6">
+              <a:shade val="50000"/>
+            </a:schemeClr>
+          </a:lnRef>
+          <a:fillRef idx="1">
+            <a:schemeClr val="accent6"/>
+          </a:fillRef>
+          <a:effectRef idx="0">
+            <a:schemeClr val="accent6"/>
+          </a:effectRef>
+          <a:fontRef idx="minor">
+            <a:schemeClr val="lt1"/>
+          </a:fontRef>
+        </p:style>
+        <p:txBody>
+          <a:bodyPr rtlCol="0" anchor="ctr"/>
+          <a:lstStyle/>
+          <a:p>
+            <a:pPr algn="ctr"/>
+            <a:endParaRPr lang="en-US"/>
+          </a:p>
+        </p:txBody>
+      </p:sp>
+      <p:sp>
+        <p:nvSpPr>
+          <p:cNvPr id="21" name="TextBox 20"/>
+          <p:cNvSpPr txBox="1"/>
+          <p:nvPr/>
+        </p:nvSpPr>
+        <p:spPr>
+          <a:xfrm>
+            <a:off x="7882690" y="4634065"/>
+            <a:ext cx="837152" cy="369332"/>
+          </a:xfrm>
+          <a:prstGeom prst="rect">
+            <a:avLst/>
+          </a:prstGeom>
+          <a:noFill/>
+        </p:spPr>
+        <p:txBody>
+          <a:bodyPr wrap="none" rtlCol="0">
+            <a:spAutoFit/>
+          </a:bodyPr>
+          <a:lstStyle/>
+          <a:p>
+            <a:r>
+              <a:rPr lang="en-US" dirty="0" smtClean="0"/>
+              <a:t>Branch</a:t>
+            </a:r>
+            <a:endParaRPr lang="en-US" dirty="0"/>
+          </a:p>
+        </p:txBody>
+      </p:sp>
     </p:spTree>
     <p:extLst>
       <p:ext uri="{BB962C8B-B14F-4D97-AF65-F5344CB8AC3E}">
-        <p14:creationId xmlns:p14="http://schemas.microsoft.com/office/powerpoint/2010/main" val="1912529747"/>
+        <p14:creationId xmlns:p14="http://schemas.microsoft.com/office/powerpoint/2010/main" val="3311386746"/>
       </p:ext>
     </p:extLst>
   </p:cSld>
@@ -12008,7 +15954,7 @@
                   </a:schemeClr>
                 </a:solidFill>
               </a:rPr>
-              <a:t>Branch</a:t>
+              <a:t>[Branch Demo]</a:t>
             </a:r>
             <a:endParaRPr lang="en-US" dirty="0">
               <a:solidFill>
@@ -12017,6 +15963,47 @@
                 </a:schemeClr>
               </a:solidFill>
             </a:endParaRPr>
+          </a:p>
+        </p:txBody>
+      </p:sp>
+      <p:sp>
+        <p:nvSpPr>
+          <p:cNvPr id="3" name="Content Placeholder 2"/>
+          <p:cNvSpPr>
+            <a:spLocks noGrp="1"/>
+          </p:cNvSpPr>
+          <p:nvPr>
+            <p:ph idx="1"/>
+          </p:nvPr>
+        </p:nvSpPr>
+        <p:spPr/>
+        <p:txBody>
+          <a:bodyPr/>
+          <a:lstStyle/>
+          <a:p>
+            <a:r>
+              <a:rPr lang="en-US" dirty="0" smtClean="0"/>
+              <a:t>Click branch icon</a:t>
+            </a:r>
+          </a:p>
+          <a:p>
+            <a:r>
+              <a:rPr lang="en-US" dirty="0" smtClean="0"/>
+              <a:t>Type in name of new branch</a:t>
+            </a:r>
+          </a:p>
+          <a:p>
+            <a:r>
+              <a:rPr lang="en-US" dirty="0" smtClean="0"/>
+              <a:t>Branch from Master</a:t>
+            </a:r>
+          </a:p>
+          <a:p>
+            <a:r>
+              <a:rPr lang="en-US" dirty="0" smtClean="0"/>
+              <a:t>Click OK</a:t>
+            </a:r>
+            <a:endParaRPr lang="en-US" dirty="0"/>
           </a:p>
         </p:txBody>
       </p:sp>
@@ -12165,414 +16152,10 @@
           </a:p>
         </p:txBody>
       </p:sp>
-      <p:sp>
-        <p:nvSpPr>
-          <p:cNvPr id="4" name="TextBox 3"/>
-          <p:cNvSpPr txBox="1"/>
-          <p:nvPr/>
-        </p:nvSpPr>
-        <p:spPr>
-          <a:xfrm>
-            <a:off x="304800" y="1664345"/>
-            <a:ext cx="8305800" cy="1200329"/>
-          </a:xfrm>
-          <a:prstGeom prst="rect">
-            <a:avLst/>
-          </a:prstGeom>
-          <a:noFill/>
-        </p:spPr>
-        <p:txBody>
-          <a:bodyPr wrap="square" rtlCol="0">
-            <a:spAutoFit/>
-          </a:bodyPr>
-          <a:lstStyle/>
-          <a:p>
-            <a:r>
-              <a:rPr lang="en-US" b="1" dirty="0" smtClean="0"/>
-              <a:t>Branch: </a:t>
-            </a:r>
-            <a:r>
-              <a:rPr lang="en-US" dirty="0" smtClean="0"/>
-              <a:t>Create a new environment where you can try out new things without affecting the </a:t>
-            </a:r>
-            <a:r>
-              <a:rPr lang="en-US" b="1" dirty="0" smtClean="0"/>
-              <a:t>master </a:t>
-            </a:r>
-            <a:r>
-              <a:rPr lang="en-US" dirty="0" smtClean="0"/>
-              <a:t>branch. Other people may continue working on the Master branch. If you screw up, you can always go back to the master. Branches are cheap! Branch early and often.</a:t>
-            </a:r>
-            <a:endParaRPr lang="en-US" b="1" dirty="0"/>
-          </a:p>
-        </p:txBody>
-      </p:sp>
-      <p:cxnSp>
-        <p:nvCxnSpPr>
-          <p:cNvPr id="9" name="Straight Arrow Connector 8"/>
-          <p:cNvCxnSpPr/>
-          <p:nvPr/>
-        </p:nvCxnSpPr>
-        <p:spPr>
-          <a:xfrm>
-            <a:off x="1371600" y="4038600"/>
-            <a:ext cx="5791200" cy="0"/>
-          </a:xfrm>
-          <a:prstGeom prst="straightConnector1">
-            <a:avLst/>
-          </a:prstGeom>
-          <a:ln w="57150">
-            <a:tailEnd type="triangle"/>
-          </a:ln>
-        </p:spPr>
-        <p:style>
-          <a:lnRef idx="1">
-            <a:schemeClr val="accent1"/>
-          </a:lnRef>
-          <a:fillRef idx="0">
-            <a:schemeClr val="accent1"/>
-          </a:fillRef>
-          <a:effectRef idx="0">
-            <a:schemeClr val="accent1"/>
-          </a:effectRef>
-          <a:fontRef idx="minor">
-            <a:schemeClr val="tx1"/>
-          </a:fontRef>
-        </p:style>
-      </p:cxnSp>
-      <p:sp>
-        <p:nvSpPr>
-          <p:cNvPr id="10" name="Oval 9"/>
-          <p:cNvSpPr/>
-          <p:nvPr/>
-        </p:nvSpPr>
-        <p:spPr>
-          <a:xfrm>
-            <a:off x="1676400" y="3898538"/>
-            <a:ext cx="228600" cy="228600"/>
-          </a:xfrm>
-          <a:prstGeom prst="ellipse">
-            <a:avLst/>
-          </a:prstGeom>
-        </p:spPr>
-        <p:style>
-          <a:lnRef idx="2">
-            <a:schemeClr val="accent1">
-              <a:shade val="50000"/>
-            </a:schemeClr>
-          </a:lnRef>
-          <a:fillRef idx="1">
-            <a:schemeClr val="accent1"/>
-          </a:fillRef>
-          <a:effectRef idx="0">
-            <a:schemeClr val="accent1"/>
-          </a:effectRef>
-          <a:fontRef idx="minor">
-            <a:schemeClr val="lt1"/>
-          </a:fontRef>
-        </p:style>
-        <p:txBody>
-          <a:bodyPr rtlCol="0" anchor="ctr"/>
-          <a:lstStyle/>
-          <a:p>
-            <a:pPr algn="ctr"/>
-            <a:endParaRPr lang="en-US"/>
-          </a:p>
-        </p:txBody>
-      </p:sp>
-      <p:sp>
-        <p:nvSpPr>
-          <p:cNvPr id="12" name="Oval 11"/>
-          <p:cNvSpPr/>
-          <p:nvPr/>
-        </p:nvSpPr>
-        <p:spPr>
-          <a:xfrm>
-            <a:off x="3111751" y="3898538"/>
-            <a:ext cx="228600" cy="228600"/>
-          </a:xfrm>
-          <a:prstGeom prst="ellipse">
-            <a:avLst/>
-          </a:prstGeom>
-        </p:spPr>
-        <p:style>
-          <a:lnRef idx="2">
-            <a:schemeClr val="accent1">
-              <a:shade val="50000"/>
-            </a:schemeClr>
-          </a:lnRef>
-          <a:fillRef idx="1">
-            <a:schemeClr val="accent1"/>
-          </a:fillRef>
-          <a:effectRef idx="0">
-            <a:schemeClr val="accent1"/>
-          </a:effectRef>
-          <a:fontRef idx="minor">
-            <a:schemeClr val="lt1"/>
-          </a:fontRef>
-        </p:style>
-        <p:txBody>
-          <a:bodyPr rtlCol="0" anchor="ctr"/>
-          <a:lstStyle/>
-          <a:p>
-            <a:pPr algn="ctr"/>
-            <a:endParaRPr lang="en-US"/>
-          </a:p>
-        </p:txBody>
-      </p:sp>
-      <p:sp>
-        <p:nvSpPr>
-          <p:cNvPr id="13" name="Oval 12"/>
-          <p:cNvSpPr/>
-          <p:nvPr/>
-        </p:nvSpPr>
-        <p:spPr>
-          <a:xfrm>
-            <a:off x="4457700" y="3898538"/>
-            <a:ext cx="228600" cy="228600"/>
-          </a:xfrm>
-          <a:prstGeom prst="ellipse">
-            <a:avLst/>
-          </a:prstGeom>
-        </p:spPr>
-        <p:style>
-          <a:lnRef idx="2">
-            <a:schemeClr val="accent1">
-              <a:shade val="50000"/>
-            </a:schemeClr>
-          </a:lnRef>
-          <a:fillRef idx="1">
-            <a:schemeClr val="accent1"/>
-          </a:fillRef>
-          <a:effectRef idx="0">
-            <a:schemeClr val="accent1"/>
-          </a:effectRef>
-          <a:fontRef idx="minor">
-            <a:schemeClr val="lt1"/>
-          </a:fontRef>
-        </p:style>
-        <p:txBody>
-          <a:bodyPr rtlCol="0" anchor="ctr"/>
-          <a:lstStyle/>
-          <a:p>
-            <a:pPr algn="ctr"/>
-            <a:endParaRPr lang="en-US"/>
-          </a:p>
-        </p:txBody>
-      </p:sp>
-      <p:sp>
-        <p:nvSpPr>
-          <p:cNvPr id="14" name="Oval 13"/>
-          <p:cNvSpPr/>
-          <p:nvPr/>
-        </p:nvSpPr>
-        <p:spPr>
-          <a:xfrm>
-            <a:off x="5867400" y="3924300"/>
-            <a:ext cx="228600" cy="228600"/>
-          </a:xfrm>
-          <a:prstGeom prst="ellipse">
-            <a:avLst/>
-          </a:prstGeom>
-        </p:spPr>
-        <p:style>
-          <a:lnRef idx="2">
-            <a:schemeClr val="accent1">
-              <a:shade val="50000"/>
-            </a:schemeClr>
-          </a:lnRef>
-          <a:fillRef idx="1">
-            <a:schemeClr val="accent1"/>
-          </a:fillRef>
-          <a:effectRef idx="0">
-            <a:schemeClr val="accent1"/>
-          </a:effectRef>
-          <a:fontRef idx="minor">
-            <a:schemeClr val="lt1"/>
-          </a:fontRef>
-        </p:style>
-        <p:txBody>
-          <a:bodyPr rtlCol="0" anchor="ctr"/>
-          <a:lstStyle/>
-          <a:p>
-            <a:pPr algn="ctr"/>
-            <a:endParaRPr lang="en-US"/>
-          </a:p>
-        </p:txBody>
-      </p:sp>
-      <p:sp>
-        <p:nvSpPr>
-          <p:cNvPr id="11" name="TextBox 10"/>
-          <p:cNvSpPr txBox="1"/>
-          <p:nvPr/>
-        </p:nvSpPr>
-        <p:spPr>
-          <a:xfrm>
-            <a:off x="7162046" y="3853934"/>
-            <a:ext cx="849656" cy="369332"/>
-          </a:xfrm>
-          <a:prstGeom prst="rect">
-            <a:avLst/>
-          </a:prstGeom>
-          <a:noFill/>
-        </p:spPr>
-        <p:txBody>
-          <a:bodyPr wrap="none" rtlCol="0">
-            <a:spAutoFit/>
-          </a:bodyPr>
-          <a:lstStyle/>
-          <a:p>
-            <a:r>
-              <a:rPr lang="en-US" dirty="0" smtClean="0"/>
-              <a:t>Master</a:t>
-            </a:r>
-            <a:endParaRPr lang="en-US" dirty="0"/>
-          </a:p>
-        </p:txBody>
-      </p:sp>
-      <p:cxnSp>
-        <p:nvCxnSpPr>
-          <p:cNvPr id="16" name="Straight Arrow Connector 15"/>
-          <p:cNvCxnSpPr>
-            <a:stCxn id="14" idx="4"/>
-          </p:cNvCxnSpPr>
-          <p:nvPr/>
-        </p:nvCxnSpPr>
-        <p:spPr>
-          <a:xfrm>
-            <a:off x="5981700" y="4152900"/>
-            <a:ext cx="1028700" cy="767835"/>
-          </a:xfrm>
-          <a:prstGeom prst="straightConnector1">
-            <a:avLst/>
-          </a:prstGeom>
-          <a:ln w="76200">
-            <a:headEnd type="none" w="med" len="med"/>
-            <a:tailEnd type="none" w="med" len="med"/>
-          </a:ln>
-        </p:spPr>
-        <p:style>
-          <a:lnRef idx="1">
-            <a:schemeClr val="accent6"/>
-          </a:lnRef>
-          <a:fillRef idx="0">
-            <a:schemeClr val="accent6"/>
-          </a:fillRef>
-          <a:effectRef idx="0">
-            <a:schemeClr val="accent6"/>
-          </a:effectRef>
-          <a:fontRef idx="minor">
-            <a:schemeClr val="tx1"/>
-          </a:fontRef>
-        </p:style>
-      </p:cxnSp>
-      <p:cxnSp>
-        <p:nvCxnSpPr>
-          <p:cNvPr id="18" name="Straight Arrow Connector 17"/>
-          <p:cNvCxnSpPr/>
-          <p:nvPr/>
-        </p:nvCxnSpPr>
-        <p:spPr>
-          <a:xfrm>
-            <a:off x="7010400" y="4835782"/>
-            <a:ext cx="914400" cy="0"/>
-          </a:xfrm>
-          <a:prstGeom prst="straightConnector1">
-            <a:avLst/>
-          </a:prstGeom>
-          <a:ln w="76200">
-            <a:tailEnd type="triangle"/>
-          </a:ln>
-        </p:spPr>
-        <p:style>
-          <a:lnRef idx="1">
-            <a:schemeClr val="accent6"/>
-          </a:lnRef>
-          <a:fillRef idx="0">
-            <a:schemeClr val="accent6"/>
-          </a:fillRef>
-          <a:effectRef idx="0">
-            <a:schemeClr val="accent6"/>
-          </a:effectRef>
-          <a:fontRef idx="minor">
-            <a:schemeClr val="tx1"/>
-          </a:fontRef>
-        </p:style>
-      </p:cxnSp>
-      <p:sp>
-        <p:nvSpPr>
-          <p:cNvPr id="20" name="Oval 19"/>
-          <p:cNvSpPr/>
-          <p:nvPr/>
-        </p:nvSpPr>
-        <p:spPr>
-          <a:xfrm>
-            <a:off x="6836498" y="4721482"/>
-            <a:ext cx="228600" cy="228600"/>
-          </a:xfrm>
-          <a:prstGeom prst="ellipse">
-            <a:avLst/>
-          </a:prstGeom>
-        </p:spPr>
-        <p:style>
-          <a:lnRef idx="2">
-            <a:schemeClr val="accent6">
-              <a:shade val="50000"/>
-            </a:schemeClr>
-          </a:lnRef>
-          <a:fillRef idx="1">
-            <a:schemeClr val="accent6"/>
-          </a:fillRef>
-          <a:effectRef idx="0">
-            <a:schemeClr val="accent6"/>
-          </a:effectRef>
-          <a:fontRef idx="minor">
-            <a:schemeClr val="lt1"/>
-          </a:fontRef>
-        </p:style>
-        <p:txBody>
-          <a:bodyPr rtlCol="0" anchor="ctr"/>
-          <a:lstStyle/>
-          <a:p>
-            <a:pPr algn="ctr"/>
-            <a:endParaRPr lang="en-US"/>
-          </a:p>
-        </p:txBody>
-      </p:sp>
-      <p:sp>
-        <p:nvSpPr>
-          <p:cNvPr id="21" name="TextBox 20"/>
-          <p:cNvSpPr txBox="1"/>
-          <p:nvPr/>
-        </p:nvSpPr>
-        <p:spPr>
-          <a:xfrm>
-            <a:off x="7882690" y="4634065"/>
-            <a:ext cx="837152" cy="369332"/>
-          </a:xfrm>
-          <a:prstGeom prst="rect">
-            <a:avLst/>
-          </a:prstGeom>
-          <a:noFill/>
-        </p:spPr>
-        <p:txBody>
-          <a:bodyPr wrap="none" rtlCol="0">
-            <a:spAutoFit/>
-          </a:bodyPr>
-          <a:lstStyle/>
-          <a:p>
-            <a:r>
-              <a:rPr lang="en-US" dirty="0" smtClean="0"/>
-              <a:t>Branch</a:t>
-            </a:r>
-            <a:endParaRPr lang="en-US" dirty="0"/>
-          </a:p>
-        </p:txBody>
-      </p:sp>
     </p:spTree>
     <p:extLst>
       <p:ext uri="{BB962C8B-B14F-4D97-AF65-F5344CB8AC3E}">
-        <p14:creationId xmlns:p14="http://schemas.microsoft.com/office/powerpoint/2010/main" val="3311386746"/>
+        <p14:creationId xmlns:p14="http://schemas.microsoft.com/office/powerpoint/2010/main" val="556958731"/>
       </p:ext>
     </p:extLst>
   </p:cSld>

--- a/GitHub_Steve.pptx
+++ b/GitHub_Steve.pptx
@@ -5286,17 +5286,6 @@
           <a:p>
             <a:pPr algn="l"/>
             <a:r>
-              <a:rPr lang="en-US" dirty="0" smtClean="0">
-                <a:solidFill>
-                  <a:schemeClr val="accent3">
-                    <a:lumMod val="60000"/>
-                    <a:lumOff val="40000"/>
-                  </a:schemeClr>
-                </a:solidFill>
-              </a:rPr>
-              <a:t>Interacting with </a:t>
-            </a:r>
-            <a:r>
               <a:rPr lang="en-US" dirty="0" err="1" smtClean="0">
                 <a:solidFill>
                   <a:schemeClr val="accent3">
@@ -5306,6 +5295,28 @@
                 </a:solidFill>
               </a:rPr>
               <a:t>Git</a:t>
+            </a:r>
+            <a:r>
+              <a:rPr lang="en-US" dirty="0" smtClean="0">
+                <a:solidFill>
+                  <a:schemeClr val="accent3">
+                    <a:lumMod val="60000"/>
+                    <a:lumOff val="40000"/>
+                  </a:schemeClr>
+                </a:solidFill>
+              </a:rPr>
+              <a:t> </a:t>
+            </a:r>
+            <a:r>
+              <a:rPr lang="en-US" smtClean="0">
+                <a:solidFill>
+                  <a:schemeClr val="accent3">
+                    <a:lumMod val="60000"/>
+                    <a:lumOff val="40000"/>
+                  </a:schemeClr>
+                </a:solidFill>
+              </a:rPr>
+              <a:t>and GitHub Basics</a:t>
             </a:r>
             <a:endParaRPr lang="en-US" dirty="0">
               <a:solidFill>
@@ -8654,7 +8665,6 @@
               <a:rPr lang="en-US" dirty="0" smtClean="0"/>
               <a:t>.</a:t>
             </a:r>
-            <a:endParaRPr lang="en-US" dirty="0" smtClean="0"/>
           </a:p>
           <a:p>
             <a:endParaRPr lang="en-US" dirty="0" smtClean="0"/>
@@ -9211,7 +9221,6 @@
               <a:rPr lang="en-US" dirty="0" smtClean="0"/>
               <a:t>Commits are self-documenting</a:t>
             </a:r>
-            <a:endParaRPr lang="en-US" dirty="0" smtClean="0"/>
           </a:p>
           <a:p>
             <a:endParaRPr lang="en-US" dirty="0" smtClean="0"/>
@@ -11280,7 +11289,6 @@
               <a:rPr lang="en-US" sz="2400" dirty="0" smtClean="0"/>
               <a:t> file to list any types of files you do not want to track (calibration data, input data, output files)</a:t>
             </a:r>
-            <a:endParaRPr lang="en-US" sz="2400" dirty="0" smtClean="0"/>
           </a:p>
           <a:p>
             <a:endParaRPr lang="en-US" sz="2400" dirty="0" smtClean="0"/>
@@ -11937,11 +11945,7 @@
           <a:p>
             <a:r>
               <a:rPr lang="en-US" dirty="0" smtClean="0"/>
-              <a:t>Yo</a:t>
-            </a:r>
-            <a:r>
-              <a:rPr lang="en-US" dirty="0" smtClean="0"/>
-              <a:t>u can use </a:t>
+              <a:t>You can use </a:t>
             </a:r>
             <a:r>
               <a:rPr lang="en-US" dirty="0" err="1" smtClean="0"/>
@@ -11951,7 +11955,6 @@
               <a:rPr lang="en-US" dirty="0" smtClean="0"/>
               <a:t> without GitHub.</a:t>
             </a:r>
-            <a:endParaRPr lang="en-US" dirty="0" smtClean="0"/>
           </a:p>
           <a:p>
             <a:endParaRPr lang="en-US" dirty="0" smtClean="0"/>
